--- a/slides/On-Campus/10_03_IntrotoRecursion.pptx
+++ b/slides/On-Campus/10_03_IntrotoRecursion.pptx
@@ -5,15 +5,19 @@
     <p:sldMasterId id="2147483648" r:id="rId1"/>
   </p:sldMasterIdLst>
   <p:notesMasterIdLst>
-    <p:notesMasterId r:id="rId5"/>
+    <p:notesMasterId r:id="rId9"/>
   </p:notesMasterIdLst>
   <p:handoutMasterIdLst>
-    <p:handoutMasterId r:id="rId6"/>
+    <p:handoutMasterId r:id="rId10"/>
   </p:handoutMasterIdLst>
   <p:sldIdLst>
     <p:sldId id="256" r:id="rId2"/>
-    <p:sldId id="257" r:id="rId3"/>
-    <p:sldId id="258" r:id="rId4"/>
+    <p:sldId id="267" r:id="rId3"/>
+    <p:sldId id="259" r:id="rId4"/>
+    <p:sldId id="260" r:id="rId5"/>
+    <p:sldId id="257" r:id="rId6"/>
+    <p:sldId id="258" r:id="rId7"/>
+    <p:sldId id="268" r:id="rId8"/>
   </p:sldIdLst>
   <p:sldSz cx="13817600" cy="7772400"/>
   <p:notesSz cx="6858000" cy="9144000"/>
@@ -134,6 +138,702 @@
 </p:presentation>
 </file>
 
+<file path=ppt/changesInfos/changesInfo1.xml><?xml version="1.0" encoding="utf-8"?>
+<pc:chgInfo xmlns:a="http://schemas.openxmlformats.org/drawingml/2006/main" xmlns:r="http://schemas.openxmlformats.org/officeDocument/2006/relationships" xmlns:ac="http://schemas.microsoft.com/office/drawing/2013/main/command" xmlns:pc="http://schemas.microsoft.com/office/powerpoint/2013/main/command">
+  <pc:docChgLst>
+    <pc:chgData name="Marcia Moraes" userId="c9c67e8a-58e2-4733-9a1c-5d44fec4775b" providerId="ADAL" clId="{3581709A-DD39-49C7-95E0-D08E3DDA771C}"/>
+    <pc:docChg chg="undo custSel addSld delSld modSld">
+      <pc:chgData name="Marcia Moraes" userId="c9c67e8a-58e2-4733-9a1c-5d44fec4775b" providerId="ADAL" clId="{3581709A-DD39-49C7-95E0-D08E3DDA771C}" dt="2021-10-28T19:29:24.137" v="1796" actId="20577"/>
+      <pc:docMkLst>
+        <pc:docMk/>
+      </pc:docMkLst>
+      <pc:sldChg chg="addSp delSp modSp delAnim modAnim">
+        <pc:chgData name="Marcia Moraes" userId="c9c67e8a-58e2-4733-9a1c-5d44fec4775b" providerId="ADAL" clId="{3581709A-DD39-49C7-95E0-D08E3DDA771C}" dt="2021-10-28T19:15:07.071" v="1476"/>
+        <pc:sldMkLst>
+          <pc:docMk/>
+          <pc:sldMk cId="706310142" sldId="257"/>
+        </pc:sldMkLst>
+        <pc:spChg chg="add del mod">
+          <ac:chgData name="Marcia Moraes" userId="c9c67e8a-58e2-4733-9a1c-5d44fec4775b" providerId="ADAL" clId="{3581709A-DD39-49C7-95E0-D08E3DDA771C}" dt="2021-10-28T16:55:46.429" v="752" actId="478"/>
+          <ac:spMkLst>
+            <pc:docMk/>
+            <pc:sldMk cId="706310142" sldId="257"/>
+            <ac:spMk id="3" creationId="{9EA710B3-6FE9-4BEC-B5F2-9BFBE07F3249}"/>
+          </ac:spMkLst>
+        </pc:spChg>
+        <pc:spChg chg="mod">
+          <ac:chgData name="Marcia Moraes" userId="c9c67e8a-58e2-4733-9a1c-5d44fec4775b" providerId="ADAL" clId="{3581709A-DD39-49C7-95E0-D08E3DDA771C}" dt="2021-10-28T16:55:53.146" v="770" actId="20577"/>
+          <ac:spMkLst>
+            <pc:docMk/>
+            <pc:sldMk cId="706310142" sldId="257"/>
+            <ac:spMk id="4" creationId="{F016D7DE-DA0D-D54E-881A-8D82FC15EEDE}"/>
+          </ac:spMkLst>
+        </pc:spChg>
+        <pc:spChg chg="del">
+          <ac:chgData name="Marcia Moraes" userId="c9c67e8a-58e2-4733-9a1c-5d44fec4775b" providerId="ADAL" clId="{3581709A-DD39-49C7-95E0-D08E3DDA771C}" dt="2021-10-28T16:55:42.216" v="751" actId="478"/>
+          <ac:spMkLst>
+            <pc:docMk/>
+            <pc:sldMk cId="706310142" sldId="257"/>
+            <ac:spMk id="5" creationId="{446693EF-ADF2-6A45-BA55-47A75C061D4C}"/>
+          </ac:spMkLst>
+        </pc:spChg>
+        <pc:spChg chg="mod">
+          <ac:chgData name="Marcia Moraes" userId="c9c67e8a-58e2-4733-9a1c-5d44fec4775b" providerId="ADAL" clId="{3581709A-DD39-49C7-95E0-D08E3DDA771C}" dt="2021-10-28T19:10:02.836" v="1365" actId="20577"/>
+          <ac:spMkLst>
+            <pc:docMk/>
+            <pc:sldMk cId="706310142" sldId="257"/>
+            <ac:spMk id="6" creationId="{B60D51D7-E415-B840-A77B-B31975D4BB6B}"/>
+          </ac:spMkLst>
+        </pc:spChg>
+        <pc:spChg chg="mod">
+          <ac:chgData name="Marcia Moraes" userId="c9c67e8a-58e2-4733-9a1c-5d44fec4775b" providerId="ADAL" clId="{3581709A-DD39-49C7-95E0-D08E3DDA771C}" dt="2021-10-28T19:04:52.377" v="1221" actId="1076"/>
+          <ac:spMkLst>
+            <pc:docMk/>
+            <pc:sldMk cId="706310142" sldId="257"/>
+            <ac:spMk id="7" creationId="{C70EAA1B-D75D-8846-B7ED-399967756101}"/>
+          </ac:spMkLst>
+        </pc:spChg>
+        <pc:spChg chg="add del mod">
+          <ac:chgData name="Marcia Moraes" userId="c9c67e8a-58e2-4733-9a1c-5d44fec4775b" providerId="ADAL" clId="{3581709A-DD39-49C7-95E0-D08E3DDA771C}" dt="2021-10-28T19:08:29.355" v="1224" actId="478"/>
+          <ac:spMkLst>
+            <pc:docMk/>
+            <pc:sldMk cId="706310142" sldId="257"/>
+            <ac:spMk id="8" creationId="{275D336B-C762-498C-B3FE-37803C19C1EA}"/>
+          </ac:spMkLst>
+        </pc:spChg>
+        <pc:spChg chg="add mod">
+          <ac:chgData name="Marcia Moraes" userId="c9c67e8a-58e2-4733-9a1c-5d44fec4775b" providerId="ADAL" clId="{3581709A-DD39-49C7-95E0-D08E3DDA771C}" dt="2021-10-28T19:11:13.943" v="1375" actId="20577"/>
+          <ac:spMkLst>
+            <pc:docMk/>
+            <pc:sldMk cId="706310142" sldId="257"/>
+            <ac:spMk id="14" creationId="{820AECDB-2759-4DA9-BED0-3AE2216596F6}"/>
+          </ac:spMkLst>
+        </pc:spChg>
+        <pc:spChg chg="add mod">
+          <ac:chgData name="Marcia Moraes" userId="c9c67e8a-58e2-4733-9a1c-5d44fec4775b" providerId="ADAL" clId="{3581709A-DD39-49C7-95E0-D08E3DDA771C}" dt="2021-10-28T19:09:49.145" v="1341" actId="20577"/>
+          <ac:spMkLst>
+            <pc:docMk/>
+            <pc:sldMk cId="706310142" sldId="257"/>
+            <ac:spMk id="15" creationId="{22E6A680-F032-4B55-BB13-AFAD0DC8C1E4}"/>
+          </ac:spMkLst>
+        </pc:spChg>
+        <pc:spChg chg="add del">
+          <ac:chgData name="Marcia Moraes" userId="c9c67e8a-58e2-4733-9a1c-5d44fec4775b" providerId="ADAL" clId="{3581709A-DD39-49C7-95E0-D08E3DDA771C}" dt="2021-10-28T19:11:46.737" v="1379" actId="478"/>
+          <ac:spMkLst>
+            <pc:docMk/>
+            <pc:sldMk cId="706310142" sldId="257"/>
+            <ac:spMk id="16" creationId="{2782968C-B056-4154-94CD-16D628C5A999}"/>
+          </ac:spMkLst>
+        </pc:spChg>
+        <pc:spChg chg="add mod">
+          <ac:chgData name="Marcia Moraes" userId="c9c67e8a-58e2-4733-9a1c-5d44fec4775b" providerId="ADAL" clId="{3581709A-DD39-49C7-95E0-D08E3DDA771C}" dt="2021-10-28T19:13:00.193" v="1401" actId="6549"/>
+          <ac:spMkLst>
+            <pc:docMk/>
+            <pc:sldMk cId="706310142" sldId="257"/>
+            <ac:spMk id="17" creationId="{85630BF4-A637-492F-8F36-E5FC925F08D0}"/>
+          </ac:spMkLst>
+        </pc:spChg>
+        <pc:spChg chg="add mod">
+          <ac:chgData name="Marcia Moraes" userId="c9c67e8a-58e2-4733-9a1c-5d44fec4775b" providerId="ADAL" clId="{3581709A-DD39-49C7-95E0-D08E3DDA771C}" dt="2021-10-28T19:14:04.869" v="1473" actId="1076"/>
+          <ac:spMkLst>
+            <pc:docMk/>
+            <pc:sldMk cId="706310142" sldId="257"/>
+            <ac:spMk id="18" creationId="{A968E691-57B2-42AD-9B86-E357DC0F5890}"/>
+          </ac:spMkLst>
+        </pc:spChg>
+        <pc:spChg chg="mod">
+          <ac:chgData name="Marcia Moraes" userId="c9c67e8a-58e2-4733-9a1c-5d44fec4775b" providerId="ADAL" clId="{3581709A-DD39-49C7-95E0-D08E3DDA771C}" dt="2021-10-28T19:14:10.850" v="1474" actId="1076"/>
+          <ac:spMkLst>
+            <pc:docMk/>
+            <pc:sldMk cId="706310142" sldId="257"/>
+            <ac:spMk id="19" creationId="{A8AA637C-69B9-2843-B2F8-03B8A41C9F12}"/>
+          </ac:spMkLst>
+        </pc:spChg>
+      </pc:sldChg>
+      <pc:sldChg chg="addSp delSp modSp add delAnim modAnim">
+        <pc:chgData name="Marcia Moraes" userId="c9c67e8a-58e2-4733-9a1c-5d44fec4775b" providerId="ADAL" clId="{3581709A-DD39-49C7-95E0-D08E3DDA771C}" dt="2021-10-28T19:10:57.300" v="1373" actId="20577"/>
+        <pc:sldMkLst>
+          <pc:docMk/>
+          <pc:sldMk cId="2695379060" sldId="259"/>
+        </pc:sldMkLst>
+        <pc:spChg chg="add mod">
+          <ac:chgData name="Marcia Moraes" userId="c9c67e8a-58e2-4733-9a1c-5d44fec4775b" providerId="ADAL" clId="{3581709A-DD39-49C7-95E0-D08E3DDA771C}" dt="2021-10-28T16:14:15.819" v="372" actId="14100"/>
+          <ac:spMkLst>
+            <pc:docMk/>
+            <pc:sldMk cId="2695379060" sldId="259"/>
+            <ac:spMk id="2" creationId="{F97C01CE-51D3-4DFD-9BB7-739F9C97F431}"/>
+          </ac:spMkLst>
+        </pc:spChg>
+        <pc:spChg chg="add mod">
+          <ac:chgData name="Marcia Moraes" userId="c9c67e8a-58e2-4733-9a1c-5d44fec4775b" providerId="ADAL" clId="{3581709A-DD39-49C7-95E0-D08E3DDA771C}" dt="2021-10-28T16:17:09.573" v="440" actId="20577"/>
+          <ac:spMkLst>
+            <pc:docMk/>
+            <pc:sldMk cId="2695379060" sldId="259"/>
+            <ac:spMk id="3" creationId="{B6DC54CF-35F7-43EA-B0F4-366DC5E9A368}"/>
+          </ac:spMkLst>
+        </pc:spChg>
+        <pc:spChg chg="mod">
+          <ac:chgData name="Marcia Moraes" userId="c9c67e8a-58e2-4733-9a1c-5d44fec4775b" providerId="ADAL" clId="{3581709A-DD39-49C7-95E0-D08E3DDA771C}" dt="2021-10-28T17:12:54.787" v="994" actId="1076"/>
+          <ac:spMkLst>
+            <pc:docMk/>
+            <pc:sldMk cId="2695379060" sldId="259"/>
+            <ac:spMk id="5" creationId="{446693EF-ADF2-6A45-BA55-47A75C061D4C}"/>
+          </ac:spMkLst>
+        </pc:spChg>
+        <pc:spChg chg="mod">
+          <ac:chgData name="Marcia Moraes" userId="c9c67e8a-58e2-4733-9a1c-5d44fec4775b" providerId="ADAL" clId="{3581709A-DD39-49C7-95E0-D08E3DDA771C}" dt="2021-10-28T17:12:57.146" v="995" actId="1076"/>
+          <ac:spMkLst>
+            <pc:docMk/>
+            <pc:sldMk cId="2695379060" sldId="259"/>
+            <ac:spMk id="6" creationId="{B60D51D7-E415-B840-A77B-B31975D4BB6B}"/>
+          </ac:spMkLst>
+        </pc:spChg>
+        <pc:spChg chg="del">
+          <ac:chgData name="Marcia Moraes" userId="c9c67e8a-58e2-4733-9a1c-5d44fec4775b" providerId="ADAL" clId="{3581709A-DD39-49C7-95E0-D08E3DDA771C}" dt="2021-10-28T15:52:29.382" v="1" actId="478"/>
+          <ac:spMkLst>
+            <pc:docMk/>
+            <pc:sldMk cId="2695379060" sldId="259"/>
+            <ac:spMk id="7" creationId="{C70EAA1B-D75D-8846-B7ED-399967756101}"/>
+          </ac:spMkLst>
+        </pc:spChg>
+        <pc:spChg chg="del">
+          <ac:chgData name="Marcia Moraes" userId="c9c67e8a-58e2-4733-9a1c-5d44fec4775b" providerId="ADAL" clId="{3581709A-DD39-49C7-95E0-D08E3DDA771C}" dt="2021-10-28T15:52:35.234" v="2" actId="478"/>
+          <ac:spMkLst>
+            <pc:docMk/>
+            <pc:sldMk cId="2695379060" sldId="259"/>
+            <ac:spMk id="10" creationId="{9AEC4476-80F9-F548-94AF-6858D9F23EF1}"/>
+          </ac:spMkLst>
+        </pc:spChg>
+        <pc:spChg chg="del">
+          <ac:chgData name="Marcia Moraes" userId="c9c67e8a-58e2-4733-9a1c-5d44fec4775b" providerId="ADAL" clId="{3581709A-DD39-49C7-95E0-D08E3DDA771C}" dt="2021-10-28T15:52:35.234" v="2" actId="478"/>
+          <ac:spMkLst>
+            <pc:docMk/>
+            <pc:sldMk cId="2695379060" sldId="259"/>
+            <ac:spMk id="11" creationId="{D4B299E6-0291-0642-908A-CFE7E07C3AB1}"/>
+          </ac:spMkLst>
+        </pc:spChg>
+        <pc:spChg chg="add mod">
+          <ac:chgData name="Marcia Moraes" userId="c9c67e8a-58e2-4733-9a1c-5d44fec4775b" providerId="ADAL" clId="{3581709A-DD39-49C7-95E0-D08E3DDA771C}" dt="2021-10-28T16:03:54.779" v="332"/>
+          <ac:spMkLst>
+            <pc:docMk/>
+            <pc:sldMk cId="2695379060" sldId="259"/>
+            <ac:spMk id="12" creationId="{E0B85B34-3358-4DF0-806A-799D560EEC22}"/>
+          </ac:spMkLst>
+        </pc:spChg>
+        <pc:spChg chg="add del">
+          <ac:chgData name="Marcia Moraes" userId="c9c67e8a-58e2-4733-9a1c-5d44fec4775b" providerId="ADAL" clId="{3581709A-DD39-49C7-95E0-D08E3DDA771C}" dt="2021-10-28T16:00:00.992" v="109"/>
+          <ac:spMkLst>
+            <pc:docMk/>
+            <pc:sldMk cId="2695379060" sldId="259"/>
+            <ac:spMk id="14" creationId="{287CA7B4-2742-420C-8744-A3CB8F980DBF}"/>
+          </ac:spMkLst>
+        </pc:spChg>
+        <pc:spChg chg="add del mod">
+          <ac:chgData name="Marcia Moraes" userId="c9c67e8a-58e2-4733-9a1c-5d44fec4775b" providerId="ADAL" clId="{3581709A-DD39-49C7-95E0-D08E3DDA771C}" dt="2021-10-28T16:15:30.138" v="377" actId="478"/>
+          <ac:spMkLst>
+            <pc:docMk/>
+            <pc:sldMk cId="2695379060" sldId="259"/>
+            <ac:spMk id="15" creationId="{98844462-494B-42E8-93C9-598B42DA6A39}"/>
+          </ac:spMkLst>
+        </pc:spChg>
+        <pc:spChg chg="add mod">
+          <ac:chgData name="Marcia Moraes" userId="c9c67e8a-58e2-4733-9a1c-5d44fec4775b" providerId="ADAL" clId="{3581709A-DD39-49C7-95E0-D08E3DDA771C}" dt="2021-10-28T16:17:45.549" v="478" actId="20577"/>
+          <ac:spMkLst>
+            <pc:docMk/>
+            <pc:sldMk cId="2695379060" sldId="259"/>
+            <ac:spMk id="16" creationId="{CC8E4C46-4257-467B-893C-EE05F12775DE}"/>
+          </ac:spMkLst>
+        </pc:spChg>
+        <pc:spChg chg="add mod">
+          <ac:chgData name="Marcia Moraes" userId="c9c67e8a-58e2-4733-9a1c-5d44fec4775b" providerId="ADAL" clId="{3581709A-DD39-49C7-95E0-D08E3DDA771C}" dt="2021-10-28T16:22:14.356" v="590" actId="20577"/>
+          <ac:spMkLst>
+            <pc:docMk/>
+            <pc:sldMk cId="2695379060" sldId="259"/>
+            <ac:spMk id="17" creationId="{D4E84A94-D14C-4DE6-82E3-D13C2727867A}"/>
+          </ac:spMkLst>
+        </pc:spChg>
+        <pc:spChg chg="add mod">
+          <ac:chgData name="Marcia Moraes" userId="c9c67e8a-58e2-4733-9a1c-5d44fec4775b" providerId="ADAL" clId="{3581709A-DD39-49C7-95E0-D08E3DDA771C}" dt="2021-10-28T19:10:57.300" v="1373" actId="20577"/>
+          <ac:spMkLst>
+            <pc:docMk/>
+            <pc:sldMk cId="2695379060" sldId="259"/>
+            <ac:spMk id="18" creationId="{34B9CD85-4F9B-4C44-AD29-F49080158152}"/>
+          </ac:spMkLst>
+        </pc:spChg>
+        <pc:spChg chg="del">
+          <ac:chgData name="Marcia Moraes" userId="c9c67e8a-58e2-4733-9a1c-5d44fec4775b" providerId="ADAL" clId="{3581709A-DD39-49C7-95E0-D08E3DDA771C}" dt="2021-10-28T15:52:35.234" v="2" actId="478"/>
+          <ac:spMkLst>
+            <pc:docMk/>
+            <pc:sldMk cId="2695379060" sldId="259"/>
+            <ac:spMk id="19" creationId="{A8AA637C-69B9-2843-B2F8-03B8A41C9F12}"/>
+          </ac:spMkLst>
+        </pc:spChg>
+        <pc:spChg chg="add mod">
+          <ac:chgData name="Marcia Moraes" userId="c9c67e8a-58e2-4733-9a1c-5d44fec4775b" providerId="ADAL" clId="{3581709A-DD39-49C7-95E0-D08E3DDA771C}" dt="2021-10-28T18:05:57.170" v="1004" actId="20577"/>
+          <ac:spMkLst>
+            <pc:docMk/>
+            <pc:sldMk cId="2695379060" sldId="259"/>
+            <ac:spMk id="20" creationId="{B8DFF3F6-C337-45DA-861C-AC9A96A0BF2E}"/>
+          </ac:spMkLst>
+        </pc:spChg>
+        <pc:cxnChg chg="del">
+          <ac:chgData name="Marcia Moraes" userId="c9c67e8a-58e2-4733-9a1c-5d44fec4775b" providerId="ADAL" clId="{3581709A-DD39-49C7-95E0-D08E3DDA771C}" dt="2021-10-28T15:52:35.234" v="2" actId="478"/>
+          <ac:cxnSpMkLst>
+            <pc:docMk/>
+            <pc:sldMk cId="2695379060" sldId="259"/>
+            <ac:cxnSpMk id="9" creationId="{0A59E803-A47E-8143-8121-7A3CD76921D5}"/>
+          </ac:cxnSpMkLst>
+        </pc:cxnChg>
+        <pc:cxnChg chg="del mod">
+          <ac:chgData name="Marcia Moraes" userId="c9c67e8a-58e2-4733-9a1c-5d44fec4775b" providerId="ADAL" clId="{3581709A-DD39-49C7-95E0-D08E3DDA771C}" dt="2021-10-28T15:52:35.234" v="2" actId="478"/>
+          <ac:cxnSpMkLst>
+            <pc:docMk/>
+            <pc:sldMk cId="2695379060" sldId="259"/>
+            <ac:cxnSpMk id="13" creationId="{EACC1D63-42A1-214F-AD8F-DDEEDD8C9FA3}"/>
+          </ac:cxnSpMkLst>
+        </pc:cxnChg>
+      </pc:sldChg>
+      <pc:sldChg chg="addSp delSp modSp add addAnim delAnim modAnim">
+        <pc:chgData name="Marcia Moraes" userId="c9c67e8a-58e2-4733-9a1c-5d44fec4775b" providerId="ADAL" clId="{3581709A-DD39-49C7-95E0-D08E3DDA771C}" dt="2021-10-28T16:44:05.285" v="750" actId="14100"/>
+        <pc:sldMkLst>
+          <pc:docMk/>
+          <pc:sldMk cId="2716613287" sldId="260"/>
+        </pc:sldMkLst>
+        <pc:spChg chg="del">
+          <ac:chgData name="Marcia Moraes" userId="c9c67e8a-58e2-4733-9a1c-5d44fec4775b" providerId="ADAL" clId="{3581709A-DD39-49C7-95E0-D08E3DDA771C}" dt="2021-10-28T16:32:41.030" v="618" actId="478"/>
+          <ac:spMkLst>
+            <pc:docMk/>
+            <pc:sldMk cId="2716613287" sldId="260"/>
+            <ac:spMk id="2" creationId="{F97C01CE-51D3-4DFD-9BB7-739F9C97F431}"/>
+          </ac:spMkLst>
+        </pc:spChg>
+        <pc:spChg chg="del">
+          <ac:chgData name="Marcia Moraes" userId="c9c67e8a-58e2-4733-9a1c-5d44fec4775b" providerId="ADAL" clId="{3581709A-DD39-49C7-95E0-D08E3DDA771C}" dt="2021-10-28T16:32:42.384" v="619" actId="478"/>
+          <ac:spMkLst>
+            <pc:docMk/>
+            <pc:sldMk cId="2716613287" sldId="260"/>
+            <ac:spMk id="3" creationId="{B6DC54CF-35F7-43EA-B0F4-366DC5E9A368}"/>
+          </ac:spMkLst>
+        </pc:spChg>
+        <pc:spChg chg="mod">
+          <ac:chgData name="Marcia Moraes" userId="c9c67e8a-58e2-4733-9a1c-5d44fec4775b" providerId="ADAL" clId="{3581709A-DD39-49C7-95E0-D08E3DDA771C}" dt="2021-10-28T16:39:11.853" v="684" actId="1076"/>
+          <ac:spMkLst>
+            <pc:docMk/>
+            <pc:sldMk cId="2716613287" sldId="260"/>
+            <ac:spMk id="4" creationId="{F016D7DE-DA0D-D54E-881A-8D82FC15EEDE}"/>
+          </ac:spMkLst>
+        </pc:spChg>
+        <pc:spChg chg="del">
+          <ac:chgData name="Marcia Moraes" userId="c9c67e8a-58e2-4733-9a1c-5d44fec4775b" providerId="ADAL" clId="{3581709A-DD39-49C7-95E0-D08E3DDA771C}" dt="2021-10-28T16:32:28.400" v="615" actId="478"/>
+          <ac:spMkLst>
+            <pc:docMk/>
+            <pc:sldMk cId="2716613287" sldId="260"/>
+            <ac:spMk id="5" creationId="{446693EF-ADF2-6A45-BA55-47A75C061D4C}"/>
+          </ac:spMkLst>
+        </pc:spChg>
+        <pc:spChg chg="del">
+          <ac:chgData name="Marcia Moraes" userId="c9c67e8a-58e2-4733-9a1c-5d44fec4775b" providerId="ADAL" clId="{3581709A-DD39-49C7-95E0-D08E3DDA771C}" dt="2021-10-28T16:32:46.818" v="622" actId="478"/>
+          <ac:spMkLst>
+            <pc:docMk/>
+            <pc:sldMk cId="2716613287" sldId="260"/>
+            <ac:spMk id="6" creationId="{B60D51D7-E415-B840-A77B-B31975D4BB6B}"/>
+          </ac:spMkLst>
+        </pc:spChg>
+        <pc:spChg chg="add del mod">
+          <ac:chgData name="Marcia Moraes" userId="c9c67e8a-58e2-4733-9a1c-5d44fec4775b" providerId="ADAL" clId="{3581709A-DD39-49C7-95E0-D08E3DDA771C}" dt="2021-10-28T16:32:37.397" v="616" actId="478"/>
+          <ac:spMkLst>
+            <pc:docMk/>
+            <pc:sldMk cId="2716613287" sldId="260"/>
+            <ac:spMk id="8" creationId="{2538BF0C-1830-4F85-B25E-ECB7A3E74107}"/>
+          </ac:spMkLst>
+        </pc:spChg>
+        <pc:spChg chg="add mod">
+          <ac:chgData name="Marcia Moraes" userId="c9c67e8a-58e2-4733-9a1c-5d44fec4775b" providerId="ADAL" clId="{3581709A-DD39-49C7-95E0-D08E3DDA771C}" dt="2021-10-28T16:33:11.194" v="627" actId="1076"/>
+          <ac:spMkLst>
+            <pc:docMk/>
+            <pc:sldMk cId="2716613287" sldId="260"/>
+            <ac:spMk id="9" creationId="{78FDD4FC-9816-401D-A7CC-D306B6C016D3}"/>
+          </ac:spMkLst>
+        </pc:spChg>
+        <pc:spChg chg="add mod">
+          <ac:chgData name="Marcia Moraes" userId="c9c67e8a-58e2-4733-9a1c-5d44fec4775b" providerId="ADAL" clId="{3581709A-DD39-49C7-95E0-D08E3DDA771C}" dt="2021-10-28T16:41:45.345" v="732" actId="1076"/>
+          <ac:spMkLst>
+            <pc:docMk/>
+            <pc:sldMk cId="2716613287" sldId="260"/>
+            <ac:spMk id="10" creationId="{86DFCCC9-5F60-4471-B49F-CA8EFECF5DE4}"/>
+          </ac:spMkLst>
+        </pc:spChg>
+        <pc:spChg chg="add del">
+          <ac:chgData name="Marcia Moraes" userId="c9c67e8a-58e2-4733-9a1c-5d44fec4775b" providerId="ADAL" clId="{3581709A-DD39-49C7-95E0-D08E3DDA771C}" dt="2021-10-28T16:40:39.270" v="727" actId="478"/>
+          <ac:spMkLst>
+            <pc:docMk/>
+            <pc:sldMk cId="2716613287" sldId="260"/>
+            <ac:spMk id="11" creationId="{11B97FDE-80E6-4539-BD9C-E097B65060C8}"/>
+          </ac:spMkLst>
+        </pc:spChg>
+        <pc:spChg chg="del">
+          <ac:chgData name="Marcia Moraes" userId="c9c67e8a-58e2-4733-9a1c-5d44fec4775b" providerId="ADAL" clId="{3581709A-DD39-49C7-95E0-D08E3DDA771C}" dt="2021-10-28T16:32:39.239" v="617" actId="478"/>
+          <ac:spMkLst>
+            <pc:docMk/>
+            <pc:sldMk cId="2716613287" sldId="260"/>
+            <ac:spMk id="12" creationId="{E0B85B34-3358-4DF0-806A-799D560EEC22}"/>
+          </ac:spMkLst>
+        </pc:spChg>
+        <pc:spChg chg="add mod">
+          <ac:chgData name="Marcia Moraes" userId="c9c67e8a-58e2-4733-9a1c-5d44fec4775b" providerId="ADAL" clId="{3581709A-DD39-49C7-95E0-D08E3DDA771C}" dt="2021-10-28T16:33:46.931" v="630" actId="20577"/>
+          <ac:spMkLst>
+            <pc:docMk/>
+            <pc:sldMk cId="2716613287" sldId="260"/>
+            <ac:spMk id="13" creationId="{5DE45209-5299-4909-8268-7548D361CE07}"/>
+          </ac:spMkLst>
+        </pc:spChg>
+        <pc:spChg chg="add del mod">
+          <ac:chgData name="Marcia Moraes" userId="c9c67e8a-58e2-4733-9a1c-5d44fec4775b" providerId="ADAL" clId="{3581709A-DD39-49C7-95E0-D08E3DDA771C}" dt="2021-10-28T16:34:34.179" v="639" actId="478"/>
+          <ac:spMkLst>
+            <pc:docMk/>
+            <pc:sldMk cId="2716613287" sldId="260"/>
+            <ac:spMk id="14" creationId="{B9FA97E4-9D30-43DF-9219-F538F363AA05}"/>
+          </ac:spMkLst>
+        </pc:spChg>
+        <pc:spChg chg="add mod">
+          <ac:chgData name="Marcia Moraes" userId="c9c67e8a-58e2-4733-9a1c-5d44fec4775b" providerId="ADAL" clId="{3581709A-DD39-49C7-95E0-D08E3DDA771C}" dt="2021-10-28T16:33:37.269" v="629" actId="1076"/>
+          <ac:spMkLst>
+            <pc:docMk/>
+            <pc:sldMk cId="2716613287" sldId="260"/>
+            <ac:spMk id="15" creationId="{E496EE7A-5F54-4001-A90D-F87E77A6BFC7}"/>
+          </ac:spMkLst>
+        </pc:spChg>
+        <pc:spChg chg="del">
+          <ac:chgData name="Marcia Moraes" userId="c9c67e8a-58e2-4733-9a1c-5d44fec4775b" providerId="ADAL" clId="{3581709A-DD39-49C7-95E0-D08E3DDA771C}" dt="2021-10-28T16:32:43.785" v="620" actId="478"/>
+          <ac:spMkLst>
+            <pc:docMk/>
+            <pc:sldMk cId="2716613287" sldId="260"/>
+            <ac:spMk id="16" creationId="{CC8E4C46-4257-467B-893C-EE05F12775DE}"/>
+          </ac:spMkLst>
+        </pc:spChg>
+        <pc:spChg chg="del">
+          <ac:chgData name="Marcia Moraes" userId="c9c67e8a-58e2-4733-9a1c-5d44fec4775b" providerId="ADAL" clId="{3581709A-DD39-49C7-95E0-D08E3DDA771C}" dt="2021-10-28T16:32:45.025" v="621" actId="478"/>
+          <ac:spMkLst>
+            <pc:docMk/>
+            <pc:sldMk cId="2716613287" sldId="260"/>
+            <ac:spMk id="17" creationId="{D4E84A94-D14C-4DE6-82E3-D13C2727867A}"/>
+          </ac:spMkLst>
+        </pc:spChg>
+        <pc:spChg chg="add mod">
+          <ac:chgData name="Marcia Moraes" userId="c9c67e8a-58e2-4733-9a1c-5d44fec4775b" providerId="ADAL" clId="{3581709A-DD39-49C7-95E0-D08E3DDA771C}" dt="2021-10-28T16:33:37.269" v="629" actId="1076"/>
+          <ac:spMkLst>
+            <pc:docMk/>
+            <pc:sldMk cId="2716613287" sldId="260"/>
+            <ac:spMk id="18" creationId="{EA3E712E-E2A7-4000-B24B-49ABA3520C45}"/>
+          </ac:spMkLst>
+        </pc:spChg>
+        <pc:spChg chg="add mod">
+          <ac:chgData name="Marcia Moraes" userId="c9c67e8a-58e2-4733-9a1c-5d44fec4775b" providerId="ADAL" clId="{3581709A-DD39-49C7-95E0-D08E3DDA771C}" dt="2021-10-28T16:39:07.836" v="682" actId="1076"/>
+          <ac:spMkLst>
+            <pc:docMk/>
+            <pc:sldMk cId="2716613287" sldId="260"/>
+            <ac:spMk id="19" creationId="{00223173-FD20-45F5-9E4A-88F6215E5B96}"/>
+          </ac:spMkLst>
+        </pc:spChg>
+        <pc:spChg chg="add del mod">
+          <ac:chgData name="Marcia Moraes" userId="c9c67e8a-58e2-4733-9a1c-5d44fec4775b" providerId="ADAL" clId="{3581709A-DD39-49C7-95E0-D08E3DDA771C}" dt="2021-10-28T16:34:36.952" v="640" actId="478"/>
+          <ac:spMkLst>
+            <pc:docMk/>
+            <pc:sldMk cId="2716613287" sldId="260"/>
+            <ac:spMk id="20" creationId="{7C542DBE-3CD0-4DA7-BAA8-5F3338C000A7}"/>
+          </ac:spMkLst>
+        </pc:spChg>
+        <pc:spChg chg="add mod">
+          <ac:chgData name="Marcia Moraes" userId="c9c67e8a-58e2-4733-9a1c-5d44fec4775b" providerId="ADAL" clId="{3581709A-DD39-49C7-95E0-D08E3DDA771C}" dt="2021-10-28T16:33:37.269" v="629" actId="1076"/>
+          <ac:spMkLst>
+            <pc:docMk/>
+            <pc:sldMk cId="2716613287" sldId="260"/>
+            <ac:spMk id="21" creationId="{11CB4C76-67E5-4661-A0E1-B5C84A6D2D30}"/>
+          </ac:spMkLst>
+        </pc:spChg>
+        <pc:spChg chg="add mod">
+          <ac:chgData name="Marcia Moraes" userId="c9c67e8a-58e2-4733-9a1c-5d44fec4775b" providerId="ADAL" clId="{3581709A-DD39-49C7-95E0-D08E3DDA771C}" dt="2021-10-28T16:39:07.836" v="682" actId="1076"/>
+          <ac:spMkLst>
+            <pc:docMk/>
+            <pc:sldMk cId="2716613287" sldId="260"/>
+            <ac:spMk id="22" creationId="{78328DCF-A625-45C1-9F32-4E25156658A4}"/>
+          </ac:spMkLst>
+        </pc:spChg>
+        <pc:spChg chg="add del mod">
+          <ac:chgData name="Marcia Moraes" userId="c9c67e8a-58e2-4733-9a1c-5d44fec4775b" providerId="ADAL" clId="{3581709A-DD39-49C7-95E0-D08E3DDA771C}" dt="2021-10-28T16:34:38.560" v="641" actId="478"/>
+          <ac:spMkLst>
+            <pc:docMk/>
+            <pc:sldMk cId="2716613287" sldId="260"/>
+            <ac:spMk id="23" creationId="{3F9D4107-C246-4471-AE20-741099DDF4E4}"/>
+          </ac:spMkLst>
+        </pc:spChg>
+        <pc:spChg chg="add mod">
+          <ac:chgData name="Marcia Moraes" userId="c9c67e8a-58e2-4733-9a1c-5d44fec4775b" providerId="ADAL" clId="{3581709A-DD39-49C7-95E0-D08E3DDA771C}" dt="2021-10-28T16:33:37.269" v="629" actId="1076"/>
+          <ac:spMkLst>
+            <pc:docMk/>
+            <pc:sldMk cId="2716613287" sldId="260"/>
+            <ac:spMk id="24" creationId="{2BEF26C9-69F8-493B-81B1-456D23C054BF}"/>
+          </ac:spMkLst>
+        </pc:spChg>
+        <pc:spChg chg="add mod">
+          <ac:chgData name="Marcia Moraes" userId="c9c67e8a-58e2-4733-9a1c-5d44fec4775b" providerId="ADAL" clId="{3581709A-DD39-49C7-95E0-D08E3DDA771C}" dt="2021-10-28T16:39:07.836" v="682" actId="1076"/>
+          <ac:spMkLst>
+            <pc:docMk/>
+            <pc:sldMk cId="2716613287" sldId="260"/>
+            <ac:spMk id="25" creationId="{C858EBFA-BADA-4C40-B686-1C1BB0C567C1}"/>
+          </ac:spMkLst>
+        </pc:spChg>
+        <pc:spChg chg="add del mod">
+          <ac:chgData name="Marcia Moraes" userId="c9c67e8a-58e2-4733-9a1c-5d44fec4775b" providerId="ADAL" clId="{3581709A-DD39-49C7-95E0-D08E3DDA771C}" dt="2021-10-28T16:34:39.473" v="642" actId="478"/>
+          <ac:spMkLst>
+            <pc:docMk/>
+            <pc:sldMk cId="2716613287" sldId="260"/>
+            <ac:spMk id="26" creationId="{F3F9F42C-13A9-4528-8E44-22544EF0967F}"/>
+          </ac:spMkLst>
+        </pc:spChg>
+        <pc:spChg chg="add mod">
+          <ac:chgData name="Marcia Moraes" userId="c9c67e8a-58e2-4733-9a1c-5d44fec4775b" providerId="ADAL" clId="{3581709A-DD39-49C7-95E0-D08E3DDA771C}" dt="2021-10-28T16:39:19.451" v="685" actId="1076"/>
+          <ac:spMkLst>
+            <pc:docMk/>
+            <pc:sldMk cId="2716613287" sldId="260"/>
+            <ac:spMk id="27" creationId="{418A4A84-6417-409D-B338-0CE32146912E}"/>
+          </ac:spMkLst>
+        </pc:spChg>
+        <pc:spChg chg="add mod">
+          <ac:chgData name="Marcia Moraes" userId="c9c67e8a-58e2-4733-9a1c-5d44fec4775b" providerId="ADAL" clId="{3581709A-DD39-49C7-95E0-D08E3DDA771C}" dt="2021-10-28T16:44:01.400" v="749" actId="14100"/>
+          <ac:spMkLst>
+            <pc:docMk/>
+            <pc:sldMk cId="2716613287" sldId="260"/>
+            <ac:spMk id="28" creationId="{8451F2D5-9F64-4DD0-B115-1175278E5AFE}"/>
+          </ac:spMkLst>
+        </pc:spChg>
+        <pc:spChg chg="add del mod">
+          <ac:chgData name="Marcia Moraes" userId="c9c67e8a-58e2-4733-9a1c-5d44fec4775b" providerId="ADAL" clId="{3581709A-DD39-49C7-95E0-D08E3DDA771C}" dt="2021-10-28T16:43:15.904" v="738" actId="20577"/>
+          <ac:spMkLst>
+            <pc:docMk/>
+            <pc:sldMk cId="2716613287" sldId="260"/>
+            <ac:spMk id="29" creationId="{091A25E5-5046-4291-8B20-B9DADB017A3E}"/>
+          </ac:spMkLst>
+        </pc:spChg>
+        <pc:spChg chg="add mod">
+          <ac:chgData name="Marcia Moraes" userId="c9c67e8a-58e2-4733-9a1c-5d44fec4775b" providerId="ADAL" clId="{3581709A-DD39-49C7-95E0-D08E3DDA771C}" dt="2021-10-28T16:39:19.451" v="685" actId="1076"/>
+          <ac:spMkLst>
+            <pc:docMk/>
+            <pc:sldMk cId="2716613287" sldId="260"/>
+            <ac:spMk id="30" creationId="{046A83E9-EF2A-4442-A0A5-0651F829CDFB}"/>
+          </ac:spMkLst>
+        </pc:spChg>
+        <pc:spChg chg="add del mod">
+          <ac:chgData name="Marcia Moraes" userId="c9c67e8a-58e2-4733-9a1c-5d44fec4775b" providerId="ADAL" clId="{3581709A-DD39-49C7-95E0-D08E3DDA771C}" dt="2021-10-28T16:34:15.247" v="637" actId="478"/>
+          <ac:spMkLst>
+            <pc:docMk/>
+            <pc:sldMk cId="2716613287" sldId="260"/>
+            <ac:spMk id="31" creationId="{B95F1435-356E-4F87-A1A2-F97A58E92294}"/>
+          </ac:spMkLst>
+        </pc:spChg>
+        <pc:spChg chg="add del mod">
+          <ac:chgData name="Marcia Moraes" userId="c9c67e8a-58e2-4733-9a1c-5d44fec4775b" providerId="ADAL" clId="{3581709A-DD39-49C7-95E0-D08E3DDA771C}" dt="2021-10-28T16:34:17.279" v="638" actId="478"/>
+          <ac:spMkLst>
+            <pc:docMk/>
+            <pc:sldMk cId="2716613287" sldId="260"/>
+            <ac:spMk id="32" creationId="{22D0093A-5863-42D8-86FC-6E6E98E192C5}"/>
+          </ac:spMkLst>
+        </pc:spChg>
+        <pc:spChg chg="add del mod">
+          <ac:chgData name="Marcia Moraes" userId="c9c67e8a-58e2-4733-9a1c-5d44fec4775b" providerId="ADAL" clId="{3581709A-DD39-49C7-95E0-D08E3DDA771C}" dt="2021-10-28T16:35:49.748" v="658" actId="478"/>
+          <ac:spMkLst>
+            <pc:docMk/>
+            <pc:sldMk cId="2716613287" sldId="260"/>
+            <ac:spMk id="33" creationId="{344950B8-2158-4859-A300-D7D509EE42BD}"/>
+          </ac:spMkLst>
+        </pc:spChg>
+        <pc:spChg chg="add del mod">
+          <ac:chgData name="Marcia Moraes" userId="c9c67e8a-58e2-4733-9a1c-5d44fec4775b" providerId="ADAL" clId="{3581709A-DD39-49C7-95E0-D08E3DDA771C}" dt="2021-10-28T16:35:52.624" v="659" actId="478"/>
+          <ac:spMkLst>
+            <pc:docMk/>
+            <pc:sldMk cId="2716613287" sldId="260"/>
+            <ac:spMk id="34" creationId="{D855A07C-7D7C-4E56-A62C-9867D52277CD}"/>
+          </ac:spMkLst>
+        </pc:spChg>
+        <pc:spChg chg="add mod">
+          <ac:chgData name="Marcia Moraes" userId="c9c67e8a-58e2-4733-9a1c-5d44fec4775b" providerId="ADAL" clId="{3581709A-DD39-49C7-95E0-D08E3DDA771C}" dt="2021-10-28T16:39:19.451" v="685" actId="1076"/>
+          <ac:spMkLst>
+            <pc:docMk/>
+            <pc:sldMk cId="2716613287" sldId="260"/>
+            <ac:spMk id="35" creationId="{E1C7956F-A715-4E72-8F87-C8184273828E}"/>
+          </ac:spMkLst>
+        </pc:spChg>
+        <pc:spChg chg="add mod">
+          <ac:chgData name="Marcia Moraes" userId="c9c67e8a-58e2-4733-9a1c-5d44fec4775b" providerId="ADAL" clId="{3581709A-DD39-49C7-95E0-D08E3DDA771C}" dt="2021-10-28T16:39:19.451" v="685" actId="1076"/>
+          <ac:spMkLst>
+            <pc:docMk/>
+            <pc:sldMk cId="2716613287" sldId="260"/>
+            <ac:spMk id="36" creationId="{63684BEB-4721-440D-BAAE-04152BE2D08D}"/>
+          </ac:spMkLst>
+        </pc:spChg>
+        <pc:spChg chg="add mod">
+          <ac:chgData name="Marcia Moraes" userId="c9c67e8a-58e2-4733-9a1c-5d44fec4775b" providerId="ADAL" clId="{3581709A-DD39-49C7-95E0-D08E3DDA771C}" dt="2021-10-28T16:35:57.455" v="660" actId="1076"/>
+          <ac:spMkLst>
+            <pc:docMk/>
+            <pc:sldMk cId="2716613287" sldId="260"/>
+            <ac:spMk id="37" creationId="{BE1BBF4D-5E91-431A-B98E-F7C211895B22}"/>
+          </ac:spMkLst>
+        </pc:spChg>
+        <pc:spChg chg="add mod">
+          <ac:chgData name="Marcia Moraes" userId="c9c67e8a-58e2-4733-9a1c-5d44fec4775b" providerId="ADAL" clId="{3581709A-DD39-49C7-95E0-D08E3DDA771C}" dt="2021-10-28T16:43:38.451" v="747" actId="1076"/>
+          <ac:spMkLst>
+            <pc:docMk/>
+            <pc:sldMk cId="2716613287" sldId="260"/>
+            <ac:spMk id="38" creationId="{2D4297F6-11A2-4AF8-95FE-A243ECD48154}"/>
+          </ac:spMkLst>
+        </pc:spChg>
+        <pc:spChg chg="add mod">
+          <ac:chgData name="Marcia Moraes" userId="c9c67e8a-58e2-4733-9a1c-5d44fec4775b" providerId="ADAL" clId="{3581709A-DD39-49C7-95E0-D08E3DDA771C}" dt="2021-10-28T16:44:05.285" v="750" actId="14100"/>
+          <ac:spMkLst>
+            <pc:docMk/>
+            <pc:sldMk cId="2716613287" sldId="260"/>
+            <ac:spMk id="39" creationId="{2D497C2B-8888-4C39-9404-A22BFBEDCE29}"/>
+          </ac:spMkLst>
+        </pc:spChg>
+        <pc:picChg chg="add mod">
+          <ac:chgData name="Marcia Moraes" userId="c9c67e8a-58e2-4733-9a1c-5d44fec4775b" providerId="ADAL" clId="{3581709A-DD39-49C7-95E0-D08E3DDA771C}" dt="2021-10-28T16:41:48.288" v="733" actId="1076"/>
+          <ac:picMkLst>
+            <pc:docMk/>
+            <pc:sldMk cId="2716613287" sldId="260"/>
+            <ac:picMk id="40" creationId="{63A3E2DE-2E3E-4B48-972F-2AD857B42B5D}"/>
+          </ac:picMkLst>
+        </pc:picChg>
+      </pc:sldChg>
+      <pc:sldChg chg="add del">
+        <pc:chgData name="Marcia Moraes" userId="c9c67e8a-58e2-4733-9a1c-5d44fec4775b" providerId="ADAL" clId="{3581709A-DD39-49C7-95E0-D08E3DDA771C}" dt="2021-10-28T17:13:07.975" v="998" actId="2696"/>
+        <pc:sldMkLst>
+          <pc:docMk/>
+          <pc:sldMk cId="3005757456" sldId="261"/>
+        </pc:sldMkLst>
+      </pc:sldChg>
+      <pc:sldChg chg="modSp add">
+        <pc:chgData name="Marcia Moraes" userId="c9c67e8a-58e2-4733-9a1c-5d44fec4775b" providerId="ADAL" clId="{3581709A-DD39-49C7-95E0-D08E3DDA771C}" dt="2021-10-28T19:21:11.135" v="1620" actId="1076"/>
+        <pc:sldMkLst>
+          <pc:docMk/>
+          <pc:sldMk cId="926474781" sldId="267"/>
+        </pc:sldMkLst>
+        <pc:spChg chg="mod">
+          <ac:chgData name="Marcia Moraes" userId="c9c67e8a-58e2-4733-9a1c-5d44fec4775b" providerId="ADAL" clId="{3581709A-DD39-49C7-95E0-D08E3DDA771C}" dt="2021-10-28T19:21:11.135" v="1620" actId="1076"/>
+          <ac:spMkLst>
+            <pc:docMk/>
+            <pc:sldMk cId="926474781" sldId="267"/>
+            <ac:spMk id="7" creationId="{BF16D510-BC74-4FA5-AFD2-193B039115A5}"/>
+          </ac:spMkLst>
+        </pc:spChg>
+      </pc:sldChg>
+      <pc:sldChg chg="delSp modSp add delAnim modAnim">
+        <pc:chgData name="Marcia Moraes" userId="c9c67e8a-58e2-4733-9a1c-5d44fec4775b" providerId="ADAL" clId="{3581709A-DD39-49C7-95E0-D08E3DDA771C}" dt="2021-10-28T19:29:24.137" v="1796" actId="20577"/>
+        <pc:sldMkLst>
+          <pc:docMk/>
+          <pc:sldMk cId="3962554218" sldId="268"/>
+        </pc:sldMkLst>
+        <pc:spChg chg="mod">
+          <ac:chgData name="Marcia Moraes" userId="c9c67e8a-58e2-4733-9a1c-5d44fec4775b" providerId="ADAL" clId="{3581709A-DD39-49C7-95E0-D08E3DDA771C}" dt="2021-10-28T19:26:24.482" v="1635" actId="20577"/>
+          <ac:spMkLst>
+            <pc:docMk/>
+            <pc:sldMk cId="3962554218" sldId="268"/>
+            <ac:spMk id="4" creationId="{F016D7DE-DA0D-D54E-881A-8D82FC15EEDE}"/>
+          </ac:spMkLst>
+        </pc:spChg>
+        <pc:spChg chg="mod">
+          <ac:chgData name="Marcia Moraes" userId="c9c67e8a-58e2-4733-9a1c-5d44fec4775b" providerId="ADAL" clId="{3581709A-DD39-49C7-95E0-D08E3DDA771C}" dt="2021-10-28T19:29:07.574" v="1789" actId="5793"/>
+          <ac:spMkLst>
+            <pc:docMk/>
+            <pc:sldMk cId="3962554218" sldId="268"/>
+            <ac:spMk id="6" creationId="{B60D51D7-E415-B840-A77B-B31975D4BB6B}"/>
+          </ac:spMkLst>
+        </pc:spChg>
+        <pc:spChg chg="del">
+          <ac:chgData name="Marcia Moraes" userId="c9c67e8a-58e2-4733-9a1c-5d44fec4775b" providerId="ADAL" clId="{3581709A-DD39-49C7-95E0-D08E3DDA771C}" dt="2021-10-28T19:26:37.891" v="1636" actId="478"/>
+          <ac:spMkLst>
+            <pc:docMk/>
+            <pc:sldMk cId="3962554218" sldId="268"/>
+            <ac:spMk id="7" creationId="{C70EAA1B-D75D-8846-B7ED-399967756101}"/>
+          </ac:spMkLst>
+        </pc:spChg>
+        <pc:spChg chg="del">
+          <ac:chgData name="Marcia Moraes" userId="c9c67e8a-58e2-4733-9a1c-5d44fec4775b" providerId="ADAL" clId="{3581709A-DD39-49C7-95E0-D08E3DDA771C}" dt="2021-10-28T19:26:41.032" v="1637" actId="478"/>
+          <ac:spMkLst>
+            <pc:docMk/>
+            <pc:sldMk cId="3962554218" sldId="268"/>
+            <ac:spMk id="10" creationId="{9AEC4476-80F9-F548-94AF-6858D9F23EF1}"/>
+          </ac:spMkLst>
+        </pc:spChg>
+        <pc:spChg chg="del">
+          <ac:chgData name="Marcia Moraes" userId="c9c67e8a-58e2-4733-9a1c-5d44fec4775b" providerId="ADAL" clId="{3581709A-DD39-49C7-95E0-D08E3DDA771C}" dt="2021-10-28T19:26:41.032" v="1637" actId="478"/>
+          <ac:spMkLst>
+            <pc:docMk/>
+            <pc:sldMk cId="3962554218" sldId="268"/>
+            <ac:spMk id="11" creationId="{D4B299E6-0291-0642-908A-CFE7E07C3AB1}"/>
+          </ac:spMkLst>
+        </pc:spChg>
+        <pc:spChg chg="mod">
+          <ac:chgData name="Marcia Moraes" userId="c9c67e8a-58e2-4733-9a1c-5d44fec4775b" providerId="ADAL" clId="{3581709A-DD39-49C7-95E0-D08E3DDA771C}" dt="2021-10-28T19:27:14.504" v="1676" actId="20577"/>
+          <ac:spMkLst>
+            <pc:docMk/>
+            <pc:sldMk cId="3962554218" sldId="268"/>
+            <ac:spMk id="14" creationId="{820AECDB-2759-4DA9-BED0-3AE2216596F6}"/>
+          </ac:spMkLst>
+        </pc:spChg>
+        <pc:spChg chg="mod">
+          <ac:chgData name="Marcia Moraes" userId="c9c67e8a-58e2-4733-9a1c-5d44fec4775b" providerId="ADAL" clId="{3581709A-DD39-49C7-95E0-D08E3DDA771C}" dt="2021-10-28T19:29:24.137" v="1796" actId="20577"/>
+          <ac:spMkLst>
+            <pc:docMk/>
+            <pc:sldMk cId="3962554218" sldId="268"/>
+            <ac:spMk id="15" creationId="{22E6A680-F032-4B55-BB13-AFAD0DC8C1E4}"/>
+          </ac:spMkLst>
+        </pc:spChg>
+        <pc:spChg chg="del">
+          <ac:chgData name="Marcia Moraes" userId="c9c67e8a-58e2-4733-9a1c-5d44fec4775b" providerId="ADAL" clId="{3581709A-DD39-49C7-95E0-D08E3DDA771C}" dt="2021-10-28T19:29:13.712" v="1792" actId="478"/>
+          <ac:spMkLst>
+            <pc:docMk/>
+            <pc:sldMk cId="3962554218" sldId="268"/>
+            <ac:spMk id="17" creationId="{85630BF4-A637-492F-8F36-E5FC925F08D0}"/>
+          </ac:spMkLst>
+        </pc:spChg>
+        <pc:spChg chg="del">
+          <ac:chgData name="Marcia Moraes" userId="c9c67e8a-58e2-4733-9a1c-5d44fec4775b" providerId="ADAL" clId="{3581709A-DD39-49C7-95E0-D08E3DDA771C}" dt="2021-10-28T19:29:16.172" v="1793" actId="478"/>
+          <ac:spMkLst>
+            <pc:docMk/>
+            <pc:sldMk cId="3962554218" sldId="268"/>
+            <ac:spMk id="18" creationId="{A968E691-57B2-42AD-9B86-E357DC0F5890}"/>
+          </ac:spMkLst>
+        </pc:spChg>
+        <pc:spChg chg="del">
+          <ac:chgData name="Marcia Moraes" userId="c9c67e8a-58e2-4733-9a1c-5d44fec4775b" providerId="ADAL" clId="{3581709A-DD39-49C7-95E0-D08E3DDA771C}" dt="2021-10-28T19:26:41.032" v="1637" actId="478"/>
+          <ac:spMkLst>
+            <pc:docMk/>
+            <pc:sldMk cId="3962554218" sldId="268"/>
+            <ac:spMk id="19" creationId="{A8AA637C-69B9-2843-B2F8-03B8A41C9F12}"/>
+          </ac:spMkLst>
+        </pc:spChg>
+        <pc:cxnChg chg="del">
+          <ac:chgData name="Marcia Moraes" userId="c9c67e8a-58e2-4733-9a1c-5d44fec4775b" providerId="ADAL" clId="{3581709A-DD39-49C7-95E0-D08E3DDA771C}" dt="2021-10-28T19:26:41.032" v="1637" actId="478"/>
+          <ac:cxnSpMkLst>
+            <pc:docMk/>
+            <pc:sldMk cId="3962554218" sldId="268"/>
+            <ac:cxnSpMk id="9" creationId="{0A59E803-A47E-8143-8121-7A3CD76921D5}"/>
+          </ac:cxnSpMkLst>
+        </pc:cxnChg>
+        <pc:cxnChg chg="del mod">
+          <ac:chgData name="Marcia Moraes" userId="c9c67e8a-58e2-4733-9a1c-5d44fec4775b" providerId="ADAL" clId="{3581709A-DD39-49C7-95E0-D08E3DDA771C}" dt="2021-10-28T19:26:41.032" v="1637" actId="478"/>
+          <ac:cxnSpMkLst>
+            <pc:docMk/>
+            <pc:sldMk cId="3962554218" sldId="268"/>
+            <ac:cxnSpMk id="13" creationId="{EACC1D63-42A1-214F-AD8F-DDEEDD8C9FA3}"/>
+          </ac:cxnSpMkLst>
+        </pc:cxnChg>
+      </pc:sldChg>
+    </pc:docChg>
+  </pc:docChgLst>
+</pc:chgInfo>
+</file>
+
 <file path=ppt/handoutMasters/handoutMaster1.xml><?xml version="1.0" encoding="utf-8"?>
 <p:handoutMaster xmlns:a="http://schemas.openxmlformats.org/drawingml/2006/main" xmlns:r="http://schemas.openxmlformats.org/officeDocument/2006/relationships" xmlns:p="http://schemas.openxmlformats.org/presentationml/2006/main">
   <p:cSld>
@@ -216,7 +916,7 @@
           <a:p>
             <a:fld id="{4D7E51A5-B478-1E40-8CBB-0DAA8831E99D}" type="datetimeFigureOut">
               <a:rPr lang="en-US" smtClean="0"/>
-              <a:t>4/17/20</a:t>
+              <a:t>10/28/2021</a:t>
             </a:fld>
             <a:endParaRPr lang="en-US"/>
           </a:p>
@@ -381,7 +1081,7 @@
           <a:p>
             <a:fld id="{D0ED587F-861E-6740-9643-E3DDAE89B8D6}" type="datetimeFigureOut">
               <a:rPr lang="en-US" smtClean="0"/>
-              <a:t>4/17/20</a:t>
+              <a:t>10/28/2021</a:t>
             </a:fld>
             <a:endParaRPr lang="en-US"/>
           </a:p>
@@ -4008,6 +4708,602 @@
 </p:sldLayout>
 </file>
 
+<file path=ppt/slideLayouts/slideLayout25.xml><?xml version="1.0" encoding="utf-8"?>
+<p:sldLayout xmlns:a="http://schemas.openxmlformats.org/drawingml/2006/main" xmlns:r="http://schemas.openxmlformats.org/officeDocument/2006/relationships" xmlns:p="http://schemas.openxmlformats.org/presentationml/2006/main" matchingName="Title and Content">
+  <p:cSld name="1_Title and Content">
+    <p:spTree>
+      <p:nvGrpSpPr>
+        <p:cNvPr id="1" name="Shape 53"/>
+        <p:cNvGrpSpPr/>
+        <p:nvPr/>
+      </p:nvGrpSpPr>
+      <p:grpSpPr>
+        <a:xfrm>
+          <a:off x="0" y="0"/>
+          <a:ext cx="0" cy="0"/>
+          <a:chOff x="0" y="0"/>
+          <a:chExt cx="0" cy="0"/>
+        </a:xfrm>
+      </p:grpSpPr>
+      <p:grpSp>
+        <p:nvGrpSpPr>
+          <p:cNvPr id="54" name="Google Shape;54;p14"/>
+          <p:cNvGrpSpPr/>
+          <p:nvPr/>
+        </p:nvGrpSpPr>
+        <p:grpSpPr>
+          <a:xfrm>
+            <a:off x="0" y="7372875"/>
+            <a:ext cx="13849756" cy="400074"/>
+            <a:chOff x="0" y="7372350"/>
+            <a:chExt cx="13817700" cy="400053"/>
+          </a:xfrm>
+        </p:grpSpPr>
+        <p:sp>
+          <p:nvSpPr>
+            <p:cNvPr id="55" name="Google Shape;55;p14"/>
+            <p:cNvSpPr/>
+            <p:nvPr/>
+          </p:nvSpPr>
+          <p:spPr>
+            <a:xfrm>
+              <a:off x="0" y="7372350"/>
+              <a:ext cx="13817700" cy="399900"/>
+            </a:xfrm>
+            <a:prstGeom prst="rect">
+              <a:avLst/>
+            </a:prstGeom>
+            <a:solidFill>
+              <a:schemeClr val="dk2"/>
+            </a:solidFill>
+            <a:ln>
+              <a:noFill/>
+            </a:ln>
+          </p:spPr>
+          <p:txBody>
+            <a:bodyPr spcFirstLastPara="1" wrap="square" lIns="60500" tIns="30250" rIns="60500" bIns="30250" anchor="ctr" anchorCtr="0">
+              <a:noAutofit/>
+            </a:bodyPr>
+            <a:lstStyle/>
+            <a:p>
+              <a:pPr marL="0" marR="0" lvl="0" indent="0" algn="ctr" rtl="0">
+                <a:spcBef>
+                  <a:spcPts val="0"/>
+                </a:spcBef>
+                <a:spcAft>
+                  <a:spcPts val="0"/>
+                </a:spcAft>
+                <a:buNone/>
+              </a:pPr>
+              <a:endParaRPr sz="1964" b="0" i="0" u="none" strike="noStrike" cap="none">
+                <a:solidFill>
+                  <a:schemeClr val="lt1"/>
+                </a:solidFill>
+                <a:latin typeface="Arial"/>
+                <a:ea typeface="Arial"/>
+                <a:cs typeface="Arial"/>
+                <a:sym typeface="Arial"/>
+              </a:endParaRPr>
+            </a:p>
+          </p:txBody>
+        </p:sp>
+        <p:pic>
+          <p:nvPicPr>
+            <p:cNvPr id="56" name="Google Shape;56;p14"/>
+            <p:cNvPicPr preferRelativeResize="0"/>
+            <p:nvPr/>
+          </p:nvPicPr>
+          <p:blipFill rotWithShape="1">
+            <a:blip r:embed="rId2">
+              <a:alphaModFix/>
+            </a:blip>
+            <a:srcRect/>
+            <a:stretch/>
+          </p:blipFill>
+          <p:spPr>
+            <a:xfrm>
+              <a:off x="152257" y="7372351"/>
+              <a:ext cx="1788558" cy="400050"/>
+            </a:xfrm>
+            <a:prstGeom prst="rect">
+              <a:avLst/>
+            </a:prstGeom>
+            <a:noFill/>
+            <a:ln>
+              <a:noFill/>
+            </a:ln>
+          </p:spPr>
+        </p:pic>
+        <p:sp>
+          <p:nvSpPr>
+            <p:cNvPr id="57" name="Google Shape;57;p14"/>
+            <p:cNvSpPr/>
+            <p:nvPr/>
+          </p:nvSpPr>
+          <p:spPr>
+            <a:xfrm>
+              <a:off x="0" y="7372351"/>
+              <a:ext cx="13817700" cy="399900"/>
+            </a:xfrm>
+            <a:prstGeom prst="rect">
+              <a:avLst/>
+            </a:prstGeom>
+            <a:solidFill>
+              <a:schemeClr val="dk2"/>
+            </a:solidFill>
+            <a:ln>
+              <a:noFill/>
+            </a:ln>
+          </p:spPr>
+          <p:txBody>
+            <a:bodyPr spcFirstLastPara="1" wrap="square" lIns="60500" tIns="30250" rIns="60500" bIns="30250" anchor="ctr" anchorCtr="0">
+              <a:noAutofit/>
+            </a:bodyPr>
+            <a:lstStyle/>
+            <a:p>
+              <a:pPr marL="0" marR="0" lvl="0" indent="0" algn="ctr" rtl="0">
+                <a:spcBef>
+                  <a:spcPts val="0"/>
+                </a:spcBef>
+                <a:spcAft>
+                  <a:spcPts val="0"/>
+                </a:spcAft>
+                <a:buNone/>
+              </a:pPr>
+              <a:endParaRPr sz="1964" b="0" i="0" u="none" strike="noStrike" cap="none">
+                <a:solidFill>
+                  <a:schemeClr val="lt1"/>
+                </a:solidFill>
+                <a:latin typeface="Arial"/>
+                <a:ea typeface="Arial"/>
+                <a:cs typeface="Arial"/>
+                <a:sym typeface="Arial"/>
+              </a:endParaRPr>
+            </a:p>
+          </p:txBody>
+        </p:sp>
+        <p:pic>
+          <p:nvPicPr>
+            <p:cNvPr id="58" name="Google Shape;58;p14"/>
+            <p:cNvPicPr preferRelativeResize="0"/>
+            <p:nvPr/>
+          </p:nvPicPr>
+          <p:blipFill rotWithShape="1">
+            <a:blip r:embed="rId2">
+              <a:alphaModFix/>
+            </a:blip>
+            <a:srcRect/>
+            <a:stretch/>
+          </p:blipFill>
+          <p:spPr>
+            <a:xfrm>
+              <a:off x="152257" y="7372352"/>
+              <a:ext cx="1788558" cy="400050"/>
+            </a:xfrm>
+            <a:prstGeom prst="rect">
+              <a:avLst/>
+            </a:prstGeom>
+            <a:noFill/>
+            <a:ln>
+              <a:noFill/>
+            </a:ln>
+          </p:spPr>
+        </p:pic>
+      </p:grpSp>
+      <p:sp>
+        <p:nvSpPr>
+          <p:cNvPr id="59" name="Google Shape;59;p14"/>
+          <p:cNvSpPr txBox="1">
+            <a:spLocks noGrp="1"/>
+          </p:cNvSpPr>
+          <p:nvPr>
+            <p:ph type="title"/>
+          </p:nvPr>
+        </p:nvSpPr>
+        <p:spPr>
+          <a:xfrm>
+            <a:off x="628075" y="905258"/>
+            <a:ext cx="12561413" cy="1015467"/>
+          </a:xfrm>
+          <a:prstGeom prst="rect">
+            <a:avLst/>
+          </a:prstGeom>
+          <a:noFill/>
+          <a:ln>
+            <a:noFill/>
+          </a:ln>
+        </p:spPr>
+        <p:txBody>
+          <a:bodyPr spcFirstLastPara="1" wrap="square" lIns="60500" tIns="60500" rIns="60500" bIns="60500" anchor="b" anchorCtr="0">
+            <a:noAutofit/>
+          </a:bodyPr>
+          <a:lstStyle>
+            <a:lvl1pPr marR="0" lvl="0" algn="l" rtl="0">
+              <a:spcBef>
+                <a:spcPts val="0"/>
+              </a:spcBef>
+              <a:spcAft>
+                <a:spcPts val="0"/>
+              </a:spcAft>
+              <a:buClr>
+                <a:schemeClr val="dk2"/>
+              </a:buClr>
+              <a:buSzPts val="3600"/>
+              <a:buFont typeface="Arial"/>
+              <a:buNone/>
+              <a:defRPr sz="5440" b="0" i="0" u="none" strike="noStrike" cap="none">
+                <a:solidFill>
+                  <a:schemeClr val="dk2"/>
+                </a:solidFill>
+                <a:latin typeface="Arial"/>
+                <a:ea typeface="Arial"/>
+                <a:cs typeface="Arial"/>
+                <a:sym typeface="Arial"/>
+              </a:defRPr>
+            </a:lvl1pPr>
+            <a:lvl2pPr lvl="1" rtl="0">
+              <a:spcBef>
+                <a:spcPts val="0"/>
+              </a:spcBef>
+              <a:spcAft>
+                <a:spcPts val="0"/>
+              </a:spcAft>
+              <a:buSzPts val="900"/>
+              <a:buNone/>
+              <a:defRPr sz="1813"/>
+            </a:lvl2pPr>
+            <a:lvl3pPr lvl="2" rtl="0">
+              <a:spcBef>
+                <a:spcPts val="0"/>
+              </a:spcBef>
+              <a:spcAft>
+                <a:spcPts val="0"/>
+              </a:spcAft>
+              <a:buSzPts val="900"/>
+              <a:buNone/>
+              <a:defRPr sz="1813"/>
+            </a:lvl3pPr>
+            <a:lvl4pPr lvl="3" rtl="0">
+              <a:spcBef>
+                <a:spcPts val="0"/>
+              </a:spcBef>
+              <a:spcAft>
+                <a:spcPts val="0"/>
+              </a:spcAft>
+              <a:buSzPts val="900"/>
+              <a:buNone/>
+              <a:defRPr sz="1813"/>
+            </a:lvl4pPr>
+            <a:lvl5pPr lvl="4" rtl="0">
+              <a:spcBef>
+                <a:spcPts val="0"/>
+              </a:spcBef>
+              <a:spcAft>
+                <a:spcPts val="0"/>
+              </a:spcAft>
+              <a:buSzPts val="900"/>
+              <a:buNone/>
+              <a:defRPr sz="1813"/>
+            </a:lvl5pPr>
+            <a:lvl6pPr lvl="5" rtl="0">
+              <a:spcBef>
+                <a:spcPts val="0"/>
+              </a:spcBef>
+              <a:spcAft>
+                <a:spcPts val="0"/>
+              </a:spcAft>
+              <a:buSzPts val="900"/>
+              <a:buNone/>
+              <a:defRPr sz="1813"/>
+            </a:lvl6pPr>
+            <a:lvl7pPr lvl="6" rtl="0">
+              <a:spcBef>
+                <a:spcPts val="0"/>
+              </a:spcBef>
+              <a:spcAft>
+                <a:spcPts val="0"/>
+              </a:spcAft>
+              <a:buSzPts val="900"/>
+              <a:buNone/>
+              <a:defRPr sz="1813"/>
+            </a:lvl7pPr>
+            <a:lvl8pPr lvl="7" rtl="0">
+              <a:spcBef>
+                <a:spcPts val="0"/>
+              </a:spcBef>
+              <a:spcAft>
+                <a:spcPts val="0"/>
+              </a:spcAft>
+              <a:buSzPts val="900"/>
+              <a:buNone/>
+              <a:defRPr sz="1813"/>
+            </a:lvl8pPr>
+            <a:lvl9pPr lvl="8" rtl="0">
+              <a:spcBef>
+                <a:spcPts val="0"/>
+              </a:spcBef>
+              <a:spcAft>
+                <a:spcPts val="0"/>
+              </a:spcAft>
+              <a:buSzPts val="900"/>
+              <a:buNone/>
+              <a:defRPr sz="1813"/>
+            </a:lvl9pPr>
+          </a:lstStyle>
+          <a:p>
+            <a:endParaRPr/>
+          </a:p>
+        </p:txBody>
+      </p:sp>
+      <p:sp>
+        <p:nvSpPr>
+          <p:cNvPr id="60" name="Google Shape;60;p14"/>
+          <p:cNvSpPr txBox="1">
+            <a:spLocks noGrp="1"/>
+          </p:cNvSpPr>
+          <p:nvPr>
+            <p:ph type="body" idx="1"/>
+          </p:nvPr>
+        </p:nvSpPr>
+        <p:spPr>
+          <a:xfrm>
+            <a:off x="628075" y="2487883"/>
+            <a:ext cx="12561413" cy="2015520"/>
+          </a:xfrm>
+          <a:prstGeom prst="rect">
+            <a:avLst/>
+          </a:prstGeom>
+          <a:noFill/>
+          <a:ln>
+            <a:noFill/>
+          </a:ln>
+        </p:spPr>
+        <p:txBody>
+          <a:bodyPr spcFirstLastPara="1" wrap="square" lIns="60500" tIns="60500" rIns="60500" bIns="60500" anchor="t" anchorCtr="0">
+            <a:noAutofit/>
+          </a:bodyPr>
+          <a:lstStyle>
+            <a:lvl1pPr marL="690875" marR="0" lvl="0" indent="-460583" algn="l" rtl="0">
+              <a:lnSpc>
+                <a:spcPct val="120000"/>
+              </a:lnSpc>
+              <a:spcBef>
+                <a:spcPts val="604"/>
+              </a:spcBef>
+              <a:spcAft>
+                <a:spcPts val="0"/>
+              </a:spcAft>
+              <a:buClr>
+                <a:schemeClr val="dk1"/>
+              </a:buClr>
+              <a:buSzPts val="1200"/>
+              <a:buFont typeface="Arial"/>
+              <a:buChar char="•"/>
+              <a:defRPr sz="1813" b="0" i="0" u="none" strike="noStrike" cap="none">
+                <a:solidFill>
+                  <a:schemeClr val="dk1"/>
+                </a:solidFill>
+                <a:latin typeface="Proxima Nova"/>
+                <a:ea typeface="Proxima Nova"/>
+                <a:cs typeface="Proxima Nova"/>
+                <a:sym typeface="Proxima Nova"/>
+              </a:defRPr>
+            </a:lvl1pPr>
+            <a:lvl2pPr marL="1381750" marR="0" lvl="1" indent="-450988" algn="l" rtl="0">
+              <a:lnSpc>
+                <a:spcPct val="120000"/>
+              </a:lnSpc>
+              <a:spcBef>
+                <a:spcPts val="604"/>
+              </a:spcBef>
+              <a:spcAft>
+                <a:spcPts val="0"/>
+              </a:spcAft>
+              <a:buClr>
+                <a:schemeClr val="dk1"/>
+              </a:buClr>
+              <a:buSzPts val="1100"/>
+              <a:buFont typeface="Arial"/>
+              <a:buChar char="–"/>
+              <a:defRPr sz="1662" b="0" i="0" u="none" strike="noStrike" cap="none">
+                <a:solidFill>
+                  <a:schemeClr val="dk1"/>
+                </a:solidFill>
+                <a:latin typeface="Proxima Nova"/>
+                <a:ea typeface="Proxima Nova"/>
+                <a:cs typeface="Proxima Nova"/>
+                <a:sym typeface="Proxima Nova"/>
+              </a:defRPr>
+            </a:lvl2pPr>
+            <a:lvl3pPr marL="2072625" marR="0" lvl="2" indent="-450988" algn="l" rtl="0">
+              <a:lnSpc>
+                <a:spcPct val="120000"/>
+              </a:lnSpc>
+              <a:spcBef>
+                <a:spcPts val="604"/>
+              </a:spcBef>
+              <a:spcAft>
+                <a:spcPts val="0"/>
+              </a:spcAft>
+              <a:buClr>
+                <a:schemeClr val="dk1"/>
+              </a:buClr>
+              <a:buSzPts val="1100"/>
+              <a:buFont typeface="Arial"/>
+              <a:buChar char="•"/>
+              <a:defRPr sz="1662" b="0" i="0" u="none" strike="noStrike" cap="none">
+                <a:solidFill>
+                  <a:schemeClr val="dk1"/>
+                </a:solidFill>
+                <a:latin typeface="Proxima Nova"/>
+                <a:ea typeface="Proxima Nova"/>
+                <a:cs typeface="Proxima Nova"/>
+                <a:sym typeface="Proxima Nova"/>
+              </a:defRPr>
+            </a:lvl3pPr>
+            <a:lvl4pPr marL="2763500" marR="0" lvl="3" indent="-450988" algn="l" rtl="0">
+              <a:lnSpc>
+                <a:spcPct val="120000"/>
+              </a:lnSpc>
+              <a:spcBef>
+                <a:spcPts val="604"/>
+              </a:spcBef>
+              <a:spcAft>
+                <a:spcPts val="0"/>
+              </a:spcAft>
+              <a:buClr>
+                <a:schemeClr val="dk1"/>
+              </a:buClr>
+              <a:buSzPts val="1100"/>
+              <a:buFont typeface="Arial"/>
+              <a:buChar char="–"/>
+              <a:defRPr sz="1662" b="0" i="0" u="none" strike="noStrike" cap="none">
+                <a:solidFill>
+                  <a:schemeClr val="dk1"/>
+                </a:solidFill>
+                <a:latin typeface="Proxima Nova"/>
+                <a:ea typeface="Proxima Nova"/>
+                <a:cs typeface="Proxima Nova"/>
+                <a:sym typeface="Proxima Nova"/>
+              </a:defRPr>
+            </a:lvl4pPr>
+            <a:lvl5pPr marL="3454375" marR="0" lvl="4" indent="-450988" algn="l" rtl="0">
+              <a:spcBef>
+                <a:spcPts val="604"/>
+              </a:spcBef>
+              <a:spcAft>
+                <a:spcPts val="0"/>
+              </a:spcAft>
+              <a:buClr>
+                <a:schemeClr val="dk1"/>
+              </a:buClr>
+              <a:buSzPts val="1100"/>
+              <a:buFont typeface="Arial"/>
+              <a:buChar char="»"/>
+              <a:defRPr sz="1662" b="0" i="0" u="none" strike="noStrike" cap="none">
+                <a:solidFill>
+                  <a:schemeClr val="dk1"/>
+                </a:solidFill>
+                <a:latin typeface="Source Sans Pro"/>
+                <a:ea typeface="Source Sans Pro"/>
+                <a:cs typeface="Source Sans Pro"/>
+                <a:sym typeface="Source Sans Pro"/>
+              </a:defRPr>
+            </a:lvl5pPr>
+            <a:lvl6pPr marL="4145250" marR="0" lvl="5" indent="-537347" algn="l" rtl="0">
+              <a:spcBef>
+                <a:spcPts val="604"/>
+              </a:spcBef>
+              <a:spcAft>
+                <a:spcPts val="0"/>
+              </a:spcAft>
+              <a:buClr>
+                <a:schemeClr val="dk1"/>
+              </a:buClr>
+              <a:buSzPts val="2000"/>
+              <a:buFont typeface="Arial"/>
+              <a:buChar char="•"/>
+              <a:defRPr sz="3022" b="0" i="0" u="none" strike="noStrike" cap="none">
+                <a:solidFill>
+                  <a:schemeClr val="dk1"/>
+                </a:solidFill>
+                <a:latin typeface="Arial"/>
+                <a:ea typeface="Arial"/>
+                <a:cs typeface="Arial"/>
+                <a:sym typeface="Arial"/>
+              </a:defRPr>
+            </a:lvl6pPr>
+            <a:lvl7pPr marL="4836124" marR="0" lvl="6" indent="-537347" algn="l" rtl="0">
+              <a:spcBef>
+                <a:spcPts val="604"/>
+              </a:spcBef>
+              <a:spcAft>
+                <a:spcPts val="0"/>
+              </a:spcAft>
+              <a:buClr>
+                <a:schemeClr val="dk1"/>
+              </a:buClr>
+              <a:buSzPts val="2000"/>
+              <a:buFont typeface="Arial"/>
+              <a:buChar char="•"/>
+              <a:defRPr sz="3022" b="0" i="0" u="none" strike="noStrike" cap="none">
+                <a:solidFill>
+                  <a:schemeClr val="dk1"/>
+                </a:solidFill>
+                <a:latin typeface="Arial"/>
+                <a:ea typeface="Arial"/>
+                <a:cs typeface="Arial"/>
+                <a:sym typeface="Arial"/>
+              </a:defRPr>
+            </a:lvl7pPr>
+            <a:lvl8pPr marL="5526999" marR="0" lvl="7" indent="-537347" algn="l" rtl="0">
+              <a:spcBef>
+                <a:spcPts val="604"/>
+              </a:spcBef>
+              <a:spcAft>
+                <a:spcPts val="0"/>
+              </a:spcAft>
+              <a:buClr>
+                <a:schemeClr val="dk1"/>
+              </a:buClr>
+              <a:buSzPts val="2000"/>
+              <a:buFont typeface="Arial"/>
+              <a:buChar char="•"/>
+              <a:defRPr sz="3022" b="0" i="0" u="none" strike="noStrike" cap="none">
+                <a:solidFill>
+                  <a:schemeClr val="dk1"/>
+                </a:solidFill>
+                <a:latin typeface="Arial"/>
+                <a:ea typeface="Arial"/>
+                <a:cs typeface="Arial"/>
+                <a:sym typeface="Arial"/>
+              </a:defRPr>
+            </a:lvl8pPr>
+            <a:lvl9pPr marL="6217874" marR="0" lvl="8" indent="-537347" algn="l" rtl="0">
+              <a:spcBef>
+                <a:spcPts val="604"/>
+              </a:spcBef>
+              <a:spcAft>
+                <a:spcPts val="0"/>
+              </a:spcAft>
+              <a:buClr>
+                <a:schemeClr val="dk1"/>
+              </a:buClr>
+              <a:buSzPts val="2000"/>
+              <a:buFont typeface="Arial"/>
+              <a:buChar char="•"/>
+              <a:defRPr sz="3022" b="0" i="0" u="none" strike="noStrike" cap="none">
+                <a:solidFill>
+                  <a:schemeClr val="dk1"/>
+                </a:solidFill>
+                <a:latin typeface="Arial"/>
+                <a:ea typeface="Arial"/>
+                <a:cs typeface="Arial"/>
+                <a:sym typeface="Arial"/>
+              </a:defRPr>
+            </a:lvl9pPr>
+          </a:lstStyle>
+          <a:p>
+            <a:endParaRPr/>
+          </a:p>
+        </p:txBody>
+      </p:sp>
+    </p:spTree>
+    <p:extLst>
+      <p:ext uri="{BB962C8B-B14F-4D97-AF65-F5344CB8AC3E}">
+        <p14:creationId xmlns:p14="http://schemas.microsoft.com/office/powerpoint/2010/main" val="3892556792"/>
+      </p:ext>
+    </p:extLst>
+  </p:cSld>
+  <p:clrMapOvr>
+    <a:masterClrMapping/>
+  </p:clrMapOvr>
+  <p:transition>
+    <p:fade/>
+  </p:transition>
+</p:sldLayout>
+</file>
+
 <file path=ppt/slideLayouts/slideLayout3.xml><?xml version="1.0" encoding="utf-8"?>
 <p:sldLayout xmlns:a="http://schemas.openxmlformats.org/drawingml/2006/main" xmlns:r="http://schemas.openxmlformats.org/officeDocument/2006/relationships" xmlns:p="http://schemas.openxmlformats.org/presentationml/2006/main" preserve="1" userDrawn="1">
   <p:cSld name="Title Green Ram CSU">
@@ -6313,6 +7609,7 @@
     <p:sldLayoutId id="2147483677" r:id="rId22"/>
     <p:sldLayoutId id="2147483692" r:id="rId23"/>
     <p:sldLayoutId id="2147483672" r:id="rId24"/>
+    <p:sldLayoutId id="2147483693" r:id="rId25"/>
   </p:sldLayoutIdLst>
   <mc:AlternateContent xmlns:mc="http://schemas.openxmlformats.org/markup-compatibility/2006" xmlns:p14="http://schemas.microsoft.com/office/powerpoint/2010/main">
     <mc:Choice Requires="p14">
@@ -6727,6 +8024,238 @@
           <p:cNvPr id="4" name="Title 3">
             <a:extLst>
               <a:ext uri="{FF2B5EF4-FFF2-40B4-BE49-F238E27FC236}">
+                <a16:creationId xmlns:a16="http://schemas.microsoft.com/office/drawing/2014/main" id="{119AD8F2-D5DB-A84B-A5B3-F7935E3E6D1D}"/>
+              </a:ext>
+            </a:extLst>
+          </p:cNvPr>
+          <p:cNvSpPr>
+            <a:spLocks noGrp="1"/>
+          </p:cNvSpPr>
+          <p:nvPr>
+            <p:ph type="title"/>
+          </p:nvPr>
+        </p:nvSpPr>
+        <p:spPr>
+          <a:xfrm>
+            <a:off x="628076" y="607804"/>
+            <a:ext cx="5642096" cy="916848"/>
+          </a:xfrm>
+        </p:spPr>
+        <p:txBody>
+          <a:bodyPr/>
+          <a:lstStyle/>
+          <a:p>
+            <a:r>
+              <a:rPr lang="en-US" dirty="0"/>
+              <a:t>Announcements</a:t>
+            </a:r>
+          </a:p>
+        </p:txBody>
+      </p:sp>
+      <p:sp>
+        <p:nvSpPr>
+          <p:cNvPr id="5" name="Text Placeholder 4">
+            <a:extLst>
+              <a:ext uri="{FF2B5EF4-FFF2-40B4-BE49-F238E27FC236}">
+                <a16:creationId xmlns:a16="http://schemas.microsoft.com/office/drawing/2014/main" id="{1BBD0DB5-379A-304F-9307-E7B1A89B08F7}"/>
+              </a:ext>
+            </a:extLst>
+          </p:cNvPr>
+          <p:cNvSpPr>
+            <a:spLocks noGrp="1"/>
+          </p:cNvSpPr>
+          <p:nvPr>
+            <p:ph type="body" idx="1"/>
+          </p:nvPr>
+        </p:nvSpPr>
+        <p:spPr>
+          <a:xfrm>
+            <a:off x="628076" y="1647163"/>
+            <a:ext cx="8846458" cy="2659023"/>
+          </a:xfrm>
+        </p:spPr>
+        <p:txBody>
+          <a:bodyPr/>
+          <a:lstStyle/>
+          <a:p>
+            <a:pPr marL="930762" lvl="1" indent="0">
+              <a:buNone/>
+            </a:pPr>
+            <a:endParaRPr lang="en-US" dirty="0"/>
+          </a:p>
+          <a:p>
+            <a:r>
+              <a:rPr lang="en-US" dirty="0"/>
+              <a:t>Make sure to go to labs!! Even if you can’t work on the current lab, they are good for helping you get caught up.</a:t>
+            </a:r>
+          </a:p>
+          <a:p>
+            <a:endParaRPr lang="en-US" dirty="0"/>
+          </a:p>
+          <a:p>
+            <a:r>
+              <a:rPr lang="en-US" dirty="0"/>
+              <a:t>Help Session with Andrew</a:t>
+            </a:r>
+          </a:p>
+          <a:p>
+            <a:pPr marL="230292" indent="0">
+              <a:buNone/>
+            </a:pPr>
+            <a:r>
+              <a:rPr lang="en-US" b="1" dirty="0"/>
+              <a:t>	Monday</a:t>
+            </a:r>
+            <a:endParaRPr lang="en-US" dirty="0"/>
+          </a:p>
+          <a:p>
+            <a:pPr marL="230292" indent="0">
+              <a:buNone/>
+            </a:pPr>
+            <a:r>
+              <a:rPr lang="en-US" b="1" dirty="0"/>
+              <a:t>	1:30-2:50 PM</a:t>
+            </a:r>
+            <a:endParaRPr lang="en-US" dirty="0"/>
+          </a:p>
+          <a:p>
+            <a:pPr marL="230292" indent="0">
+              <a:buNone/>
+            </a:pPr>
+            <a:r>
+              <a:rPr lang="en-US" b="1" dirty="0"/>
+              <a:t>	Computer Science Building - 315 (third floor lab)</a:t>
+            </a:r>
+            <a:endParaRPr lang="en-US" dirty="0"/>
+          </a:p>
+        </p:txBody>
+      </p:sp>
+      <p:sp>
+        <p:nvSpPr>
+          <p:cNvPr id="6" name="TextBox 5">
+            <a:extLst>
+              <a:ext uri="{FF2B5EF4-FFF2-40B4-BE49-F238E27FC236}">
+                <a16:creationId xmlns:a16="http://schemas.microsoft.com/office/drawing/2014/main" id="{32A3B87A-BBC0-704B-AC99-3984206450D5}"/>
+              </a:ext>
+            </a:extLst>
+          </p:cNvPr>
+          <p:cNvSpPr txBox="1"/>
+          <p:nvPr/>
+        </p:nvSpPr>
+        <p:spPr>
+          <a:xfrm>
+            <a:off x="9744412" y="2150737"/>
+            <a:ext cx="3892958" cy="1487523"/>
+          </a:xfrm>
+          <a:prstGeom prst="rect">
+            <a:avLst/>
+          </a:prstGeom>
+          <a:noFill/>
+        </p:spPr>
+        <p:txBody>
+          <a:bodyPr wrap="square" rtlCol="0">
+            <a:spAutoFit/>
+          </a:bodyPr>
+          <a:lstStyle/>
+          <a:p>
+            <a:r>
+              <a:rPr lang="en-US" sz="3022" dirty="0" err="1"/>
+              <a:t>Todo</a:t>
+            </a:r>
+            <a:r>
+              <a:rPr lang="en-US" sz="3022" dirty="0"/>
+              <a:t>:</a:t>
+            </a:r>
+          </a:p>
+          <a:p>
+            <a:r>
+              <a:rPr lang="en-US" sz="3022" dirty="0"/>
+              <a:t>Practical 4 – Continue to work on it</a:t>
+            </a:r>
+          </a:p>
+        </p:txBody>
+      </p:sp>
+      <p:sp>
+        <p:nvSpPr>
+          <p:cNvPr id="7" name="TextBox 6">
+            <a:extLst>
+              <a:ext uri="{FF2B5EF4-FFF2-40B4-BE49-F238E27FC236}">
+                <a16:creationId xmlns:a16="http://schemas.microsoft.com/office/drawing/2014/main" id="{BF16D510-BC74-4FA5-AFD2-193B039115A5}"/>
+              </a:ext>
+            </a:extLst>
+          </p:cNvPr>
+          <p:cNvSpPr txBox="1"/>
+          <p:nvPr/>
+        </p:nvSpPr>
+        <p:spPr>
+          <a:xfrm>
+            <a:off x="7345073" y="323724"/>
+            <a:ext cx="6125029" cy="1323439"/>
+          </a:xfrm>
+          <a:prstGeom prst="rect">
+            <a:avLst/>
+          </a:prstGeom>
+          <a:solidFill>
+            <a:schemeClr val="accent2"/>
+          </a:solidFill>
+        </p:spPr>
+        <p:txBody>
+          <a:bodyPr wrap="square" rtlCol="0">
+            <a:spAutoFit/>
+          </a:bodyPr>
+          <a:lstStyle/>
+          <a:p>
+            <a:r>
+              <a:rPr lang="en-US" b="1" dirty="0"/>
+              <a:t>Opening Question: </a:t>
+            </a:r>
+          </a:p>
+          <a:p>
+            <a:r>
+              <a:rPr lang="en-US" dirty="0"/>
+              <a:t>Can we say that a 2D array is an array of arrays? Explain your thoughts to your classmate sited by your side. </a:t>
+            </a:r>
+          </a:p>
+        </p:txBody>
+      </p:sp>
+    </p:spTree>
+    <p:extLst>
+      <p:ext uri="{BB962C8B-B14F-4D97-AF65-F5344CB8AC3E}">
+        <p14:creationId xmlns:p14="http://schemas.microsoft.com/office/powerpoint/2010/main" val="926474781"/>
+      </p:ext>
+    </p:extLst>
+  </p:cSld>
+  <p:clrMapOvr>
+    <a:masterClrMapping/>
+  </p:clrMapOvr>
+  <p:transition>
+    <p:fade/>
+  </p:transition>
+</p:sld>
+</file>
+
+<file path=ppt/slides/slide3.xml><?xml version="1.0" encoding="utf-8"?>
+<p:sld xmlns:a="http://schemas.openxmlformats.org/drawingml/2006/main" xmlns:r="http://schemas.openxmlformats.org/officeDocument/2006/relationships" xmlns:p="http://schemas.openxmlformats.org/presentationml/2006/main">
+  <p:cSld>
+    <p:spTree>
+      <p:nvGrpSpPr>
+        <p:cNvPr id="1" name=""/>
+        <p:cNvGrpSpPr/>
+        <p:nvPr/>
+      </p:nvGrpSpPr>
+      <p:grpSpPr>
+        <a:xfrm>
+          <a:off x="0" y="0"/>
+          <a:ext cx="0" cy="0"/>
+          <a:chOff x="0" y="0"/>
+          <a:chExt cx="0" cy="0"/>
+        </a:xfrm>
+      </p:grpSpPr>
+      <p:sp>
+        <p:nvSpPr>
+          <p:cNvPr id="4" name="Title 3">
+            <a:extLst>
+              <a:ext uri="{FF2B5EF4-FFF2-40B4-BE49-F238E27FC236}">
                 <a16:creationId xmlns:a16="http://schemas.microsoft.com/office/drawing/2014/main" id="{F016D7DE-DA0D-D54E-881A-8D82FC15EEDE}"/>
               </a:ext>
             </a:extLst>
@@ -6773,8 +8302,8 @@
         </p:nvSpPr>
         <p:spPr>
           <a:xfrm>
-            <a:off x="628076" y="1776683"/>
-            <a:ext cx="5632876" cy="1716432"/>
+            <a:off x="628076" y="1544303"/>
+            <a:ext cx="4762631" cy="1716432"/>
           </a:xfrm>
         </p:spPr>
         <p:txBody>
@@ -6832,7 +8361,4156 @@
         </p:nvSpPr>
         <p:spPr>
           <a:xfrm>
-            <a:off x="628075" y="3886200"/>
+            <a:off x="642316" y="3347962"/>
+            <a:ext cx="4858325" cy="1230080"/>
+          </a:xfrm>
+          <a:prstGeom prst="rect">
+            <a:avLst/>
+          </a:prstGeom>
+        </p:spPr>
+        <p:txBody>
+          <a:bodyPr vert="horz" wrap="square" lIns="91440" tIns="91440" rIns="91440" bIns="91440" rtlCol="0">
+            <a:spAutoFit/>
+          </a:bodyPr>
+          <a:lstStyle>
+            <a:lvl1pPr marL="524712" indent="-524712" algn="l" defTabSz="699614" rtl="0" eaLnBrk="1" latinLnBrk="0" hangingPunct="1">
+              <a:lnSpc>
+                <a:spcPct val="120000"/>
+              </a:lnSpc>
+              <a:spcBef>
+                <a:spcPts val="600"/>
+              </a:spcBef>
+              <a:spcAft>
+                <a:spcPts val="600"/>
+              </a:spcAft>
+              <a:buFont typeface="Arial"/>
+              <a:buChar char="•"/>
+              <a:defRPr sz="1800" b="0" i="0" kern="1200">
+                <a:solidFill>
+                  <a:srgbClr val="092529"/>
+                </a:solidFill>
+                <a:latin typeface="Proxima Nova" charset="0"/>
+                <a:ea typeface="Proxima Nova" charset="0"/>
+                <a:cs typeface="Proxima Nova" charset="0"/>
+              </a:defRPr>
+            </a:lvl1pPr>
+            <a:lvl2pPr marL="1136875" indent="-437261" algn="l" defTabSz="699614" rtl="0" eaLnBrk="1" latinLnBrk="0" hangingPunct="1">
+              <a:lnSpc>
+                <a:spcPct val="120000"/>
+              </a:lnSpc>
+              <a:spcBef>
+                <a:spcPts val="0"/>
+              </a:spcBef>
+              <a:spcAft>
+                <a:spcPts val="600"/>
+              </a:spcAft>
+              <a:buFont typeface="Arial"/>
+              <a:buChar char="–"/>
+              <a:defRPr sz="1600" b="0" i="0" kern="1200">
+                <a:solidFill>
+                  <a:srgbClr val="092529"/>
+                </a:solidFill>
+                <a:latin typeface="Proxima Nova" charset="0"/>
+                <a:ea typeface="Proxima Nova" charset="0"/>
+                <a:cs typeface="Proxima Nova" charset="0"/>
+              </a:defRPr>
+            </a:lvl2pPr>
+            <a:lvl3pPr marL="1749040" indent="-349807" algn="l" defTabSz="699614" rtl="0" eaLnBrk="1" latinLnBrk="0" hangingPunct="1">
+              <a:lnSpc>
+                <a:spcPct val="120000"/>
+              </a:lnSpc>
+              <a:spcBef>
+                <a:spcPts val="0"/>
+              </a:spcBef>
+              <a:spcAft>
+                <a:spcPts val="600"/>
+              </a:spcAft>
+              <a:buFont typeface="Arial"/>
+              <a:buChar char="•"/>
+              <a:defRPr sz="1600" b="0" i="0" kern="1200">
+                <a:solidFill>
+                  <a:srgbClr val="092529"/>
+                </a:solidFill>
+                <a:latin typeface="Proxima Nova" charset="0"/>
+                <a:ea typeface="Proxima Nova" charset="0"/>
+                <a:cs typeface="Proxima Nova" charset="0"/>
+              </a:defRPr>
+            </a:lvl3pPr>
+            <a:lvl4pPr marL="2448655" indent="-349807" algn="l" defTabSz="699614" rtl="0" eaLnBrk="1" latinLnBrk="0" hangingPunct="1">
+              <a:lnSpc>
+                <a:spcPct val="120000"/>
+              </a:lnSpc>
+              <a:spcBef>
+                <a:spcPts val="0"/>
+              </a:spcBef>
+              <a:spcAft>
+                <a:spcPts val="600"/>
+              </a:spcAft>
+              <a:buFont typeface="Arial"/>
+              <a:buChar char="–"/>
+              <a:defRPr sz="1600" b="0" i="0" kern="1200">
+                <a:solidFill>
+                  <a:srgbClr val="092529"/>
+                </a:solidFill>
+                <a:latin typeface="Proxima Nova" charset="0"/>
+                <a:ea typeface="Proxima Nova" charset="0"/>
+                <a:cs typeface="Proxima Nova" charset="0"/>
+              </a:defRPr>
+            </a:lvl4pPr>
+            <a:lvl5pPr marL="3148272" indent="-349807" algn="l" defTabSz="699614" rtl="0" eaLnBrk="1" latinLnBrk="0" hangingPunct="1">
+              <a:spcBef>
+                <a:spcPct val="20000"/>
+              </a:spcBef>
+              <a:buFont typeface="Arial"/>
+              <a:buChar char="»"/>
+              <a:defRPr sz="1648" b="0" kern="1200">
+                <a:solidFill>
+                  <a:srgbClr val="092529"/>
+                </a:solidFill>
+                <a:latin typeface="Franklin Gothic Book" charset="0"/>
+                <a:ea typeface="Franklin Gothic Book" charset="0"/>
+                <a:cs typeface="Franklin Gothic Book" charset="0"/>
+              </a:defRPr>
+            </a:lvl5pPr>
+            <a:lvl6pPr marL="3847888" indent="-349807" algn="l" defTabSz="699614" rtl="0" eaLnBrk="1" latinLnBrk="0" hangingPunct="1">
+              <a:spcBef>
+                <a:spcPct val="20000"/>
+              </a:spcBef>
+              <a:buFont typeface="Arial"/>
+              <a:buChar char="•"/>
+              <a:defRPr sz="3022" kern="1200">
+                <a:solidFill>
+                  <a:schemeClr val="tx1"/>
+                </a:solidFill>
+                <a:latin typeface="+mn-lt"/>
+                <a:ea typeface="+mn-ea"/>
+                <a:cs typeface="+mn-cs"/>
+              </a:defRPr>
+            </a:lvl6pPr>
+            <a:lvl7pPr marL="4547505" indent="-349807" algn="l" defTabSz="699614" rtl="0" eaLnBrk="1" latinLnBrk="0" hangingPunct="1">
+              <a:spcBef>
+                <a:spcPct val="20000"/>
+              </a:spcBef>
+              <a:buFont typeface="Arial"/>
+              <a:buChar char="•"/>
+              <a:defRPr sz="3022" kern="1200">
+                <a:solidFill>
+                  <a:schemeClr val="tx1"/>
+                </a:solidFill>
+                <a:latin typeface="+mn-lt"/>
+                <a:ea typeface="+mn-ea"/>
+                <a:cs typeface="+mn-cs"/>
+              </a:defRPr>
+            </a:lvl7pPr>
+            <a:lvl8pPr marL="5247119" indent="-349807" algn="l" defTabSz="699614" rtl="0" eaLnBrk="1" latinLnBrk="0" hangingPunct="1">
+              <a:spcBef>
+                <a:spcPct val="20000"/>
+              </a:spcBef>
+              <a:buFont typeface="Arial"/>
+              <a:buChar char="•"/>
+              <a:defRPr sz="3022" kern="1200">
+                <a:solidFill>
+                  <a:schemeClr val="tx1"/>
+                </a:solidFill>
+                <a:latin typeface="+mn-lt"/>
+                <a:ea typeface="+mn-ea"/>
+                <a:cs typeface="+mn-cs"/>
+              </a:defRPr>
+            </a:lvl8pPr>
+            <a:lvl9pPr marL="5946736" indent="-349807" algn="l" defTabSz="699614" rtl="0" eaLnBrk="1" latinLnBrk="0" hangingPunct="1">
+              <a:spcBef>
+                <a:spcPct val="20000"/>
+              </a:spcBef>
+              <a:buFont typeface="Arial"/>
+              <a:buChar char="•"/>
+              <a:defRPr sz="3022" kern="1200">
+                <a:solidFill>
+                  <a:schemeClr val="tx1"/>
+                </a:solidFill>
+                <a:latin typeface="+mn-lt"/>
+                <a:ea typeface="+mn-ea"/>
+                <a:cs typeface="+mn-cs"/>
+              </a:defRPr>
+            </a:lvl9pPr>
+          </a:lstStyle>
+          <a:p>
+            <a:r>
+              <a:rPr lang="en-US" dirty="0"/>
+              <a:t>How to write it?</a:t>
+            </a:r>
+          </a:p>
+          <a:p>
+            <a:pPr lvl="1">
+              <a:buFont typeface="+mj-lt"/>
+              <a:buAutoNum type="arabicPeriod"/>
+            </a:pPr>
+            <a:r>
+              <a:rPr lang="en-US" dirty="0"/>
+              <a:t>Write a base case! (condition!!)</a:t>
+            </a:r>
+          </a:p>
+          <a:p>
+            <a:pPr lvl="1">
+              <a:buFont typeface="+mj-lt"/>
+              <a:buAutoNum type="arabicPeriod"/>
+            </a:pPr>
+            <a:r>
+              <a:rPr lang="en-US" dirty="0"/>
+              <a:t>Write method that calls itself</a:t>
+            </a:r>
+          </a:p>
+        </p:txBody>
+      </p:sp>
+      <p:sp>
+        <p:nvSpPr>
+          <p:cNvPr id="12" name="Text Placeholder 4">
+            <a:extLst>
+              <a:ext uri="{FF2B5EF4-FFF2-40B4-BE49-F238E27FC236}">
+                <a16:creationId xmlns:a16="http://schemas.microsoft.com/office/drawing/2014/main" id="{E0B85B34-3358-4DF0-806A-799D560EEC22}"/>
+              </a:ext>
+            </a:extLst>
+          </p:cNvPr>
+          <p:cNvSpPr txBox="1">
+            <a:spLocks/>
+          </p:cNvSpPr>
+          <p:nvPr/>
+        </p:nvSpPr>
+        <p:spPr>
+          <a:xfrm>
+            <a:off x="7319499" y="1776683"/>
+            <a:ext cx="4858325" cy="1230145"/>
+          </a:xfrm>
+          <a:prstGeom prst="rect">
+            <a:avLst/>
+          </a:prstGeom>
+        </p:spPr>
+        <p:txBody>
+          <a:bodyPr vert="horz" wrap="square" lIns="91440" tIns="91440" rIns="91440" bIns="91440" rtlCol="0">
+            <a:spAutoFit/>
+          </a:bodyPr>
+          <a:lstStyle>
+            <a:lvl1pPr marL="524712" indent="-524712" algn="l" defTabSz="699614" rtl="0" eaLnBrk="1" latinLnBrk="0" hangingPunct="1">
+              <a:lnSpc>
+                <a:spcPct val="120000"/>
+              </a:lnSpc>
+              <a:spcBef>
+                <a:spcPts val="600"/>
+              </a:spcBef>
+              <a:spcAft>
+                <a:spcPts val="600"/>
+              </a:spcAft>
+              <a:buFont typeface="Arial"/>
+              <a:buChar char="•"/>
+              <a:defRPr sz="1800" b="0" i="0" kern="1200">
+                <a:solidFill>
+                  <a:srgbClr val="092529"/>
+                </a:solidFill>
+                <a:latin typeface="Proxima Nova" charset="0"/>
+                <a:ea typeface="Proxima Nova" charset="0"/>
+                <a:cs typeface="Proxima Nova" charset="0"/>
+              </a:defRPr>
+            </a:lvl1pPr>
+            <a:lvl2pPr marL="1136875" indent="-437261" algn="l" defTabSz="699614" rtl="0" eaLnBrk="1" latinLnBrk="0" hangingPunct="1">
+              <a:lnSpc>
+                <a:spcPct val="120000"/>
+              </a:lnSpc>
+              <a:spcBef>
+                <a:spcPts val="0"/>
+              </a:spcBef>
+              <a:spcAft>
+                <a:spcPts val="600"/>
+              </a:spcAft>
+              <a:buFont typeface="Arial"/>
+              <a:buChar char="–"/>
+              <a:defRPr sz="1600" b="0" i="0" kern="1200">
+                <a:solidFill>
+                  <a:srgbClr val="092529"/>
+                </a:solidFill>
+                <a:latin typeface="Proxima Nova" charset="0"/>
+                <a:ea typeface="Proxima Nova" charset="0"/>
+                <a:cs typeface="Proxima Nova" charset="0"/>
+              </a:defRPr>
+            </a:lvl2pPr>
+            <a:lvl3pPr marL="1749040" indent="-349807" algn="l" defTabSz="699614" rtl="0" eaLnBrk="1" latinLnBrk="0" hangingPunct="1">
+              <a:lnSpc>
+                <a:spcPct val="120000"/>
+              </a:lnSpc>
+              <a:spcBef>
+                <a:spcPts val="0"/>
+              </a:spcBef>
+              <a:spcAft>
+                <a:spcPts val="600"/>
+              </a:spcAft>
+              <a:buFont typeface="Arial"/>
+              <a:buChar char="•"/>
+              <a:defRPr sz="1600" b="0" i="0" kern="1200">
+                <a:solidFill>
+                  <a:srgbClr val="092529"/>
+                </a:solidFill>
+                <a:latin typeface="Proxima Nova" charset="0"/>
+                <a:ea typeface="Proxima Nova" charset="0"/>
+                <a:cs typeface="Proxima Nova" charset="0"/>
+              </a:defRPr>
+            </a:lvl3pPr>
+            <a:lvl4pPr marL="2448655" indent="-349807" algn="l" defTabSz="699614" rtl="0" eaLnBrk="1" latinLnBrk="0" hangingPunct="1">
+              <a:lnSpc>
+                <a:spcPct val="120000"/>
+              </a:lnSpc>
+              <a:spcBef>
+                <a:spcPts val="0"/>
+              </a:spcBef>
+              <a:spcAft>
+                <a:spcPts val="600"/>
+              </a:spcAft>
+              <a:buFont typeface="Arial"/>
+              <a:buChar char="–"/>
+              <a:defRPr sz="1600" b="0" i="0" kern="1200">
+                <a:solidFill>
+                  <a:srgbClr val="092529"/>
+                </a:solidFill>
+                <a:latin typeface="Proxima Nova" charset="0"/>
+                <a:ea typeface="Proxima Nova" charset="0"/>
+                <a:cs typeface="Proxima Nova" charset="0"/>
+              </a:defRPr>
+            </a:lvl4pPr>
+            <a:lvl5pPr marL="3148272" indent="-349807" algn="l" defTabSz="699614" rtl="0" eaLnBrk="1" latinLnBrk="0" hangingPunct="1">
+              <a:spcBef>
+                <a:spcPct val="20000"/>
+              </a:spcBef>
+              <a:buFont typeface="Arial"/>
+              <a:buChar char="»"/>
+              <a:defRPr sz="1648" b="0" kern="1200">
+                <a:solidFill>
+                  <a:srgbClr val="092529"/>
+                </a:solidFill>
+                <a:latin typeface="Franklin Gothic Book" charset="0"/>
+                <a:ea typeface="Franklin Gothic Book" charset="0"/>
+                <a:cs typeface="Franklin Gothic Book" charset="0"/>
+              </a:defRPr>
+            </a:lvl5pPr>
+            <a:lvl6pPr marL="3847888" indent="-349807" algn="l" defTabSz="699614" rtl="0" eaLnBrk="1" latinLnBrk="0" hangingPunct="1">
+              <a:spcBef>
+                <a:spcPct val="20000"/>
+              </a:spcBef>
+              <a:buFont typeface="Arial"/>
+              <a:buChar char="•"/>
+              <a:defRPr sz="3022" kern="1200">
+                <a:solidFill>
+                  <a:schemeClr val="tx1"/>
+                </a:solidFill>
+                <a:latin typeface="+mn-lt"/>
+                <a:ea typeface="+mn-ea"/>
+                <a:cs typeface="+mn-cs"/>
+              </a:defRPr>
+            </a:lvl6pPr>
+            <a:lvl7pPr marL="4547505" indent="-349807" algn="l" defTabSz="699614" rtl="0" eaLnBrk="1" latinLnBrk="0" hangingPunct="1">
+              <a:spcBef>
+                <a:spcPct val="20000"/>
+              </a:spcBef>
+              <a:buFont typeface="Arial"/>
+              <a:buChar char="•"/>
+              <a:defRPr sz="3022" kern="1200">
+                <a:solidFill>
+                  <a:schemeClr val="tx1"/>
+                </a:solidFill>
+                <a:latin typeface="+mn-lt"/>
+                <a:ea typeface="+mn-ea"/>
+                <a:cs typeface="+mn-cs"/>
+              </a:defRPr>
+            </a:lvl7pPr>
+            <a:lvl8pPr marL="5247119" indent="-349807" algn="l" defTabSz="699614" rtl="0" eaLnBrk="1" latinLnBrk="0" hangingPunct="1">
+              <a:spcBef>
+                <a:spcPct val="20000"/>
+              </a:spcBef>
+              <a:buFont typeface="Arial"/>
+              <a:buChar char="•"/>
+              <a:defRPr sz="3022" kern="1200">
+                <a:solidFill>
+                  <a:schemeClr val="tx1"/>
+                </a:solidFill>
+                <a:latin typeface="+mn-lt"/>
+                <a:ea typeface="+mn-ea"/>
+                <a:cs typeface="+mn-cs"/>
+              </a:defRPr>
+            </a:lvl8pPr>
+            <a:lvl9pPr marL="5946736" indent="-349807" algn="l" defTabSz="699614" rtl="0" eaLnBrk="1" latinLnBrk="0" hangingPunct="1">
+              <a:spcBef>
+                <a:spcPct val="20000"/>
+              </a:spcBef>
+              <a:buFont typeface="Arial"/>
+              <a:buChar char="•"/>
+              <a:defRPr sz="3022" kern="1200">
+                <a:solidFill>
+                  <a:schemeClr val="tx1"/>
+                </a:solidFill>
+                <a:latin typeface="+mn-lt"/>
+                <a:ea typeface="+mn-ea"/>
+                <a:cs typeface="+mn-cs"/>
+              </a:defRPr>
+            </a:lvl9pPr>
+          </a:lstStyle>
+          <a:p>
+            <a:r>
+              <a:rPr lang="en-US" dirty="0"/>
+              <a:t>Building our first recursion method</a:t>
+            </a:r>
+          </a:p>
+          <a:p>
+            <a:pPr lvl="1"/>
+            <a:r>
+              <a:rPr lang="en-US" dirty="0"/>
+              <a:t>Factorial</a:t>
+            </a:r>
+          </a:p>
+          <a:p>
+            <a:pPr lvl="1"/>
+            <a:r>
+              <a:rPr lang="pt-BR" dirty="0"/>
+              <a:t>n!=n×(n−1)×(n−2)×…×2×1</a:t>
+            </a:r>
+          </a:p>
+        </p:txBody>
+      </p:sp>
+      <p:sp>
+        <p:nvSpPr>
+          <p:cNvPr id="2" name="Rectangle 1">
+            <a:extLst>
+              <a:ext uri="{FF2B5EF4-FFF2-40B4-BE49-F238E27FC236}">
+                <a16:creationId xmlns:a16="http://schemas.microsoft.com/office/drawing/2014/main" id="{F97C01CE-51D3-4DFD-9BB7-739F9C97F431}"/>
+              </a:ext>
+            </a:extLst>
+          </p:cNvPr>
+          <p:cNvSpPr/>
+          <p:nvPr/>
+        </p:nvSpPr>
+        <p:spPr>
+          <a:xfrm>
+            <a:off x="7415193" y="3317005"/>
+            <a:ext cx="5896770" cy="1174745"/>
+          </a:xfrm>
+          <a:prstGeom prst="rect">
+            <a:avLst/>
+          </a:prstGeom>
+        </p:spPr>
+        <p:txBody>
+          <a:bodyPr wrap="square">
+            <a:spAutoFit/>
+          </a:bodyPr>
+          <a:lstStyle/>
+          <a:p>
+            <a:pPr marL="285750" indent="-285750" defTabSz="699614">
+              <a:lnSpc>
+                <a:spcPct val="120000"/>
+              </a:lnSpc>
+              <a:spcAft>
+                <a:spcPts val="600"/>
+              </a:spcAft>
+              <a:buFont typeface="Arial"/>
+              <a:buChar char="•"/>
+            </a:pPr>
+            <a:r>
+              <a:rPr lang="pt-BR" sz="1800" dirty="0">
+                <a:solidFill>
+                  <a:srgbClr val="092529"/>
+                </a:solidFill>
+                <a:latin typeface="Proxima Nova" charset="0"/>
+                <a:ea typeface="Proxima Nova" charset="0"/>
+                <a:cs typeface="Proxima Nova" charset="0"/>
+              </a:rPr>
+              <a:t>How do you go about creating a recursive solution?</a:t>
+            </a:r>
+          </a:p>
+          <a:p>
+            <a:pPr lvl="1" defTabSz="699614">
+              <a:lnSpc>
+                <a:spcPct val="120000"/>
+              </a:lnSpc>
+              <a:spcAft>
+                <a:spcPts val="600"/>
+              </a:spcAft>
+              <a:buFont typeface="Arial"/>
+              <a:buAutoNum type="arabicPeriod"/>
+            </a:pPr>
+            <a:r>
+              <a:rPr lang="pt-BR" sz="1800" dirty="0">
+                <a:solidFill>
+                  <a:srgbClr val="092529"/>
+                </a:solidFill>
+                <a:latin typeface="Proxima Nova" charset="0"/>
+                <a:ea typeface="Proxima Nova" charset="0"/>
+                <a:cs typeface="Proxima Nova" charset="0"/>
+              </a:rPr>
+              <a:t> </a:t>
+            </a:r>
+            <a:r>
+              <a:rPr lang="pt-BR" sz="1600" dirty="0">
+                <a:solidFill>
+                  <a:srgbClr val="092529"/>
+                </a:solidFill>
+                <a:latin typeface="Proxima Nova" charset="0"/>
+                <a:ea typeface="Proxima Nova" charset="0"/>
+                <a:cs typeface="Proxima Nova" charset="0"/>
+              </a:rPr>
+              <a:t>What is the base case? </a:t>
+            </a:r>
+          </a:p>
+          <a:p>
+            <a:pPr lvl="1" defTabSz="699614">
+              <a:lnSpc>
+                <a:spcPct val="120000"/>
+              </a:lnSpc>
+              <a:spcAft>
+                <a:spcPts val="600"/>
+              </a:spcAft>
+              <a:buFont typeface="Arial"/>
+              <a:buAutoNum type="arabicPeriod"/>
+            </a:pPr>
+            <a:r>
+              <a:rPr lang="pt-BR" sz="1600" dirty="0">
+                <a:solidFill>
+                  <a:srgbClr val="092529"/>
+                </a:solidFill>
+                <a:latin typeface="Proxima Nova" charset="0"/>
+                <a:ea typeface="Proxima Nova" charset="0"/>
+                <a:cs typeface="Proxima Nova" charset="0"/>
+              </a:rPr>
+              <a:t> How we build the recursive call?</a:t>
+            </a:r>
+            <a:endParaRPr lang="en-US" sz="1600" dirty="0">
+              <a:solidFill>
+                <a:srgbClr val="092529"/>
+              </a:solidFill>
+              <a:latin typeface="Proxima Nova" charset="0"/>
+              <a:ea typeface="Proxima Nova" charset="0"/>
+              <a:cs typeface="Proxima Nova" charset="0"/>
+            </a:endParaRPr>
+          </a:p>
+        </p:txBody>
+      </p:sp>
+      <p:sp>
+        <p:nvSpPr>
+          <p:cNvPr id="3" name="TextBox 2">
+            <a:extLst>
+              <a:ext uri="{FF2B5EF4-FFF2-40B4-BE49-F238E27FC236}">
+                <a16:creationId xmlns:a16="http://schemas.microsoft.com/office/drawing/2014/main" id="{B6DC54CF-35F7-43EA-B0F4-366DC5E9A368}"/>
+              </a:ext>
+            </a:extLst>
+          </p:cNvPr>
+          <p:cNvSpPr txBox="1"/>
+          <p:nvPr/>
+        </p:nvSpPr>
+        <p:spPr>
+          <a:xfrm>
+            <a:off x="10770780" y="3755254"/>
+            <a:ext cx="2033890" cy="338554"/>
+          </a:xfrm>
+          <a:prstGeom prst="rect">
+            <a:avLst/>
+          </a:prstGeom>
+          <a:solidFill>
+            <a:srgbClr val="DAD490"/>
+          </a:solidFill>
+        </p:spPr>
+        <p:txBody>
+          <a:bodyPr wrap="none" rtlCol="0">
+            <a:spAutoFit/>
+          </a:bodyPr>
+          <a:lstStyle/>
+          <a:p>
+            <a:r>
+              <a:rPr lang="en-US" sz="1600" dirty="0">
+                <a:latin typeface="Proxima Nova"/>
+              </a:rPr>
+              <a:t>if (n == 1) return 1;</a:t>
+            </a:r>
+          </a:p>
+        </p:txBody>
+      </p:sp>
+      <p:sp>
+        <p:nvSpPr>
+          <p:cNvPr id="16" name="TextBox 15">
+            <a:extLst>
+              <a:ext uri="{FF2B5EF4-FFF2-40B4-BE49-F238E27FC236}">
+                <a16:creationId xmlns:a16="http://schemas.microsoft.com/office/drawing/2014/main" id="{CC8E4C46-4257-467B-893C-EE05F12775DE}"/>
+              </a:ext>
+            </a:extLst>
+          </p:cNvPr>
+          <p:cNvSpPr txBox="1"/>
+          <p:nvPr/>
+        </p:nvSpPr>
+        <p:spPr>
+          <a:xfrm>
+            <a:off x="10770780" y="4512041"/>
+            <a:ext cx="2404504" cy="338554"/>
+          </a:xfrm>
+          <a:prstGeom prst="rect">
+            <a:avLst/>
+          </a:prstGeom>
+          <a:solidFill>
+            <a:srgbClr val="DAD490"/>
+          </a:solidFill>
+        </p:spPr>
+        <p:txBody>
+          <a:bodyPr wrap="none" rtlCol="0">
+            <a:spAutoFit/>
+          </a:bodyPr>
+          <a:lstStyle/>
+          <a:p>
+            <a:r>
+              <a:rPr lang="en-US" sz="1600" dirty="0">
+                <a:latin typeface="Proxima Nova"/>
+              </a:rPr>
+              <a:t>return n * factorial(n-1);</a:t>
+            </a:r>
+          </a:p>
+        </p:txBody>
+      </p:sp>
+      <p:sp>
+        <p:nvSpPr>
+          <p:cNvPr id="17" name="TextBox 16">
+            <a:extLst>
+              <a:ext uri="{FF2B5EF4-FFF2-40B4-BE49-F238E27FC236}">
+                <a16:creationId xmlns:a16="http://schemas.microsoft.com/office/drawing/2014/main" id="{D4E84A94-D14C-4DE6-82E3-D13C2727867A}"/>
+              </a:ext>
+            </a:extLst>
+          </p:cNvPr>
+          <p:cNvSpPr txBox="1"/>
+          <p:nvPr/>
+        </p:nvSpPr>
+        <p:spPr>
+          <a:xfrm>
+            <a:off x="7754677" y="5408720"/>
+            <a:ext cx="3218445" cy="1077218"/>
+          </a:xfrm>
+          <a:prstGeom prst="rect">
+            <a:avLst/>
+          </a:prstGeom>
+          <a:solidFill>
+            <a:srgbClr val="DAD490"/>
+          </a:solidFill>
+        </p:spPr>
+        <p:txBody>
+          <a:bodyPr wrap="none" rtlCol="0">
+            <a:spAutoFit/>
+          </a:bodyPr>
+          <a:lstStyle/>
+          <a:p>
+            <a:r>
+              <a:rPr lang="en-US" sz="1600" dirty="0">
+                <a:latin typeface="Proxima Nova"/>
+              </a:rPr>
+              <a:t>public static long factorial (int n){</a:t>
+            </a:r>
+          </a:p>
+          <a:p>
+            <a:r>
+              <a:rPr lang="en-US" sz="1600" dirty="0">
+                <a:latin typeface="Proxima Nova"/>
+              </a:rPr>
+              <a:t>    if(n == 1) return 1;</a:t>
+            </a:r>
+          </a:p>
+          <a:p>
+            <a:r>
+              <a:rPr lang="en-US" sz="1600" dirty="0">
+                <a:latin typeface="Proxima Nova"/>
+              </a:rPr>
+              <a:t>    return n * factorial(n-1);</a:t>
+            </a:r>
+          </a:p>
+          <a:p>
+            <a:r>
+              <a:rPr lang="en-US" sz="1600" dirty="0">
+                <a:latin typeface="Proxima Nova"/>
+              </a:rPr>
+              <a:t>}</a:t>
+            </a:r>
+          </a:p>
+        </p:txBody>
+      </p:sp>
+      <p:sp>
+        <p:nvSpPr>
+          <p:cNvPr id="18" name="Text Placeholder 4">
+            <a:extLst>
+              <a:ext uri="{FF2B5EF4-FFF2-40B4-BE49-F238E27FC236}">
+                <a16:creationId xmlns:a16="http://schemas.microsoft.com/office/drawing/2014/main" id="{34B9CD85-4F9B-4C44-AD29-F49080158152}"/>
+              </a:ext>
+            </a:extLst>
+          </p:cNvPr>
+          <p:cNvSpPr txBox="1">
+            <a:spLocks/>
+          </p:cNvSpPr>
+          <p:nvPr/>
+        </p:nvSpPr>
+        <p:spPr>
+          <a:xfrm>
+            <a:off x="628074" y="4681318"/>
+            <a:ext cx="4858325" cy="1153201"/>
+          </a:xfrm>
+          <a:prstGeom prst="rect">
+            <a:avLst/>
+          </a:prstGeom>
+        </p:spPr>
+        <p:txBody>
+          <a:bodyPr vert="horz" wrap="square" lIns="91440" tIns="91440" rIns="91440" bIns="91440" rtlCol="0">
+            <a:spAutoFit/>
+          </a:bodyPr>
+          <a:lstStyle>
+            <a:lvl1pPr marL="524712" indent="-524712" algn="l" defTabSz="699614" rtl="0" eaLnBrk="1" latinLnBrk="0" hangingPunct="1">
+              <a:lnSpc>
+                <a:spcPct val="120000"/>
+              </a:lnSpc>
+              <a:spcBef>
+                <a:spcPts val="600"/>
+              </a:spcBef>
+              <a:spcAft>
+                <a:spcPts val="600"/>
+              </a:spcAft>
+              <a:buFont typeface="Arial"/>
+              <a:buChar char="•"/>
+              <a:defRPr sz="1800" b="0" i="0" kern="1200">
+                <a:solidFill>
+                  <a:srgbClr val="092529"/>
+                </a:solidFill>
+                <a:latin typeface="Proxima Nova" charset="0"/>
+                <a:ea typeface="Proxima Nova" charset="0"/>
+                <a:cs typeface="Proxima Nova" charset="0"/>
+              </a:defRPr>
+            </a:lvl1pPr>
+            <a:lvl2pPr marL="1136875" indent="-437261" algn="l" defTabSz="699614" rtl="0" eaLnBrk="1" latinLnBrk="0" hangingPunct="1">
+              <a:lnSpc>
+                <a:spcPct val="120000"/>
+              </a:lnSpc>
+              <a:spcBef>
+                <a:spcPts val="0"/>
+              </a:spcBef>
+              <a:spcAft>
+                <a:spcPts val="600"/>
+              </a:spcAft>
+              <a:buFont typeface="Arial"/>
+              <a:buChar char="–"/>
+              <a:defRPr sz="1600" b="0" i="0" kern="1200">
+                <a:solidFill>
+                  <a:srgbClr val="092529"/>
+                </a:solidFill>
+                <a:latin typeface="Proxima Nova" charset="0"/>
+                <a:ea typeface="Proxima Nova" charset="0"/>
+                <a:cs typeface="Proxima Nova" charset="0"/>
+              </a:defRPr>
+            </a:lvl2pPr>
+            <a:lvl3pPr marL="1749040" indent="-349807" algn="l" defTabSz="699614" rtl="0" eaLnBrk="1" latinLnBrk="0" hangingPunct="1">
+              <a:lnSpc>
+                <a:spcPct val="120000"/>
+              </a:lnSpc>
+              <a:spcBef>
+                <a:spcPts val="0"/>
+              </a:spcBef>
+              <a:spcAft>
+                <a:spcPts val="600"/>
+              </a:spcAft>
+              <a:buFont typeface="Arial"/>
+              <a:buChar char="•"/>
+              <a:defRPr sz="1600" b="0" i="0" kern="1200">
+                <a:solidFill>
+                  <a:srgbClr val="092529"/>
+                </a:solidFill>
+                <a:latin typeface="Proxima Nova" charset="0"/>
+                <a:ea typeface="Proxima Nova" charset="0"/>
+                <a:cs typeface="Proxima Nova" charset="0"/>
+              </a:defRPr>
+            </a:lvl3pPr>
+            <a:lvl4pPr marL="2448655" indent="-349807" algn="l" defTabSz="699614" rtl="0" eaLnBrk="1" latinLnBrk="0" hangingPunct="1">
+              <a:lnSpc>
+                <a:spcPct val="120000"/>
+              </a:lnSpc>
+              <a:spcBef>
+                <a:spcPts val="0"/>
+              </a:spcBef>
+              <a:spcAft>
+                <a:spcPts val="600"/>
+              </a:spcAft>
+              <a:buFont typeface="Arial"/>
+              <a:buChar char="–"/>
+              <a:defRPr sz="1600" b="0" i="0" kern="1200">
+                <a:solidFill>
+                  <a:srgbClr val="092529"/>
+                </a:solidFill>
+                <a:latin typeface="Proxima Nova" charset="0"/>
+                <a:ea typeface="Proxima Nova" charset="0"/>
+                <a:cs typeface="Proxima Nova" charset="0"/>
+              </a:defRPr>
+            </a:lvl4pPr>
+            <a:lvl5pPr marL="3148272" indent="-349807" algn="l" defTabSz="699614" rtl="0" eaLnBrk="1" latinLnBrk="0" hangingPunct="1">
+              <a:spcBef>
+                <a:spcPct val="20000"/>
+              </a:spcBef>
+              <a:buFont typeface="Arial"/>
+              <a:buChar char="»"/>
+              <a:defRPr sz="1648" b="0" kern="1200">
+                <a:solidFill>
+                  <a:srgbClr val="092529"/>
+                </a:solidFill>
+                <a:latin typeface="Franklin Gothic Book" charset="0"/>
+                <a:ea typeface="Franklin Gothic Book" charset="0"/>
+                <a:cs typeface="Franklin Gothic Book" charset="0"/>
+              </a:defRPr>
+            </a:lvl5pPr>
+            <a:lvl6pPr marL="3847888" indent="-349807" algn="l" defTabSz="699614" rtl="0" eaLnBrk="1" latinLnBrk="0" hangingPunct="1">
+              <a:spcBef>
+                <a:spcPct val="20000"/>
+              </a:spcBef>
+              <a:buFont typeface="Arial"/>
+              <a:buChar char="•"/>
+              <a:defRPr sz="3022" kern="1200">
+                <a:solidFill>
+                  <a:schemeClr val="tx1"/>
+                </a:solidFill>
+                <a:latin typeface="+mn-lt"/>
+                <a:ea typeface="+mn-ea"/>
+                <a:cs typeface="+mn-cs"/>
+              </a:defRPr>
+            </a:lvl6pPr>
+            <a:lvl7pPr marL="4547505" indent="-349807" algn="l" defTabSz="699614" rtl="0" eaLnBrk="1" latinLnBrk="0" hangingPunct="1">
+              <a:spcBef>
+                <a:spcPct val="20000"/>
+              </a:spcBef>
+              <a:buFont typeface="Arial"/>
+              <a:buChar char="•"/>
+              <a:defRPr sz="3022" kern="1200">
+                <a:solidFill>
+                  <a:schemeClr val="tx1"/>
+                </a:solidFill>
+                <a:latin typeface="+mn-lt"/>
+                <a:ea typeface="+mn-ea"/>
+                <a:cs typeface="+mn-cs"/>
+              </a:defRPr>
+            </a:lvl7pPr>
+            <a:lvl8pPr marL="5247119" indent="-349807" algn="l" defTabSz="699614" rtl="0" eaLnBrk="1" latinLnBrk="0" hangingPunct="1">
+              <a:spcBef>
+                <a:spcPct val="20000"/>
+              </a:spcBef>
+              <a:buFont typeface="Arial"/>
+              <a:buChar char="•"/>
+              <a:defRPr sz="3022" kern="1200">
+                <a:solidFill>
+                  <a:schemeClr val="tx1"/>
+                </a:solidFill>
+                <a:latin typeface="+mn-lt"/>
+                <a:ea typeface="+mn-ea"/>
+                <a:cs typeface="+mn-cs"/>
+              </a:defRPr>
+            </a:lvl8pPr>
+            <a:lvl9pPr marL="5946736" indent="-349807" algn="l" defTabSz="699614" rtl="0" eaLnBrk="1" latinLnBrk="0" hangingPunct="1">
+              <a:spcBef>
+                <a:spcPct val="20000"/>
+              </a:spcBef>
+              <a:buFont typeface="Arial"/>
+              <a:buChar char="•"/>
+              <a:defRPr sz="3022" kern="1200">
+                <a:solidFill>
+                  <a:schemeClr val="tx1"/>
+                </a:solidFill>
+                <a:latin typeface="+mn-lt"/>
+                <a:ea typeface="+mn-ea"/>
+                <a:cs typeface="+mn-cs"/>
+              </a:defRPr>
+            </a:lvl9pPr>
+          </a:lstStyle>
+          <a:p>
+            <a:r>
+              <a:rPr lang="en-US" dirty="0"/>
+              <a:t>Starting with Factorial example</a:t>
+            </a:r>
+          </a:p>
+          <a:p>
+            <a:pPr lvl="1">
+              <a:buFont typeface="+mj-lt"/>
+              <a:buAutoNum type="arabicPeriod"/>
+            </a:pPr>
+            <a:r>
+              <a:rPr lang="en-US" dirty="0"/>
+              <a:t>Let’s take a look at an interactive solution (loop)</a:t>
+            </a:r>
+          </a:p>
+        </p:txBody>
+      </p:sp>
+      <p:sp>
+        <p:nvSpPr>
+          <p:cNvPr id="20" name="TextBox 19">
+            <a:extLst>
+              <a:ext uri="{FF2B5EF4-FFF2-40B4-BE49-F238E27FC236}">
+                <a16:creationId xmlns:a16="http://schemas.microsoft.com/office/drawing/2014/main" id="{B8DFF3F6-C337-45DA-861C-AC9A96A0BF2E}"/>
+              </a:ext>
+            </a:extLst>
+          </p:cNvPr>
+          <p:cNvSpPr txBox="1"/>
+          <p:nvPr/>
+        </p:nvSpPr>
+        <p:spPr>
+          <a:xfrm>
+            <a:off x="1400168" y="5739227"/>
+            <a:ext cx="3659271" cy="1569660"/>
+          </a:xfrm>
+          <a:prstGeom prst="rect">
+            <a:avLst/>
+          </a:prstGeom>
+          <a:solidFill>
+            <a:srgbClr val="DAD490"/>
+          </a:solidFill>
+        </p:spPr>
+        <p:txBody>
+          <a:bodyPr wrap="none" rtlCol="0">
+            <a:spAutoFit/>
+          </a:bodyPr>
+          <a:lstStyle/>
+          <a:p>
+            <a:r>
+              <a:rPr lang="en-US" sz="1600" dirty="0">
+                <a:latin typeface="Proxima Nova"/>
+              </a:rPr>
+              <a:t>public static long </a:t>
+            </a:r>
+            <a:r>
+              <a:rPr lang="en-US" sz="1600" dirty="0" err="1">
+                <a:latin typeface="Proxima Nova"/>
+              </a:rPr>
+              <a:t>factorialLoop</a:t>
+            </a:r>
+            <a:r>
+              <a:rPr lang="en-US" sz="1600" dirty="0">
+                <a:latin typeface="Proxima Nova"/>
+              </a:rPr>
+              <a:t> (int n){</a:t>
+            </a:r>
+          </a:p>
+          <a:p>
+            <a:r>
+              <a:rPr lang="en-US" sz="1600" dirty="0">
+                <a:latin typeface="Proxima Nova"/>
+              </a:rPr>
+              <a:t>   long fact = 1;</a:t>
+            </a:r>
+          </a:p>
+          <a:p>
+            <a:r>
+              <a:rPr lang="en-US" sz="1600" dirty="0">
+                <a:latin typeface="Proxima Nova"/>
+              </a:rPr>
+              <a:t>   for(int </a:t>
+            </a:r>
+            <a:r>
+              <a:rPr lang="en-US" sz="1600" dirty="0" err="1">
+                <a:latin typeface="Proxima Nova"/>
+              </a:rPr>
+              <a:t>i</a:t>
+            </a:r>
+            <a:r>
+              <a:rPr lang="en-US" sz="1600" dirty="0">
+                <a:latin typeface="Proxima Nova"/>
+              </a:rPr>
+              <a:t> = n; </a:t>
+            </a:r>
+            <a:r>
+              <a:rPr lang="en-US" sz="1600" dirty="0" err="1">
+                <a:latin typeface="Proxima Nova"/>
+              </a:rPr>
+              <a:t>i</a:t>
+            </a:r>
+            <a:r>
+              <a:rPr lang="en-US" sz="1600" dirty="0">
+                <a:latin typeface="Proxima Nova"/>
+              </a:rPr>
+              <a:t> &gt; 1; </a:t>
+            </a:r>
+            <a:r>
+              <a:rPr lang="en-US" sz="1600" dirty="0" err="1">
+                <a:latin typeface="Proxima Nova"/>
+              </a:rPr>
+              <a:t>i</a:t>
+            </a:r>
+            <a:r>
+              <a:rPr lang="en-US" sz="1600" dirty="0">
+                <a:latin typeface="Proxima Nova"/>
+              </a:rPr>
+              <a:t>--)</a:t>
+            </a:r>
+          </a:p>
+          <a:p>
+            <a:r>
+              <a:rPr lang="en-US" sz="1600" dirty="0">
+                <a:latin typeface="Proxima Nova"/>
+              </a:rPr>
+              <a:t>       fact *= </a:t>
+            </a:r>
+            <a:r>
+              <a:rPr lang="en-US" sz="1600" dirty="0" err="1">
+                <a:latin typeface="Proxima Nova"/>
+              </a:rPr>
+              <a:t>i</a:t>
+            </a:r>
+            <a:r>
+              <a:rPr lang="en-US" sz="1600" dirty="0">
+                <a:latin typeface="Proxima Nova"/>
+              </a:rPr>
+              <a:t>;</a:t>
+            </a:r>
+          </a:p>
+          <a:p>
+            <a:r>
+              <a:rPr lang="en-US" sz="1600" dirty="0">
+                <a:latin typeface="Proxima Nova"/>
+              </a:rPr>
+              <a:t>   return fact;</a:t>
+            </a:r>
+          </a:p>
+          <a:p>
+            <a:r>
+              <a:rPr lang="en-US" sz="1600" dirty="0">
+                <a:latin typeface="Proxima Nova"/>
+              </a:rPr>
+              <a:t>}</a:t>
+            </a:r>
+          </a:p>
+        </p:txBody>
+      </p:sp>
+    </p:spTree>
+    <p:extLst>
+      <p:ext uri="{BB962C8B-B14F-4D97-AF65-F5344CB8AC3E}">
+        <p14:creationId xmlns:p14="http://schemas.microsoft.com/office/powerpoint/2010/main" val="2695379060"/>
+      </p:ext>
+    </p:extLst>
+  </p:cSld>
+  <p:clrMapOvr>
+    <a:masterClrMapping/>
+  </p:clrMapOvr>
+  <mc:AlternateContent xmlns:mc="http://schemas.openxmlformats.org/markup-compatibility/2006" xmlns:p14="http://schemas.microsoft.com/office/powerpoint/2010/main">
+    <mc:Choice Requires="p14">
+      <p:transition p14:dur="300">
+        <p:fade/>
+      </p:transition>
+    </mc:Choice>
+    <mc:Fallback xmlns="">
+      <p:transition>
+        <p:fade/>
+      </p:transition>
+    </mc:Fallback>
+  </mc:AlternateContent>
+  <p:timing>
+    <p:tnLst>
+      <p:par>
+        <p:cTn id="1" dur="indefinite" restart="never" nodeType="tmRoot">
+          <p:childTnLst>
+            <p:seq concurrent="1" nextAc="seek">
+              <p:cTn id="2" dur="indefinite" nodeType="mainSeq">
+                <p:childTnLst>
+                  <p:par>
+                    <p:cTn id="3" fill="hold">
+                      <p:stCondLst>
+                        <p:cond delay="indefinite"/>
+                      </p:stCondLst>
+                      <p:childTnLst>
+                        <p:par>
+                          <p:cTn id="4" fill="hold">
+                            <p:stCondLst>
+                              <p:cond delay="0"/>
+                            </p:stCondLst>
+                            <p:childTnLst>
+                              <p:par>
+                                <p:cTn id="5" presetID="1" presetClass="entr" presetSubtype="0" fill="hold" grpId="0" nodeType="clickEffect">
+                                  <p:stCondLst>
+                                    <p:cond delay="0"/>
+                                  </p:stCondLst>
+                                  <p:childTnLst>
+                                    <p:set>
+                                      <p:cBhvr>
+                                        <p:cTn id="6" dur="1" fill="hold">
+                                          <p:stCondLst>
+                                            <p:cond delay="0"/>
+                                          </p:stCondLst>
+                                        </p:cTn>
+                                        <p:tgtEl>
+                                          <p:spTgt spid="18"/>
+                                        </p:tgtEl>
+                                        <p:attrNameLst>
+                                          <p:attrName>style.visibility</p:attrName>
+                                        </p:attrNameLst>
+                                      </p:cBhvr>
+                                      <p:to>
+                                        <p:strVal val="visible"/>
+                                      </p:to>
+                                    </p:set>
+                                  </p:childTnLst>
+                                </p:cTn>
+                              </p:par>
+                            </p:childTnLst>
+                          </p:cTn>
+                        </p:par>
+                      </p:childTnLst>
+                    </p:cTn>
+                  </p:par>
+                  <p:par>
+                    <p:cTn id="7" fill="hold">
+                      <p:stCondLst>
+                        <p:cond delay="indefinite"/>
+                      </p:stCondLst>
+                      <p:childTnLst>
+                        <p:par>
+                          <p:cTn id="8" fill="hold">
+                            <p:stCondLst>
+                              <p:cond delay="0"/>
+                            </p:stCondLst>
+                            <p:childTnLst>
+                              <p:par>
+                                <p:cTn id="9" presetID="1" presetClass="entr" presetSubtype="0" fill="hold" grpId="0" nodeType="clickEffect">
+                                  <p:stCondLst>
+                                    <p:cond delay="0"/>
+                                  </p:stCondLst>
+                                  <p:childTnLst>
+                                    <p:set>
+                                      <p:cBhvr>
+                                        <p:cTn id="10" dur="1" fill="hold">
+                                          <p:stCondLst>
+                                            <p:cond delay="0"/>
+                                          </p:stCondLst>
+                                        </p:cTn>
+                                        <p:tgtEl>
+                                          <p:spTgt spid="20"/>
+                                        </p:tgtEl>
+                                        <p:attrNameLst>
+                                          <p:attrName>style.visibility</p:attrName>
+                                        </p:attrNameLst>
+                                      </p:cBhvr>
+                                      <p:to>
+                                        <p:strVal val="visible"/>
+                                      </p:to>
+                                    </p:set>
+                                  </p:childTnLst>
+                                </p:cTn>
+                              </p:par>
+                            </p:childTnLst>
+                          </p:cTn>
+                        </p:par>
+                      </p:childTnLst>
+                    </p:cTn>
+                  </p:par>
+                  <p:par>
+                    <p:cTn id="11" fill="hold">
+                      <p:stCondLst>
+                        <p:cond delay="indefinite"/>
+                      </p:stCondLst>
+                      <p:childTnLst>
+                        <p:par>
+                          <p:cTn id="12" fill="hold">
+                            <p:stCondLst>
+                              <p:cond delay="0"/>
+                            </p:stCondLst>
+                            <p:childTnLst>
+                              <p:par>
+                                <p:cTn id="13" presetID="1" presetClass="entr" presetSubtype="0" fill="hold" grpId="0" nodeType="clickEffect">
+                                  <p:stCondLst>
+                                    <p:cond delay="0"/>
+                                  </p:stCondLst>
+                                  <p:childTnLst>
+                                    <p:set>
+                                      <p:cBhvr>
+                                        <p:cTn id="14" dur="1" fill="hold">
+                                          <p:stCondLst>
+                                            <p:cond delay="0"/>
+                                          </p:stCondLst>
+                                        </p:cTn>
+                                        <p:tgtEl>
+                                          <p:spTgt spid="12"/>
+                                        </p:tgtEl>
+                                        <p:attrNameLst>
+                                          <p:attrName>style.visibility</p:attrName>
+                                        </p:attrNameLst>
+                                      </p:cBhvr>
+                                      <p:to>
+                                        <p:strVal val="visible"/>
+                                      </p:to>
+                                    </p:set>
+                                  </p:childTnLst>
+                                </p:cTn>
+                              </p:par>
+                            </p:childTnLst>
+                          </p:cTn>
+                        </p:par>
+                      </p:childTnLst>
+                    </p:cTn>
+                  </p:par>
+                  <p:par>
+                    <p:cTn id="15" fill="hold">
+                      <p:stCondLst>
+                        <p:cond delay="indefinite"/>
+                      </p:stCondLst>
+                      <p:childTnLst>
+                        <p:par>
+                          <p:cTn id="16" fill="hold">
+                            <p:stCondLst>
+                              <p:cond delay="0"/>
+                            </p:stCondLst>
+                            <p:childTnLst>
+                              <p:par>
+                                <p:cTn id="17" presetID="1" presetClass="entr" presetSubtype="0" fill="hold" grpId="0" nodeType="clickEffect">
+                                  <p:stCondLst>
+                                    <p:cond delay="0"/>
+                                  </p:stCondLst>
+                                  <p:childTnLst>
+                                    <p:set>
+                                      <p:cBhvr>
+                                        <p:cTn id="18" dur="1" fill="hold">
+                                          <p:stCondLst>
+                                            <p:cond delay="0"/>
+                                          </p:stCondLst>
+                                        </p:cTn>
+                                        <p:tgtEl>
+                                          <p:spTgt spid="2"/>
+                                        </p:tgtEl>
+                                        <p:attrNameLst>
+                                          <p:attrName>style.visibility</p:attrName>
+                                        </p:attrNameLst>
+                                      </p:cBhvr>
+                                      <p:to>
+                                        <p:strVal val="visible"/>
+                                      </p:to>
+                                    </p:set>
+                                  </p:childTnLst>
+                                </p:cTn>
+                              </p:par>
+                            </p:childTnLst>
+                          </p:cTn>
+                        </p:par>
+                      </p:childTnLst>
+                    </p:cTn>
+                  </p:par>
+                  <p:par>
+                    <p:cTn id="19" fill="hold">
+                      <p:stCondLst>
+                        <p:cond delay="indefinite"/>
+                      </p:stCondLst>
+                      <p:childTnLst>
+                        <p:par>
+                          <p:cTn id="20" fill="hold">
+                            <p:stCondLst>
+                              <p:cond delay="0"/>
+                            </p:stCondLst>
+                            <p:childTnLst>
+                              <p:par>
+                                <p:cTn id="21" presetID="1" presetClass="entr" presetSubtype="0" fill="hold" grpId="0" nodeType="clickEffect">
+                                  <p:stCondLst>
+                                    <p:cond delay="0"/>
+                                  </p:stCondLst>
+                                  <p:childTnLst>
+                                    <p:set>
+                                      <p:cBhvr>
+                                        <p:cTn id="22" dur="1" fill="hold">
+                                          <p:stCondLst>
+                                            <p:cond delay="0"/>
+                                          </p:stCondLst>
+                                        </p:cTn>
+                                        <p:tgtEl>
+                                          <p:spTgt spid="3"/>
+                                        </p:tgtEl>
+                                        <p:attrNameLst>
+                                          <p:attrName>style.visibility</p:attrName>
+                                        </p:attrNameLst>
+                                      </p:cBhvr>
+                                      <p:to>
+                                        <p:strVal val="visible"/>
+                                      </p:to>
+                                    </p:set>
+                                  </p:childTnLst>
+                                </p:cTn>
+                              </p:par>
+                            </p:childTnLst>
+                          </p:cTn>
+                        </p:par>
+                      </p:childTnLst>
+                    </p:cTn>
+                  </p:par>
+                  <p:par>
+                    <p:cTn id="23" fill="hold">
+                      <p:stCondLst>
+                        <p:cond delay="indefinite"/>
+                      </p:stCondLst>
+                      <p:childTnLst>
+                        <p:par>
+                          <p:cTn id="24" fill="hold">
+                            <p:stCondLst>
+                              <p:cond delay="0"/>
+                            </p:stCondLst>
+                            <p:childTnLst>
+                              <p:par>
+                                <p:cTn id="25" presetID="1" presetClass="entr" presetSubtype="0" fill="hold" grpId="0" nodeType="clickEffect">
+                                  <p:stCondLst>
+                                    <p:cond delay="0"/>
+                                  </p:stCondLst>
+                                  <p:childTnLst>
+                                    <p:set>
+                                      <p:cBhvr>
+                                        <p:cTn id="26" dur="1" fill="hold">
+                                          <p:stCondLst>
+                                            <p:cond delay="0"/>
+                                          </p:stCondLst>
+                                        </p:cTn>
+                                        <p:tgtEl>
+                                          <p:spTgt spid="16"/>
+                                        </p:tgtEl>
+                                        <p:attrNameLst>
+                                          <p:attrName>style.visibility</p:attrName>
+                                        </p:attrNameLst>
+                                      </p:cBhvr>
+                                      <p:to>
+                                        <p:strVal val="visible"/>
+                                      </p:to>
+                                    </p:set>
+                                  </p:childTnLst>
+                                </p:cTn>
+                              </p:par>
+                            </p:childTnLst>
+                          </p:cTn>
+                        </p:par>
+                      </p:childTnLst>
+                    </p:cTn>
+                  </p:par>
+                  <p:par>
+                    <p:cTn id="27" fill="hold">
+                      <p:stCondLst>
+                        <p:cond delay="indefinite"/>
+                      </p:stCondLst>
+                      <p:childTnLst>
+                        <p:par>
+                          <p:cTn id="28" fill="hold">
+                            <p:stCondLst>
+                              <p:cond delay="0"/>
+                            </p:stCondLst>
+                            <p:childTnLst>
+                              <p:par>
+                                <p:cTn id="29" presetID="1" presetClass="entr" presetSubtype="0" fill="hold" grpId="0" nodeType="clickEffect">
+                                  <p:stCondLst>
+                                    <p:cond delay="0"/>
+                                  </p:stCondLst>
+                                  <p:childTnLst>
+                                    <p:set>
+                                      <p:cBhvr>
+                                        <p:cTn id="30" dur="1" fill="hold">
+                                          <p:stCondLst>
+                                            <p:cond delay="0"/>
+                                          </p:stCondLst>
+                                        </p:cTn>
+                                        <p:tgtEl>
+                                          <p:spTgt spid="17"/>
+                                        </p:tgtEl>
+                                        <p:attrNameLst>
+                                          <p:attrName>style.visibility</p:attrName>
+                                        </p:attrNameLst>
+                                      </p:cBhvr>
+                                      <p:to>
+                                        <p:strVal val="visible"/>
+                                      </p:to>
+                                    </p:set>
+                                  </p:childTnLst>
+                                </p:cTn>
+                              </p:par>
+                            </p:childTnLst>
+                          </p:cTn>
+                        </p:par>
+                      </p:childTnLst>
+                    </p:cTn>
+                  </p:par>
+                </p:childTnLst>
+              </p:cTn>
+              <p:prevCondLst>
+                <p:cond evt="onPrev" delay="0">
+                  <p:tgtEl>
+                    <p:sldTgt/>
+                  </p:tgtEl>
+                </p:cond>
+              </p:prevCondLst>
+              <p:nextCondLst>
+                <p:cond evt="onNext" delay="0">
+                  <p:tgtEl>
+                    <p:sldTgt/>
+                  </p:tgtEl>
+                </p:cond>
+              </p:nextCondLst>
+            </p:seq>
+          </p:childTnLst>
+        </p:cTn>
+      </p:par>
+    </p:tnLst>
+    <p:bldLst>
+      <p:bldP spid="12" grpId="0"/>
+      <p:bldP spid="2" grpId="0"/>
+      <p:bldP spid="3" grpId="0" animBg="1"/>
+      <p:bldP spid="16" grpId="0" animBg="1"/>
+      <p:bldP spid="17" grpId="0" animBg="1"/>
+      <p:bldP spid="18" grpId="0"/>
+      <p:bldP spid="20" grpId="0" animBg="1"/>
+    </p:bldLst>
+  </p:timing>
+</p:sld>
+</file>
+
+<file path=ppt/slides/slide4.xml><?xml version="1.0" encoding="utf-8"?>
+<p:sld xmlns:a="http://schemas.openxmlformats.org/drawingml/2006/main" xmlns:r="http://schemas.openxmlformats.org/officeDocument/2006/relationships" xmlns:p="http://schemas.openxmlformats.org/presentationml/2006/main">
+  <p:cSld>
+    <p:spTree>
+      <p:nvGrpSpPr>
+        <p:cNvPr id="1" name=""/>
+        <p:cNvGrpSpPr/>
+        <p:nvPr/>
+      </p:nvGrpSpPr>
+      <p:grpSpPr>
+        <a:xfrm>
+          <a:off x="0" y="0"/>
+          <a:ext cx="0" cy="0"/>
+          <a:chOff x="0" y="0"/>
+          <a:chExt cx="0" cy="0"/>
+        </a:xfrm>
+      </p:grpSpPr>
+      <p:sp>
+        <p:nvSpPr>
+          <p:cNvPr id="4" name="Title 3">
+            <a:extLst>
+              <a:ext uri="{FF2B5EF4-FFF2-40B4-BE49-F238E27FC236}">
+                <a16:creationId xmlns:a16="http://schemas.microsoft.com/office/drawing/2014/main" id="{F016D7DE-DA0D-D54E-881A-8D82FC15EEDE}"/>
+              </a:ext>
+            </a:extLst>
+          </p:cNvPr>
+          <p:cNvSpPr>
+            <a:spLocks noGrp="1"/>
+          </p:cNvSpPr>
+          <p:nvPr>
+            <p:ph type="title"/>
+          </p:nvPr>
+        </p:nvSpPr>
+        <p:spPr>
+          <a:xfrm>
+            <a:off x="628075" y="448059"/>
+            <a:ext cx="12561453" cy="1015663"/>
+          </a:xfrm>
+        </p:spPr>
+        <p:txBody>
+          <a:bodyPr/>
+          <a:lstStyle/>
+          <a:p>
+            <a:r>
+              <a:rPr lang="en-US" dirty="0"/>
+              <a:t>Recursion Factorial Walk Through  </a:t>
+            </a:r>
+          </a:p>
+        </p:txBody>
+      </p:sp>
+      <p:sp>
+        <p:nvSpPr>
+          <p:cNvPr id="9" name="Rectangle 1">
+            <a:extLst>
+              <a:ext uri="{FF2B5EF4-FFF2-40B4-BE49-F238E27FC236}">
+                <a16:creationId xmlns:a16="http://schemas.microsoft.com/office/drawing/2014/main" id="{78FDD4FC-9816-401D-A7CC-D306B6C016D3}"/>
+              </a:ext>
+            </a:extLst>
+          </p:cNvPr>
+          <p:cNvSpPr>
+            <a:spLocks noChangeArrowheads="1"/>
+          </p:cNvSpPr>
+          <p:nvPr/>
+        </p:nvSpPr>
+        <p:spPr bwMode="auto">
+          <a:xfrm>
+            <a:off x="765544" y="1987484"/>
+            <a:ext cx="5401340" cy="2585323"/>
+          </a:xfrm>
+          <a:prstGeom prst="rect">
+            <a:avLst/>
+          </a:prstGeom>
+          <a:solidFill>
+            <a:srgbClr val="2B2B2B"/>
+          </a:solidFill>
+          <a:ln>
+            <a:noFill/>
+          </a:ln>
+          <a:effectLst/>
+          <a:extLst>
+            <a:ext uri="{91240B29-F687-4F45-9708-019B960494DF}">
+              <a14:hiddenLine xmlns:a14="http://schemas.microsoft.com/office/drawing/2010/main" w="9525">
+                <a:solidFill>
+                  <a:schemeClr val="tx1"/>
+                </a:solidFill>
+                <a:miter lim="800000"/>
+                <a:headEnd/>
+                <a:tailEnd/>
+              </a14:hiddenLine>
+            </a:ext>
+            <a:ext uri="{AF507438-7753-43E0-B8FC-AC1667EBCBE1}">
+              <a14:hiddenEffects xmlns:a14="http://schemas.microsoft.com/office/drawing/2010/main">
+                <a:effectLst>
+                  <a:outerShdw dist="35921" dir="2700000" algn="ctr" rotWithShape="0">
+                    <a:schemeClr val="bg2"/>
+                  </a:outerShdw>
+                </a:effectLst>
+              </a14:hiddenEffects>
+            </a:ext>
+          </a:extLst>
+        </p:spPr>
+        <p:txBody>
+          <a:bodyPr vert="horz" wrap="square" lIns="91440" tIns="45720" rIns="91440" bIns="45720" numCol="1" anchor="ctr" anchorCtr="0" compatLnSpc="1">
+            <a:prstTxWarp prst="textNoShape">
+              <a:avLst/>
+            </a:prstTxWarp>
+            <a:spAutoFit/>
+          </a:bodyPr>
+          <a:lstStyle/>
+          <a:p>
+            <a:pPr marL="0" marR="0" lvl="0" indent="0" algn="l" defTabSz="914400" rtl="0" eaLnBrk="0" fontAlgn="base" latinLnBrk="0" hangingPunct="0">
+              <a:lnSpc>
+                <a:spcPct val="100000"/>
+              </a:lnSpc>
+              <a:spcBef>
+                <a:spcPct val="0"/>
+              </a:spcBef>
+              <a:spcAft>
+                <a:spcPct val="0"/>
+              </a:spcAft>
+              <a:buClrTx/>
+              <a:buSzTx/>
+              <a:buFontTx/>
+              <a:buNone/>
+              <a:tabLst/>
+            </a:pPr>
+            <a:r>
+              <a:rPr kumimoji="0" lang="en-US" altLang="en-US" sz="1800" b="0" i="0" u="none" strike="noStrike" cap="none" normalizeH="0" baseline="0" dirty="0">
+                <a:ln>
+                  <a:noFill/>
+                </a:ln>
+                <a:solidFill>
+                  <a:srgbClr val="CC7832"/>
+                </a:solidFill>
+                <a:effectLst/>
+                <a:latin typeface="JetBrains Mono"/>
+              </a:rPr>
+              <a:t>public class </a:t>
+            </a:r>
+            <a:r>
+              <a:rPr kumimoji="0" lang="en-US" altLang="en-US" sz="1800" b="0" i="0" u="none" strike="noStrike" cap="none" normalizeH="0" baseline="0" dirty="0">
+                <a:ln>
+                  <a:noFill/>
+                </a:ln>
+                <a:solidFill>
+                  <a:srgbClr val="A9B7C6"/>
+                </a:solidFill>
+                <a:effectLst/>
+                <a:latin typeface="JetBrains Mono"/>
+              </a:rPr>
+              <a:t>Recursion {</a:t>
+            </a:r>
+            <a:br>
+              <a:rPr kumimoji="0" lang="en-US" altLang="en-US" sz="1800" b="0" i="0" u="none" strike="noStrike" cap="none" normalizeH="0" baseline="0" dirty="0">
+                <a:ln>
+                  <a:noFill/>
+                </a:ln>
+                <a:solidFill>
+                  <a:srgbClr val="A9B7C6"/>
+                </a:solidFill>
+                <a:effectLst/>
+                <a:latin typeface="JetBrains Mono"/>
+              </a:rPr>
+            </a:br>
+            <a:r>
+              <a:rPr kumimoji="0" lang="en-US" altLang="en-US" sz="1800" b="0" i="0" u="none" strike="noStrike" cap="none" normalizeH="0" baseline="0" dirty="0">
+                <a:ln>
+                  <a:noFill/>
+                </a:ln>
+                <a:solidFill>
+                  <a:srgbClr val="A9B7C6"/>
+                </a:solidFill>
+                <a:effectLst/>
+                <a:latin typeface="JetBrains Mono"/>
+              </a:rPr>
+              <a:t>    </a:t>
+            </a:r>
+            <a:r>
+              <a:rPr kumimoji="0" lang="en-US" altLang="en-US" sz="1800" b="0" i="0" u="none" strike="noStrike" cap="none" normalizeH="0" baseline="0" dirty="0">
+                <a:ln>
+                  <a:noFill/>
+                </a:ln>
+                <a:solidFill>
+                  <a:srgbClr val="CC7832"/>
+                </a:solidFill>
+                <a:effectLst/>
+                <a:latin typeface="JetBrains Mono"/>
+              </a:rPr>
+              <a:t>public static long </a:t>
+            </a:r>
+            <a:r>
+              <a:rPr kumimoji="0" lang="en-US" altLang="en-US" sz="1800" b="0" i="0" u="none" strike="noStrike" cap="none" normalizeH="0" baseline="0" dirty="0">
+                <a:ln>
+                  <a:noFill/>
+                </a:ln>
+                <a:solidFill>
+                  <a:srgbClr val="FFC66D"/>
+                </a:solidFill>
+                <a:effectLst/>
+                <a:latin typeface="JetBrains Mono"/>
+              </a:rPr>
+              <a:t>factorial</a:t>
+            </a:r>
+            <a:r>
+              <a:rPr kumimoji="0" lang="en-US" altLang="en-US" sz="1800" b="0" i="0" u="none" strike="noStrike" cap="none" normalizeH="0" baseline="0" dirty="0">
+                <a:ln>
+                  <a:noFill/>
+                </a:ln>
+                <a:solidFill>
+                  <a:srgbClr val="A9B7C6"/>
+                </a:solidFill>
+                <a:effectLst/>
+                <a:latin typeface="JetBrains Mono"/>
+              </a:rPr>
+              <a:t>(</a:t>
+            </a:r>
+            <a:r>
+              <a:rPr kumimoji="0" lang="en-US" altLang="en-US" sz="1800" b="0" i="0" u="none" strike="noStrike" cap="none" normalizeH="0" baseline="0" dirty="0">
+                <a:ln>
+                  <a:noFill/>
+                </a:ln>
+                <a:solidFill>
+                  <a:srgbClr val="CC7832"/>
+                </a:solidFill>
+                <a:effectLst/>
+                <a:latin typeface="JetBrains Mono"/>
+              </a:rPr>
+              <a:t>int </a:t>
+            </a:r>
+            <a:r>
+              <a:rPr kumimoji="0" lang="en-US" altLang="en-US" sz="1800" b="0" i="0" u="none" strike="noStrike" cap="none" normalizeH="0" baseline="0" dirty="0">
+                <a:ln>
+                  <a:noFill/>
+                </a:ln>
+                <a:solidFill>
+                  <a:srgbClr val="A9B7C6"/>
+                </a:solidFill>
+                <a:effectLst/>
+                <a:latin typeface="JetBrains Mono"/>
+              </a:rPr>
+              <a:t>n){</a:t>
+            </a:r>
+            <a:br>
+              <a:rPr kumimoji="0" lang="en-US" altLang="en-US" sz="1800" b="0" i="0" u="none" strike="noStrike" cap="none" normalizeH="0" baseline="0" dirty="0">
+                <a:ln>
+                  <a:noFill/>
+                </a:ln>
+                <a:solidFill>
+                  <a:srgbClr val="A9B7C6"/>
+                </a:solidFill>
+                <a:effectLst/>
+                <a:latin typeface="JetBrains Mono"/>
+              </a:rPr>
+            </a:br>
+            <a:r>
+              <a:rPr kumimoji="0" lang="en-US" altLang="en-US" sz="1800" b="0" i="0" u="none" strike="noStrike" cap="none" normalizeH="0" baseline="0" dirty="0">
+                <a:ln>
+                  <a:noFill/>
+                </a:ln>
+                <a:solidFill>
+                  <a:srgbClr val="A9B7C6"/>
+                </a:solidFill>
+                <a:effectLst/>
+                <a:latin typeface="JetBrains Mono"/>
+              </a:rPr>
+              <a:t>        </a:t>
+            </a:r>
+            <a:r>
+              <a:rPr kumimoji="0" lang="en-US" altLang="en-US" sz="1800" b="0" i="0" u="none" strike="noStrike" cap="none" normalizeH="0" baseline="0" dirty="0">
+                <a:ln>
+                  <a:noFill/>
+                </a:ln>
+                <a:solidFill>
+                  <a:srgbClr val="CC7832"/>
+                </a:solidFill>
+                <a:effectLst/>
+                <a:latin typeface="JetBrains Mono"/>
+              </a:rPr>
+              <a:t>if</a:t>
+            </a:r>
+            <a:r>
+              <a:rPr kumimoji="0" lang="en-US" altLang="en-US" sz="1800" b="0" i="0" u="none" strike="noStrike" cap="none" normalizeH="0" baseline="0" dirty="0">
+                <a:ln>
+                  <a:noFill/>
+                </a:ln>
+                <a:solidFill>
+                  <a:srgbClr val="A9B7C6"/>
+                </a:solidFill>
+                <a:effectLst/>
+                <a:latin typeface="JetBrains Mono"/>
+              </a:rPr>
+              <a:t>(n == </a:t>
+            </a:r>
+            <a:r>
+              <a:rPr kumimoji="0" lang="en-US" altLang="en-US" sz="1800" b="0" i="0" u="none" strike="noStrike" cap="none" normalizeH="0" baseline="0" dirty="0">
+                <a:ln>
+                  <a:noFill/>
+                </a:ln>
+                <a:solidFill>
+                  <a:srgbClr val="6897BB"/>
+                </a:solidFill>
+                <a:effectLst/>
+                <a:latin typeface="JetBrains Mono"/>
+              </a:rPr>
+              <a:t>1</a:t>
+            </a:r>
+            <a:r>
+              <a:rPr kumimoji="0" lang="en-US" altLang="en-US" sz="1800" b="0" i="0" u="none" strike="noStrike" cap="none" normalizeH="0" baseline="0" dirty="0">
+                <a:ln>
+                  <a:noFill/>
+                </a:ln>
+                <a:solidFill>
+                  <a:srgbClr val="A9B7C6"/>
+                </a:solidFill>
+                <a:effectLst/>
+                <a:latin typeface="JetBrains Mono"/>
+              </a:rPr>
+              <a:t>) </a:t>
+            </a:r>
+            <a:r>
+              <a:rPr kumimoji="0" lang="en-US" altLang="en-US" sz="1800" b="0" i="0" u="none" strike="noStrike" cap="none" normalizeH="0" baseline="0" dirty="0">
+                <a:ln>
+                  <a:noFill/>
+                </a:ln>
+                <a:solidFill>
+                  <a:srgbClr val="CC7832"/>
+                </a:solidFill>
+                <a:effectLst/>
+                <a:latin typeface="JetBrains Mono"/>
+              </a:rPr>
+              <a:t>return </a:t>
+            </a:r>
+            <a:r>
+              <a:rPr kumimoji="0" lang="en-US" altLang="en-US" sz="1800" b="0" i="0" u="none" strike="noStrike" cap="none" normalizeH="0" baseline="0" dirty="0">
+                <a:ln>
+                  <a:noFill/>
+                </a:ln>
+                <a:solidFill>
+                  <a:srgbClr val="6897BB"/>
+                </a:solidFill>
+                <a:effectLst/>
+                <a:latin typeface="JetBrains Mono"/>
+              </a:rPr>
+              <a:t>1</a:t>
+            </a:r>
+            <a:r>
+              <a:rPr kumimoji="0" lang="en-US" altLang="en-US" sz="1800" b="0" i="0" u="none" strike="noStrike" cap="none" normalizeH="0" baseline="0" dirty="0">
+                <a:ln>
+                  <a:noFill/>
+                </a:ln>
+                <a:solidFill>
+                  <a:srgbClr val="CC7832"/>
+                </a:solidFill>
+                <a:effectLst/>
+                <a:latin typeface="JetBrains Mono"/>
+              </a:rPr>
+              <a:t>;</a:t>
+            </a:r>
+            <a:br>
+              <a:rPr kumimoji="0" lang="en-US" altLang="en-US" sz="1800" b="0" i="0" u="none" strike="noStrike" cap="none" normalizeH="0" baseline="0" dirty="0">
+                <a:ln>
+                  <a:noFill/>
+                </a:ln>
+                <a:solidFill>
+                  <a:srgbClr val="CC7832"/>
+                </a:solidFill>
+                <a:effectLst/>
+                <a:latin typeface="JetBrains Mono"/>
+              </a:rPr>
+            </a:br>
+            <a:r>
+              <a:rPr kumimoji="0" lang="en-US" altLang="en-US" sz="1800" b="0" i="0" u="none" strike="noStrike" cap="none" normalizeH="0" baseline="0" dirty="0">
+                <a:ln>
+                  <a:noFill/>
+                </a:ln>
+                <a:solidFill>
+                  <a:srgbClr val="CC7832"/>
+                </a:solidFill>
+                <a:effectLst/>
+                <a:latin typeface="JetBrains Mono"/>
+              </a:rPr>
+              <a:t>        return </a:t>
+            </a:r>
+            <a:r>
+              <a:rPr kumimoji="0" lang="en-US" altLang="en-US" sz="1800" b="0" i="0" u="none" strike="noStrike" cap="none" normalizeH="0" baseline="0" dirty="0">
+                <a:ln>
+                  <a:noFill/>
+                </a:ln>
+                <a:solidFill>
+                  <a:srgbClr val="A9B7C6"/>
+                </a:solidFill>
+                <a:effectLst/>
+                <a:latin typeface="JetBrains Mono"/>
+              </a:rPr>
+              <a:t>n * </a:t>
+            </a:r>
+            <a:r>
+              <a:rPr kumimoji="0" lang="en-US" altLang="en-US" sz="1800" b="0" i="1" u="none" strike="noStrike" cap="none" normalizeH="0" baseline="0" dirty="0">
+                <a:ln>
+                  <a:noFill/>
+                </a:ln>
+                <a:solidFill>
+                  <a:srgbClr val="A9B7C6"/>
+                </a:solidFill>
+                <a:effectLst/>
+                <a:latin typeface="JetBrains Mono"/>
+              </a:rPr>
+              <a:t>factorial</a:t>
+            </a:r>
+            <a:r>
+              <a:rPr kumimoji="0" lang="en-US" altLang="en-US" sz="1800" b="0" i="0" u="none" strike="noStrike" cap="none" normalizeH="0" baseline="0" dirty="0">
+                <a:ln>
+                  <a:noFill/>
+                </a:ln>
+                <a:solidFill>
+                  <a:srgbClr val="A9B7C6"/>
+                </a:solidFill>
+                <a:effectLst/>
+                <a:latin typeface="JetBrains Mono"/>
+              </a:rPr>
+              <a:t>(n-</a:t>
+            </a:r>
+            <a:r>
+              <a:rPr kumimoji="0" lang="en-US" altLang="en-US" sz="1800" b="0" i="0" u="none" strike="noStrike" cap="none" normalizeH="0" baseline="0" dirty="0">
+                <a:ln>
+                  <a:noFill/>
+                </a:ln>
+                <a:solidFill>
+                  <a:srgbClr val="6897BB"/>
+                </a:solidFill>
+                <a:effectLst/>
+                <a:latin typeface="JetBrains Mono"/>
+              </a:rPr>
+              <a:t>1</a:t>
+            </a:r>
+            <a:r>
+              <a:rPr kumimoji="0" lang="en-US" altLang="en-US" sz="1800" b="0" i="0" u="none" strike="noStrike" cap="none" normalizeH="0" baseline="0" dirty="0">
+                <a:ln>
+                  <a:noFill/>
+                </a:ln>
+                <a:solidFill>
+                  <a:srgbClr val="A9B7C6"/>
+                </a:solidFill>
+                <a:effectLst/>
+                <a:latin typeface="JetBrains Mono"/>
+              </a:rPr>
+              <a:t>)</a:t>
+            </a:r>
+            <a:r>
+              <a:rPr kumimoji="0" lang="en-US" altLang="en-US" sz="1800" b="0" i="0" u="none" strike="noStrike" cap="none" normalizeH="0" baseline="0" dirty="0">
+                <a:ln>
+                  <a:noFill/>
+                </a:ln>
+                <a:solidFill>
+                  <a:srgbClr val="CC7832"/>
+                </a:solidFill>
+                <a:effectLst/>
+                <a:latin typeface="JetBrains Mono"/>
+              </a:rPr>
+              <a:t>;</a:t>
+            </a:r>
+            <a:br>
+              <a:rPr kumimoji="0" lang="en-US" altLang="en-US" sz="1800" b="0" i="0" u="none" strike="noStrike" cap="none" normalizeH="0" baseline="0" dirty="0">
+                <a:ln>
+                  <a:noFill/>
+                </a:ln>
+                <a:solidFill>
+                  <a:srgbClr val="CC7832"/>
+                </a:solidFill>
+                <a:effectLst/>
+                <a:latin typeface="JetBrains Mono"/>
+              </a:rPr>
+            </a:br>
+            <a:r>
+              <a:rPr kumimoji="0" lang="en-US" altLang="en-US" sz="1800" b="0" i="0" u="none" strike="noStrike" cap="none" normalizeH="0" baseline="0" dirty="0">
+                <a:ln>
+                  <a:noFill/>
+                </a:ln>
+                <a:solidFill>
+                  <a:srgbClr val="CC7832"/>
+                </a:solidFill>
+                <a:effectLst/>
+                <a:latin typeface="JetBrains Mono"/>
+              </a:rPr>
+              <a:t>    </a:t>
+            </a:r>
+            <a:r>
+              <a:rPr kumimoji="0" lang="en-US" altLang="en-US" sz="1800" b="0" i="0" u="none" strike="noStrike" cap="none" normalizeH="0" baseline="0" dirty="0">
+                <a:ln>
+                  <a:noFill/>
+                </a:ln>
+                <a:solidFill>
+                  <a:srgbClr val="A9B7C6"/>
+                </a:solidFill>
+                <a:effectLst/>
+                <a:latin typeface="JetBrains Mono"/>
+              </a:rPr>
+              <a:t>}</a:t>
+            </a:r>
+            <a:br>
+              <a:rPr kumimoji="0" lang="en-US" altLang="en-US" sz="1800" b="0" i="0" u="none" strike="noStrike" cap="none" normalizeH="0" baseline="0" dirty="0">
+                <a:ln>
+                  <a:noFill/>
+                </a:ln>
+                <a:solidFill>
+                  <a:srgbClr val="A9B7C6"/>
+                </a:solidFill>
+                <a:effectLst/>
+                <a:latin typeface="JetBrains Mono"/>
+              </a:rPr>
+            </a:br>
+            <a:r>
+              <a:rPr kumimoji="0" lang="en-US" altLang="en-US" sz="1800" b="0" i="0" u="none" strike="noStrike" cap="none" normalizeH="0" baseline="0" dirty="0">
+                <a:ln>
+                  <a:noFill/>
+                </a:ln>
+                <a:solidFill>
+                  <a:srgbClr val="A9B7C6"/>
+                </a:solidFill>
+                <a:effectLst/>
+                <a:latin typeface="JetBrains Mono"/>
+              </a:rPr>
+              <a:t>    </a:t>
+            </a:r>
+            <a:r>
+              <a:rPr kumimoji="0" lang="en-US" altLang="en-US" sz="1800" b="0" i="0" u="none" strike="noStrike" cap="none" normalizeH="0" baseline="0" dirty="0">
+                <a:ln>
+                  <a:noFill/>
+                </a:ln>
+                <a:solidFill>
+                  <a:srgbClr val="CC7832"/>
+                </a:solidFill>
+                <a:effectLst/>
+                <a:latin typeface="JetBrains Mono"/>
+              </a:rPr>
+              <a:t>public static void </a:t>
+            </a:r>
+            <a:r>
+              <a:rPr kumimoji="0" lang="en-US" altLang="en-US" sz="1800" b="0" i="0" u="none" strike="noStrike" cap="none" normalizeH="0" baseline="0" dirty="0">
+                <a:ln>
+                  <a:noFill/>
+                </a:ln>
+                <a:solidFill>
+                  <a:srgbClr val="FFC66D"/>
+                </a:solidFill>
+                <a:effectLst/>
+                <a:latin typeface="JetBrains Mono"/>
+              </a:rPr>
+              <a:t>main</a:t>
+            </a:r>
+            <a:r>
+              <a:rPr kumimoji="0" lang="en-US" altLang="en-US" sz="1800" b="0" i="0" u="none" strike="noStrike" cap="none" normalizeH="0" baseline="0" dirty="0">
+                <a:ln>
+                  <a:noFill/>
+                </a:ln>
+                <a:solidFill>
+                  <a:srgbClr val="A9B7C6"/>
+                </a:solidFill>
+                <a:effectLst/>
+                <a:latin typeface="JetBrains Mono"/>
+              </a:rPr>
+              <a:t>(String </a:t>
+            </a:r>
+            <a:r>
+              <a:rPr kumimoji="0" lang="en-US" altLang="en-US" sz="1800" b="0" i="0" u="none" strike="noStrike" cap="none" normalizeH="0" baseline="0" dirty="0" err="1">
+                <a:ln>
+                  <a:noFill/>
+                </a:ln>
+                <a:solidFill>
+                  <a:srgbClr val="A9B7C6"/>
+                </a:solidFill>
+                <a:effectLst/>
+                <a:latin typeface="JetBrains Mono"/>
+              </a:rPr>
+              <a:t>args</a:t>
+            </a:r>
+            <a:r>
+              <a:rPr kumimoji="0" lang="en-US" altLang="en-US" sz="1800" b="0" i="0" u="none" strike="noStrike" cap="none" normalizeH="0" baseline="0" dirty="0">
+                <a:ln>
+                  <a:noFill/>
+                </a:ln>
+                <a:solidFill>
+                  <a:srgbClr val="A9B7C6"/>
+                </a:solidFill>
+                <a:effectLst/>
+                <a:latin typeface="JetBrains Mono"/>
+              </a:rPr>
+              <a:t>[]){</a:t>
+            </a:r>
+            <a:br>
+              <a:rPr kumimoji="0" lang="en-US" altLang="en-US" sz="1800" b="0" i="0" u="none" strike="noStrike" cap="none" normalizeH="0" baseline="0" dirty="0">
+                <a:ln>
+                  <a:noFill/>
+                </a:ln>
+                <a:solidFill>
+                  <a:srgbClr val="A9B7C6"/>
+                </a:solidFill>
+                <a:effectLst/>
+                <a:latin typeface="JetBrains Mono"/>
+              </a:rPr>
+            </a:br>
+            <a:r>
+              <a:rPr kumimoji="0" lang="en-US" altLang="en-US" sz="1800" b="0" i="0" u="none" strike="noStrike" cap="none" normalizeH="0" baseline="0" dirty="0">
+                <a:ln>
+                  <a:noFill/>
+                </a:ln>
+                <a:solidFill>
+                  <a:srgbClr val="A9B7C6"/>
+                </a:solidFill>
+                <a:effectLst/>
+                <a:latin typeface="JetBrains Mono"/>
+              </a:rPr>
+              <a:t>        </a:t>
+            </a:r>
+            <a:r>
+              <a:rPr kumimoji="0" lang="en-US" altLang="en-US" sz="1800" b="0" i="0" u="none" strike="noStrike" cap="none" normalizeH="0" baseline="0" dirty="0" err="1">
+                <a:ln>
+                  <a:noFill/>
+                </a:ln>
+                <a:solidFill>
+                  <a:srgbClr val="A9B7C6"/>
+                </a:solidFill>
+                <a:effectLst/>
+                <a:latin typeface="JetBrains Mono"/>
+              </a:rPr>
+              <a:t>System.</a:t>
+            </a:r>
+            <a:r>
+              <a:rPr kumimoji="0" lang="en-US" altLang="en-US" sz="1800" b="0" i="1" u="none" strike="noStrike" cap="none" normalizeH="0" baseline="0" dirty="0" err="1">
+                <a:ln>
+                  <a:noFill/>
+                </a:ln>
+                <a:solidFill>
+                  <a:srgbClr val="9876AA"/>
+                </a:solidFill>
+                <a:effectLst/>
+                <a:latin typeface="JetBrains Mono"/>
+              </a:rPr>
+              <a:t>out</a:t>
+            </a:r>
+            <a:r>
+              <a:rPr kumimoji="0" lang="en-US" altLang="en-US" sz="1800" b="0" i="0" u="none" strike="noStrike" cap="none" normalizeH="0" baseline="0" dirty="0" err="1">
+                <a:ln>
+                  <a:noFill/>
+                </a:ln>
+                <a:solidFill>
+                  <a:srgbClr val="A9B7C6"/>
+                </a:solidFill>
+                <a:effectLst/>
+                <a:latin typeface="JetBrains Mono"/>
+              </a:rPr>
+              <a:t>.println</a:t>
+            </a:r>
+            <a:r>
+              <a:rPr kumimoji="0" lang="en-US" altLang="en-US" sz="1800" b="0" i="0" u="none" strike="noStrike" cap="none" normalizeH="0" baseline="0" dirty="0">
+                <a:ln>
+                  <a:noFill/>
+                </a:ln>
+                <a:solidFill>
+                  <a:srgbClr val="A9B7C6"/>
+                </a:solidFill>
+                <a:effectLst/>
+                <a:latin typeface="JetBrains Mono"/>
+              </a:rPr>
+              <a:t>(</a:t>
+            </a:r>
+            <a:r>
+              <a:rPr kumimoji="0" lang="en-US" altLang="en-US" sz="1800" b="0" i="0" u="none" strike="noStrike" cap="none" normalizeH="0" baseline="0" dirty="0">
+                <a:ln>
+                  <a:noFill/>
+                </a:ln>
+                <a:solidFill>
+                  <a:srgbClr val="6A8759"/>
+                </a:solidFill>
+                <a:effectLst/>
+                <a:latin typeface="JetBrains Mono"/>
+              </a:rPr>
+              <a:t>"Factorial of 3: " </a:t>
+            </a:r>
+            <a:r>
+              <a:rPr kumimoji="0" lang="en-US" altLang="en-US" sz="1800" b="0" i="0" u="none" strike="noStrike" cap="none" normalizeH="0" baseline="0" dirty="0">
+                <a:ln>
+                  <a:noFill/>
+                </a:ln>
+                <a:solidFill>
+                  <a:srgbClr val="A9B7C6"/>
+                </a:solidFill>
+                <a:effectLst/>
+                <a:latin typeface="JetBrains Mono"/>
+              </a:rPr>
+              <a:t>+ </a:t>
+            </a:r>
+            <a:r>
+              <a:rPr kumimoji="0" lang="en-US" altLang="en-US" sz="1800" b="0" i="1" u="none" strike="noStrike" cap="none" normalizeH="0" baseline="0" dirty="0">
+                <a:ln>
+                  <a:noFill/>
+                </a:ln>
+                <a:solidFill>
+                  <a:srgbClr val="A9B7C6"/>
+                </a:solidFill>
+                <a:effectLst/>
+                <a:latin typeface="JetBrains Mono"/>
+              </a:rPr>
+              <a:t>factorial</a:t>
+            </a:r>
+            <a:r>
+              <a:rPr kumimoji="0" lang="en-US" altLang="en-US" sz="1800" b="0" i="0" u="none" strike="noStrike" cap="none" normalizeH="0" baseline="0" dirty="0">
+                <a:ln>
+                  <a:noFill/>
+                </a:ln>
+                <a:solidFill>
+                  <a:srgbClr val="A9B7C6"/>
+                </a:solidFill>
+                <a:effectLst/>
+                <a:latin typeface="JetBrains Mono"/>
+              </a:rPr>
+              <a:t>(</a:t>
+            </a:r>
+            <a:r>
+              <a:rPr kumimoji="0" lang="en-US" altLang="en-US" sz="1800" b="0" i="0" u="none" strike="noStrike" cap="none" normalizeH="0" baseline="0" dirty="0">
+                <a:ln>
+                  <a:noFill/>
+                </a:ln>
+                <a:solidFill>
+                  <a:srgbClr val="6897BB"/>
+                </a:solidFill>
+                <a:effectLst/>
+                <a:latin typeface="JetBrains Mono"/>
+              </a:rPr>
+              <a:t>3</a:t>
+            </a:r>
+            <a:r>
+              <a:rPr kumimoji="0" lang="en-US" altLang="en-US" sz="1800" b="0" i="0" u="none" strike="noStrike" cap="none" normalizeH="0" baseline="0" dirty="0">
+                <a:ln>
+                  <a:noFill/>
+                </a:ln>
+                <a:solidFill>
+                  <a:srgbClr val="A9B7C6"/>
+                </a:solidFill>
+                <a:effectLst/>
+                <a:latin typeface="JetBrains Mono"/>
+              </a:rPr>
+              <a:t>))</a:t>
+            </a:r>
+            <a:r>
+              <a:rPr kumimoji="0" lang="en-US" altLang="en-US" sz="1800" b="0" i="0" u="none" strike="noStrike" cap="none" normalizeH="0" baseline="0" dirty="0">
+                <a:ln>
+                  <a:noFill/>
+                </a:ln>
+                <a:solidFill>
+                  <a:srgbClr val="CC7832"/>
+                </a:solidFill>
+                <a:effectLst/>
+                <a:latin typeface="JetBrains Mono"/>
+              </a:rPr>
+              <a:t>;</a:t>
+            </a:r>
+            <a:br>
+              <a:rPr kumimoji="0" lang="en-US" altLang="en-US" sz="1800" b="0" i="0" u="none" strike="noStrike" cap="none" normalizeH="0" baseline="0" dirty="0">
+                <a:ln>
+                  <a:noFill/>
+                </a:ln>
+                <a:solidFill>
+                  <a:srgbClr val="CC7832"/>
+                </a:solidFill>
+                <a:effectLst/>
+                <a:latin typeface="JetBrains Mono"/>
+              </a:rPr>
+            </a:br>
+            <a:r>
+              <a:rPr kumimoji="0" lang="en-US" altLang="en-US" sz="1800" b="0" i="0" u="none" strike="noStrike" cap="none" normalizeH="0" baseline="0" dirty="0">
+                <a:ln>
+                  <a:noFill/>
+                </a:ln>
+                <a:solidFill>
+                  <a:srgbClr val="CC7832"/>
+                </a:solidFill>
+                <a:effectLst/>
+                <a:latin typeface="JetBrains Mono"/>
+              </a:rPr>
+              <a:t>    </a:t>
+            </a:r>
+            <a:r>
+              <a:rPr kumimoji="0" lang="en-US" altLang="en-US" sz="1800" b="0" i="0" u="none" strike="noStrike" cap="none" normalizeH="0" baseline="0" dirty="0">
+                <a:ln>
+                  <a:noFill/>
+                </a:ln>
+                <a:solidFill>
+                  <a:srgbClr val="A9B7C6"/>
+                </a:solidFill>
+                <a:effectLst/>
+                <a:latin typeface="JetBrains Mono"/>
+              </a:rPr>
+              <a:t>}</a:t>
+            </a:r>
+            <a:br>
+              <a:rPr kumimoji="0" lang="en-US" altLang="en-US" sz="1800" b="0" i="0" u="none" strike="noStrike" cap="none" normalizeH="0" baseline="0" dirty="0">
+                <a:ln>
+                  <a:noFill/>
+                </a:ln>
+                <a:solidFill>
+                  <a:srgbClr val="A9B7C6"/>
+                </a:solidFill>
+                <a:effectLst/>
+                <a:latin typeface="JetBrains Mono"/>
+              </a:rPr>
+            </a:br>
+            <a:r>
+              <a:rPr kumimoji="0" lang="en-US" altLang="en-US" sz="1800" b="0" i="0" u="none" strike="noStrike" cap="none" normalizeH="0" baseline="0" dirty="0">
+                <a:ln>
+                  <a:noFill/>
+                </a:ln>
+                <a:solidFill>
+                  <a:srgbClr val="A9B7C6"/>
+                </a:solidFill>
+                <a:effectLst/>
+                <a:latin typeface="JetBrains Mono"/>
+              </a:rPr>
+              <a:t>}</a:t>
+            </a:r>
+            <a:endParaRPr kumimoji="0" lang="en-US" altLang="en-US" sz="1800" b="0" i="0" u="none" strike="noStrike" cap="none" normalizeH="0" baseline="0" dirty="0">
+              <a:ln>
+                <a:noFill/>
+              </a:ln>
+              <a:solidFill>
+                <a:schemeClr val="tx1"/>
+              </a:solidFill>
+              <a:effectLst/>
+              <a:latin typeface="Arial" panose="020B0604020202020204" pitchFamily="34" charset="0"/>
+            </a:endParaRPr>
+          </a:p>
+        </p:txBody>
+      </p:sp>
+      <p:sp>
+        <p:nvSpPr>
+          <p:cNvPr id="13" name="TextBox 12">
+            <a:extLst>
+              <a:ext uri="{FF2B5EF4-FFF2-40B4-BE49-F238E27FC236}">
+                <a16:creationId xmlns:a16="http://schemas.microsoft.com/office/drawing/2014/main" id="{5DE45209-5299-4909-8268-7548D361CE07}"/>
+              </a:ext>
+            </a:extLst>
+          </p:cNvPr>
+          <p:cNvSpPr txBox="1"/>
+          <p:nvPr/>
+        </p:nvSpPr>
+        <p:spPr>
+          <a:xfrm>
+            <a:off x="9463951" y="1848882"/>
+            <a:ext cx="327334" cy="400110"/>
+          </a:xfrm>
+          <a:prstGeom prst="rect">
+            <a:avLst/>
+          </a:prstGeom>
+          <a:noFill/>
+        </p:spPr>
+        <p:txBody>
+          <a:bodyPr wrap="none" rtlCol="0">
+            <a:spAutoFit/>
+          </a:bodyPr>
+          <a:lstStyle/>
+          <a:p>
+            <a:r>
+              <a:rPr lang="en-US" dirty="0"/>
+              <a:t>n</a:t>
+            </a:r>
+          </a:p>
+        </p:txBody>
+      </p:sp>
+      <p:sp>
+        <p:nvSpPr>
+          <p:cNvPr id="15" name="TextBox 14">
+            <a:extLst>
+              <a:ext uri="{FF2B5EF4-FFF2-40B4-BE49-F238E27FC236}">
+                <a16:creationId xmlns:a16="http://schemas.microsoft.com/office/drawing/2014/main" id="{E496EE7A-5F54-4001-A90D-F87E77A6BFC7}"/>
+              </a:ext>
+            </a:extLst>
+          </p:cNvPr>
+          <p:cNvSpPr txBox="1"/>
+          <p:nvPr/>
+        </p:nvSpPr>
+        <p:spPr>
+          <a:xfrm>
+            <a:off x="8485007" y="1848882"/>
+            <a:ext cx="570990" cy="400110"/>
+          </a:xfrm>
+          <a:prstGeom prst="rect">
+            <a:avLst/>
+          </a:prstGeom>
+          <a:noFill/>
+        </p:spPr>
+        <p:txBody>
+          <a:bodyPr wrap="none" rtlCol="0">
+            <a:spAutoFit/>
+          </a:bodyPr>
+          <a:lstStyle/>
+          <a:p>
+            <a:r>
+              <a:rPr lang="en-US" dirty="0"/>
+              <a:t>call</a:t>
+            </a:r>
+          </a:p>
+        </p:txBody>
+      </p:sp>
+      <p:sp>
+        <p:nvSpPr>
+          <p:cNvPr id="18" name="Rectangle 17">
+            <a:extLst>
+              <a:ext uri="{FF2B5EF4-FFF2-40B4-BE49-F238E27FC236}">
+                <a16:creationId xmlns:a16="http://schemas.microsoft.com/office/drawing/2014/main" id="{EA3E712E-E2A7-4000-B24B-49ABA3520C45}"/>
+              </a:ext>
+            </a:extLst>
+          </p:cNvPr>
+          <p:cNvSpPr/>
+          <p:nvPr/>
+        </p:nvSpPr>
+        <p:spPr>
+          <a:xfrm>
+            <a:off x="8606835" y="2394813"/>
+            <a:ext cx="327334" cy="400110"/>
+          </a:xfrm>
+          <a:prstGeom prst="rect">
+            <a:avLst/>
+          </a:prstGeom>
+          <a:ln>
+            <a:solidFill>
+              <a:schemeClr val="tx1"/>
+            </a:solidFill>
+          </a:ln>
+        </p:spPr>
+        <p:txBody>
+          <a:bodyPr wrap="none">
+            <a:spAutoFit/>
+          </a:bodyPr>
+          <a:lstStyle/>
+          <a:p>
+            <a:r>
+              <a:rPr lang="en-US" dirty="0">
+                <a:latin typeface="Consolas" panose="020B0609020204030204" pitchFamily="49" charset="0"/>
+                <a:cs typeface="Consolas" panose="020B0609020204030204" pitchFamily="49" charset="0"/>
+              </a:rPr>
+              <a:t>0</a:t>
+            </a:r>
+          </a:p>
+        </p:txBody>
+      </p:sp>
+      <p:sp>
+        <p:nvSpPr>
+          <p:cNvPr id="19" name="Rectangle 18">
+            <a:extLst>
+              <a:ext uri="{FF2B5EF4-FFF2-40B4-BE49-F238E27FC236}">
+                <a16:creationId xmlns:a16="http://schemas.microsoft.com/office/drawing/2014/main" id="{00223173-FD20-45F5-9E4A-88F6215E5B96}"/>
+              </a:ext>
+            </a:extLst>
+          </p:cNvPr>
+          <p:cNvSpPr/>
+          <p:nvPr/>
+        </p:nvSpPr>
+        <p:spPr>
+          <a:xfrm>
+            <a:off x="9519466" y="2394813"/>
+            <a:ext cx="325730" cy="400110"/>
+          </a:xfrm>
+          <a:prstGeom prst="rect">
+            <a:avLst/>
+          </a:prstGeom>
+          <a:ln>
+            <a:solidFill>
+              <a:schemeClr val="tx1"/>
+            </a:solidFill>
+          </a:ln>
+        </p:spPr>
+        <p:txBody>
+          <a:bodyPr wrap="none">
+            <a:spAutoFit/>
+          </a:bodyPr>
+          <a:lstStyle/>
+          <a:p>
+            <a:r>
+              <a:rPr lang="en-US" dirty="0">
+                <a:latin typeface="Consolas" panose="020B0609020204030204" pitchFamily="49" charset="0"/>
+                <a:cs typeface="Consolas" panose="020B0609020204030204" pitchFamily="49" charset="0"/>
+              </a:rPr>
+              <a:t>3</a:t>
+            </a:r>
+          </a:p>
+        </p:txBody>
+      </p:sp>
+      <p:sp>
+        <p:nvSpPr>
+          <p:cNvPr id="21" name="Rectangle 20">
+            <a:extLst>
+              <a:ext uri="{FF2B5EF4-FFF2-40B4-BE49-F238E27FC236}">
+                <a16:creationId xmlns:a16="http://schemas.microsoft.com/office/drawing/2014/main" id="{11CB4C76-67E5-4661-A0E1-B5C84A6D2D30}"/>
+              </a:ext>
+            </a:extLst>
+          </p:cNvPr>
+          <p:cNvSpPr/>
+          <p:nvPr/>
+        </p:nvSpPr>
+        <p:spPr>
+          <a:xfrm>
+            <a:off x="8599770" y="2955881"/>
+            <a:ext cx="327334" cy="400110"/>
+          </a:xfrm>
+          <a:prstGeom prst="rect">
+            <a:avLst/>
+          </a:prstGeom>
+          <a:ln>
+            <a:solidFill>
+              <a:schemeClr val="tx1"/>
+            </a:solidFill>
+          </a:ln>
+        </p:spPr>
+        <p:txBody>
+          <a:bodyPr wrap="none">
+            <a:spAutoFit/>
+          </a:bodyPr>
+          <a:lstStyle/>
+          <a:p>
+            <a:r>
+              <a:rPr lang="en-US" dirty="0">
+                <a:latin typeface="Consolas" panose="020B0609020204030204" pitchFamily="49" charset="0"/>
+                <a:cs typeface="Consolas" panose="020B0609020204030204" pitchFamily="49" charset="0"/>
+              </a:rPr>
+              <a:t>1</a:t>
+            </a:r>
+          </a:p>
+        </p:txBody>
+      </p:sp>
+      <p:sp>
+        <p:nvSpPr>
+          <p:cNvPr id="22" name="Rectangle 21">
+            <a:extLst>
+              <a:ext uri="{FF2B5EF4-FFF2-40B4-BE49-F238E27FC236}">
+                <a16:creationId xmlns:a16="http://schemas.microsoft.com/office/drawing/2014/main" id="{78328DCF-A625-45C1-9F32-4E25156658A4}"/>
+              </a:ext>
+            </a:extLst>
+          </p:cNvPr>
+          <p:cNvSpPr/>
+          <p:nvPr/>
+        </p:nvSpPr>
+        <p:spPr>
+          <a:xfrm>
+            <a:off x="9519466" y="2967666"/>
+            <a:ext cx="325730" cy="400110"/>
+          </a:xfrm>
+          <a:prstGeom prst="rect">
+            <a:avLst/>
+          </a:prstGeom>
+          <a:ln>
+            <a:solidFill>
+              <a:schemeClr val="tx1"/>
+            </a:solidFill>
+          </a:ln>
+        </p:spPr>
+        <p:txBody>
+          <a:bodyPr wrap="none">
+            <a:spAutoFit/>
+          </a:bodyPr>
+          <a:lstStyle/>
+          <a:p>
+            <a:r>
+              <a:rPr lang="en-US" dirty="0">
+                <a:latin typeface="Consolas" panose="020B0609020204030204" pitchFamily="49" charset="0"/>
+                <a:cs typeface="Consolas" panose="020B0609020204030204" pitchFamily="49" charset="0"/>
+              </a:rPr>
+              <a:t>2</a:t>
+            </a:r>
+          </a:p>
+        </p:txBody>
+      </p:sp>
+      <p:sp>
+        <p:nvSpPr>
+          <p:cNvPr id="24" name="Rectangle 23">
+            <a:extLst>
+              <a:ext uri="{FF2B5EF4-FFF2-40B4-BE49-F238E27FC236}">
+                <a16:creationId xmlns:a16="http://schemas.microsoft.com/office/drawing/2014/main" id="{2BEF26C9-69F8-493B-81B1-456D23C054BF}"/>
+              </a:ext>
+            </a:extLst>
+          </p:cNvPr>
+          <p:cNvSpPr/>
+          <p:nvPr/>
+        </p:nvSpPr>
+        <p:spPr>
+          <a:xfrm>
+            <a:off x="8597932" y="3516949"/>
+            <a:ext cx="327334" cy="400110"/>
+          </a:xfrm>
+          <a:prstGeom prst="rect">
+            <a:avLst/>
+          </a:prstGeom>
+          <a:ln>
+            <a:solidFill>
+              <a:schemeClr val="tx1"/>
+            </a:solidFill>
+          </a:ln>
+        </p:spPr>
+        <p:txBody>
+          <a:bodyPr wrap="none">
+            <a:spAutoFit/>
+          </a:bodyPr>
+          <a:lstStyle/>
+          <a:p>
+            <a:r>
+              <a:rPr lang="en-US" dirty="0">
+                <a:latin typeface="Consolas" panose="020B0609020204030204" pitchFamily="49" charset="0"/>
+                <a:cs typeface="Consolas" panose="020B0609020204030204" pitchFamily="49" charset="0"/>
+              </a:rPr>
+              <a:t>2</a:t>
+            </a:r>
+          </a:p>
+        </p:txBody>
+      </p:sp>
+      <p:sp>
+        <p:nvSpPr>
+          <p:cNvPr id="25" name="Rectangle 24">
+            <a:extLst>
+              <a:ext uri="{FF2B5EF4-FFF2-40B4-BE49-F238E27FC236}">
+                <a16:creationId xmlns:a16="http://schemas.microsoft.com/office/drawing/2014/main" id="{C858EBFA-BADA-4C40-B686-1C1BB0C567C1}"/>
+              </a:ext>
+            </a:extLst>
+          </p:cNvPr>
+          <p:cNvSpPr/>
+          <p:nvPr/>
+        </p:nvSpPr>
+        <p:spPr>
+          <a:xfrm>
+            <a:off x="9500717" y="3516949"/>
+            <a:ext cx="325730" cy="400110"/>
+          </a:xfrm>
+          <a:prstGeom prst="rect">
+            <a:avLst/>
+          </a:prstGeom>
+          <a:ln>
+            <a:solidFill>
+              <a:schemeClr val="tx1"/>
+            </a:solidFill>
+          </a:ln>
+        </p:spPr>
+        <p:txBody>
+          <a:bodyPr wrap="none">
+            <a:spAutoFit/>
+          </a:bodyPr>
+          <a:lstStyle/>
+          <a:p>
+            <a:r>
+              <a:rPr lang="en-US" dirty="0">
+                <a:latin typeface="Consolas" panose="020B0609020204030204" pitchFamily="49" charset="0"/>
+                <a:cs typeface="Consolas" panose="020B0609020204030204" pitchFamily="49" charset="0"/>
+              </a:rPr>
+              <a:t>1</a:t>
+            </a:r>
+          </a:p>
+        </p:txBody>
+      </p:sp>
+      <p:sp>
+        <p:nvSpPr>
+          <p:cNvPr id="27" name="TextBox 26">
+            <a:extLst>
+              <a:ext uri="{FF2B5EF4-FFF2-40B4-BE49-F238E27FC236}">
+                <a16:creationId xmlns:a16="http://schemas.microsoft.com/office/drawing/2014/main" id="{418A4A84-6417-409D-B338-0CE32146912E}"/>
+              </a:ext>
+            </a:extLst>
+          </p:cNvPr>
+          <p:cNvSpPr txBox="1"/>
+          <p:nvPr/>
+        </p:nvSpPr>
+        <p:spPr>
+          <a:xfrm>
+            <a:off x="10507987" y="1837097"/>
+            <a:ext cx="981359" cy="400110"/>
+          </a:xfrm>
+          <a:prstGeom prst="rect">
+            <a:avLst/>
+          </a:prstGeom>
+          <a:noFill/>
+        </p:spPr>
+        <p:txBody>
+          <a:bodyPr wrap="none" rtlCol="0">
+            <a:spAutoFit/>
+          </a:bodyPr>
+          <a:lstStyle/>
+          <a:p>
+            <a:r>
+              <a:rPr lang="en-US" dirty="0"/>
+              <a:t>returns</a:t>
+            </a:r>
+          </a:p>
+        </p:txBody>
+      </p:sp>
+      <p:sp>
+        <p:nvSpPr>
+          <p:cNvPr id="28" name="Rectangle 27">
+            <a:extLst>
+              <a:ext uri="{FF2B5EF4-FFF2-40B4-BE49-F238E27FC236}">
+                <a16:creationId xmlns:a16="http://schemas.microsoft.com/office/drawing/2014/main" id="{8451F2D5-9F64-4DD0-B115-1175278E5AFE}"/>
+              </a:ext>
+            </a:extLst>
+          </p:cNvPr>
+          <p:cNvSpPr/>
+          <p:nvPr/>
+        </p:nvSpPr>
+        <p:spPr>
+          <a:xfrm>
+            <a:off x="10697708" y="2366512"/>
+            <a:ext cx="1282814" cy="400110"/>
+          </a:xfrm>
+          <a:prstGeom prst="rect">
+            <a:avLst/>
+          </a:prstGeom>
+          <a:ln>
+            <a:solidFill>
+              <a:schemeClr val="tx1"/>
+            </a:solidFill>
+          </a:ln>
+        </p:spPr>
+        <p:txBody>
+          <a:bodyPr wrap="square">
+            <a:spAutoFit/>
+          </a:bodyPr>
+          <a:lstStyle/>
+          <a:p>
+            <a:r>
+              <a:rPr lang="en-US" dirty="0">
+                <a:latin typeface="Consolas" panose="020B0609020204030204" pitchFamily="49" charset="0"/>
+                <a:cs typeface="Consolas" panose="020B0609020204030204" pitchFamily="49" charset="0"/>
+              </a:rPr>
+              <a:t>3*2 = 6</a:t>
+            </a:r>
+          </a:p>
+        </p:txBody>
+      </p:sp>
+      <p:sp>
+        <p:nvSpPr>
+          <p:cNvPr id="29" name="Rectangle 28">
+            <a:extLst>
+              <a:ext uri="{FF2B5EF4-FFF2-40B4-BE49-F238E27FC236}">
+                <a16:creationId xmlns:a16="http://schemas.microsoft.com/office/drawing/2014/main" id="{091A25E5-5046-4291-8B20-B9DADB017A3E}"/>
+              </a:ext>
+            </a:extLst>
+          </p:cNvPr>
+          <p:cNvSpPr/>
+          <p:nvPr/>
+        </p:nvSpPr>
+        <p:spPr>
+          <a:xfrm>
+            <a:off x="10675907" y="2955881"/>
+            <a:ext cx="1172116" cy="400110"/>
+          </a:xfrm>
+          <a:prstGeom prst="rect">
+            <a:avLst/>
+          </a:prstGeom>
+          <a:ln>
+            <a:solidFill>
+              <a:schemeClr val="tx1"/>
+            </a:solidFill>
+          </a:ln>
+        </p:spPr>
+        <p:txBody>
+          <a:bodyPr wrap="none">
+            <a:spAutoFit/>
+          </a:bodyPr>
+          <a:lstStyle/>
+          <a:p>
+            <a:r>
+              <a:rPr lang="en-US" dirty="0">
+                <a:latin typeface="Consolas" panose="020B0609020204030204" pitchFamily="49" charset="0"/>
+                <a:cs typeface="Consolas" panose="020B0609020204030204" pitchFamily="49" charset="0"/>
+              </a:rPr>
+              <a:t>2*1 = 2</a:t>
+            </a:r>
+          </a:p>
+        </p:txBody>
+      </p:sp>
+      <p:sp>
+        <p:nvSpPr>
+          <p:cNvPr id="30" name="Rectangle 29">
+            <a:extLst>
+              <a:ext uri="{FF2B5EF4-FFF2-40B4-BE49-F238E27FC236}">
+                <a16:creationId xmlns:a16="http://schemas.microsoft.com/office/drawing/2014/main" id="{046A83E9-EF2A-4442-A0A5-0651F829CDFB}"/>
+              </a:ext>
+            </a:extLst>
+          </p:cNvPr>
+          <p:cNvSpPr/>
+          <p:nvPr/>
+        </p:nvSpPr>
+        <p:spPr>
+          <a:xfrm>
+            <a:off x="10673575" y="3505164"/>
+            <a:ext cx="325730" cy="400110"/>
+          </a:xfrm>
+          <a:prstGeom prst="rect">
+            <a:avLst/>
+          </a:prstGeom>
+          <a:ln>
+            <a:solidFill>
+              <a:schemeClr val="tx1"/>
+            </a:solidFill>
+          </a:ln>
+        </p:spPr>
+        <p:txBody>
+          <a:bodyPr wrap="none">
+            <a:spAutoFit/>
+          </a:bodyPr>
+          <a:lstStyle/>
+          <a:p>
+            <a:r>
+              <a:rPr lang="en-US" dirty="0">
+                <a:latin typeface="Consolas" panose="020B0609020204030204" pitchFamily="49" charset="0"/>
+                <a:cs typeface="Consolas" panose="020B0609020204030204" pitchFamily="49" charset="0"/>
+              </a:rPr>
+              <a:t>1</a:t>
+            </a:r>
+          </a:p>
+        </p:txBody>
+      </p:sp>
+      <p:sp>
+        <p:nvSpPr>
+          <p:cNvPr id="35" name="Left Brace 34">
+            <a:extLst>
+              <a:ext uri="{FF2B5EF4-FFF2-40B4-BE49-F238E27FC236}">
+                <a16:creationId xmlns:a16="http://schemas.microsoft.com/office/drawing/2014/main" id="{E1C7956F-A715-4E72-8F87-C8184273828E}"/>
+              </a:ext>
+            </a:extLst>
+          </p:cNvPr>
+          <p:cNvSpPr/>
+          <p:nvPr/>
+        </p:nvSpPr>
+        <p:spPr>
+          <a:xfrm>
+            <a:off x="9980455" y="2987228"/>
+            <a:ext cx="553659" cy="562294"/>
+          </a:xfrm>
+          <a:prstGeom prst="leftBrace">
+            <a:avLst/>
+          </a:prstGeom>
+        </p:spPr>
+        <p:style>
+          <a:lnRef idx="2">
+            <a:schemeClr val="accent1"/>
+          </a:lnRef>
+          <a:fillRef idx="0">
+            <a:schemeClr val="accent1"/>
+          </a:fillRef>
+          <a:effectRef idx="1">
+            <a:schemeClr val="accent1"/>
+          </a:effectRef>
+          <a:fontRef idx="minor">
+            <a:schemeClr val="tx1"/>
+          </a:fontRef>
+        </p:style>
+        <p:txBody>
+          <a:bodyPr rtlCol="0" anchor="ctr"/>
+          <a:lstStyle/>
+          <a:p>
+            <a:pPr algn="ctr"/>
+            <a:endParaRPr lang="en-US"/>
+          </a:p>
+        </p:txBody>
+      </p:sp>
+      <p:sp>
+        <p:nvSpPr>
+          <p:cNvPr id="36" name="Left Brace 35">
+            <a:extLst>
+              <a:ext uri="{FF2B5EF4-FFF2-40B4-BE49-F238E27FC236}">
+                <a16:creationId xmlns:a16="http://schemas.microsoft.com/office/drawing/2014/main" id="{63684BEB-4721-440D-BAAE-04152BE2D08D}"/>
+              </a:ext>
+            </a:extLst>
+          </p:cNvPr>
+          <p:cNvSpPr/>
+          <p:nvPr/>
+        </p:nvSpPr>
+        <p:spPr>
+          <a:xfrm>
+            <a:off x="9980454" y="2375995"/>
+            <a:ext cx="553659" cy="562294"/>
+          </a:xfrm>
+          <a:prstGeom prst="leftBrace">
+            <a:avLst/>
+          </a:prstGeom>
+        </p:spPr>
+        <p:style>
+          <a:lnRef idx="2">
+            <a:schemeClr val="accent1"/>
+          </a:lnRef>
+          <a:fillRef idx="0">
+            <a:schemeClr val="accent1"/>
+          </a:fillRef>
+          <a:effectRef idx="1">
+            <a:schemeClr val="accent1"/>
+          </a:effectRef>
+          <a:fontRef idx="minor">
+            <a:schemeClr val="tx1"/>
+          </a:fontRef>
+        </p:style>
+        <p:txBody>
+          <a:bodyPr rtlCol="0" anchor="ctr"/>
+          <a:lstStyle/>
+          <a:p>
+            <a:pPr algn="ctr"/>
+            <a:endParaRPr lang="en-US"/>
+          </a:p>
+        </p:txBody>
+      </p:sp>
+      <p:sp>
+        <p:nvSpPr>
+          <p:cNvPr id="37" name="Down Arrow 35">
+            <a:extLst>
+              <a:ext uri="{FF2B5EF4-FFF2-40B4-BE49-F238E27FC236}">
+                <a16:creationId xmlns:a16="http://schemas.microsoft.com/office/drawing/2014/main" id="{BE1BBF4D-5E91-431A-B98E-F7C211895B22}"/>
+              </a:ext>
+            </a:extLst>
+          </p:cNvPr>
+          <p:cNvSpPr/>
+          <p:nvPr/>
+        </p:nvSpPr>
+        <p:spPr>
+          <a:xfrm>
+            <a:off x="7906249" y="2394813"/>
+            <a:ext cx="279699" cy="1635098"/>
+          </a:xfrm>
+          <a:prstGeom prst="downArrow">
+            <a:avLst/>
+          </a:prstGeom>
+          <a:solidFill>
+            <a:schemeClr val="tx2"/>
+          </a:solidFill>
+          <a:ln>
+            <a:noFill/>
+          </a:ln>
+          <a:effectLst/>
+        </p:spPr>
+        <p:style>
+          <a:lnRef idx="1">
+            <a:schemeClr val="accent1"/>
+          </a:lnRef>
+          <a:fillRef idx="3">
+            <a:schemeClr val="accent1"/>
+          </a:fillRef>
+          <a:effectRef idx="2">
+            <a:schemeClr val="accent1"/>
+          </a:effectRef>
+          <a:fontRef idx="minor">
+            <a:schemeClr val="lt1"/>
+          </a:fontRef>
+        </p:style>
+        <p:txBody>
+          <a:bodyPr lIns="274320" tIns="182880" rIns="274320" bIns="182880" rtlCol="0" anchor="ctr"/>
+          <a:lstStyle/>
+          <a:p>
+            <a:pPr algn="ctr"/>
+            <a:endParaRPr lang="en-US" dirty="0">
+              <a:latin typeface="Proxima Nova" charset="0"/>
+              <a:ea typeface="Proxima Nova" charset="0"/>
+              <a:cs typeface="Proxima Nova" charset="0"/>
+            </a:endParaRPr>
+          </a:p>
+        </p:txBody>
+      </p:sp>
+      <p:sp>
+        <p:nvSpPr>
+          <p:cNvPr id="38" name="Up Arrow 36">
+            <a:extLst>
+              <a:ext uri="{FF2B5EF4-FFF2-40B4-BE49-F238E27FC236}">
+                <a16:creationId xmlns:a16="http://schemas.microsoft.com/office/drawing/2014/main" id="{2D4297F6-11A2-4AF8-95FE-A243ECD48154}"/>
+              </a:ext>
+            </a:extLst>
+          </p:cNvPr>
+          <p:cNvSpPr/>
+          <p:nvPr/>
+        </p:nvSpPr>
+        <p:spPr>
+          <a:xfrm>
+            <a:off x="12020753" y="2299388"/>
+            <a:ext cx="307866" cy="1677864"/>
+          </a:xfrm>
+          <a:prstGeom prst="upArrow">
+            <a:avLst/>
+          </a:prstGeom>
+          <a:solidFill>
+            <a:schemeClr val="tx2"/>
+          </a:solidFill>
+          <a:ln>
+            <a:noFill/>
+          </a:ln>
+          <a:effectLst/>
+        </p:spPr>
+        <p:style>
+          <a:lnRef idx="1">
+            <a:schemeClr val="accent1"/>
+          </a:lnRef>
+          <a:fillRef idx="3">
+            <a:schemeClr val="accent1"/>
+          </a:fillRef>
+          <a:effectRef idx="2">
+            <a:schemeClr val="accent1"/>
+          </a:effectRef>
+          <a:fontRef idx="minor">
+            <a:schemeClr val="lt1"/>
+          </a:fontRef>
+        </p:style>
+        <p:txBody>
+          <a:bodyPr lIns="274320" tIns="182880" rIns="274320" bIns="182880" rtlCol="0" anchor="ctr"/>
+          <a:lstStyle/>
+          <a:p>
+            <a:pPr algn="ctr"/>
+            <a:endParaRPr lang="en-US" dirty="0">
+              <a:latin typeface="Proxima Nova" charset="0"/>
+              <a:ea typeface="Proxima Nova" charset="0"/>
+              <a:cs typeface="Proxima Nova" charset="0"/>
+            </a:endParaRPr>
+          </a:p>
+        </p:txBody>
+      </p:sp>
+      <p:sp>
+        <p:nvSpPr>
+          <p:cNvPr id="39" name="Donut 37">
+            <a:extLst>
+              <a:ext uri="{FF2B5EF4-FFF2-40B4-BE49-F238E27FC236}">
+                <a16:creationId xmlns:a16="http://schemas.microsoft.com/office/drawing/2014/main" id="{2D497C2B-8888-4C39-9404-A22BFBEDCE29}"/>
+              </a:ext>
+            </a:extLst>
+          </p:cNvPr>
+          <p:cNvSpPr/>
+          <p:nvPr/>
+        </p:nvSpPr>
+        <p:spPr>
+          <a:xfrm>
+            <a:off x="10570098" y="2316276"/>
+            <a:ext cx="1410424" cy="490432"/>
+          </a:xfrm>
+          <a:custGeom>
+            <a:avLst/>
+            <a:gdLst>
+              <a:gd name="connsiteX0" fmla="*/ 0 w 819735"/>
+              <a:gd name="connsiteY0" fmla="*/ 250291 h 500581"/>
+              <a:gd name="connsiteX1" fmla="*/ 409868 w 819735"/>
+              <a:gd name="connsiteY1" fmla="*/ 0 h 500581"/>
+              <a:gd name="connsiteX2" fmla="*/ 819736 w 819735"/>
+              <a:gd name="connsiteY2" fmla="*/ 250291 h 500581"/>
+              <a:gd name="connsiteX3" fmla="*/ 409868 w 819735"/>
+              <a:gd name="connsiteY3" fmla="*/ 500582 h 500581"/>
+              <a:gd name="connsiteX4" fmla="*/ 0 w 819735"/>
+              <a:gd name="connsiteY4" fmla="*/ 250291 h 500581"/>
+              <a:gd name="connsiteX5" fmla="*/ 35641 w 819735"/>
+              <a:gd name="connsiteY5" fmla="*/ 250291 h 500581"/>
+              <a:gd name="connsiteX6" fmla="*/ 409867 w 819735"/>
+              <a:gd name="connsiteY6" fmla="*/ 464940 h 500581"/>
+              <a:gd name="connsiteX7" fmla="*/ 784093 w 819735"/>
+              <a:gd name="connsiteY7" fmla="*/ 250291 h 500581"/>
+              <a:gd name="connsiteX8" fmla="*/ 409867 w 819735"/>
+              <a:gd name="connsiteY8" fmla="*/ 35642 h 500581"/>
+              <a:gd name="connsiteX9" fmla="*/ 35641 w 819735"/>
+              <a:gd name="connsiteY9" fmla="*/ 250291 h 500581"/>
+            </a:gdLst>
+            <a:ahLst/>
+            <a:cxnLst>
+              <a:cxn ang="0">
+                <a:pos x="connsiteX0" y="connsiteY0"/>
+              </a:cxn>
+              <a:cxn ang="0">
+                <a:pos x="connsiteX1" y="connsiteY1"/>
+              </a:cxn>
+              <a:cxn ang="0">
+                <a:pos x="connsiteX2" y="connsiteY2"/>
+              </a:cxn>
+              <a:cxn ang="0">
+                <a:pos x="connsiteX3" y="connsiteY3"/>
+              </a:cxn>
+              <a:cxn ang="0">
+                <a:pos x="connsiteX4" y="connsiteY4"/>
+              </a:cxn>
+              <a:cxn ang="0">
+                <a:pos x="connsiteX5" y="connsiteY5"/>
+              </a:cxn>
+              <a:cxn ang="0">
+                <a:pos x="connsiteX6" y="connsiteY6"/>
+              </a:cxn>
+              <a:cxn ang="0">
+                <a:pos x="connsiteX7" y="connsiteY7"/>
+              </a:cxn>
+              <a:cxn ang="0">
+                <a:pos x="connsiteX8" y="connsiteY8"/>
+              </a:cxn>
+              <a:cxn ang="0">
+                <a:pos x="connsiteX9" y="connsiteY9"/>
+              </a:cxn>
+            </a:cxnLst>
+            <a:rect l="l" t="t" r="r" b="b"/>
+            <a:pathLst>
+              <a:path w="819735" h="500581" fill="none" extrusionOk="0">
+                <a:moveTo>
+                  <a:pt x="0" y="250291"/>
+                </a:moveTo>
+                <a:cubicBezTo>
+                  <a:pt x="-36954" y="106082"/>
+                  <a:pt x="194361" y="8879"/>
+                  <a:pt x="409868" y="0"/>
+                </a:cubicBezTo>
+                <a:cubicBezTo>
+                  <a:pt x="639082" y="4243"/>
+                  <a:pt x="821036" y="125524"/>
+                  <a:pt x="819736" y="250291"/>
+                </a:cubicBezTo>
+                <a:cubicBezTo>
+                  <a:pt x="847808" y="431764"/>
+                  <a:pt x="657273" y="526355"/>
+                  <a:pt x="409868" y="500582"/>
+                </a:cubicBezTo>
+                <a:cubicBezTo>
+                  <a:pt x="199466" y="486607"/>
+                  <a:pt x="4850" y="365710"/>
+                  <a:pt x="0" y="250291"/>
+                </a:cubicBezTo>
+                <a:close/>
+                <a:moveTo>
+                  <a:pt x="35641" y="250291"/>
+                </a:moveTo>
+                <a:cubicBezTo>
+                  <a:pt x="-20889" y="378121"/>
+                  <a:pt x="190213" y="455987"/>
+                  <a:pt x="409867" y="464940"/>
+                </a:cubicBezTo>
+                <a:cubicBezTo>
+                  <a:pt x="603953" y="464046"/>
+                  <a:pt x="773183" y="346598"/>
+                  <a:pt x="784093" y="250291"/>
+                </a:cubicBezTo>
+                <a:cubicBezTo>
+                  <a:pt x="786835" y="94651"/>
+                  <a:pt x="579475" y="57288"/>
+                  <a:pt x="409867" y="35642"/>
+                </a:cubicBezTo>
+                <a:cubicBezTo>
+                  <a:pt x="197930" y="45044"/>
+                  <a:pt x="63224" y="152240"/>
+                  <a:pt x="35641" y="250291"/>
+                </a:cubicBezTo>
+                <a:close/>
+              </a:path>
+              <a:path w="819735" h="500581" stroke="0" extrusionOk="0">
+                <a:moveTo>
+                  <a:pt x="0" y="250291"/>
+                </a:moveTo>
+                <a:cubicBezTo>
+                  <a:pt x="-26723" y="95576"/>
+                  <a:pt x="178272" y="1964"/>
+                  <a:pt x="409868" y="0"/>
+                </a:cubicBezTo>
+                <a:cubicBezTo>
+                  <a:pt x="673967" y="7944"/>
+                  <a:pt x="798941" y="112720"/>
+                  <a:pt x="819736" y="250291"/>
+                </a:cubicBezTo>
+                <a:cubicBezTo>
+                  <a:pt x="807020" y="400941"/>
+                  <a:pt x="632106" y="523386"/>
+                  <a:pt x="409868" y="500582"/>
+                </a:cubicBezTo>
+                <a:cubicBezTo>
+                  <a:pt x="179262" y="498261"/>
+                  <a:pt x="14155" y="395286"/>
+                  <a:pt x="0" y="250291"/>
+                </a:cubicBezTo>
+                <a:close/>
+                <a:moveTo>
+                  <a:pt x="35641" y="250291"/>
+                </a:moveTo>
+                <a:cubicBezTo>
+                  <a:pt x="41284" y="369507"/>
+                  <a:pt x="221514" y="427226"/>
+                  <a:pt x="409867" y="464940"/>
+                </a:cubicBezTo>
+                <a:cubicBezTo>
+                  <a:pt x="604408" y="463081"/>
+                  <a:pt x="762568" y="389103"/>
+                  <a:pt x="784093" y="250291"/>
+                </a:cubicBezTo>
+                <a:cubicBezTo>
+                  <a:pt x="781879" y="110630"/>
+                  <a:pt x="603059" y="54385"/>
+                  <a:pt x="409867" y="35642"/>
+                </a:cubicBezTo>
+                <a:cubicBezTo>
+                  <a:pt x="206928" y="37736"/>
+                  <a:pt x="43116" y="133541"/>
+                  <a:pt x="35641" y="250291"/>
+                </a:cubicBezTo>
+                <a:close/>
+              </a:path>
+            </a:pathLst>
+          </a:custGeom>
+          <a:solidFill>
+            <a:schemeClr val="accent3"/>
+          </a:solidFill>
+          <a:ln w="9525">
+            <a:solidFill>
+              <a:schemeClr val="tx1"/>
+            </a:solidFill>
+            <a:extLst>
+              <a:ext uri="{C807C97D-BFC1-408E-A445-0C87EB9F89A2}">
+                <ask:lineSketchStyleProps xmlns:ask="http://schemas.microsoft.com/office/drawing/2018/sketchyshapes" xmlns="" sd="1219033472">
+                  <a:prstGeom prst="donut">
+                    <a:avLst>
+                      <a:gd name="adj" fmla="val 7120"/>
+                    </a:avLst>
+                  </a:prstGeom>
+                  <ask:type>
+                    <ask:lineSketchScribble/>
+                  </ask:type>
+                </ask:lineSketchStyleProps>
+              </a:ext>
+            </a:extLst>
+          </a:ln>
+          <a:effectLst/>
+        </p:spPr>
+        <p:style>
+          <a:lnRef idx="1">
+            <a:schemeClr val="accent1"/>
+          </a:lnRef>
+          <a:fillRef idx="3">
+            <a:schemeClr val="accent1"/>
+          </a:fillRef>
+          <a:effectRef idx="2">
+            <a:schemeClr val="accent1"/>
+          </a:effectRef>
+          <a:fontRef idx="minor">
+            <a:schemeClr val="lt1"/>
+          </a:fontRef>
+        </p:style>
+        <p:txBody>
+          <a:bodyPr lIns="274320" tIns="182880" rIns="274320" bIns="182880" rtlCol="0" anchor="ctr"/>
+          <a:lstStyle/>
+          <a:p>
+            <a:pPr algn="ctr"/>
+            <a:endParaRPr lang="en-US" dirty="0">
+              <a:solidFill>
+                <a:schemeClr val="tx1"/>
+              </a:solidFill>
+              <a:latin typeface="Proxima Nova" charset="0"/>
+              <a:ea typeface="Proxima Nova" charset="0"/>
+              <a:cs typeface="Proxima Nova" charset="0"/>
+            </a:endParaRPr>
+          </a:p>
+        </p:txBody>
+      </p:sp>
+      <p:sp>
+        <p:nvSpPr>
+          <p:cNvPr id="10" name="TextBox 9">
+            <a:extLst>
+              <a:ext uri="{FF2B5EF4-FFF2-40B4-BE49-F238E27FC236}">
+                <a16:creationId xmlns:a16="http://schemas.microsoft.com/office/drawing/2014/main" id="{86DFCCC9-5F60-4471-B49F-CA8EFECF5DE4}"/>
+              </a:ext>
+            </a:extLst>
+          </p:cNvPr>
+          <p:cNvSpPr txBox="1"/>
+          <p:nvPr/>
+        </p:nvSpPr>
+        <p:spPr>
+          <a:xfrm>
+            <a:off x="765544" y="4979611"/>
+            <a:ext cx="3259226" cy="400110"/>
+          </a:xfrm>
+          <a:prstGeom prst="rect">
+            <a:avLst/>
+          </a:prstGeom>
+          <a:noFill/>
+        </p:spPr>
+        <p:txBody>
+          <a:bodyPr wrap="none" rtlCol="0">
+            <a:spAutoFit/>
+          </a:bodyPr>
+          <a:lstStyle/>
+          <a:p>
+            <a:r>
+              <a:rPr lang="en-US" dirty="0"/>
+              <a:t>Another way to look at this:</a:t>
+            </a:r>
+          </a:p>
+        </p:txBody>
+      </p:sp>
+      <p:pic>
+        <p:nvPicPr>
+          <p:cNvPr id="40" name="Picture 39">
+            <a:extLst>
+              <a:ext uri="{FF2B5EF4-FFF2-40B4-BE49-F238E27FC236}">
+                <a16:creationId xmlns:a16="http://schemas.microsoft.com/office/drawing/2014/main" id="{63A3E2DE-2E3E-4B48-972F-2AD857B42B5D}"/>
+              </a:ext>
+            </a:extLst>
+          </p:cNvPr>
+          <p:cNvPicPr>
+            <a:picLocks noChangeAspect="1"/>
+          </p:cNvPicPr>
+          <p:nvPr/>
+        </p:nvPicPr>
+        <p:blipFill>
+          <a:blip r:embed="rId2"/>
+          <a:stretch>
+            <a:fillRect/>
+          </a:stretch>
+        </p:blipFill>
+        <p:spPr>
+          <a:xfrm>
+            <a:off x="821863" y="5456725"/>
+            <a:ext cx="2695575" cy="1724025"/>
+          </a:xfrm>
+          <a:prstGeom prst="rect">
+            <a:avLst/>
+          </a:prstGeom>
+        </p:spPr>
+      </p:pic>
+    </p:spTree>
+    <p:extLst>
+      <p:ext uri="{BB962C8B-B14F-4D97-AF65-F5344CB8AC3E}">
+        <p14:creationId xmlns:p14="http://schemas.microsoft.com/office/powerpoint/2010/main" val="2716613287"/>
+      </p:ext>
+    </p:extLst>
+  </p:cSld>
+  <p:clrMapOvr>
+    <a:masterClrMapping/>
+  </p:clrMapOvr>
+  <mc:AlternateContent xmlns:mc="http://schemas.openxmlformats.org/markup-compatibility/2006" xmlns:p14="http://schemas.microsoft.com/office/powerpoint/2010/main">
+    <mc:Choice Requires="p14">
+      <p:transition p14:dur="300">
+        <p:fade/>
+      </p:transition>
+    </mc:Choice>
+    <mc:Fallback xmlns="">
+      <p:transition>
+        <p:fade/>
+      </p:transition>
+    </mc:Fallback>
+  </mc:AlternateContent>
+  <p:timing>
+    <p:tnLst>
+      <p:par>
+        <p:cTn id="1" dur="indefinite" restart="never" nodeType="tmRoot">
+          <p:childTnLst>
+            <p:seq concurrent="1" nextAc="seek">
+              <p:cTn id="2" dur="indefinite" nodeType="mainSeq">
+                <p:childTnLst>
+                  <p:par>
+                    <p:cTn id="3" fill="hold">
+                      <p:stCondLst>
+                        <p:cond delay="indefinite"/>
+                      </p:stCondLst>
+                      <p:childTnLst>
+                        <p:par>
+                          <p:cTn id="4" fill="hold">
+                            <p:stCondLst>
+                              <p:cond delay="0"/>
+                            </p:stCondLst>
+                            <p:childTnLst>
+                              <p:par>
+                                <p:cTn id="5" presetID="22" presetClass="entr" presetSubtype="1" fill="hold" grpId="0" nodeType="clickEffect">
+                                  <p:stCondLst>
+                                    <p:cond delay="0"/>
+                                  </p:stCondLst>
+                                  <p:childTnLst>
+                                    <p:set>
+                                      <p:cBhvr>
+                                        <p:cTn id="6" dur="1" fill="hold">
+                                          <p:stCondLst>
+                                            <p:cond delay="0"/>
+                                          </p:stCondLst>
+                                        </p:cTn>
+                                        <p:tgtEl>
+                                          <p:spTgt spid="37"/>
+                                        </p:tgtEl>
+                                        <p:attrNameLst>
+                                          <p:attrName>style.visibility</p:attrName>
+                                        </p:attrNameLst>
+                                      </p:cBhvr>
+                                      <p:to>
+                                        <p:strVal val="visible"/>
+                                      </p:to>
+                                    </p:set>
+                                    <p:animEffect transition="in" filter="wipe(up)">
+                                      <p:cBhvr>
+                                        <p:cTn id="7" dur="500"/>
+                                        <p:tgtEl>
+                                          <p:spTgt spid="37"/>
+                                        </p:tgtEl>
+                                      </p:cBhvr>
+                                    </p:animEffect>
+                                  </p:childTnLst>
+                                </p:cTn>
+                              </p:par>
+                            </p:childTnLst>
+                          </p:cTn>
+                        </p:par>
+                      </p:childTnLst>
+                    </p:cTn>
+                  </p:par>
+                  <p:par>
+                    <p:cTn id="8" fill="hold">
+                      <p:stCondLst>
+                        <p:cond delay="indefinite"/>
+                      </p:stCondLst>
+                      <p:childTnLst>
+                        <p:par>
+                          <p:cTn id="9" fill="hold">
+                            <p:stCondLst>
+                              <p:cond delay="0"/>
+                            </p:stCondLst>
+                            <p:childTnLst>
+                              <p:par>
+                                <p:cTn id="10" presetID="22" presetClass="entr" presetSubtype="8" fill="hold" grpId="0" nodeType="clickEffect">
+                                  <p:stCondLst>
+                                    <p:cond delay="0"/>
+                                  </p:stCondLst>
+                                  <p:childTnLst>
+                                    <p:set>
+                                      <p:cBhvr>
+                                        <p:cTn id="11" dur="1" fill="hold">
+                                          <p:stCondLst>
+                                            <p:cond delay="0"/>
+                                          </p:stCondLst>
+                                        </p:cTn>
+                                        <p:tgtEl>
+                                          <p:spTgt spid="18"/>
+                                        </p:tgtEl>
+                                        <p:attrNameLst>
+                                          <p:attrName>style.visibility</p:attrName>
+                                        </p:attrNameLst>
+                                      </p:cBhvr>
+                                      <p:to>
+                                        <p:strVal val="visible"/>
+                                      </p:to>
+                                    </p:set>
+                                    <p:animEffect transition="in" filter="wipe(left)">
+                                      <p:cBhvr>
+                                        <p:cTn id="12" dur="500"/>
+                                        <p:tgtEl>
+                                          <p:spTgt spid="18"/>
+                                        </p:tgtEl>
+                                      </p:cBhvr>
+                                    </p:animEffect>
+                                  </p:childTnLst>
+                                </p:cTn>
+                              </p:par>
+                              <p:par>
+                                <p:cTn id="13" presetID="22" presetClass="entr" presetSubtype="8" fill="hold" grpId="0" nodeType="withEffect">
+                                  <p:stCondLst>
+                                    <p:cond delay="0"/>
+                                  </p:stCondLst>
+                                  <p:childTnLst>
+                                    <p:set>
+                                      <p:cBhvr>
+                                        <p:cTn id="14" dur="1" fill="hold">
+                                          <p:stCondLst>
+                                            <p:cond delay="0"/>
+                                          </p:stCondLst>
+                                        </p:cTn>
+                                        <p:tgtEl>
+                                          <p:spTgt spid="19"/>
+                                        </p:tgtEl>
+                                        <p:attrNameLst>
+                                          <p:attrName>style.visibility</p:attrName>
+                                        </p:attrNameLst>
+                                      </p:cBhvr>
+                                      <p:to>
+                                        <p:strVal val="visible"/>
+                                      </p:to>
+                                    </p:set>
+                                    <p:animEffect transition="in" filter="wipe(left)">
+                                      <p:cBhvr>
+                                        <p:cTn id="15" dur="500"/>
+                                        <p:tgtEl>
+                                          <p:spTgt spid="19"/>
+                                        </p:tgtEl>
+                                      </p:cBhvr>
+                                    </p:animEffect>
+                                  </p:childTnLst>
+                                </p:cTn>
+                              </p:par>
+                            </p:childTnLst>
+                          </p:cTn>
+                        </p:par>
+                      </p:childTnLst>
+                    </p:cTn>
+                  </p:par>
+                  <p:par>
+                    <p:cTn id="16" fill="hold">
+                      <p:stCondLst>
+                        <p:cond delay="indefinite"/>
+                      </p:stCondLst>
+                      <p:childTnLst>
+                        <p:par>
+                          <p:cTn id="17" fill="hold">
+                            <p:stCondLst>
+                              <p:cond delay="0"/>
+                            </p:stCondLst>
+                            <p:childTnLst>
+                              <p:par>
+                                <p:cTn id="18" presetID="22" presetClass="entr" presetSubtype="8" fill="hold" grpId="0" nodeType="clickEffect">
+                                  <p:stCondLst>
+                                    <p:cond delay="0"/>
+                                  </p:stCondLst>
+                                  <p:childTnLst>
+                                    <p:set>
+                                      <p:cBhvr>
+                                        <p:cTn id="19" dur="1" fill="hold">
+                                          <p:stCondLst>
+                                            <p:cond delay="0"/>
+                                          </p:stCondLst>
+                                        </p:cTn>
+                                        <p:tgtEl>
+                                          <p:spTgt spid="21"/>
+                                        </p:tgtEl>
+                                        <p:attrNameLst>
+                                          <p:attrName>style.visibility</p:attrName>
+                                        </p:attrNameLst>
+                                      </p:cBhvr>
+                                      <p:to>
+                                        <p:strVal val="visible"/>
+                                      </p:to>
+                                    </p:set>
+                                    <p:animEffect transition="in" filter="wipe(left)">
+                                      <p:cBhvr>
+                                        <p:cTn id="20" dur="500"/>
+                                        <p:tgtEl>
+                                          <p:spTgt spid="21"/>
+                                        </p:tgtEl>
+                                      </p:cBhvr>
+                                    </p:animEffect>
+                                  </p:childTnLst>
+                                </p:cTn>
+                              </p:par>
+                              <p:par>
+                                <p:cTn id="21" presetID="22" presetClass="entr" presetSubtype="8" fill="hold" grpId="0" nodeType="withEffect">
+                                  <p:stCondLst>
+                                    <p:cond delay="0"/>
+                                  </p:stCondLst>
+                                  <p:childTnLst>
+                                    <p:set>
+                                      <p:cBhvr>
+                                        <p:cTn id="22" dur="1" fill="hold">
+                                          <p:stCondLst>
+                                            <p:cond delay="0"/>
+                                          </p:stCondLst>
+                                        </p:cTn>
+                                        <p:tgtEl>
+                                          <p:spTgt spid="22"/>
+                                        </p:tgtEl>
+                                        <p:attrNameLst>
+                                          <p:attrName>style.visibility</p:attrName>
+                                        </p:attrNameLst>
+                                      </p:cBhvr>
+                                      <p:to>
+                                        <p:strVal val="visible"/>
+                                      </p:to>
+                                    </p:set>
+                                    <p:animEffect transition="in" filter="wipe(left)">
+                                      <p:cBhvr>
+                                        <p:cTn id="23" dur="500"/>
+                                        <p:tgtEl>
+                                          <p:spTgt spid="22"/>
+                                        </p:tgtEl>
+                                      </p:cBhvr>
+                                    </p:animEffect>
+                                  </p:childTnLst>
+                                </p:cTn>
+                              </p:par>
+                            </p:childTnLst>
+                          </p:cTn>
+                        </p:par>
+                      </p:childTnLst>
+                    </p:cTn>
+                  </p:par>
+                  <p:par>
+                    <p:cTn id="24" fill="hold">
+                      <p:stCondLst>
+                        <p:cond delay="indefinite"/>
+                      </p:stCondLst>
+                      <p:childTnLst>
+                        <p:par>
+                          <p:cTn id="25" fill="hold">
+                            <p:stCondLst>
+                              <p:cond delay="0"/>
+                            </p:stCondLst>
+                            <p:childTnLst>
+                              <p:par>
+                                <p:cTn id="26" presetID="22" presetClass="entr" presetSubtype="8" fill="hold" grpId="0" nodeType="clickEffect">
+                                  <p:stCondLst>
+                                    <p:cond delay="0"/>
+                                  </p:stCondLst>
+                                  <p:childTnLst>
+                                    <p:set>
+                                      <p:cBhvr>
+                                        <p:cTn id="27" dur="1" fill="hold">
+                                          <p:stCondLst>
+                                            <p:cond delay="0"/>
+                                          </p:stCondLst>
+                                        </p:cTn>
+                                        <p:tgtEl>
+                                          <p:spTgt spid="24"/>
+                                        </p:tgtEl>
+                                        <p:attrNameLst>
+                                          <p:attrName>style.visibility</p:attrName>
+                                        </p:attrNameLst>
+                                      </p:cBhvr>
+                                      <p:to>
+                                        <p:strVal val="visible"/>
+                                      </p:to>
+                                    </p:set>
+                                    <p:animEffect transition="in" filter="wipe(left)">
+                                      <p:cBhvr>
+                                        <p:cTn id="28" dur="500"/>
+                                        <p:tgtEl>
+                                          <p:spTgt spid="24"/>
+                                        </p:tgtEl>
+                                      </p:cBhvr>
+                                    </p:animEffect>
+                                  </p:childTnLst>
+                                </p:cTn>
+                              </p:par>
+                              <p:par>
+                                <p:cTn id="29" presetID="22" presetClass="entr" presetSubtype="8" fill="hold" grpId="0" nodeType="withEffect">
+                                  <p:stCondLst>
+                                    <p:cond delay="0"/>
+                                  </p:stCondLst>
+                                  <p:childTnLst>
+                                    <p:set>
+                                      <p:cBhvr>
+                                        <p:cTn id="30" dur="1" fill="hold">
+                                          <p:stCondLst>
+                                            <p:cond delay="0"/>
+                                          </p:stCondLst>
+                                        </p:cTn>
+                                        <p:tgtEl>
+                                          <p:spTgt spid="25"/>
+                                        </p:tgtEl>
+                                        <p:attrNameLst>
+                                          <p:attrName>style.visibility</p:attrName>
+                                        </p:attrNameLst>
+                                      </p:cBhvr>
+                                      <p:to>
+                                        <p:strVal val="visible"/>
+                                      </p:to>
+                                    </p:set>
+                                    <p:animEffect transition="in" filter="wipe(left)">
+                                      <p:cBhvr>
+                                        <p:cTn id="31" dur="500"/>
+                                        <p:tgtEl>
+                                          <p:spTgt spid="25"/>
+                                        </p:tgtEl>
+                                      </p:cBhvr>
+                                    </p:animEffect>
+                                  </p:childTnLst>
+                                </p:cTn>
+                              </p:par>
+                            </p:childTnLst>
+                          </p:cTn>
+                        </p:par>
+                      </p:childTnLst>
+                    </p:cTn>
+                  </p:par>
+                  <p:par>
+                    <p:cTn id="32" fill="hold">
+                      <p:stCondLst>
+                        <p:cond delay="indefinite"/>
+                      </p:stCondLst>
+                      <p:childTnLst>
+                        <p:par>
+                          <p:cTn id="33" fill="hold">
+                            <p:stCondLst>
+                              <p:cond delay="0"/>
+                            </p:stCondLst>
+                            <p:childTnLst>
+                              <p:par>
+                                <p:cTn id="34" presetID="22" presetClass="entr" presetSubtype="4" fill="hold" grpId="0" nodeType="clickEffect">
+                                  <p:stCondLst>
+                                    <p:cond delay="0"/>
+                                  </p:stCondLst>
+                                  <p:childTnLst>
+                                    <p:set>
+                                      <p:cBhvr>
+                                        <p:cTn id="35" dur="1" fill="hold">
+                                          <p:stCondLst>
+                                            <p:cond delay="0"/>
+                                          </p:stCondLst>
+                                        </p:cTn>
+                                        <p:tgtEl>
+                                          <p:spTgt spid="38"/>
+                                        </p:tgtEl>
+                                        <p:attrNameLst>
+                                          <p:attrName>style.visibility</p:attrName>
+                                        </p:attrNameLst>
+                                      </p:cBhvr>
+                                      <p:to>
+                                        <p:strVal val="visible"/>
+                                      </p:to>
+                                    </p:set>
+                                    <p:animEffect transition="in" filter="wipe(down)">
+                                      <p:cBhvr>
+                                        <p:cTn id="36" dur="500"/>
+                                        <p:tgtEl>
+                                          <p:spTgt spid="38"/>
+                                        </p:tgtEl>
+                                      </p:cBhvr>
+                                    </p:animEffect>
+                                  </p:childTnLst>
+                                </p:cTn>
+                              </p:par>
+                            </p:childTnLst>
+                          </p:cTn>
+                        </p:par>
+                        <p:par>
+                          <p:cTn id="37" fill="hold">
+                            <p:stCondLst>
+                              <p:cond delay="500"/>
+                            </p:stCondLst>
+                            <p:childTnLst>
+                              <p:par>
+                                <p:cTn id="38" presetID="22" presetClass="entr" presetSubtype="4" fill="hold" grpId="0" nodeType="afterEffect">
+                                  <p:stCondLst>
+                                    <p:cond delay="0"/>
+                                  </p:stCondLst>
+                                  <p:childTnLst>
+                                    <p:set>
+                                      <p:cBhvr>
+                                        <p:cTn id="39" dur="1" fill="hold">
+                                          <p:stCondLst>
+                                            <p:cond delay="0"/>
+                                          </p:stCondLst>
+                                        </p:cTn>
+                                        <p:tgtEl>
+                                          <p:spTgt spid="30"/>
+                                        </p:tgtEl>
+                                        <p:attrNameLst>
+                                          <p:attrName>style.visibility</p:attrName>
+                                        </p:attrNameLst>
+                                      </p:cBhvr>
+                                      <p:to>
+                                        <p:strVal val="visible"/>
+                                      </p:to>
+                                    </p:set>
+                                    <p:animEffect transition="in" filter="wipe(down)">
+                                      <p:cBhvr>
+                                        <p:cTn id="40" dur="500"/>
+                                        <p:tgtEl>
+                                          <p:spTgt spid="30"/>
+                                        </p:tgtEl>
+                                      </p:cBhvr>
+                                    </p:animEffect>
+                                  </p:childTnLst>
+                                </p:cTn>
+                              </p:par>
+                            </p:childTnLst>
+                          </p:cTn>
+                        </p:par>
+                      </p:childTnLst>
+                    </p:cTn>
+                  </p:par>
+                  <p:par>
+                    <p:cTn id="41" fill="hold">
+                      <p:stCondLst>
+                        <p:cond delay="indefinite"/>
+                      </p:stCondLst>
+                      <p:childTnLst>
+                        <p:par>
+                          <p:cTn id="42" fill="hold">
+                            <p:stCondLst>
+                              <p:cond delay="0"/>
+                            </p:stCondLst>
+                            <p:childTnLst>
+                              <p:par>
+                                <p:cTn id="43" presetID="23" presetClass="entr" presetSubtype="16" fill="hold" grpId="0" nodeType="clickEffect">
+                                  <p:stCondLst>
+                                    <p:cond delay="0"/>
+                                  </p:stCondLst>
+                                  <p:childTnLst>
+                                    <p:set>
+                                      <p:cBhvr>
+                                        <p:cTn id="44" dur="1" fill="hold">
+                                          <p:stCondLst>
+                                            <p:cond delay="0"/>
+                                          </p:stCondLst>
+                                        </p:cTn>
+                                        <p:tgtEl>
+                                          <p:spTgt spid="35"/>
+                                        </p:tgtEl>
+                                        <p:attrNameLst>
+                                          <p:attrName>style.visibility</p:attrName>
+                                        </p:attrNameLst>
+                                      </p:cBhvr>
+                                      <p:to>
+                                        <p:strVal val="visible"/>
+                                      </p:to>
+                                    </p:set>
+                                    <p:anim calcmode="lin" valueType="num">
+                                      <p:cBhvr>
+                                        <p:cTn id="45" dur="500" fill="hold"/>
+                                        <p:tgtEl>
+                                          <p:spTgt spid="35"/>
+                                        </p:tgtEl>
+                                        <p:attrNameLst>
+                                          <p:attrName>ppt_w</p:attrName>
+                                        </p:attrNameLst>
+                                      </p:cBhvr>
+                                      <p:tavLst>
+                                        <p:tav tm="0">
+                                          <p:val>
+                                            <p:fltVal val="0"/>
+                                          </p:val>
+                                        </p:tav>
+                                        <p:tav tm="100000">
+                                          <p:val>
+                                            <p:strVal val="#ppt_w"/>
+                                          </p:val>
+                                        </p:tav>
+                                      </p:tavLst>
+                                    </p:anim>
+                                    <p:anim calcmode="lin" valueType="num">
+                                      <p:cBhvr>
+                                        <p:cTn id="46" dur="500" fill="hold"/>
+                                        <p:tgtEl>
+                                          <p:spTgt spid="35"/>
+                                        </p:tgtEl>
+                                        <p:attrNameLst>
+                                          <p:attrName>ppt_h</p:attrName>
+                                        </p:attrNameLst>
+                                      </p:cBhvr>
+                                      <p:tavLst>
+                                        <p:tav tm="0">
+                                          <p:val>
+                                            <p:fltVal val="0"/>
+                                          </p:val>
+                                        </p:tav>
+                                        <p:tav tm="100000">
+                                          <p:val>
+                                            <p:strVal val="#ppt_h"/>
+                                          </p:val>
+                                        </p:tav>
+                                      </p:tavLst>
+                                    </p:anim>
+                                  </p:childTnLst>
+                                </p:cTn>
+                              </p:par>
+                            </p:childTnLst>
+                          </p:cTn>
+                        </p:par>
+                        <p:par>
+                          <p:cTn id="47" fill="hold">
+                            <p:stCondLst>
+                              <p:cond delay="500"/>
+                            </p:stCondLst>
+                            <p:childTnLst>
+                              <p:par>
+                                <p:cTn id="48" presetID="22" presetClass="entr" presetSubtype="4" fill="hold" grpId="0" nodeType="afterEffect">
+                                  <p:stCondLst>
+                                    <p:cond delay="0"/>
+                                  </p:stCondLst>
+                                  <p:childTnLst>
+                                    <p:set>
+                                      <p:cBhvr>
+                                        <p:cTn id="49" dur="1" fill="hold">
+                                          <p:stCondLst>
+                                            <p:cond delay="0"/>
+                                          </p:stCondLst>
+                                        </p:cTn>
+                                        <p:tgtEl>
+                                          <p:spTgt spid="29"/>
+                                        </p:tgtEl>
+                                        <p:attrNameLst>
+                                          <p:attrName>style.visibility</p:attrName>
+                                        </p:attrNameLst>
+                                      </p:cBhvr>
+                                      <p:to>
+                                        <p:strVal val="visible"/>
+                                      </p:to>
+                                    </p:set>
+                                    <p:animEffect transition="in" filter="wipe(down)">
+                                      <p:cBhvr>
+                                        <p:cTn id="50" dur="500"/>
+                                        <p:tgtEl>
+                                          <p:spTgt spid="29"/>
+                                        </p:tgtEl>
+                                      </p:cBhvr>
+                                    </p:animEffect>
+                                  </p:childTnLst>
+                                </p:cTn>
+                              </p:par>
+                            </p:childTnLst>
+                          </p:cTn>
+                        </p:par>
+                      </p:childTnLst>
+                    </p:cTn>
+                  </p:par>
+                  <p:par>
+                    <p:cTn id="51" fill="hold">
+                      <p:stCondLst>
+                        <p:cond delay="indefinite"/>
+                      </p:stCondLst>
+                      <p:childTnLst>
+                        <p:par>
+                          <p:cTn id="52" fill="hold">
+                            <p:stCondLst>
+                              <p:cond delay="0"/>
+                            </p:stCondLst>
+                            <p:childTnLst>
+                              <p:par>
+                                <p:cTn id="53" presetID="23" presetClass="entr" presetSubtype="16" fill="hold" grpId="0" nodeType="clickEffect">
+                                  <p:stCondLst>
+                                    <p:cond delay="0"/>
+                                  </p:stCondLst>
+                                  <p:childTnLst>
+                                    <p:set>
+                                      <p:cBhvr>
+                                        <p:cTn id="54" dur="1" fill="hold">
+                                          <p:stCondLst>
+                                            <p:cond delay="0"/>
+                                          </p:stCondLst>
+                                        </p:cTn>
+                                        <p:tgtEl>
+                                          <p:spTgt spid="36"/>
+                                        </p:tgtEl>
+                                        <p:attrNameLst>
+                                          <p:attrName>style.visibility</p:attrName>
+                                        </p:attrNameLst>
+                                      </p:cBhvr>
+                                      <p:to>
+                                        <p:strVal val="visible"/>
+                                      </p:to>
+                                    </p:set>
+                                    <p:anim calcmode="lin" valueType="num">
+                                      <p:cBhvr>
+                                        <p:cTn id="55" dur="500" fill="hold"/>
+                                        <p:tgtEl>
+                                          <p:spTgt spid="36"/>
+                                        </p:tgtEl>
+                                        <p:attrNameLst>
+                                          <p:attrName>ppt_w</p:attrName>
+                                        </p:attrNameLst>
+                                      </p:cBhvr>
+                                      <p:tavLst>
+                                        <p:tav tm="0">
+                                          <p:val>
+                                            <p:fltVal val="0"/>
+                                          </p:val>
+                                        </p:tav>
+                                        <p:tav tm="100000">
+                                          <p:val>
+                                            <p:strVal val="#ppt_w"/>
+                                          </p:val>
+                                        </p:tav>
+                                      </p:tavLst>
+                                    </p:anim>
+                                    <p:anim calcmode="lin" valueType="num">
+                                      <p:cBhvr>
+                                        <p:cTn id="56" dur="500" fill="hold"/>
+                                        <p:tgtEl>
+                                          <p:spTgt spid="36"/>
+                                        </p:tgtEl>
+                                        <p:attrNameLst>
+                                          <p:attrName>ppt_h</p:attrName>
+                                        </p:attrNameLst>
+                                      </p:cBhvr>
+                                      <p:tavLst>
+                                        <p:tav tm="0">
+                                          <p:val>
+                                            <p:fltVal val="0"/>
+                                          </p:val>
+                                        </p:tav>
+                                        <p:tav tm="100000">
+                                          <p:val>
+                                            <p:strVal val="#ppt_h"/>
+                                          </p:val>
+                                        </p:tav>
+                                      </p:tavLst>
+                                    </p:anim>
+                                  </p:childTnLst>
+                                </p:cTn>
+                              </p:par>
+                            </p:childTnLst>
+                          </p:cTn>
+                        </p:par>
+                        <p:par>
+                          <p:cTn id="57" fill="hold">
+                            <p:stCondLst>
+                              <p:cond delay="500"/>
+                            </p:stCondLst>
+                            <p:childTnLst>
+                              <p:par>
+                                <p:cTn id="58" presetID="22" presetClass="entr" presetSubtype="4" fill="hold" grpId="0" nodeType="afterEffect">
+                                  <p:stCondLst>
+                                    <p:cond delay="0"/>
+                                  </p:stCondLst>
+                                  <p:childTnLst>
+                                    <p:set>
+                                      <p:cBhvr>
+                                        <p:cTn id="59" dur="1" fill="hold">
+                                          <p:stCondLst>
+                                            <p:cond delay="0"/>
+                                          </p:stCondLst>
+                                        </p:cTn>
+                                        <p:tgtEl>
+                                          <p:spTgt spid="28"/>
+                                        </p:tgtEl>
+                                        <p:attrNameLst>
+                                          <p:attrName>style.visibility</p:attrName>
+                                        </p:attrNameLst>
+                                      </p:cBhvr>
+                                      <p:to>
+                                        <p:strVal val="visible"/>
+                                      </p:to>
+                                    </p:set>
+                                    <p:animEffect transition="in" filter="wipe(down)">
+                                      <p:cBhvr>
+                                        <p:cTn id="60" dur="500"/>
+                                        <p:tgtEl>
+                                          <p:spTgt spid="28"/>
+                                        </p:tgtEl>
+                                      </p:cBhvr>
+                                    </p:animEffect>
+                                  </p:childTnLst>
+                                </p:cTn>
+                              </p:par>
+                            </p:childTnLst>
+                          </p:cTn>
+                        </p:par>
+                      </p:childTnLst>
+                    </p:cTn>
+                  </p:par>
+                  <p:par>
+                    <p:cTn id="61" fill="hold">
+                      <p:stCondLst>
+                        <p:cond delay="indefinite"/>
+                      </p:stCondLst>
+                      <p:childTnLst>
+                        <p:par>
+                          <p:cTn id="62" fill="hold">
+                            <p:stCondLst>
+                              <p:cond delay="0"/>
+                            </p:stCondLst>
+                            <p:childTnLst>
+                              <p:par>
+                                <p:cTn id="63" presetID="21" presetClass="entr" presetSubtype="1" fill="hold" grpId="0" nodeType="clickEffect">
+                                  <p:stCondLst>
+                                    <p:cond delay="0"/>
+                                  </p:stCondLst>
+                                  <p:childTnLst>
+                                    <p:set>
+                                      <p:cBhvr>
+                                        <p:cTn id="64" dur="1" fill="hold">
+                                          <p:stCondLst>
+                                            <p:cond delay="0"/>
+                                          </p:stCondLst>
+                                        </p:cTn>
+                                        <p:tgtEl>
+                                          <p:spTgt spid="39"/>
+                                        </p:tgtEl>
+                                        <p:attrNameLst>
+                                          <p:attrName>style.visibility</p:attrName>
+                                        </p:attrNameLst>
+                                      </p:cBhvr>
+                                      <p:to>
+                                        <p:strVal val="visible"/>
+                                      </p:to>
+                                    </p:set>
+                                    <p:animEffect transition="in" filter="wheel(1)">
+                                      <p:cBhvr>
+                                        <p:cTn id="65" dur="2000"/>
+                                        <p:tgtEl>
+                                          <p:spTgt spid="39"/>
+                                        </p:tgtEl>
+                                      </p:cBhvr>
+                                    </p:animEffect>
+                                  </p:childTnLst>
+                                </p:cTn>
+                              </p:par>
+                            </p:childTnLst>
+                          </p:cTn>
+                        </p:par>
+                      </p:childTnLst>
+                    </p:cTn>
+                  </p:par>
+                  <p:par>
+                    <p:cTn id="66" fill="hold">
+                      <p:stCondLst>
+                        <p:cond delay="indefinite"/>
+                      </p:stCondLst>
+                      <p:childTnLst>
+                        <p:par>
+                          <p:cTn id="67" fill="hold">
+                            <p:stCondLst>
+                              <p:cond delay="0"/>
+                            </p:stCondLst>
+                            <p:childTnLst>
+                              <p:par>
+                                <p:cTn id="68" presetID="1" presetClass="entr" presetSubtype="0" fill="hold" grpId="0" nodeType="clickEffect">
+                                  <p:stCondLst>
+                                    <p:cond delay="0"/>
+                                  </p:stCondLst>
+                                  <p:childTnLst>
+                                    <p:set>
+                                      <p:cBhvr>
+                                        <p:cTn id="69" dur="1" fill="hold">
+                                          <p:stCondLst>
+                                            <p:cond delay="0"/>
+                                          </p:stCondLst>
+                                        </p:cTn>
+                                        <p:tgtEl>
+                                          <p:spTgt spid="10"/>
+                                        </p:tgtEl>
+                                        <p:attrNameLst>
+                                          <p:attrName>style.visibility</p:attrName>
+                                        </p:attrNameLst>
+                                      </p:cBhvr>
+                                      <p:to>
+                                        <p:strVal val="visible"/>
+                                      </p:to>
+                                    </p:set>
+                                  </p:childTnLst>
+                                </p:cTn>
+                              </p:par>
+                              <p:par>
+                                <p:cTn id="70" presetID="1" presetClass="entr" presetSubtype="0" fill="hold" nodeType="withEffect">
+                                  <p:stCondLst>
+                                    <p:cond delay="0"/>
+                                  </p:stCondLst>
+                                  <p:childTnLst>
+                                    <p:set>
+                                      <p:cBhvr>
+                                        <p:cTn id="71" dur="1" fill="hold">
+                                          <p:stCondLst>
+                                            <p:cond delay="0"/>
+                                          </p:stCondLst>
+                                        </p:cTn>
+                                        <p:tgtEl>
+                                          <p:spTgt spid="40"/>
+                                        </p:tgtEl>
+                                        <p:attrNameLst>
+                                          <p:attrName>style.visibility</p:attrName>
+                                        </p:attrNameLst>
+                                      </p:cBhvr>
+                                      <p:to>
+                                        <p:strVal val="visible"/>
+                                      </p:to>
+                                    </p:set>
+                                  </p:childTnLst>
+                                </p:cTn>
+                              </p:par>
+                            </p:childTnLst>
+                          </p:cTn>
+                        </p:par>
+                      </p:childTnLst>
+                    </p:cTn>
+                  </p:par>
+                </p:childTnLst>
+              </p:cTn>
+              <p:prevCondLst>
+                <p:cond evt="onPrev" delay="0">
+                  <p:tgtEl>
+                    <p:sldTgt/>
+                  </p:tgtEl>
+                </p:cond>
+              </p:prevCondLst>
+              <p:nextCondLst>
+                <p:cond evt="onNext" delay="0">
+                  <p:tgtEl>
+                    <p:sldTgt/>
+                  </p:tgtEl>
+                </p:cond>
+              </p:nextCondLst>
+            </p:seq>
+          </p:childTnLst>
+        </p:cTn>
+      </p:par>
+    </p:tnLst>
+    <p:bldLst>
+      <p:bldP spid="18" grpId="0" animBg="1"/>
+      <p:bldP spid="19" grpId="0" animBg="1"/>
+      <p:bldP spid="21" grpId="0" animBg="1"/>
+      <p:bldP spid="22" grpId="0" animBg="1"/>
+      <p:bldP spid="24" grpId="0" animBg="1"/>
+      <p:bldP spid="25" grpId="0" animBg="1"/>
+      <p:bldP spid="28" grpId="0" animBg="1"/>
+      <p:bldP spid="29" grpId="0" animBg="1"/>
+      <p:bldP spid="30" grpId="0" animBg="1"/>
+      <p:bldP spid="35" grpId="0" animBg="1"/>
+      <p:bldP spid="36" grpId="0" animBg="1"/>
+      <p:bldP spid="37" grpId="0" animBg="1"/>
+      <p:bldP spid="38" grpId="0" animBg="1"/>
+      <p:bldP spid="39" grpId="0" animBg="1"/>
+      <p:bldP spid="10" grpId="0"/>
+    </p:bldLst>
+  </p:timing>
+</p:sld>
+</file>
+
+<file path=ppt/slides/slide5.xml><?xml version="1.0" encoding="utf-8"?>
+<p:sld xmlns:a="http://schemas.openxmlformats.org/drawingml/2006/main" xmlns:r="http://schemas.openxmlformats.org/officeDocument/2006/relationships" xmlns:p="http://schemas.openxmlformats.org/presentationml/2006/main">
+  <p:cSld>
+    <p:spTree>
+      <p:nvGrpSpPr>
+        <p:cNvPr id="1" name=""/>
+        <p:cNvGrpSpPr/>
+        <p:nvPr/>
+      </p:nvGrpSpPr>
+      <p:grpSpPr>
+        <a:xfrm>
+          <a:off x="0" y="0"/>
+          <a:ext cx="0" cy="0"/>
+          <a:chOff x="0" y="0"/>
+          <a:chExt cx="0" cy="0"/>
+        </a:xfrm>
+      </p:grpSpPr>
+      <p:sp>
+        <p:nvSpPr>
+          <p:cNvPr id="4" name="Title 3">
+            <a:extLst>
+              <a:ext uri="{FF2B5EF4-FFF2-40B4-BE49-F238E27FC236}">
+                <a16:creationId xmlns:a16="http://schemas.microsoft.com/office/drawing/2014/main" id="{F016D7DE-DA0D-D54E-881A-8D82FC15EEDE}"/>
+              </a:ext>
+            </a:extLst>
+          </p:cNvPr>
+          <p:cNvSpPr>
+            <a:spLocks noGrp="1"/>
+          </p:cNvSpPr>
+          <p:nvPr>
+            <p:ph type="title"/>
+          </p:nvPr>
+        </p:nvSpPr>
+        <p:spPr>
+          <a:xfrm>
+            <a:off x="628075" y="448059"/>
+            <a:ext cx="12561453" cy="1015663"/>
+          </a:xfrm>
+        </p:spPr>
+        <p:txBody>
+          <a:bodyPr/>
+          <a:lstStyle/>
+          <a:p>
+            <a:r>
+              <a:rPr lang="en-US" dirty="0"/>
+              <a:t>Recursion – String Reverse</a:t>
+            </a:r>
+          </a:p>
+        </p:txBody>
+      </p:sp>
+      <p:sp>
+        <p:nvSpPr>
+          <p:cNvPr id="6" name="Text Placeholder 4">
+            <a:extLst>
+              <a:ext uri="{FF2B5EF4-FFF2-40B4-BE49-F238E27FC236}">
+                <a16:creationId xmlns:a16="http://schemas.microsoft.com/office/drawing/2014/main" id="{B60D51D7-E415-B840-A77B-B31975D4BB6B}"/>
+              </a:ext>
+            </a:extLst>
+          </p:cNvPr>
+          <p:cNvSpPr txBox="1">
+            <a:spLocks/>
+          </p:cNvSpPr>
+          <p:nvPr/>
+        </p:nvSpPr>
+        <p:spPr>
+          <a:xfrm>
+            <a:off x="628075" y="4927451"/>
             <a:ext cx="5632876" cy="1230080"/>
           </a:xfrm>
           <a:prstGeom prst="rect">
@@ -7007,7 +12685,7 @@
           <a:p>
             <a:r>
               <a:rPr lang="en-US" dirty="0"/>
-              <a:t>How to write it?</a:t>
+              <a:t>How to write a recursive version of it?</a:t>
             </a:r>
           </a:p>
           <a:p>
@@ -7017,7 +12695,7 @@
             </a:pPr>
             <a:r>
               <a:rPr lang="en-US" dirty="0"/>
-              <a:t>Write a base case! (condition!!)</a:t>
+              <a:t>Write a base case</a:t>
             </a:r>
           </a:p>
           <a:p>
@@ -7046,7 +12724,7 @@
         </p:nvSpPr>
         <p:spPr>
           <a:xfrm>
-            <a:off x="6260951" y="1756839"/>
+            <a:off x="6579928" y="1756839"/>
             <a:ext cx="7121563" cy="3785652"/>
           </a:xfrm>
           <a:prstGeom prst="rect">
@@ -7665,7 +13343,7 @@
         </p:nvSpPr>
         <p:spPr>
           <a:xfrm>
-            <a:off x="6165110" y="6167069"/>
+            <a:off x="9208546" y="6004821"/>
             <a:ext cx="2773516" cy="400110"/>
           </a:xfrm>
           <a:prstGeom prst="rect">
@@ -7682,6 +13360,467 @@
             <a:r>
               <a:rPr lang="en-US" dirty="0"/>
               <a:t>Phantom of the Opera</a:t>
+            </a:r>
+          </a:p>
+        </p:txBody>
+      </p:sp>
+      <p:sp>
+        <p:nvSpPr>
+          <p:cNvPr id="14" name="Text Placeholder 4">
+            <a:extLst>
+              <a:ext uri="{FF2B5EF4-FFF2-40B4-BE49-F238E27FC236}">
+                <a16:creationId xmlns:a16="http://schemas.microsoft.com/office/drawing/2014/main" id="{820AECDB-2759-4DA9-BED0-3AE2216596F6}"/>
+              </a:ext>
+            </a:extLst>
+          </p:cNvPr>
+          <p:cNvSpPr txBox="1">
+            <a:spLocks/>
+          </p:cNvSpPr>
+          <p:nvPr/>
+        </p:nvSpPr>
+        <p:spPr>
+          <a:xfrm>
+            <a:off x="579666" y="1812447"/>
+            <a:ext cx="5632876" cy="813813"/>
+          </a:xfrm>
+          <a:prstGeom prst="rect">
+            <a:avLst/>
+          </a:prstGeom>
+        </p:spPr>
+        <p:txBody>
+          <a:bodyPr vert="horz" lIns="91440" tIns="91440" rIns="91440" bIns="91440" rtlCol="0">
+            <a:spAutoFit/>
+          </a:bodyPr>
+          <a:lstStyle>
+            <a:lvl1pPr marL="524712" indent="-524712" algn="l" defTabSz="699614" rtl="0" eaLnBrk="1" latinLnBrk="0" hangingPunct="1">
+              <a:lnSpc>
+                <a:spcPct val="120000"/>
+              </a:lnSpc>
+              <a:spcBef>
+                <a:spcPts val="600"/>
+              </a:spcBef>
+              <a:spcAft>
+                <a:spcPts val="600"/>
+              </a:spcAft>
+              <a:buFont typeface="Arial"/>
+              <a:buChar char="•"/>
+              <a:defRPr sz="1800" b="0" i="0" kern="1200">
+                <a:solidFill>
+                  <a:srgbClr val="092529"/>
+                </a:solidFill>
+                <a:latin typeface="Proxima Nova" charset="0"/>
+                <a:ea typeface="Proxima Nova" charset="0"/>
+                <a:cs typeface="Proxima Nova" charset="0"/>
+              </a:defRPr>
+            </a:lvl1pPr>
+            <a:lvl2pPr marL="1136875" indent="-437261" algn="l" defTabSz="699614" rtl="0" eaLnBrk="1" latinLnBrk="0" hangingPunct="1">
+              <a:lnSpc>
+                <a:spcPct val="120000"/>
+              </a:lnSpc>
+              <a:spcBef>
+                <a:spcPts val="0"/>
+              </a:spcBef>
+              <a:spcAft>
+                <a:spcPts val="600"/>
+              </a:spcAft>
+              <a:buFont typeface="Arial"/>
+              <a:buChar char="–"/>
+              <a:defRPr sz="1600" b="0" i="0" kern="1200">
+                <a:solidFill>
+                  <a:srgbClr val="092529"/>
+                </a:solidFill>
+                <a:latin typeface="Proxima Nova" charset="0"/>
+                <a:ea typeface="Proxima Nova" charset="0"/>
+                <a:cs typeface="Proxima Nova" charset="0"/>
+              </a:defRPr>
+            </a:lvl2pPr>
+            <a:lvl3pPr marL="1749040" indent="-349807" algn="l" defTabSz="699614" rtl="0" eaLnBrk="1" latinLnBrk="0" hangingPunct="1">
+              <a:lnSpc>
+                <a:spcPct val="120000"/>
+              </a:lnSpc>
+              <a:spcBef>
+                <a:spcPts val="0"/>
+              </a:spcBef>
+              <a:spcAft>
+                <a:spcPts val="600"/>
+              </a:spcAft>
+              <a:buFont typeface="Arial"/>
+              <a:buChar char="•"/>
+              <a:defRPr sz="1600" b="0" i="0" kern="1200">
+                <a:solidFill>
+                  <a:srgbClr val="092529"/>
+                </a:solidFill>
+                <a:latin typeface="Proxima Nova" charset="0"/>
+                <a:ea typeface="Proxima Nova" charset="0"/>
+                <a:cs typeface="Proxima Nova" charset="0"/>
+              </a:defRPr>
+            </a:lvl3pPr>
+            <a:lvl4pPr marL="2448655" indent="-349807" algn="l" defTabSz="699614" rtl="0" eaLnBrk="1" latinLnBrk="0" hangingPunct="1">
+              <a:lnSpc>
+                <a:spcPct val="120000"/>
+              </a:lnSpc>
+              <a:spcBef>
+                <a:spcPts val="0"/>
+              </a:spcBef>
+              <a:spcAft>
+                <a:spcPts val="600"/>
+              </a:spcAft>
+              <a:buFont typeface="Arial"/>
+              <a:buChar char="–"/>
+              <a:defRPr sz="1600" b="0" i="0" kern="1200">
+                <a:solidFill>
+                  <a:srgbClr val="092529"/>
+                </a:solidFill>
+                <a:latin typeface="Proxima Nova" charset="0"/>
+                <a:ea typeface="Proxima Nova" charset="0"/>
+                <a:cs typeface="Proxima Nova" charset="0"/>
+              </a:defRPr>
+            </a:lvl4pPr>
+            <a:lvl5pPr marL="3148272" indent="-349807" algn="l" defTabSz="699614" rtl="0" eaLnBrk="1" latinLnBrk="0" hangingPunct="1">
+              <a:spcBef>
+                <a:spcPct val="20000"/>
+              </a:spcBef>
+              <a:buFont typeface="Arial"/>
+              <a:buChar char="»"/>
+              <a:defRPr sz="1648" b="0" kern="1200">
+                <a:solidFill>
+                  <a:srgbClr val="092529"/>
+                </a:solidFill>
+                <a:latin typeface="Franklin Gothic Book" charset="0"/>
+                <a:ea typeface="Franklin Gothic Book" charset="0"/>
+                <a:cs typeface="Franklin Gothic Book" charset="0"/>
+              </a:defRPr>
+            </a:lvl5pPr>
+            <a:lvl6pPr marL="3847888" indent="-349807" algn="l" defTabSz="699614" rtl="0" eaLnBrk="1" latinLnBrk="0" hangingPunct="1">
+              <a:spcBef>
+                <a:spcPct val="20000"/>
+              </a:spcBef>
+              <a:buFont typeface="Arial"/>
+              <a:buChar char="•"/>
+              <a:defRPr sz="3022" kern="1200">
+                <a:solidFill>
+                  <a:schemeClr val="tx1"/>
+                </a:solidFill>
+                <a:latin typeface="+mn-lt"/>
+                <a:ea typeface="+mn-ea"/>
+                <a:cs typeface="+mn-cs"/>
+              </a:defRPr>
+            </a:lvl6pPr>
+            <a:lvl7pPr marL="4547505" indent="-349807" algn="l" defTabSz="699614" rtl="0" eaLnBrk="1" latinLnBrk="0" hangingPunct="1">
+              <a:spcBef>
+                <a:spcPct val="20000"/>
+              </a:spcBef>
+              <a:buFont typeface="Arial"/>
+              <a:buChar char="•"/>
+              <a:defRPr sz="3022" kern="1200">
+                <a:solidFill>
+                  <a:schemeClr val="tx1"/>
+                </a:solidFill>
+                <a:latin typeface="+mn-lt"/>
+                <a:ea typeface="+mn-ea"/>
+                <a:cs typeface="+mn-cs"/>
+              </a:defRPr>
+            </a:lvl7pPr>
+            <a:lvl8pPr marL="5247119" indent="-349807" algn="l" defTabSz="699614" rtl="0" eaLnBrk="1" latinLnBrk="0" hangingPunct="1">
+              <a:spcBef>
+                <a:spcPct val="20000"/>
+              </a:spcBef>
+              <a:buFont typeface="Arial"/>
+              <a:buChar char="•"/>
+              <a:defRPr sz="3022" kern="1200">
+                <a:solidFill>
+                  <a:schemeClr val="tx1"/>
+                </a:solidFill>
+                <a:latin typeface="+mn-lt"/>
+                <a:ea typeface="+mn-ea"/>
+                <a:cs typeface="+mn-cs"/>
+              </a:defRPr>
+            </a:lvl8pPr>
+            <a:lvl9pPr marL="5946736" indent="-349807" algn="l" defTabSz="699614" rtl="0" eaLnBrk="1" latinLnBrk="0" hangingPunct="1">
+              <a:spcBef>
+                <a:spcPct val="20000"/>
+              </a:spcBef>
+              <a:buFont typeface="Arial"/>
+              <a:buChar char="•"/>
+              <a:defRPr sz="3022" kern="1200">
+                <a:solidFill>
+                  <a:schemeClr val="tx1"/>
+                </a:solidFill>
+                <a:latin typeface="+mn-lt"/>
+                <a:ea typeface="+mn-ea"/>
+                <a:cs typeface="+mn-cs"/>
+              </a:defRPr>
+            </a:lvl9pPr>
+          </a:lstStyle>
+          <a:p>
+            <a:r>
+              <a:rPr lang="en-US" dirty="0"/>
+              <a:t>Let’s start with a String reverse method that uses a loop solution to return a reversed String</a:t>
+            </a:r>
+          </a:p>
+        </p:txBody>
+      </p:sp>
+      <p:sp>
+        <p:nvSpPr>
+          <p:cNvPr id="15" name="TextBox 14">
+            <a:extLst>
+              <a:ext uri="{FF2B5EF4-FFF2-40B4-BE49-F238E27FC236}">
+                <a16:creationId xmlns:a16="http://schemas.microsoft.com/office/drawing/2014/main" id="{22E6A680-F032-4B55-BB13-AFAD0DC8C1E4}"/>
+              </a:ext>
+            </a:extLst>
+          </p:cNvPr>
+          <p:cNvSpPr txBox="1"/>
+          <p:nvPr/>
+        </p:nvSpPr>
+        <p:spPr>
+          <a:xfrm>
+            <a:off x="1355369" y="2972300"/>
+            <a:ext cx="4165692" cy="1569660"/>
+          </a:xfrm>
+          <a:prstGeom prst="rect">
+            <a:avLst/>
+          </a:prstGeom>
+          <a:solidFill>
+            <a:srgbClr val="DAD490"/>
+          </a:solidFill>
+        </p:spPr>
+        <p:txBody>
+          <a:bodyPr wrap="none" rtlCol="0">
+            <a:spAutoFit/>
+          </a:bodyPr>
+          <a:lstStyle/>
+          <a:p>
+            <a:r>
+              <a:rPr lang="en-US" sz="1600" dirty="0">
+                <a:latin typeface="Proxima Nova"/>
+              </a:rPr>
+              <a:t>public static String </a:t>
+            </a:r>
+            <a:r>
+              <a:rPr lang="en-US" sz="1600" dirty="0" err="1">
+                <a:latin typeface="Proxima Nova"/>
+              </a:rPr>
+              <a:t>reverseLoop</a:t>
+            </a:r>
+            <a:r>
+              <a:rPr lang="en-US" sz="1600" dirty="0">
+                <a:latin typeface="Proxima Nova"/>
+              </a:rPr>
+              <a:t> (String str){</a:t>
+            </a:r>
+          </a:p>
+          <a:p>
+            <a:r>
+              <a:rPr lang="en-US" sz="1600" dirty="0">
+                <a:latin typeface="Proxima Nova"/>
+              </a:rPr>
+              <a:t>   String reversed = “”;</a:t>
+            </a:r>
+          </a:p>
+          <a:p>
+            <a:r>
+              <a:rPr lang="en-US" sz="1600" dirty="0">
+                <a:latin typeface="Proxima Nova"/>
+              </a:rPr>
+              <a:t>   for(int </a:t>
+            </a:r>
+            <a:r>
+              <a:rPr lang="en-US" sz="1600" dirty="0" err="1">
+                <a:latin typeface="Proxima Nova"/>
+              </a:rPr>
+              <a:t>i</a:t>
+            </a:r>
+            <a:r>
+              <a:rPr lang="en-US" sz="1600" dirty="0">
+                <a:latin typeface="Proxima Nova"/>
+              </a:rPr>
+              <a:t> = </a:t>
+            </a:r>
+            <a:r>
+              <a:rPr lang="en-US" sz="1600" dirty="0" err="1">
+                <a:latin typeface="Proxima Nova"/>
+              </a:rPr>
+              <a:t>str.length</a:t>
+            </a:r>
+            <a:r>
+              <a:rPr lang="en-US" sz="1600" dirty="0">
+                <a:latin typeface="Proxima Nova"/>
+              </a:rPr>
+              <a:t>(); </a:t>
+            </a:r>
+            <a:r>
+              <a:rPr lang="en-US" sz="1600" dirty="0" err="1">
+                <a:latin typeface="Proxima Nova"/>
+              </a:rPr>
+              <a:t>i</a:t>
+            </a:r>
+            <a:r>
+              <a:rPr lang="en-US" sz="1600" dirty="0">
+                <a:latin typeface="Proxima Nova"/>
+              </a:rPr>
+              <a:t> &gt; -1; </a:t>
+            </a:r>
+            <a:r>
+              <a:rPr lang="en-US" sz="1600" dirty="0" err="1">
+                <a:latin typeface="Proxima Nova"/>
+              </a:rPr>
+              <a:t>i</a:t>
+            </a:r>
+            <a:r>
+              <a:rPr lang="en-US" sz="1600" dirty="0">
+                <a:latin typeface="Proxima Nova"/>
+              </a:rPr>
+              <a:t>--)</a:t>
+            </a:r>
+          </a:p>
+          <a:p>
+            <a:r>
+              <a:rPr lang="en-US" sz="1600" dirty="0">
+                <a:latin typeface="Proxima Nova"/>
+              </a:rPr>
+              <a:t>       reversed += </a:t>
+            </a:r>
+            <a:r>
+              <a:rPr lang="en-US" sz="1600" dirty="0" err="1">
+                <a:latin typeface="Proxima Nova"/>
+              </a:rPr>
+              <a:t>str.charAt</a:t>
+            </a:r>
+            <a:r>
+              <a:rPr lang="en-US" sz="1600" dirty="0">
+                <a:latin typeface="Proxima Nova"/>
+              </a:rPr>
+              <a:t>(</a:t>
+            </a:r>
+            <a:r>
+              <a:rPr lang="en-US" sz="1600" dirty="0" err="1">
+                <a:latin typeface="Proxima Nova"/>
+              </a:rPr>
+              <a:t>i</a:t>
+            </a:r>
+            <a:r>
+              <a:rPr lang="en-US" sz="1600" dirty="0">
+                <a:latin typeface="Proxima Nova"/>
+              </a:rPr>
+              <a:t>);</a:t>
+            </a:r>
+          </a:p>
+          <a:p>
+            <a:r>
+              <a:rPr lang="en-US" sz="1600" dirty="0">
+                <a:latin typeface="Proxima Nova"/>
+              </a:rPr>
+              <a:t>   return reversed;</a:t>
+            </a:r>
+          </a:p>
+          <a:p>
+            <a:r>
+              <a:rPr lang="en-US" sz="1600" dirty="0">
+                <a:latin typeface="Proxima Nova"/>
+              </a:rPr>
+              <a:t>}</a:t>
+            </a:r>
+          </a:p>
+        </p:txBody>
+      </p:sp>
+      <p:sp>
+        <p:nvSpPr>
+          <p:cNvPr id="17" name="TextBox 16">
+            <a:extLst>
+              <a:ext uri="{FF2B5EF4-FFF2-40B4-BE49-F238E27FC236}">
+                <a16:creationId xmlns:a16="http://schemas.microsoft.com/office/drawing/2014/main" id="{85630BF4-A637-492F-8F36-E5FC925F08D0}"/>
+              </a:ext>
+            </a:extLst>
+          </p:cNvPr>
+          <p:cNvSpPr txBox="1"/>
+          <p:nvPr/>
+        </p:nvSpPr>
+        <p:spPr>
+          <a:xfrm>
+            <a:off x="3657599" y="5373214"/>
+            <a:ext cx="2304798" cy="338554"/>
+          </a:xfrm>
+          <a:prstGeom prst="rect">
+            <a:avLst/>
+          </a:prstGeom>
+          <a:solidFill>
+            <a:srgbClr val="DAD490"/>
+          </a:solidFill>
+        </p:spPr>
+        <p:txBody>
+          <a:bodyPr wrap="none" rtlCol="0">
+            <a:spAutoFit/>
+          </a:bodyPr>
+          <a:lstStyle/>
+          <a:p>
+            <a:r>
+              <a:rPr lang="en-US" sz="1600" dirty="0">
+                <a:latin typeface="Proxima Nova"/>
+              </a:rPr>
+              <a:t>if (index &lt; 0) return “”;</a:t>
+            </a:r>
+          </a:p>
+        </p:txBody>
+      </p:sp>
+      <p:sp>
+        <p:nvSpPr>
+          <p:cNvPr id="18" name="TextBox 17">
+            <a:extLst>
+              <a:ext uri="{FF2B5EF4-FFF2-40B4-BE49-F238E27FC236}">
+                <a16:creationId xmlns:a16="http://schemas.microsoft.com/office/drawing/2014/main" id="{A968E691-57B2-42AD-9B86-E357DC0F5890}"/>
+              </a:ext>
+            </a:extLst>
+          </p:cNvPr>
+          <p:cNvSpPr txBox="1"/>
+          <p:nvPr/>
+        </p:nvSpPr>
+        <p:spPr>
+          <a:xfrm>
+            <a:off x="1507812" y="6250593"/>
+            <a:ext cx="4912627" cy="338554"/>
+          </a:xfrm>
+          <a:prstGeom prst="rect">
+            <a:avLst/>
+          </a:prstGeom>
+          <a:solidFill>
+            <a:srgbClr val="DAD490"/>
+          </a:solidFill>
+        </p:spPr>
+        <p:txBody>
+          <a:bodyPr wrap="none" rtlCol="0">
+            <a:spAutoFit/>
+          </a:bodyPr>
+          <a:lstStyle/>
+          <a:p>
+            <a:r>
+              <a:rPr lang="en-US" sz="1600" dirty="0">
+                <a:latin typeface="Proxima Nova"/>
+              </a:rPr>
+              <a:t>return </a:t>
+            </a:r>
+            <a:r>
+              <a:rPr lang="en-US" sz="1600" dirty="0" err="1">
+                <a:latin typeface="Proxima Nova"/>
+              </a:rPr>
+              <a:t>str.charAt</a:t>
+            </a:r>
+            <a:r>
+              <a:rPr lang="en-US" sz="1600" dirty="0">
+                <a:latin typeface="Proxima Nova"/>
+              </a:rPr>
+              <a:t>(index) + </a:t>
+            </a:r>
+            <a:r>
+              <a:rPr lang="en-US" sz="1600" dirty="0" err="1">
+                <a:latin typeface="Proxima Nova"/>
+              </a:rPr>
+              <a:t>reverseString</a:t>
+            </a:r>
+            <a:r>
+              <a:rPr lang="en-US" sz="1600" dirty="0">
+                <a:latin typeface="Proxima Nova"/>
+              </a:rPr>
+              <a:t>(str, index-1)</a:t>
             </a:r>
           </a:p>
         </p:txBody>
@@ -7729,7 +13868,7 @@
                             </p:stCondLst>
                             <p:childTnLst>
                               <p:par>
-                                <p:cTn id="5" presetID="9" presetClass="entr" presetSubtype="0" fill="hold" nodeType="clickEffect">
+                                <p:cTn id="5" presetID="1" presetClass="entr" presetSubtype="0" fill="hold" grpId="0" nodeType="clickEffect">
                                   <p:stCondLst>
                                     <p:cond delay="0"/>
                                   </p:stCondLst>
@@ -7742,7 +13881,7 @@
                                           </p:stCondLst>
                                         </p:cTn>
                                         <p:tgtEl>
-                                          <p:spTgt spid="9"/>
+                                          <p:spTgt spid="15"/>
                                         </p:tgtEl>
                                         <p:attrNameLst>
                                           <p:attrName>style.visibility</p:attrName>
@@ -7752,32 +13891,42 @@
                                         <p:strVal val="visible"/>
                                       </p:to>
                                     </p:set>
-                                    <p:animEffect transition="in" filter="dissolve">
-                                      <p:cBhvr>
-                                        <p:cTn id="7" dur="500"/>
-                                        <p:tgtEl>
-                                          <p:spTgt spid="9"/>
-                                        </p:tgtEl>
-                                      </p:cBhvr>
-                                    </p:animEffect>
                                   </p:childTnLst>
                                 </p:cTn>
                               </p:par>
+                            </p:childTnLst>
+                          </p:cTn>
+                        </p:par>
+                      </p:childTnLst>
+                    </p:cTn>
+                  </p:par>
+                  <p:par>
+                    <p:cTn id="7" fill="hold">
+                      <p:stCondLst>
+                        <p:cond delay="indefinite"/>
+                      </p:stCondLst>
+                      <p:childTnLst>
+                        <p:par>
+                          <p:cTn id="8" fill="hold">
+                            <p:stCondLst>
+                              <p:cond delay="0"/>
+                            </p:stCondLst>
+                            <p:childTnLst>
                               <p:par>
-                                <p:cTn id="8" presetID="9" presetClass="entr" presetSubtype="0" fill="hold" grpId="0" nodeType="withEffect">
+                                <p:cTn id="9" presetID="1" presetClass="entr" presetSubtype="0" fill="hold" grpId="0" nodeType="clickEffect">
                                   <p:stCondLst>
                                     <p:cond delay="0"/>
                                   </p:stCondLst>
                                   <p:childTnLst>
                                     <p:set>
                                       <p:cBhvr>
-                                        <p:cTn id="9" dur="1" fill="hold">
+                                        <p:cTn id="10" dur="1" fill="hold">
                                           <p:stCondLst>
                                             <p:cond delay="0"/>
                                           </p:stCondLst>
                                         </p:cTn>
                                         <p:tgtEl>
-                                          <p:spTgt spid="10"/>
+                                          <p:spTgt spid="6"/>
                                         </p:tgtEl>
                                         <p:attrNameLst>
                                           <p:attrName>style.visibility</p:attrName>
@@ -7787,14 +13936,6 @@
                                         <p:strVal val="visible"/>
                                       </p:to>
                                     </p:set>
-                                    <p:animEffect transition="in" filter="dissolve">
-                                      <p:cBhvr>
-                                        <p:cTn id="10" dur="500"/>
-                                        <p:tgtEl>
-                                          <p:spTgt spid="10"/>
-                                        </p:tgtEl>
-                                      </p:cBhvr>
-                                    </p:animEffect>
                                   </p:childTnLst>
                                 </p:cTn>
                               </p:par>
@@ -7817,7 +13958,7 @@
                             </p:stCondLst>
                             <p:childTnLst>
                               <p:par>
-                                <p:cTn id="13" presetID="9" presetClass="entr" presetSubtype="0" fill="hold" nodeType="clickEffect">
+                                <p:cTn id="13" presetID="1" presetClass="entr" presetSubtype="0" fill="hold" grpId="0" nodeType="clickEffect">
                                   <p:stCondLst>
                                     <p:cond delay="0"/>
                                   </p:stCondLst>
@@ -7830,7 +13971,7 @@
                                           </p:stCondLst>
                                         </p:cTn>
                                         <p:tgtEl>
-                                          <p:spTgt spid="13"/>
+                                          <p:spTgt spid="17"/>
                                         </p:tgtEl>
                                         <p:attrNameLst>
                                           <p:attrName>style.visibility</p:attrName>
@@ -7840,32 +13981,42 @@
                                         <p:strVal val="visible"/>
                                       </p:to>
                                     </p:set>
-                                    <p:animEffect transition="in" filter="dissolve">
-                                      <p:cBhvr>
-                                        <p:cTn id="15" dur="500"/>
-                                        <p:tgtEl>
-                                          <p:spTgt spid="13"/>
-                                        </p:tgtEl>
-                                      </p:cBhvr>
-                                    </p:animEffect>
                                   </p:childTnLst>
                                 </p:cTn>
                               </p:par>
+                            </p:childTnLst>
+                          </p:cTn>
+                        </p:par>
+                      </p:childTnLst>
+                    </p:cTn>
+                  </p:par>
+                  <p:par>
+                    <p:cTn id="15" fill="hold">
+                      <p:stCondLst>
+                        <p:cond delay="indefinite"/>
+                      </p:stCondLst>
+                      <p:childTnLst>
+                        <p:par>
+                          <p:cTn id="16" fill="hold">
+                            <p:stCondLst>
+                              <p:cond delay="0"/>
+                            </p:stCondLst>
+                            <p:childTnLst>
                               <p:par>
-                                <p:cTn id="16" presetID="9" presetClass="entr" presetSubtype="0" fill="hold" grpId="0" nodeType="withEffect">
+                                <p:cTn id="17" presetID="1" presetClass="entr" presetSubtype="0" fill="hold" grpId="0" nodeType="clickEffect">
                                   <p:stCondLst>
                                     <p:cond delay="0"/>
                                   </p:stCondLst>
                                   <p:childTnLst>
                                     <p:set>
                                       <p:cBhvr>
-                                        <p:cTn id="17" dur="1" fill="hold">
+                                        <p:cTn id="18" dur="1" fill="hold">
                                           <p:stCondLst>
                                             <p:cond delay="0"/>
                                           </p:stCondLst>
                                         </p:cTn>
                                         <p:tgtEl>
-                                          <p:spTgt spid="11"/>
+                                          <p:spTgt spid="18"/>
                                         </p:tgtEl>
                                         <p:attrNameLst>
                                           <p:attrName>style.visibility</p:attrName>
@@ -7875,14 +14026,6 @@
                                         <p:strVal val="visible"/>
                                       </p:to>
                                     </p:set>
-                                    <p:animEffect transition="in" filter="dissolve">
-                                      <p:cBhvr>
-                                        <p:cTn id="18" dur="500"/>
-                                        <p:tgtEl>
-                                          <p:spTgt spid="11"/>
-                                        </p:tgtEl>
-                                      </p:cBhvr>
-                                    </p:animEffect>
                                   </p:childTnLst>
                                 </p:cTn>
                               </p:par>
@@ -7905,7 +14048,7 @@
                             </p:stCondLst>
                             <p:childTnLst>
                               <p:par>
-                                <p:cTn id="21" presetID="9" presetClass="entr" presetSubtype="0" fill="hold" grpId="0" nodeType="clickEffect">
+                                <p:cTn id="21" presetID="1" presetClass="entr" presetSubtype="0" fill="hold" grpId="0" nodeType="clickEffect">
                                   <p:stCondLst>
                                     <p:cond delay="0"/>
                                   </p:stCondLst>
@@ -7913,6 +14056,227 @@
                                     <p:set>
                                       <p:cBhvr>
                                         <p:cTn id="22" dur="1" fill="hold">
+                                          <p:stCondLst>
+                                            <p:cond delay="0"/>
+                                          </p:stCondLst>
+                                        </p:cTn>
+                                        <p:tgtEl>
+                                          <p:spTgt spid="7"/>
+                                        </p:tgtEl>
+                                        <p:attrNameLst>
+                                          <p:attrName>style.visibility</p:attrName>
+                                        </p:attrNameLst>
+                                      </p:cBhvr>
+                                      <p:to>
+                                        <p:strVal val="visible"/>
+                                      </p:to>
+                                    </p:set>
+                                  </p:childTnLst>
+                                </p:cTn>
+                              </p:par>
+                            </p:childTnLst>
+                          </p:cTn>
+                        </p:par>
+                      </p:childTnLst>
+                    </p:cTn>
+                  </p:par>
+                  <p:par>
+                    <p:cTn id="23" fill="hold">
+                      <p:stCondLst>
+                        <p:cond delay="indefinite"/>
+                      </p:stCondLst>
+                      <p:childTnLst>
+                        <p:par>
+                          <p:cTn id="24" fill="hold">
+                            <p:stCondLst>
+                              <p:cond delay="0"/>
+                            </p:stCondLst>
+                            <p:childTnLst>
+                              <p:par>
+                                <p:cTn id="25" presetID="9" presetClass="entr" presetSubtype="0" fill="hold" nodeType="clickEffect">
+                                  <p:stCondLst>
+                                    <p:cond delay="0"/>
+                                  </p:stCondLst>
+                                  <p:childTnLst>
+                                    <p:set>
+                                      <p:cBhvr>
+                                        <p:cTn id="26" dur="1" fill="hold">
+                                          <p:stCondLst>
+                                            <p:cond delay="0"/>
+                                          </p:stCondLst>
+                                        </p:cTn>
+                                        <p:tgtEl>
+                                          <p:spTgt spid="9"/>
+                                        </p:tgtEl>
+                                        <p:attrNameLst>
+                                          <p:attrName>style.visibility</p:attrName>
+                                        </p:attrNameLst>
+                                      </p:cBhvr>
+                                      <p:to>
+                                        <p:strVal val="visible"/>
+                                      </p:to>
+                                    </p:set>
+                                    <p:animEffect transition="in" filter="dissolve">
+                                      <p:cBhvr>
+                                        <p:cTn id="27" dur="500"/>
+                                        <p:tgtEl>
+                                          <p:spTgt spid="9"/>
+                                        </p:tgtEl>
+                                      </p:cBhvr>
+                                    </p:animEffect>
+                                  </p:childTnLst>
+                                </p:cTn>
+                              </p:par>
+                              <p:par>
+                                <p:cTn id="28" presetID="9" presetClass="entr" presetSubtype="0" fill="hold" grpId="0" nodeType="withEffect">
+                                  <p:stCondLst>
+                                    <p:cond delay="0"/>
+                                  </p:stCondLst>
+                                  <p:childTnLst>
+                                    <p:set>
+                                      <p:cBhvr>
+                                        <p:cTn id="29" dur="1" fill="hold">
+                                          <p:stCondLst>
+                                            <p:cond delay="0"/>
+                                          </p:stCondLst>
+                                        </p:cTn>
+                                        <p:tgtEl>
+                                          <p:spTgt spid="10"/>
+                                        </p:tgtEl>
+                                        <p:attrNameLst>
+                                          <p:attrName>style.visibility</p:attrName>
+                                        </p:attrNameLst>
+                                      </p:cBhvr>
+                                      <p:to>
+                                        <p:strVal val="visible"/>
+                                      </p:to>
+                                    </p:set>
+                                    <p:animEffect transition="in" filter="dissolve">
+                                      <p:cBhvr>
+                                        <p:cTn id="30" dur="500"/>
+                                        <p:tgtEl>
+                                          <p:spTgt spid="10"/>
+                                        </p:tgtEl>
+                                      </p:cBhvr>
+                                    </p:animEffect>
+                                  </p:childTnLst>
+                                </p:cTn>
+                              </p:par>
+                            </p:childTnLst>
+                          </p:cTn>
+                        </p:par>
+                      </p:childTnLst>
+                    </p:cTn>
+                  </p:par>
+                  <p:par>
+                    <p:cTn id="31" fill="hold">
+                      <p:stCondLst>
+                        <p:cond delay="indefinite"/>
+                      </p:stCondLst>
+                      <p:childTnLst>
+                        <p:par>
+                          <p:cTn id="32" fill="hold">
+                            <p:stCondLst>
+                              <p:cond delay="0"/>
+                            </p:stCondLst>
+                            <p:childTnLst>
+                              <p:par>
+                                <p:cTn id="33" presetID="9" presetClass="entr" presetSubtype="0" fill="hold" nodeType="clickEffect">
+                                  <p:stCondLst>
+                                    <p:cond delay="0"/>
+                                  </p:stCondLst>
+                                  <p:childTnLst>
+                                    <p:set>
+                                      <p:cBhvr>
+                                        <p:cTn id="34" dur="1" fill="hold">
+                                          <p:stCondLst>
+                                            <p:cond delay="0"/>
+                                          </p:stCondLst>
+                                        </p:cTn>
+                                        <p:tgtEl>
+                                          <p:spTgt spid="13"/>
+                                        </p:tgtEl>
+                                        <p:attrNameLst>
+                                          <p:attrName>style.visibility</p:attrName>
+                                        </p:attrNameLst>
+                                      </p:cBhvr>
+                                      <p:to>
+                                        <p:strVal val="visible"/>
+                                      </p:to>
+                                    </p:set>
+                                    <p:animEffect transition="in" filter="dissolve">
+                                      <p:cBhvr>
+                                        <p:cTn id="35" dur="500"/>
+                                        <p:tgtEl>
+                                          <p:spTgt spid="13"/>
+                                        </p:tgtEl>
+                                      </p:cBhvr>
+                                    </p:animEffect>
+                                  </p:childTnLst>
+                                </p:cTn>
+                              </p:par>
+                              <p:par>
+                                <p:cTn id="36" presetID="9" presetClass="entr" presetSubtype="0" fill="hold" grpId="0" nodeType="withEffect">
+                                  <p:stCondLst>
+                                    <p:cond delay="0"/>
+                                  </p:stCondLst>
+                                  <p:childTnLst>
+                                    <p:set>
+                                      <p:cBhvr>
+                                        <p:cTn id="37" dur="1" fill="hold">
+                                          <p:stCondLst>
+                                            <p:cond delay="0"/>
+                                          </p:stCondLst>
+                                        </p:cTn>
+                                        <p:tgtEl>
+                                          <p:spTgt spid="11"/>
+                                        </p:tgtEl>
+                                        <p:attrNameLst>
+                                          <p:attrName>style.visibility</p:attrName>
+                                        </p:attrNameLst>
+                                      </p:cBhvr>
+                                      <p:to>
+                                        <p:strVal val="visible"/>
+                                      </p:to>
+                                    </p:set>
+                                    <p:animEffect transition="in" filter="dissolve">
+                                      <p:cBhvr>
+                                        <p:cTn id="38" dur="500"/>
+                                        <p:tgtEl>
+                                          <p:spTgt spid="11"/>
+                                        </p:tgtEl>
+                                      </p:cBhvr>
+                                    </p:animEffect>
+                                  </p:childTnLst>
+                                </p:cTn>
+                              </p:par>
+                            </p:childTnLst>
+                          </p:cTn>
+                        </p:par>
+                      </p:childTnLst>
+                    </p:cTn>
+                  </p:par>
+                  <p:par>
+                    <p:cTn id="39" fill="hold">
+                      <p:stCondLst>
+                        <p:cond delay="indefinite"/>
+                      </p:stCondLst>
+                      <p:childTnLst>
+                        <p:par>
+                          <p:cTn id="40" fill="hold">
+                            <p:stCondLst>
+                              <p:cond delay="0"/>
+                            </p:stCondLst>
+                            <p:childTnLst>
+                              <p:par>
+                                <p:cTn id="41" presetID="9" presetClass="entr" presetSubtype="0" fill="hold" grpId="0" nodeType="clickEffect">
+                                  <p:stCondLst>
+                                    <p:cond delay="0"/>
+                                  </p:stCondLst>
+                                  <p:childTnLst>
+                                    <p:set>
+                                      <p:cBhvr>
+                                        <p:cTn id="42" dur="1" fill="hold">
                                           <p:stCondLst>
                                             <p:cond delay="0"/>
                                           </p:stCondLst>
@@ -7930,7 +14294,7 @@
                                     </p:set>
                                     <p:animEffect transition="in" filter="dissolve">
                                       <p:cBhvr>
-                                        <p:cTn id="23" dur="500"/>
+                                        <p:cTn id="43" dur="500"/>
                                         <p:tgtEl>
                                           <p:spTgt spid="19"/>
                                         </p:tgtEl>
@@ -7967,15 +14331,20 @@
       </p:par>
     </p:tnLst>
     <p:bldLst>
+      <p:bldP spid="6" grpId="0"/>
+      <p:bldP spid="7" grpId="0" animBg="1"/>
       <p:bldP spid="10" grpId="0"/>
       <p:bldP spid="11" grpId="0"/>
       <p:bldP spid="19" grpId="0"/>
+      <p:bldP spid="15" grpId="0" animBg="1"/>
+      <p:bldP spid="17" grpId="0" animBg="1"/>
+      <p:bldP spid="18" grpId="0" animBg="1"/>
     </p:bldLst>
   </p:timing>
 </p:sld>
 </file>
 
-<file path=ppt/slides/slide3.xml><?xml version="1.0" encoding="utf-8"?>
+<file path=ppt/slides/slide6.xml><?xml version="1.0" encoding="utf-8"?>
 <p:sld xmlns:a="http://schemas.openxmlformats.org/drawingml/2006/main" xmlns:r="http://schemas.openxmlformats.org/officeDocument/2006/relationships" xmlns:p="http://schemas.openxmlformats.org/presentationml/2006/main">
   <p:cSld>
     <p:spTree>
@@ -9622,7 +15991,7 @@
             </a:solidFill>
             <a:extLst>
               <a:ext uri="{C807C97D-BFC1-408E-A445-0C87EB9F89A2}">
-                <ask:lineSketchStyleProps xmlns:ask="http://schemas.microsoft.com/office/drawing/2018/sketchyshapes" sd="1219033472">
+                <ask:lineSketchStyleProps xmlns:ask="http://schemas.microsoft.com/office/drawing/2018/sketchyshapes" xmlns="" sd="1219033472">
                   <a:prstGeom prst="donut">
                     <a:avLst>
                       <a:gd name="adj" fmla="val 7120"/>
@@ -10810,6 +17179,644 @@
 </p:sld>
 </file>
 
+<file path=ppt/slides/slide7.xml><?xml version="1.0" encoding="utf-8"?>
+<p:sld xmlns:a="http://schemas.openxmlformats.org/drawingml/2006/main" xmlns:r="http://schemas.openxmlformats.org/officeDocument/2006/relationships" xmlns:p="http://schemas.openxmlformats.org/presentationml/2006/main">
+  <p:cSld>
+    <p:spTree>
+      <p:nvGrpSpPr>
+        <p:cNvPr id="1" name=""/>
+        <p:cNvGrpSpPr/>
+        <p:nvPr/>
+      </p:nvGrpSpPr>
+      <p:grpSpPr>
+        <a:xfrm>
+          <a:off x="0" y="0"/>
+          <a:ext cx="0" cy="0"/>
+          <a:chOff x="0" y="0"/>
+          <a:chExt cx="0" cy="0"/>
+        </a:xfrm>
+      </p:grpSpPr>
+      <p:sp>
+        <p:nvSpPr>
+          <p:cNvPr id="4" name="Title 3">
+            <a:extLst>
+              <a:ext uri="{FF2B5EF4-FFF2-40B4-BE49-F238E27FC236}">
+                <a16:creationId xmlns:a16="http://schemas.microsoft.com/office/drawing/2014/main" id="{F016D7DE-DA0D-D54E-881A-8D82FC15EEDE}"/>
+              </a:ext>
+            </a:extLst>
+          </p:cNvPr>
+          <p:cNvSpPr>
+            <a:spLocks noGrp="1"/>
+          </p:cNvSpPr>
+          <p:nvPr>
+            <p:ph type="title"/>
+          </p:nvPr>
+        </p:nvSpPr>
+        <p:spPr>
+          <a:xfrm>
+            <a:off x="628075" y="448059"/>
+            <a:ext cx="12561453" cy="1015663"/>
+          </a:xfrm>
+        </p:spPr>
+        <p:txBody>
+          <a:bodyPr/>
+          <a:lstStyle/>
+          <a:p>
+            <a:r>
+              <a:rPr lang="en-US" dirty="0"/>
+              <a:t>Recursion – Group Practice</a:t>
+            </a:r>
+          </a:p>
+        </p:txBody>
+      </p:sp>
+      <p:sp>
+        <p:nvSpPr>
+          <p:cNvPr id="6" name="Text Placeholder 4">
+            <a:extLst>
+              <a:ext uri="{FF2B5EF4-FFF2-40B4-BE49-F238E27FC236}">
+                <a16:creationId xmlns:a16="http://schemas.microsoft.com/office/drawing/2014/main" id="{B60D51D7-E415-B840-A77B-B31975D4BB6B}"/>
+              </a:ext>
+            </a:extLst>
+          </p:cNvPr>
+          <p:cNvSpPr txBox="1">
+            <a:spLocks/>
+          </p:cNvSpPr>
+          <p:nvPr/>
+        </p:nvSpPr>
+        <p:spPr>
+          <a:xfrm>
+            <a:off x="628075" y="4558301"/>
+            <a:ext cx="5632876" cy="1230080"/>
+          </a:xfrm>
+          <a:prstGeom prst="rect">
+            <a:avLst/>
+          </a:prstGeom>
+        </p:spPr>
+        <p:txBody>
+          <a:bodyPr vert="horz" lIns="91440" tIns="91440" rIns="91440" bIns="91440" rtlCol="0">
+            <a:spAutoFit/>
+          </a:bodyPr>
+          <a:lstStyle>
+            <a:lvl1pPr marL="524712" indent="-524712" algn="l" defTabSz="699614" rtl="0" eaLnBrk="1" latinLnBrk="0" hangingPunct="1">
+              <a:lnSpc>
+                <a:spcPct val="120000"/>
+              </a:lnSpc>
+              <a:spcBef>
+                <a:spcPts val="600"/>
+              </a:spcBef>
+              <a:spcAft>
+                <a:spcPts val="600"/>
+              </a:spcAft>
+              <a:buFont typeface="Arial"/>
+              <a:buChar char="•"/>
+              <a:defRPr sz="1800" b="0" i="0" kern="1200">
+                <a:solidFill>
+                  <a:srgbClr val="092529"/>
+                </a:solidFill>
+                <a:latin typeface="Proxima Nova" charset="0"/>
+                <a:ea typeface="Proxima Nova" charset="0"/>
+                <a:cs typeface="Proxima Nova" charset="0"/>
+              </a:defRPr>
+            </a:lvl1pPr>
+            <a:lvl2pPr marL="1136875" indent="-437261" algn="l" defTabSz="699614" rtl="0" eaLnBrk="1" latinLnBrk="0" hangingPunct="1">
+              <a:lnSpc>
+                <a:spcPct val="120000"/>
+              </a:lnSpc>
+              <a:spcBef>
+                <a:spcPts val="0"/>
+              </a:spcBef>
+              <a:spcAft>
+                <a:spcPts val="600"/>
+              </a:spcAft>
+              <a:buFont typeface="Arial"/>
+              <a:buChar char="–"/>
+              <a:defRPr sz="1600" b="0" i="0" kern="1200">
+                <a:solidFill>
+                  <a:srgbClr val="092529"/>
+                </a:solidFill>
+                <a:latin typeface="Proxima Nova" charset="0"/>
+                <a:ea typeface="Proxima Nova" charset="0"/>
+                <a:cs typeface="Proxima Nova" charset="0"/>
+              </a:defRPr>
+            </a:lvl2pPr>
+            <a:lvl3pPr marL="1749040" indent="-349807" algn="l" defTabSz="699614" rtl="0" eaLnBrk="1" latinLnBrk="0" hangingPunct="1">
+              <a:lnSpc>
+                <a:spcPct val="120000"/>
+              </a:lnSpc>
+              <a:spcBef>
+                <a:spcPts val="0"/>
+              </a:spcBef>
+              <a:spcAft>
+                <a:spcPts val="600"/>
+              </a:spcAft>
+              <a:buFont typeface="Arial"/>
+              <a:buChar char="•"/>
+              <a:defRPr sz="1600" b="0" i="0" kern="1200">
+                <a:solidFill>
+                  <a:srgbClr val="092529"/>
+                </a:solidFill>
+                <a:latin typeface="Proxima Nova" charset="0"/>
+                <a:ea typeface="Proxima Nova" charset="0"/>
+                <a:cs typeface="Proxima Nova" charset="0"/>
+              </a:defRPr>
+            </a:lvl3pPr>
+            <a:lvl4pPr marL="2448655" indent="-349807" algn="l" defTabSz="699614" rtl="0" eaLnBrk="1" latinLnBrk="0" hangingPunct="1">
+              <a:lnSpc>
+                <a:spcPct val="120000"/>
+              </a:lnSpc>
+              <a:spcBef>
+                <a:spcPts val="0"/>
+              </a:spcBef>
+              <a:spcAft>
+                <a:spcPts val="600"/>
+              </a:spcAft>
+              <a:buFont typeface="Arial"/>
+              <a:buChar char="–"/>
+              <a:defRPr sz="1600" b="0" i="0" kern="1200">
+                <a:solidFill>
+                  <a:srgbClr val="092529"/>
+                </a:solidFill>
+                <a:latin typeface="Proxima Nova" charset="0"/>
+                <a:ea typeface="Proxima Nova" charset="0"/>
+                <a:cs typeface="Proxima Nova" charset="0"/>
+              </a:defRPr>
+            </a:lvl4pPr>
+            <a:lvl5pPr marL="3148272" indent="-349807" algn="l" defTabSz="699614" rtl="0" eaLnBrk="1" latinLnBrk="0" hangingPunct="1">
+              <a:spcBef>
+                <a:spcPct val="20000"/>
+              </a:spcBef>
+              <a:buFont typeface="Arial"/>
+              <a:buChar char="»"/>
+              <a:defRPr sz="1648" b="0" kern="1200">
+                <a:solidFill>
+                  <a:srgbClr val="092529"/>
+                </a:solidFill>
+                <a:latin typeface="Franklin Gothic Book" charset="0"/>
+                <a:ea typeface="Franklin Gothic Book" charset="0"/>
+                <a:cs typeface="Franklin Gothic Book" charset="0"/>
+              </a:defRPr>
+            </a:lvl5pPr>
+            <a:lvl6pPr marL="3847888" indent="-349807" algn="l" defTabSz="699614" rtl="0" eaLnBrk="1" latinLnBrk="0" hangingPunct="1">
+              <a:spcBef>
+                <a:spcPct val="20000"/>
+              </a:spcBef>
+              <a:buFont typeface="Arial"/>
+              <a:buChar char="•"/>
+              <a:defRPr sz="3022" kern="1200">
+                <a:solidFill>
+                  <a:schemeClr val="tx1"/>
+                </a:solidFill>
+                <a:latin typeface="+mn-lt"/>
+                <a:ea typeface="+mn-ea"/>
+                <a:cs typeface="+mn-cs"/>
+              </a:defRPr>
+            </a:lvl6pPr>
+            <a:lvl7pPr marL="4547505" indent="-349807" algn="l" defTabSz="699614" rtl="0" eaLnBrk="1" latinLnBrk="0" hangingPunct="1">
+              <a:spcBef>
+                <a:spcPct val="20000"/>
+              </a:spcBef>
+              <a:buFont typeface="Arial"/>
+              <a:buChar char="•"/>
+              <a:defRPr sz="3022" kern="1200">
+                <a:solidFill>
+                  <a:schemeClr val="tx1"/>
+                </a:solidFill>
+                <a:latin typeface="+mn-lt"/>
+                <a:ea typeface="+mn-ea"/>
+                <a:cs typeface="+mn-cs"/>
+              </a:defRPr>
+            </a:lvl7pPr>
+            <a:lvl8pPr marL="5247119" indent="-349807" algn="l" defTabSz="699614" rtl="0" eaLnBrk="1" latinLnBrk="0" hangingPunct="1">
+              <a:spcBef>
+                <a:spcPct val="20000"/>
+              </a:spcBef>
+              <a:buFont typeface="Arial"/>
+              <a:buChar char="•"/>
+              <a:defRPr sz="3022" kern="1200">
+                <a:solidFill>
+                  <a:schemeClr val="tx1"/>
+                </a:solidFill>
+                <a:latin typeface="+mn-lt"/>
+                <a:ea typeface="+mn-ea"/>
+                <a:cs typeface="+mn-cs"/>
+              </a:defRPr>
+            </a:lvl8pPr>
+            <a:lvl9pPr marL="5946736" indent="-349807" algn="l" defTabSz="699614" rtl="0" eaLnBrk="1" latinLnBrk="0" hangingPunct="1">
+              <a:spcBef>
+                <a:spcPct val="20000"/>
+              </a:spcBef>
+              <a:buFont typeface="Arial"/>
+              <a:buChar char="•"/>
+              <a:defRPr sz="3022" kern="1200">
+                <a:solidFill>
+                  <a:schemeClr val="tx1"/>
+                </a:solidFill>
+                <a:latin typeface="+mn-lt"/>
+                <a:ea typeface="+mn-ea"/>
+                <a:cs typeface="+mn-cs"/>
+              </a:defRPr>
+            </a:lvl9pPr>
+          </a:lstStyle>
+          <a:p>
+            <a:r>
+              <a:rPr lang="en-US" dirty="0"/>
+              <a:t>How to write a recursive version of it?</a:t>
+            </a:r>
+          </a:p>
+          <a:p>
+            <a:pPr lvl="1">
+              <a:buFont typeface="+mj-lt"/>
+              <a:buAutoNum type="arabicPeriod"/>
+            </a:pPr>
+            <a:r>
+              <a:rPr lang="en-US" dirty="0"/>
+              <a:t>Write a base case</a:t>
+            </a:r>
+          </a:p>
+          <a:p>
+            <a:pPr lvl="1">
+              <a:buFont typeface="+mj-lt"/>
+              <a:buAutoNum type="arabicPeriod"/>
+            </a:pPr>
+            <a:r>
+              <a:rPr lang="en-US" dirty="0"/>
+              <a:t>Write method that calls itself</a:t>
+            </a:r>
+          </a:p>
+        </p:txBody>
+      </p:sp>
+      <p:sp>
+        <p:nvSpPr>
+          <p:cNvPr id="14" name="Text Placeholder 4">
+            <a:extLst>
+              <a:ext uri="{FF2B5EF4-FFF2-40B4-BE49-F238E27FC236}">
+                <a16:creationId xmlns:a16="http://schemas.microsoft.com/office/drawing/2014/main" id="{820AECDB-2759-4DA9-BED0-3AE2216596F6}"/>
+              </a:ext>
+            </a:extLst>
+          </p:cNvPr>
+          <p:cNvSpPr txBox="1">
+            <a:spLocks/>
+          </p:cNvSpPr>
+          <p:nvPr/>
+        </p:nvSpPr>
+        <p:spPr>
+          <a:xfrm>
+            <a:off x="579665" y="1812447"/>
+            <a:ext cx="10573887" cy="481414"/>
+          </a:xfrm>
+          <a:prstGeom prst="rect">
+            <a:avLst/>
+          </a:prstGeom>
+        </p:spPr>
+        <p:txBody>
+          <a:bodyPr vert="horz" wrap="square" lIns="91440" tIns="91440" rIns="91440" bIns="91440" rtlCol="0">
+            <a:spAutoFit/>
+          </a:bodyPr>
+          <a:lstStyle>
+            <a:lvl1pPr marL="524712" indent="-524712" algn="l" defTabSz="699614" rtl="0" eaLnBrk="1" latinLnBrk="0" hangingPunct="1">
+              <a:lnSpc>
+                <a:spcPct val="120000"/>
+              </a:lnSpc>
+              <a:spcBef>
+                <a:spcPts val="600"/>
+              </a:spcBef>
+              <a:spcAft>
+                <a:spcPts val="600"/>
+              </a:spcAft>
+              <a:buFont typeface="Arial"/>
+              <a:buChar char="•"/>
+              <a:defRPr sz="1800" b="0" i="0" kern="1200">
+                <a:solidFill>
+                  <a:srgbClr val="092529"/>
+                </a:solidFill>
+                <a:latin typeface="Proxima Nova" charset="0"/>
+                <a:ea typeface="Proxima Nova" charset="0"/>
+                <a:cs typeface="Proxima Nova" charset="0"/>
+              </a:defRPr>
+            </a:lvl1pPr>
+            <a:lvl2pPr marL="1136875" indent="-437261" algn="l" defTabSz="699614" rtl="0" eaLnBrk="1" latinLnBrk="0" hangingPunct="1">
+              <a:lnSpc>
+                <a:spcPct val="120000"/>
+              </a:lnSpc>
+              <a:spcBef>
+                <a:spcPts val="0"/>
+              </a:spcBef>
+              <a:spcAft>
+                <a:spcPts val="600"/>
+              </a:spcAft>
+              <a:buFont typeface="Arial"/>
+              <a:buChar char="–"/>
+              <a:defRPr sz="1600" b="0" i="0" kern="1200">
+                <a:solidFill>
+                  <a:srgbClr val="092529"/>
+                </a:solidFill>
+                <a:latin typeface="Proxima Nova" charset="0"/>
+                <a:ea typeface="Proxima Nova" charset="0"/>
+                <a:cs typeface="Proxima Nova" charset="0"/>
+              </a:defRPr>
+            </a:lvl2pPr>
+            <a:lvl3pPr marL="1749040" indent="-349807" algn="l" defTabSz="699614" rtl="0" eaLnBrk="1" latinLnBrk="0" hangingPunct="1">
+              <a:lnSpc>
+                <a:spcPct val="120000"/>
+              </a:lnSpc>
+              <a:spcBef>
+                <a:spcPts val="0"/>
+              </a:spcBef>
+              <a:spcAft>
+                <a:spcPts val="600"/>
+              </a:spcAft>
+              <a:buFont typeface="Arial"/>
+              <a:buChar char="•"/>
+              <a:defRPr sz="1600" b="0" i="0" kern="1200">
+                <a:solidFill>
+                  <a:srgbClr val="092529"/>
+                </a:solidFill>
+                <a:latin typeface="Proxima Nova" charset="0"/>
+                <a:ea typeface="Proxima Nova" charset="0"/>
+                <a:cs typeface="Proxima Nova" charset="0"/>
+              </a:defRPr>
+            </a:lvl3pPr>
+            <a:lvl4pPr marL="2448655" indent="-349807" algn="l" defTabSz="699614" rtl="0" eaLnBrk="1" latinLnBrk="0" hangingPunct="1">
+              <a:lnSpc>
+                <a:spcPct val="120000"/>
+              </a:lnSpc>
+              <a:spcBef>
+                <a:spcPts val="0"/>
+              </a:spcBef>
+              <a:spcAft>
+                <a:spcPts val="600"/>
+              </a:spcAft>
+              <a:buFont typeface="Arial"/>
+              <a:buChar char="–"/>
+              <a:defRPr sz="1600" b="0" i="0" kern="1200">
+                <a:solidFill>
+                  <a:srgbClr val="092529"/>
+                </a:solidFill>
+                <a:latin typeface="Proxima Nova" charset="0"/>
+                <a:ea typeface="Proxima Nova" charset="0"/>
+                <a:cs typeface="Proxima Nova" charset="0"/>
+              </a:defRPr>
+            </a:lvl4pPr>
+            <a:lvl5pPr marL="3148272" indent="-349807" algn="l" defTabSz="699614" rtl="0" eaLnBrk="1" latinLnBrk="0" hangingPunct="1">
+              <a:spcBef>
+                <a:spcPct val="20000"/>
+              </a:spcBef>
+              <a:buFont typeface="Arial"/>
+              <a:buChar char="»"/>
+              <a:defRPr sz="1648" b="0" kern="1200">
+                <a:solidFill>
+                  <a:srgbClr val="092529"/>
+                </a:solidFill>
+                <a:latin typeface="Franklin Gothic Book" charset="0"/>
+                <a:ea typeface="Franklin Gothic Book" charset="0"/>
+                <a:cs typeface="Franklin Gothic Book" charset="0"/>
+              </a:defRPr>
+            </a:lvl5pPr>
+            <a:lvl6pPr marL="3847888" indent="-349807" algn="l" defTabSz="699614" rtl="0" eaLnBrk="1" latinLnBrk="0" hangingPunct="1">
+              <a:spcBef>
+                <a:spcPct val="20000"/>
+              </a:spcBef>
+              <a:buFont typeface="Arial"/>
+              <a:buChar char="•"/>
+              <a:defRPr sz="3022" kern="1200">
+                <a:solidFill>
+                  <a:schemeClr val="tx1"/>
+                </a:solidFill>
+                <a:latin typeface="+mn-lt"/>
+                <a:ea typeface="+mn-ea"/>
+                <a:cs typeface="+mn-cs"/>
+              </a:defRPr>
+            </a:lvl6pPr>
+            <a:lvl7pPr marL="4547505" indent="-349807" algn="l" defTabSz="699614" rtl="0" eaLnBrk="1" latinLnBrk="0" hangingPunct="1">
+              <a:spcBef>
+                <a:spcPct val="20000"/>
+              </a:spcBef>
+              <a:buFont typeface="Arial"/>
+              <a:buChar char="•"/>
+              <a:defRPr sz="3022" kern="1200">
+                <a:solidFill>
+                  <a:schemeClr val="tx1"/>
+                </a:solidFill>
+                <a:latin typeface="+mn-lt"/>
+                <a:ea typeface="+mn-ea"/>
+                <a:cs typeface="+mn-cs"/>
+              </a:defRPr>
+            </a:lvl7pPr>
+            <a:lvl8pPr marL="5247119" indent="-349807" algn="l" defTabSz="699614" rtl="0" eaLnBrk="1" latinLnBrk="0" hangingPunct="1">
+              <a:spcBef>
+                <a:spcPct val="20000"/>
+              </a:spcBef>
+              <a:buFont typeface="Arial"/>
+              <a:buChar char="•"/>
+              <a:defRPr sz="3022" kern="1200">
+                <a:solidFill>
+                  <a:schemeClr val="tx1"/>
+                </a:solidFill>
+                <a:latin typeface="+mn-lt"/>
+                <a:ea typeface="+mn-ea"/>
+                <a:cs typeface="+mn-cs"/>
+              </a:defRPr>
+            </a:lvl8pPr>
+            <a:lvl9pPr marL="5946736" indent="-349807" algn="l" defTabSz="699614" rtl="0" eaLnBrk="1" latinLnBrk="0" hangingPunct="1">
+              <a:spcBef>
+                <a:spcPct val="20000"/>
+              </a:spcBef>
+              <a:buFont typeface="Arial"/>
+              <a:buChar char="•"/>
+              <a:defRPr sz="3022" kern="1200">
+                <a:solidFill>
+                  <a:schemeClr val="tx1"/>
+                </a:solidFill>
+                <a:latin typeface="+mn-lt"/>
+                <a:ea typeface="+mn-ea"/>
+                <a:cs typeface="+mn-cs"/>
+              </a:defRPr>
+            </a:lvl9pPr>
+          </a:lstStyle>
+          <a:p>
+            <a:r>
+              <a:rPr lang="en-US" dirty="0"/>
+              <a:t>Consider the method presented below:</a:t>
+            </a:r>
+          </a:p>
+        </p:txBody>
+      </p:sp>
+      <p:sp>
+        <p:nvSpPr>
+          <p:cNvPr id="15" name="TextBox 14">
+            <a:extLst>
+              <a:ext uri="{FF2B5EF4-FFF2-40B4-BE49-F238E27FC236}">
+                <a16:creationId xmlns:a16="http://schemas.microsoft.com/office/drawing/2014/main" id="{22E6A680-F032-4B55-BB13-AFAD0DC8C1E4}"/>
+              </a:ext>
+            </a:extLst>
+          </p:cNvPr>
+          <p:cNvSpPr txBox="1"/>
+          <p:nvPr/>
+        </p:nvSpPr>
+        <p:spPr>
+          <a:xfrm>
+            <a:off x="1280941" y="2526430"/>
+            <a:ext cx="3522824" cy="1569660"/>
+          </a:xfrm>
+          <a:prstGeom prst="rect">
+            <a:avLst/>
+          </a:prstGeom>
+          <a:solidFill>
+            <a:srgbClr val="DAD490"/>
+          </a:solidFill>
+        </p:spPr>
+        <p:txBody>
+          <a:bodyPr wrap="none" rtlCol="0">
+            <a:spAutoFit/>
+          </a:bodyPr>
+          <a:lstStyle/>
+          <a:p>
+            <a:r>
+              <a:rPr lang="en-US" sz="1600" dirty="0">
+                <a:latin typeface="Proxima Nova"/>
+              </a:rPr>
+              <a:t>public static </a:t>
+            </a:r>
+            <a:r>
+              <a:rPr lang="en-US" sz="1600">
+                <a:latin typeface="Proxima Nova"/>
+              </a:rPr>
+              <a:t>int sum </a:t>
+            </a:r>
+            <a:r>
+              <a:rPr lang="en-US" sz="1600" dirty="0">
+                <a:latin typeface="Proxima Nova"/>
+              </a:rPr>
+              <a:t>(int [] array){</a:t>
+            </a:r>
+          </a:p>
+          <a:p>
+            <a:r>
+              <a:rPr lang="en-US" sz="1600" dirty="0">
+                <a:latin typeface="Proxima Nova"/>
+              </a:rPr>
+              <a:t>   int s = 0;</a:t>
+            </a:r>
+          </a:p>
+          <a:p>
+            <a:r>
+              <a:rPr lang="en-US" sz="1600" dirty="0">
+                <a:latin typeface="Proxima Nova"/>
+              </a:rPr>
+              <a:t>   for(int </a:t>
+            </a:r>
+            <a:r>
+              <a:rPr lang="en-US" sz="1600" dirty="0" err="1">
+                <a:latin typeface="Proxima Nova"/>
+              </a:rPr>
+              <a:t>i</a:t>
+            </a:r>
+            <a:r>
+              <a:rPr lang="en-US" sz="1600" dirty="0">
+                <a:latin typeface="Proxima Nova"/>
+              </a:rPr>
+              <a:t> = 0; </a:t>
+            </a:r>
+            <a:r>
+              <a:rPr lang="en-US" sz="1600" dirty="0" err="1">
+                <a:latin typeface="Proxima Nova"/>
+              </a:rPr>
+              <a:t>i</a:t>
+            </a:r>
+            <a:r>
+              <a:rPr lang="en-US" sz="1600" dirty="0">
+                <a:latin typeface="Proxima Nova"/>
+              </a:rPr>
+              <a:t> &lt; </a:t>
+            </a:r>
+            <a:r>
+              <a:rPr lang="en-US" sz="1600" dirty="0" err="1">
+                <a:latin typeface="Proxima Nova"/>
+              </a:rPr>
+              <a:t>array.length</a:t>
+            </a:r>
+            <a:r>
+              <a:rPr lang="en-US" sz="1600" dirty="0">
+                <a:latin typeface="Proxima Nova"/>
+              </a:rPr>
+              <a:t>; </a:t>
+            </a:r>
+            <a:r>
+              <a:rPr lang="en-US" sz="1600" dirty="0" err="1">
+                <a:latin typeface="Proxima Nova"/>
+              </a:rPr>
+              <a:t>i</a:t>
+            </a:r>
+            <a:r>
+              <a:rPr lang="en-US" sz="1600" dirty="0">
+                <a:latin typeface="Proxima Nova"/>
+              </a:rPr>
+              <a:t>++)</a:t>
+            </a:r>
+          </a:p>
+          <a:p>
+            <a:r>
+              <a:rPr lang="en-US" sz="1600" dirty="0">
+                <a:latin typeface="Proxima Nova"/>
+              </a:rPr>
+              <a:t>       s += array[</a:t>
+            </a:r>
+            <a:r>
+              <a:rPr lang="en-US" sz="1600" dirty="0" err="1">
+                <a:latin typeface="Proxima Nova"/>
+              </a:rPr>
+              <a:t>i</a:t>
+            </a:r>
+            <a:r>
+              <a:rPr lang="en-US" sz="1600" dirty="0">
+                <a:latin typeface="Proxima Nova"/>
+              </a:rPr>
+              <a:t>];</a:t>
+            </a:r>
+          </a:p>
+          <a:p>
+            <a:r>
+              <a:rPr lang="en-US" sz="1600" dirty="0">
+                <a:latin typeface="Proxima Nova"/>
+              </a:rPr>
+              <a:t>   return s;</a:t>
+            </a:r>
+          </a:p>
+          <a:p>
+            <a:r>
+              <a:rPr lang="en-US" sz="1600" dirty="0">
+                <a:latin typeface="Proxima Nova"/>
+              </a:rPr>
+              <a:t>}</a:t>
+            </a:r>
+          </a:p>
+        </p:txBody>
+      </p:sp>
+    </p:spTree>
+    <p:extLst>
+      <p:ext uri="{BB962C8B-B14F-4D97-AF65-F5344CB8AC3E}">
+        <p14:creationId xmlns:p14="http://schemas.microsoft.com/office/powerpoint/2010/main" val="3962554218"/>
+      </p:ext>
+    </p:extLst>
+  </p:cSld>
+  <p:clrMapOvr>
+    <a:masterClrMapping/>
+  </p:clrMapOvr>
+  <mc:AlternateContent xmlns:mc="http://schemas.openxmlformats.org/markup-compatibility/2006" xmlns:p14="http://schemas.microsoft.com/office/powerpoint/2010/main">
+    <mc:Choice Requires="p14">
+      <p:transition p14:dur="300">
+        <p:fade/>
+      </p:transition>
+    </mc:Choice>
+    <mc:Fallback xmlns="">
+      <p:transition>
+        <p:fade/>
+      </p:transition>
+    </mc:Fallback>
+  </mc:AlternateContent>
+</p:sld>
+</file>
+
 <file path=ppt/theme/theme1.xml><?xml version="1.0" encoding="utf-8"?>
 <a:theme xmlns:a="http://schemas.openxmlformats.org/drawingml/2006/main" name="Office Theme">
   <a:themeElements>

--- a/slides/On-Campus/10_03_IntrotoRecursion.pptx
+++ b/slides/On-Campus/10_03_IntrotoRecursion.pptx
@@ -8093,6 +8093,21 @@
             <a:endParaRPr lang="en-US" dirty="0"/>
           </a:p>
           <a:p>
+            <a:endParaRPr lang="en-US" dirty="0"/>
+          </a:p>
+          <a:p>
+            <a:r>
+              <a:rPr lang="en-US" dirty="0"/>
+              <a:t>SUNDAY help desk – closed (Halloween!)</a:t>
+            </a:r>
+          </a:p>
+          <a:p>
+            <a:endParaRPr lang="en-US" dirty="0"/>
+          </a:p>
+          <a:p>
+            <a:endParaRPr lang="en-US" dirty="0"/>
+          </a:p>
+          <a:p>
             <a:r>
               <a:rPr lang="en-US" dirty="0"/>
               <a:t>Help Session with Andrew</a:t>
@@ -8213,7 +8228,7 @@
           <a:p>
             <a:r>
               <a:rPr lang="en-US" dirty="0"/>
-              <a:t>Can we say that a 2D array is an array of arrays? Explain your thoughts to your classmate sited by your side. </a:t>
+              <a:t>Talk about the different loops, how comfortable are you with nested loops, what about nested three times? What about accessing 2D+ arrays with them?</a:t>
             </a:r>
           </a:p>
         </p:txBody>
@@ -8303,25 +8318,12 @@
         <p:spPr>
           <a:xfrm>
             <a:off x="628076" y="1544303"/>
-            <a:ext cx="4762631" cy="1716432"/>
+            <a:ext cx="4762631" cy="857735"/>
           </a:xfrm>
         </p:spPr>
         <p:txBody>
           <a:bodyPr/>
           <a:lstStyle/>
-          <a:p>
-            <a:r>
-              <a:rPr lang="en-US" dirty="0"/>
-              <a:t>Hint: You have already been doing it!</a:t>
-            </a:r>
-          </a:p>
-          <a:p>
-            <a:pPr lvl="1"/>
-            <a:r>
-              <a:rPr lang="en-US" dirty="0"/>
-              <a:t>menu’s in practical projects</a:t>
-            </a:r>
-          </a:p>
           <a:p>
             <a:r>
               <a:rPr lang="en-US" dirty="0"/>
@@ -8361,7 +8363,7 @@
         </p:nvSpPr>
         <p:spPr>
           <a:xfrm>
-            <a:off x="642316" y="3347962"/>
+            <a:off x="628073" y="2482619"/>
             <a:ext cx="4858325" cy="1230080"/>
           </a:xfrm>
           <a:prstGeom prst="rect">
@@ -9044,7 +9046,7 @@
         </p:nvSpPr>
         <p:spPr>
           <a:xfrm>
-            <a:off x="628074" y="4681318"/>
+            <a:off x="628072" y="4273994"/>
             <a:ext cx="4858325" cy="1153201"/>
           </a:xfrm>
           <a:prstGeom prst="rect">
@@ -9248,7 +9250,7 @@
         </p:nvSpPr>
         <p:spPr>
           <a:xfrm>
-            <a:off x="1400168" y="5739227"/>
+            <a:off x="1400168" y="5584655"/>
             <a:ext cx="3659271" cy="1569660"/>
           </a:xfrm>
           <a:prstGeom prst="rect">
@@ -11286,26 +11288,26 @@
           <a:custGeom>
             <a:avLst/>
             <a:gdLst>
-              <a:gd name="connsiteX0" fmla="*/ 0 w 819735"/>
-              <a:gd name="connsiteY0" fmla="*/ 250291 h 500581"/>
-              <a:gd name="connsiteX1" fmla="*/ 409868 w 819735"/>
-              <a:gd name="connsiteY1" fmla="*/ 0 h 500581"/>
-              <a:gd name="connsiteX2" fmla="*/ 819736 w 819735"/>
-              <a:gd name="connsiteY2" fmla="*/ 250291 h 500581"/>
-              <a:gd name="connsiteX3" fmla="*/ 409868 w 819735"/>
-              <a:gd name="connsiteY3" fmla="*/ 500582 h 500581"/>
-              <a:gd name="connsiteX4" fmla="*/ 0 w 819735"/>
-              <a:gd name="connsiteY4" fmla="*/ 250291 h 500581"/>
-              <a:gd name="connsiteX5" fmla="*/ 35641 w 819735"/>
-              <a:gd name="connsiteY5" fmla="*/ 250291 h 500581"/>
-              <a:gd name="connsiteX6" fmla="*/ 409867 w 819735"/>
-              <a:gd name="connsiteY6" fmla="*/ 464940 h 500581"/>
-              <a:gd name="connsiteX7" fmla="*/ 784093 w 819735"/>
-              <a:gd name="connsiteY7" fmla="*/ 250291 h 500581"/>
-              <a:gd name="connsiteX8" fmla="*/ 409867 w 819735"/>
-              <a:gd name="connsiteY8" fmla="*/ 35642 h 500581"/>
-              <a:gd name="connsiteX9" fmla="*/ 35641 w 819735"/>
-              <a:gd name="connsiteY9" fmla="*/ 250291 h 500581"/>
+              <a:gd name="connsiteX0" fmla="*/ 0 w 1410424"/>
+              <a:gd name="connsiteY0" fmla="*/ 245216 h 490432"/>
+              <a:gd name="connsiteX1" fmla="*/ 705212 w 1410424"/>
+              <a:gd name="connsiteY1" fmla="*/ 0 h 490432"/>
+              <a:gd name="connsiteX2" fmla="*/ 1410424 w 1410424"/>
+              <a:gd name="connsiteY2" fmla="*/ 245216 h 490432"/>
+              <a:gd name="connsiteX3" fmla="*/ 705212 w 1410424"/>
+              <a:gd name="connsiteY3" fmla="*/ 490432 h 490432"/>
+              <a:gd name="connsiteX4" fmla="*/ 0 w 1410424"/>
+              <a:gd name="connsiteY4" fmla="*/ 245216 h 490432"/>
+              <a:gd name="connsiteX5" fmla="*/ 34919 w 1410424"/>
+              <a:gd name="connsiteY5" fmla="*/ 245216 h 490432"/>
+              <a:gd name="connsiteX6" fmla="*/ 705212 w 1410424"/>
+              <a:gd name="connsiteY6" fmla="*/ 455513 h 490432"/>
+              <a:gd name="connsiteX7" fmla="*/ 1375505 w 1410424"/>
+              <a:gd name="connsiteY7" fmla="*/ 245216 h 490432"/>
+              <a:gd name="connsiteX8" fmla="*/ 705212 w 1410424"/>
+              <a:gd name="connsiteY8" fmla="*/ 34919 h 490432"/>
+              <a:gd name="connsiteX9" fmla="*/ 34919 w 1410424"/>
+              <a:gd name="connsiteY9" fmla="*/ 245216 h 490432"/>
             </a:gdLst>
             <a:ahLst/>
             <a:cxnLst>
@@ -11342,103 +11344,103 @@
             </a:cxnLst>
             <a:rect l="l" t="t" r="r" b="b"/>
             <a:pathLst>
-              <a:path w="819735" h="500581" fill="none" extrusionOk="0">
+              <a:path w="1410424" h="490432" fill="none" extrusionOk="0">
                 <a:moveTo>
-                  <a:pt x="0" y="250291"/>
+                  <a:pt x="0" y="245216"/>
                 </a:moveTo>
                 <a:cubicBezTo>
-                  <a:pt x="-36954" y="106082"/>
-                  <a:pt x="194361" y="8879"/>
-                  <a:pt x="409868" y="0"/>
+                  <a:pt x="-72540" y="98054"/>
+                  <a:pt x="375274" y="48692"/>
+                  <a:pt x="705212" y="0"/>
                 </a:cubicBezTo>
                 <a:cubicBezTo>
-                  <a:pt x="639082" y="4243"/>
-                  <a:pt x="821036" y="125524"/>
-                  <a:pt x="819736" y="250291"/>
+                  <a:pt x="1107445" y="18988"/>
+                  <a:pt x="1411712" y="123125"/>
+                  <a:pt x="1410424" y="245216"/>
                 </a:cubicBezTo>
                 <a:cubicBezTo>
-                  <a:pt x="847808" y="431764"/>
-                  <a:pt x="657273" y="526355"/>
-                  <a:pt x="409868" y="500582"/>
+                  <a:pt x="1436163" y="420291"/>
+                  <a:pt x="1156225" y="565808"/>
+                  <a:pt x="705212" y="490432"/>
                 </a:cubicBezTo>
                 <a:cubicBezTo>
-                  <a:pt x="199466" y="486607"/>
-                  <a:pt x="4850" y="365710"/>
-                  <a:pt x="0" y="250291"/>
+                  <a:pt x="327376" y="480239"/>
+                  <a:pt x="3682" y="363328"/>
+                  <a:pt x="0" y="245216"/>
                 </a:cubicBezTo>
                 <a:close/>
                 <a:moveTo>
-                  <a:pt x="35641" y="250291"/>
+                  <a:pt x="34919" y="245216"/>
                 </a:moveTo>
                 <a:cubicBezTo>
-                  <a:pt x="-20889" y="378121"/>
-                  <a:pt x="190213" y="455987"/>
-                  <a:pt x="409867" y="464940"/>
+                  <a:pt x="20648" y="363704"/>
+                  <a:pt x="311937" y="439587"/>
+                  <a:pt x="705212" y="455513"/>
                 </a:cubicBezTo>
                 <a:cubicBezTo>
-                  <a:pt x="603953" y="464046"/>
-                  <a:pt x="773183" y="346598"/>
-                  <a:pt x="784093" y="250291"/>
+                  <a:pt x="1045865" y="453416"/>
+                  <a:pt x="1363946" y="337798"/>
+                  <a:pt x="1375505" y="245216"/>
                 </a:cubicBezTo>
                 <a:cubicBezTo>
-                  <a:pt x="786835" y="94651"/>
-                  <a:pt x="579475" y="57288"/>
-                  <a:pt x="409867" y="35642"/>
+                  <a:pt x="1378397" y="89952"/>
+                  <a:pt x="1001038" y="78343"/>
+                  <a:pt x="705212" y="34919"/>
                 </a:cubicBezTo>
                 <a:cubicBezTo>
-                  <a:pt x="197930" y="45044"/>
-                  <a:pt x="63224" y="152240"/>
-                  <a:pt x="35641" y="250291"/>
+                  <a:pt x="325766" y="51463"/>
+                  <a:pt x="59047" y="147001"/>
+                  <a:pt x="34919" y="245216"/>
                 </a:cubicBezTo>
                 <a:close/>
               </a:path>
-              <a:path w="819735" h="500581" stroke="0" extrusionOk="0">
+              <a:path w="1410424" h="490432" stroke="0" extrusionOk="0">
                 <a:moveTo>
-                  <a:pt x="0" y="250291"/>
+                  <a:pt x="0" y="245216"/>
                 </a:moveTo>
                 <a:cubicBezTo>
-                  <a:pt x="-26723" y="95576"/>
-                  <a:pt x="178272" y="1964"/>
-                  <a:pt x="409868" y="0"/>
+                  <a:pt x="-63767" y="70454"/>
+                  <a:pt x="242111" y="27632"/>
+                  <a:pt x="705212" y="0"/>
                 </a:cubicBezTo>
                 <a:cubicBezTo>
-                  <a:pt x="673967" y="7944"/>
-                  <a:pt x="798941" y="112720"/>
-                  <a:pt x="819736" y="250291"/>
+                  <a:pt x="1099589" y="1031"/>
+                  <a:pt x="1401782" y="110062"/>
+                  <a:pt x="1410424" y="245216"/>
                 </a:cubicBezTo>
                 <a:cubicBezTo>
-                  <a:pt x="807020" y="400941"/>
-                  <a:pt x="632106" y="523386"/>
-                  <a:pt x="409868" y="500582"/>
+                  <a:pt x="1404588" y="386344"/>
+                  <a:pt x="1084659" y="545878"/>
+                  <a:pt x="705212" y="490432"/>
                 </a:cubicBezTo>
                 <a:cubicBezTo>
-                  <a:pt x="179262" y="498261"/>
-                  <a:pt x="14155" y="395286"/>
-                  <a:pt x="0" y="250291"/>
+                  <a:pt x="297157" y="480268"/>
+                  <a:pt x="28163" y="394101"/>
+                  <a:pt x="0" y="245216"/>
                 </a:cubicBezTo>
                 <a:close/>
                 <a:moveTo>
-                  <a:pt x="35641" y="250291"/>
+                  <a:pt x="34919" y="245216"/>
                 </a:moveTo>
                 <a:cubicBezTo>
-                  <a:pt x="41284" y="369507"/>
-                  <a:pt x="221514" y="427226"/>
-                  <a:pt x="409867" y="464940"/>
+                  <a:pt x="120865" y="371556"/>
+                  <a:pt x="342970" y="439151"/>
+                  <a:pt x="705212" y="455513"/>
                 </a:cubicBezTo>
                 <a:cubicBezTo>
-                  <a:pt x="604408" y="463081"/>
-                  <a:pt x="762568" y="389103"/>
-                  <a:pt x="784093" y="250291"/>
+                  <a:pt x="1041608" y="450337"/>
+                  <a:pt x="1352905" y="382638"/>
+                  <a:pt x="1375505" y="245216"/>
                 </a:cubicBezTo>
                 <a:cubicBezTo>
-                  <a:pt x="781879" y="110630"/>
-                  <a:pt x="603059" y="54385"/>
-                  <a:pt x="409867" y="35642"/>
+                  <a:pt x="1370100" y="77530"/>
+                  <a:pt x="1025099" y="104831"/>
+                  <a:pt x="705212" y="34919"/>
                 </a:cubicBezTo>
                 <a:cubicBezTo>
-                  <a:pt x="206928" y="37736"/>
-                  <a:pt x="43116" y="133541"/>
-                  <a:pt x="35641" y="250291"/>
+                  <a:pt x="338617" y="36934"/>
+                  <a:pt x="40918" y="130514"/>
+                  <a:pt x="34919" y="245216"/>
                 </a:cubicBezTo>
                 <a:close/>
               </a:path>
@@ -11453,7 +11455,7 @@
             </a:solidFill>
             <a:extLst>
               <a:ext uri="{C807C97D-BFC1-408E-A445-0C87EB9F89A2}">
-                <ask:lineSketchStyleProps xmlns:ask="http://schemas.microsoft.com/office/drawing/2018/sketchyshapes" xmlns="" sd="1219033472">
+                <ask:lineSketchStyleProps xmlns:ask="http://schemas.microsoft.com/office/drawing/2018/sketchyshapes" sd="1219033472">
                   <a:prstGeom prst="donut">
                     <a:avLst>
                       <a:gd name="adj" fmla="val 7120"/>
@@ -15991,7 +15993,7 @@
             </a:solidFill>
             <a:extLst>
               <a:ext uri="{C807C97D-BFC1-408E-A445-0C87EB9F89A2}">
-                <ask:lineSketchStyleProps xmlns:ask="http://schemas.microsoft.com/office/drawing/2018/sketchyshapes" xmlns="" sd="1219033472">
+                <ask:lineSketchStyleProps xmlns:ask="http://schemas.microsoft.com/office/drawing/2018/sketchyshapes" sd="1219033472">
                   <a:prstGeom prst="donut">
                     <a:avLst>
                       <a:gd name="adj" fmla="val 7120"/>

--- a/slides/On-Campus/10_03_IntrotoRecursion.pptx
+++ b/slides/On-Campus/10_03_IntrotoRecursion.pptx
@@ -5,10 +5,10 @@
     <p:sldMasterId id="2147483648" r:id="rId1"/>
   </p:sldMasterIdLst>
   <p:notesMasterIdLst>
-    <p:notesMasterId r:id="rId9"/>
+    <p:notesMasterId r:id="rId11"/>
   </p:notesMasterIdLst>
   <p:handoutMasterIdLst>
-    <p:handoutMasterId r:id="rId10"/>
+    <p:handoutMasterId r:id="rId12"/>
   </p:handoutMasterIdLst>
   <p:sldIdLst>
     <p:sldId id="256" r:id="rId2"/>
@@ -18,6 +18,8 @@
     <p:sldId id="257" r:id="rId6"/>
     <p:sldId id="258" r:id="rId7"/>
     <p:sldId id="268" r:id="rId8"/>
+    <p:sldId id="269" r:id="rId9"/>
+    <p:sldId id="270" r:id="rId10"/>
   </p:sldIdLst>
   <p:sldSz cx="13817600" cy="7772400"/>
   <p:notesSz cx="6858000" cy="9144000"/>
@@ -916,7 +918,7 @@
           <a:p>
             <a:fld id="{4D7E51A5-B478-1E40-8CBB-0DAA8831E99D}" type="datetimeFigureOut">
               <a:rPr lang="en-US" smtClean="0"/>
-              <a:t>10/28/2021</a:t>
+              <a:t>10/29/2021</a:t>
             </a:fld>
             <a:endParaRPr lang="en-US"/>
           </a:p>
@@ -1081,7 +1083,7 @@
           <a:p>
             <a:fld id="{D0ED587F-861E-6740-9643-E3DDAE89B8D6}" type="datetimeFigureOut">
               <a:rPr lang="en-US" smtClean="0"/>
-              <a:t>10/28/2021</a:t>
+              <a:t>10/29/2021</a:t>
             </a:fld>
             <a:endParaRPr lang="en-US"/>
           </a:p>
@@ -17248,7 +17250,7 @@
         <p:spPr>
           <a:xfrm>
             <a:off x="628075" y="4558301"/>
-            <a:ext cx="5632876" cy="1230080"/>
+            <a:ext cx="5632876" cy="2270430"/>
           </a:xfrm>
           <a:prstGeom prst="rect">
             <a:avLst/>
@@ -17443,6 +17445,23 @@
             <a:r>
               <a:rPr lang="en-US" dirty="0"/>
               <a:t>Write method that calls itself</a:t>
+            </a:r>
+          </a:p>
+          <a:p>
+            <a:pPr lvl="1">
+              <a:buFont typeface="+mj-lt"/>
+              <a:buAutoNum type="arabicPeriod"/>
+            </a:pPr>
+            <a:endParaRPr lang="en-US" dirty="0"/>
+          </a:p>
+          <a:p>
+            <a:pPr lvl="1">
+              <a:buFont typeface="+mj-lt"/>
+              <a:buAutoNum type="arabicPeriod"/>
+            </a:pPr>
+            <a:r>
+              <a:rPr lang="en-US" dirty="0"/>
+              <a:t>Tip – you can change the number of parameters</a:t>
             </a:r>
           </a:p>
         </p:txBody>
@@ -17798,6 +17817,3295 @@
     <p:extLst>
       <p:ext uri="{BB962C8B-B14F-4D97-AF65-F5344CB8AC3E}">
         <p14:creationId xmlns:p14="http://schemas.microsoft.com/office/powerpoint/2010/main" val="3962554218"/>
+      </p:ext>
+    </p:extLst>
+  </p:cSld>
+  <p:clrMapOvr>
+    <a:masterClrMapping/>
+  </p:clrMapOvr>
+  <mc:AlternateContent xmlns:mc="http://schemas.openxmlformats.org/markup-compatibility/2006" xmlns:p14="http://schemas.microsoft.com/office/powerpoint/2010/main">
+    <mc:Choice Requires="p14">
+      <p:transition p14:dur="300">
+        <p:fade/>
+      </p:transition>
+    </mc:Choice>
+    <mc:Fallback xmlns="">
+      <p:transition>
+        <p:fade/>
+      </p:transition>
+    </mc:Fallback>
+  </mc:AlternateContent>
+</p:sld>
+</file>
+
+<file path=ppt/slides/slide8.xml><?xml version="1.0" encoding="utf-8"?>
+<p:sld xmlns:a="http://schemas.openxmlformats.org/drawingml/2006/main" xmlns:r="http://schemas.openxmlformats.org/officeDocument/2006/relationships" xmlns:p="http://schemas.openxmlformats.org/presentationml/2006/main">
+  <p:cSld>
+    <p:spTree>
+      <p:nvGrpSpPr>
+        <p:cNvPr id="1" name=""/>
+        <p:cNvGrpSpPr/>
+        <p:nvPr/>
+      </p:nvGrpSpPr>
+      <p:grpSpPr>
+        <a:xfrm>
+          <a:off x="0" y="0"/>
+          <a:ext cx="0" cy="0"/>
+          <a:chOff x="0" y="0"/>
+          <a:chExt cx="0" cy="0"/>
+        </a:xfrm>
+      </p:grpSpPr>
+      <p:sp>
+        <p:nvSpPr>
+          <p:cNvPr id="2" name="Title 1">
+            <a:extLst>
+              <a:ext uri="{FF2B5EF4-FFF2-40B4-BE49-F238E27FC236}">
+                <a16:creationId xmlns:a16="http://schemas.microsoft.com/office/drawing/2014/main" id="{62E602CE-506F-4418-9599-89351243704D}"/>
+              </a:ext>
+            </a:extLst>
+          </p:cNvPr>
+          <p:cNvSpPr>
+            <a:spLocks noGrp="1"/>
+          </p:cNvSpPr>
+          <p:nvPr>
+            <p:ph type="title"/>
+          </p:nvPr>
+        </p:nvSpPr>
+        <p:spPr>
+          <a:xfrm>
+            <a:off x="758704" y="378802"/>
+            <a:ext cx="12561453" cy="861774"/>
+          </a:xfrm>
+        </p:spPr>
+        <p:txBody>
+          <a:bodyPr/>
+          <a:lstStyle/>
+          <a:p>
+            <a:r>
+              <a:rPr lang="en-US" sz="4400" dirty="0"/>
+              <a:t>Real Example and Sneak Peak Into Inheritance</a:t>
+            </a:r>
+          </a:p>
+        </p:txBody>
+      </p:sp>
+      <p:sp>
+        <p:nvSpPr>
+          <p:cNvPr id="3" name="Text Placeholder 2">
+            <a:extLst>
+              <a:ext uri="{FF2B5EF4-FFF2-40B4-BE49-F238E27FC236}">
+                <a16:creationId xmlns:a16="http://schemas.microsoft.com/office/drawing/2014/main" id="{7A48776A-2F26-487D-9E01-233B647C79DE}"/>
+              </a:ext>
+            </a:extLst>
+          </p:cNvPr>
+          <p:cNvSpPr>
+            <a:spLocks noGrp="1"/>
+          </p:cNvSpPr>
+          <p:nvPr>
+            <p:ph type="body" sz="quarter" idx="10"/>
+          </p:nvPr>
+        </p:nvSpPr>
+        <p:spPr>
+          <a:xfrm>
+            <a:off x="700647" y="1499491"/>
+            <a:ext cx="7565239" cy="5405839"/>
+          </a:xfrm>
+        </p:spPr>
+        <p:txBody>
+          <a:bodyPr/>
+          <a:lstStyle/>
+          <a:p>
+            <a:r>
+              <a:rPr lang="en-US" dirty="0"/>
+              <a:t>Assume you have the following data structure</a:t>
+            </a:r>
+          </a:p>
+          <a:p>
+            <a:pPr lvl="1"/>
+            <a:r>
+              <a:rPr lang="en-US" dirty="0"/>
+              <a:t>An array of values, but some values can be other arrays!</a:t>
+            </a:r>
+          </a:p>
+          <a:p>
+            <a:r>
+              <a:rPr lang="en-US" dirty="0"/>
+              <a:t>How do you represent all the different values?</a:t>
+            </a:r>
+          </a:p>
+          <a:p>
+            <a:r>
+              <a:rPr lang="en-US" b="1" dirty="0"/>
+              <a:t>Inheritance (and Polymorphism)</a:t>
+            </a:r>
+          </a:p>
+          <a:p>
+            <a:pPr lvl="1"/>
+            <a:r>
+              <a:rPr lang="en-US" dirty="0"/>
+              <a:t>All Objects “inherit” from the class Object</a:t>
+            </a:r>
+          </a:p>
+          <a:p>
+            <a:pPr lvl="2"/>
+            <a:r>
+              <a:rPr lang="en-US" dirty="0"/>
+              <a:t>Gains properties of Object </a:t>
+            </a:r>
+          </a:p>
+          <a:p>
+            <a:pPr lvl="2"/>
+            <a:r>
+              <a:rPr lang="en-US" dirty="0"/>
+              <a:t>Which means you can store all objects as Objects</a:t>
+            </a:r>
+          </a:p>
+          <a:p>
+            <a:pPr lvl="2"/>
+            <a:r>
+              <a:rPr lang="en-US" dirty="0"/>
+              <a:t>But you need to ‘cast’ back to do something useful</a:t>
+            </a:r>
+          </a:p>
+          <a:p>
+            <a:r>
+              <a:rPr lang="en-US" dirty="0"/>
+              <a:t>Now – the Real Example</a:t>
+            </a:r>
+          </a:p>
+          <a:p>
+            <a:pPr lvl="1"/>
+            <a:r>
+              <a:rPr lang="en-US" dirty="0"/>
+              <a:t>How can I sum all the values across the structure to the right?</a:t>
+            </a:r>
+          </a:p>
+          <a:p>
+            <a:pPr lvl="2"/>
+            <a:r>
+              <a:rPr lang="en-US" dirty="0"/>
+              <a:t>Would a loop work?</a:t>
+            </a:r>
+          </a:p>
+          <a:p>
+            <a:pPr lvl="3"/>
+            <a:r>
+              <a:rPr lang="en-US" dirty="0"/>
+              <a:t>Why or why not?</a:t>
+            </a:r>
+          </a:p>
+          <a:p>
+            <a:r>
+              <a:rPr lang="en-US" dirty="0"/>
+              <a:t>Solution  - Recursion! </a:t>
+            </a:r>
+          </a:p>
+        </p:txBody>
+      </p:sp>
+      <p:grpSp>
+        <p:nvGrpSpPr>
+          <p:cNvPr id="23" name="Group 22">
+            <a:extLst>
+              <a:ext uri="{FF2B5EF4-FFF2-40B4-BE49-F238E27FC236}">
+                <a16:creationId xmlns:a16="http://schemas.microsoft.com/office/drawing/2014/main" id="{67B5F29E-87D8-49A9-8A16-755ADDC94F51}"/>
+              </a:ext>
+            </a:extLst>
+          </p:cNvPr>
+          <p:cNvGrpSpPr/>
+          <p:nvPr/>
+        </p:nvGrpSpPr>
+        <p:grpSpPr>
+          <a:xfrm>
+            <a:off x="8955314" y="1872343"/>
+            <a:ext cx="667658" cy="2713060"/>
+            <a:chOff x="8781143" y="1872343"/>
+            <a:chExt cx="667658" cy="2713060"/>
+          </a:xfrm>
+        </p:grpSpPr>
+        <p:sp>
+          <p:nvSpPr>
+            <p:cNvPr id="4" name="Rectangle 3">
+              <a:extLst>
+                <a:ext uri="{FF2B5EF4-FFF2-40B4-BE49-F238E27FC236}">
+                  <a16:creationId xmlns:a16="http://schemas.microsoft.com/office/drawing/2014/main" id="{380519C1-018C-4072-949F-550DC97B1EDB}"/>
+                </a:ext>
+              </a:extLst>
+            </p:cNvPr>
+            <p:cNvSpPr/>
+            <p:nvPr/>
+          </p:nvSpPr>
+          <p:spPr>
+            <a:xfrm>
+              <a:off x="8781143" y="1872343"/>
+              <a:ext cx="667658" cy="464457"/>
+            </a:xfrm>
+            <a:prstGeom prst="rect">
+              <a:avLst/>
+            </a:prstGeom>
+            <a:solidFill>
+              <a:schemeClr val="bg1"/>
+            </a:solidFill>
+            <a:ln>
+              <a:solidFill>
+                <a:schemeClr val="tx1"/>
+              </a:solidFill>
+            </a:ln>
+            <a:effectLst/>
+          </p:spPr>
+          <p:style>
+            <a:lnRef idx="1">
+              <a:schemeClr val="accent1"/>
+            </a:lnRef>
+            <a:fillRef idx="3">
+              <a:schemeClr val="accent1"/>
+            </a:fillRef>
+            <a:effectRef idx="2">
+              <a:schemeClr val="accent1"/>
+            </a:effectRef>
+            <a:fontRef idx="minor">
+              <a:schemeClr val="lt1"/>
+            </a:fontRef>
+          </p:style>
+          <p:txBody>
+            <a:bodyPr lIns="274320" tIns="182880" rIns="274320" bIns="182880" rtlCol="0" anchor="ctr"/>
+            <a:lstStyle/>
+            <a:p>
+              <a:pPr algn="ctr"/>
+              <a:r>
+                <a:rPr lang="en-US" dirty="0">
+                  <a:solidFill>
+                    <a:schemeClr val="tx1"/>
+                  </a:solidFill>
+                  <a:latin typeface="Proxima Nova" charset="0"/>
+                  <a:ea typeface="Proxima Nova" charset="0"/>
+                  <a:cs typeface="Proxima Nova" charset="0"/>
+                </a:rPr>
+                <a:t>1</a:t>
+              </a:r>
+            </a:p>
+          </p:txBody>
+        </p:sp>
+        <p:sp>
+          <p:nvSpPr>
+            <p:cNvPr id="5" name="Rectangle 4">
+              <a:extLst>
+                <a:ext uri="{FF2B5EF4-FFF2-40B4-BE49-F238E27FC236}">
+                  <a16:creationId xmlns:a16="http://schemas.microsoft.com/office/drawing/2014/main" id="{07C2B6ED-1014-4D01-8693-760A73FC389A}"/>
+                </a:ext>
+              </a:extLst>
+            </p:cNvPr>
+            <p:cNvSpPr/>
+            <p:nvPr/>
+          </p:nvSpPr>
+          <p:spPr>
+            <a:xfrm>
+              <a:off x="8781143" y="2329543"/>
+              <a:ext cx="667658" cy="464457"/>
+            </a:xfrm>
+            <a:prstGeom prst="rect">
+              <a:avLst/>
+            </a:prstGeom>
+            <a:solidFill>
+              <a:schemeClr val="bg1"/>
+            </a:solidFill>
+            <a:ln>
+              <a:solidFill>
+                <a:schemeClr val="tx1"/>
+              </a:solidFill>
+            </a:ln>
+            <a:effectLst/>
+          </p:spPr>
+          <p:style>
+            <a:lnRef idx="1">
+              <a:schemeClr val="accent1"/>
+            </a:lnRef>
+            <a:fillRef idx="3">
+              <a:schemeClr val="accent1"/>
+            </a:fillRef>
+            <a:effectRef idx="2">
+              <a:schemeClr val="accent1"/>
+            </a:effectRef>
+            <a:fontRef idx="minor">
+              <a:schemeClr val="lt1"/>
+            </a:fontRef>
+          </p:style>
+          <p:txBody>
+            <a:bodyPr lIns="274320" tIns="182880" rIns="274320" bIns="182880" rtlCol="0" anchor="ctr"/>
+            <a:lstStyle/>
+            <a:p>
+              <a:pPr algn="ctr"/>
+              <a:r>
+                <a:rPr lang="en-US" dirty="0">
+                  <a:solidFill>
+                    <a:schemeClr val="tx1"/>
+                  </a:solidFill>
+                  <a:latin typeface="Proxima Nova" charset="0"/>
+                  <a:ea typeface="Proxima Nova" charset="0"/>
+                  <a:cs typeface="Proxima Nova" charset="0"/>
+                </a:rPr>
+                <a:t>@</a:t>
+              </a:r>
+            </a:p>
+          </p:txBody>
+        </p:sp>
+        <p:sp>
+          <p:nvSpPr>
+            <p:cNvPr id="6" name="Rectangle 5">
+              <a:extLst>
+                <a:ext uri="{FF2B5EF4-FFF2-40B4-BE49-F238E27FC236}">
+                  <a16:creationId xmlns:a16="http://schemas.microsoft.com/office/drawing/2014/main" id="{348418BD-36A7-40EE-967A-BB0285FA0716}"/>
+                </a:ext>
+              </a:extLst>
+            </p:cNvPr>
+            <p:cNvSpPr/>
+            <p:nvPr/>
+          </p:nvSpPr>
+          <p:spPr>
+            <a:xfrm>
+              <a:off x="8781143" y="2794000"/>
+              <a:ext cx="667658" cy="464457"/>
+            </a:xfrm>
+            <a:prstGeom prst="rect">
+              <a:avLst/>
+            </a:prstGeom>
+            <a:solidFill>
+              <a:schemeClr val="bg1"/>
+            </a:solidFill>
+            <a:ln>
+              <a:solidFill>
+                <a:schemeClr val="tx1"/>
+              </a:solidFill>
+            </a:ln>
+            <a:effectLst/>
+          </p:spPr>
+          <p:style>
+            <a:lnRef idx="1">
+              <a:schemeClr val="accent1"/>
+            </a:lnRef>
+            <a:fillRef idx="3">
+              <a:schemeClr val="accent1"/>
+            </a:fillRef>
+            <a:effectRef idx="2">
+              <a:schemeClr val="accent1"/>
+            </a:effectRef>
+            <a:fontRef idx="minor">
+              <a:schemeClr val="lt1"/>
+            </a:fontRef>
+          </p:style>
+          <p:txBody>
+            <a:bodyPr lIns="274320" tIns="182880" rIns="274320" bIns="182880" rtlCol="0" anchor="ctr"/>
+            <a:lstStyle/>
+            <a:p>
+              <a:pPr algn="ctr"/>
+              <a:r>
+                <a:rPr lang="en-US" dirty="0">
+                  <a:solidFill>
+                    <a:schemeClr val="tx1"/>
+                  </a:solidFill>
+                  <a:latin typeface="Proxima Nova" charset="0"/>
+                  <a:ea typeface="Proxima Nova" charset="0"/>
+                  <a:cs typeface="Proxima Nova" charset="0"/>
+                </a:rPr>
+                <a:t>4</a:t>
+              </a:r>
+            </a:p>
+          </p:txBody>
+        </p:sp>
+        <p:sp>
+          <p:nvSpPr>
+            <p:cNvPr id="7" name="Rectangle 6">
+              <a:extLst>
+                <a:ext uri="{FF2B5EF4-FFF2-40B4-BE49-F238E27FC236}">
+                  <a16:creationId xmlns:a16="http://schemas.microsoft.com/office/drawing/2014/main" id="{0EC04C8D-5930-4F21-9EB4-5B14BCB7B778}"/>
+                </a:ext>
+              </a:extLst>
+            </p:cNvPr>
+            <p:cNvSpPr/>
+            <p:nvPr/>
+          </p:nvSpPr>
+          <p:spPr>
+            <a:xfrm>
+              <a:off x="8781143" y="3258457"/>
+              <a:ext cx="667658" cy="464457"/>
+            </a:xfrm>
+            <a:prstGeom prst="rect">
+              <a:avLst/>
+            </a:prstGeom>
+            <a:solidFill>
+              <a:schemeClr val="bg1"/>
+            </a:solidFill>
+            <a:ln>
+              <a:solidFill>
+                <a:schemeClr val="tx1"/>
+              </a:solidFill>
+            </a:ln>
+            <a:effectLst/>
+          </p:spPr>
+          <p:style>
+            <a:lnRef idx="1">
+              <a:schemeClr val="accent1"/>
+            </a:lnRef>
+            <a:fillRef idx="3">
+              <a:schemeClr val="accent1"/>
+            </a:fillRef>
+            <a:effectRef idx="2">
+              <a:schemeClr val="accent1"/>
+            </a:effectRef>
+            <a:fontRef idx="minor">
+              <a:schemeClr val="lt1"/>
+            </a:fontRef>
+          </p:style>
+          <p:txBody>
+            <a:bodyPr lIns="274320" tIns="182880" rIns="274320" bIns="182880" rtlCol="0" anchor="ctr"/>
+            <a:lstStyle/>
+            <a:p>
+              <a:pPr algn="ctr"/>
+              <a:r>
+                <a:rPr lang="en-US" dirty="0">
+                  <a:solidFill>
+                    <a:schemeClr val="tx1"/>
+                  </a:solidFill>
+                  <a:latin typeface="Proxima Nova" charset="0"/>
+                  <a:ea typeface="Proxima Nova" charset="0"/>
+                  <a:cs typeface="Proxima Nova" charset="0"/>
+                </a:rPr>
+                <a:t>3</a:t>
+              </a:r>
+            </a:p>
+          </p:txBody>
+        </p:sp>
+        <p:sp>
+          <p:nvSpPr>
+            <p:cNvPr id="8" name="Rectangle 7">
+              <a:extLst>
+                <a:ext uri="{FF2B5EF4-FFF2-40B4-BE49-F238E27FC236}">
+                  <a16:creationId xmlns:a16="http://schemas.microsoft.com/office/drawing/2014/main" id="{622EB696-171F-4F22-95B9-010CABD08F55}"/>
+                </a:ext>
+              </a:extLst>
+            </p:cNvPr>
+            <p:cNvSpPr/>
+            <p:nvPr/>
+          </p:nvSpPr>
+          <p:spPr>
+            <a:xfrm>
+              <a:off x="8781143" y="3653971"/>
+              <a:ext cx="667658" cy="464457"/>
+            </a:xfrm>
+            <a:prstGeom prst="rect">
+              <a:avLst/>
+            </a:prstGeom>
+            <a:solidFill>
+              <a:schemeClr val="bg1"/>
+            </a:solidFill>
+            <a:ln>
+              <a:solidFill>
+                <a:schemeClr val="tx1"/>
+              </a:solidFill>
+            </a:ln>
+            <a:effectLst/>
+          </p:spPr>
+          <p:style>
+            <a:lnRef idx="1">
+              <a:schemeClr val="accent1"/>
+            </a:lnRef>
+            <a:fillRef idx="3">
+              <a:schemeClr val="accent1"/>
+            </a:fillRef>
+            <a:effectRef idx="2">
+              <a:schemeClr val="accent1"/>
+            </a:effectRef>
+            <a:fontRef idx="minor">
+              <a:schemeClr val="lt1"/>
+            </a:fontRef>
+          </p:style>
+          <p:txBody>
+            <a:bodyPr lIns="274320" tIns="182880" rIns="274320" bIns="182880" rtlCol="0" anchor="ctr"/>
+            <a:lstStyle/>
+            <a:p>
+              <a:pPr algn="ctr"/>
+              <a:r>
+                <a:rPr lang="en-US" dirty="0">
+                  <a:solidFill>
+                    <a:schemeClr val="tx1"/>
+                  </a:solidFill>
+                  <a:latin typeface="Proxima Nova" charset="0"/>
+                  <a:ea typeface="Proxima Nova" charset="0"/>
+                  <a:cs typeface="Proxima Nova" charset="0"/>
+                </a:rPr>
+                <a:t>@</a:t>
+              </a:r>
+            </a:p>
+          </p:txBody>
+        </p:sp>
+        <p:sp>
+          <p:nvSpPr>
+            <p:cNvPr id="9" name="Rectangle 8">
+              <a:extLst>
+                <a:ext uri="{FF2B5EF4-FFF2-40B4-BE49-F238E27FC236}">
+                  <a16:creationId xmlns:a16="http://schemas.microsoft.com/office/drawing/2014/main" id="{51A4DC22-2A71-4B4C-B83E-4528A7AF6ED8}"/>
+                </a:ext>
+              </a:extLst>
+            </p:cNvPr>
+            <p:cNvSpPr/>
+            <p:nvPr/>
+          </p:nvSpPr>
+          <p:spPr>
+            <a:xfrm>
+              <a:off x="8781143" y="4120946"/>
+              <a:ext cx="667658" cy="464457"/>
+            </a:xfrm>
+            <a:prstGeom prst="rect">
+              <a:avLst/>
+            </a:prstGeom>
+            <a:solidFill>
+              <a:schemeClr val="bg1"/>
+            </a:solidFill>
+            <a:ln>
+              <a:solidFill>
+                <a:schemeClr val="tx1"/>
+              </a:solidFill>
+            </a:ln>
+            <a:effectLst/>
+          </p:spPr>
+          <p:style>
+            <a:lnRef idx="1">
+              <a:schemeClr val="accent1"/>
+            </a:lnRef>
+            <a:fillRef idx="3">
+              <a:schemeClr val="accent1"/>
+            </a:fillRef>
+            <a:effectRef idx="2">
+              <a:schemeClr val="accent1"/>
+            </a:effectRef>
+            <a:fontRef idx="minor">
+              <a:schemeClr val="lt1"/>
+            </a:fontRef>
+          </p:style>
+          <p:txBody>
+            <a:bodyPr lIns="274320" tIns="182880" rIns="274320" bIns="182880" rtlCol="0" anchor="ctr"/>
+            <a:lstStyle/>
+            <a:p>
+              <a:pPr algn="ctr"/>
+              <a:r>
+                <a:rPr lang="en-US" dirty="0">
+                  <a:solidFill>
+                    <a:schemeClr val="tx1"/>
+                  </a:solidFill>
+                  <a:latin typeface="Proxima Nova" charset="0"/>
+                  <a:ea typeface="Proxima Nova" charset="0"/>
+                  <a:cs typeface="Proxima Nova" charset="0"/>
+                </a:rPr>
+                <a:t>1</a:t>
+              </a:r>
+            </a:p>
+          </p:txBody>
+        </p:sp>
+      </p:grpSp>
+      <p:grpSp>
+        <p:nvGrpSpPr>
+          <p:cNvPr id="22" name="Group 21">
+            <a:extLst>
+              <a:ext uri="{FF2B5EF4-FFF2-40B4-BE49-F238E27FC236}">
+                <a16:creationId xmlns:a16="http://schemas.microsoft.com/office/drawing/2014/main" id="{BACA9480-DF01-401E-BA6C-76619C7D2756}"/>
+              </a:ext>
+            </a:extLst>
+          </p:cNvPr>
+          <p:cNvGrpSpPr/>
+          <p:nvPr/>
+        </p:nvGrpSpPr>
+        <p:grpSpPr>
+          <a:xfrm>
+            <a:off x="10704286" y="2710409"/>
+            <a:ext cx="2024744" cy="464457"/>
+            <a:chOff x="10515600" y="2412866"/>
+            <a:chExt cx="2024744" cy="464457"/>
+          </a:xfrm>
+        </p:grpSpPr>
+        <p:sp>
+          <p:nvSpPr>
+            <p:cNvPr id="10" name="Rectangle 9">
+              <a:extLst>
+                <a:ext uri="{FF2B5EF4-FFF2-40B4-BE49-F238E27FC236}">
+                  <a16:creationId xmlns:a16="http://schemas.microsoft.com/office/drawing/2014/main" id="{5AE46A59-851B-4A3F-914E-9C4111518B29}"/>
+                </a:ext>
+              </a:extLst>
+            </p:cNvPr>
+            <p:cNvSpPr/>
+            <p:nvPr/>
+          </p:nvSpPr>
+          <p:spPr>
+            <a:xfrm>
+              <a:off x="10515600" y="2412866"/>
+              <a:ext cx="667658" cy="464457"/>
+            </a:xfrm>
+            <a:prstGeom prst="rect">
+              <a:avLst/>
+            </a:prstGeom>
+            <a:solidFill>
+              <a:schemeClr val="bg1"/>
+            </a:solidFill>
+            <a:ln>
+              <a:solidFill>
+                <a:schemeClr val="tx1"/>
+              </a:solidFill>
+            </a:ln>
+            <a:effectLst/>
+          </p:spPr>
+          <p:style>
+            <a:lnRef idx="1">
+              <a:schemeClr val="accent1"/>
+            </a:lnRef>
+            <a:fillRef idx="3">
+              <a:schemeClr val="accent1"/>
+            </a:fillRef>
+            <a:effectRef idx="2">
+              <a:schemeClr val="accent1"/>
+            </a:effectRef>
+            <a:fontRef idx="minor">
+              <a:schemeClr val="lt1"/>
+            </a:fontRef>
+          </p:style>
+          <p:txBody>
+            <a:bodyPr lIns="274320" tIns="182880" rIns="274320" bIns="182880" rtlCol="0" anchor="ctr"/>
+            <a:lstStyle/>
+            <a:p>
+              <a:pPr algn="ctr"/>
+              <a:r>
+                <a:rPr lang="en-US" dirty="0">
+                  <a:solidFill>
+                    <a:schemeClr val="tx1"/>
+                  </a:solidFill>
+                  <a:latin typeface="Proxima Nova" charset="0"/>
+                  <a:ea typeface="Proxima Nova" charset="0"/>
+                  <a:cs typeface="Proxima Nova" charset="0"/>
+                </a:rPr>
+                <a:t>1</a:t>
+              </a:r>
+            </a:p>
+          </p:txBody>
+        </p:sp>
+        <p:sp>
+          <p:nvSpPr>
+            <p:cNvPr id="11" name="Rectangle 10">
+              <a:extLst>
+                <a:ext uri="{FF2B5EF4-FFF2-40B4-BE49-F238E27FC236}">
+                  <a16:creationId xmlns:a16="http://schemas.microsoft.com/office/drawing/2014/main" id="{2183CB20-4FAF-4B0A-8A1E-CC96BE77929B}"/>
+                </a:ext>
+              </a:extLst>
+            </p:cNvPr>
+            <p:cNvSpPr/>
+            <p:nvPr/>
+          </p:nvSpPr>
+          <p:spPr>
+            <a:xfrm>
+              <a:off x="11183258" y="2412866"/>
+              <a:ext cx="667658" cy="464457"/>
+            </a:xfrm>
+            <a:prstGeom prst="rect">
+              <a:avLst/>
+            </a:prstGeom>
+            <a:solidFill>
+              <a:schemeClr val="bg1"/>
+            </a:solidFill>
+            <a:ln>
+              <a:solidFill>
+                <a:schemeClr val="tx1"/>
+              </a:solidFill>
+            </a:ln>
+            <a:effectLst/>
+          </p:spPr>
+          <p:style>
+            <a:lnRef idx="1">
+              <a:schemeClr val="accent1"/>
+            </a:lnRef>
+            <a:fillRef idx="3">
+              <a:schemeClr val="accent1"/>
+            </a:fillRef>
+            <a:effectRef idx="2">
+              <a:schemeClr val="accent1"/>
+            </a:effectRef>
+            <a:fontRef idx="minor">
+              <a:schemeClr val="lt1"/>
+            </a:fontRef>
+          </p:style>
+          <p:txBody>
+            <a:bodyPr lIns="274320" tIns="182880" rIns="274320" bIns="182880" rtlCol="0" anchor="ctr"/>
+            <a:lstStyle/>
+            <a:p>
+              <a:pPr algn="ctr"/>
+              <a:r>
+                <a:rPr lang="en-US" dirty="0">
+                  <a:solidFill>
+                    <a:schemeClr val="tx1"/>
+                  </a:solidFill>
+                  <a:latin typeface="Proxima Nova" charset="0"/>
+                  <a:ea typeface="Proxima Nova" charset="0"/>
+                  <a:cs typeface="Proxima Nova" charset="0"/>
+                </a:rPr>
+                <a:t>4</a:t>
+              </a:r>
+            </a:p>
+          </p:txBody>
+        </p:sp>
+        <p:sp>
+          <p:nvSpPr>
+            <p:cNvPr id="12" name="Rectangle 11">
+              <a:extLst>
+                <a:ext uri="{FF2B5EF4-FFF2-40B4-BE49-F238E27FC236}">
+                  <a16:creationId xmlns:a16="http://schemas.microsoft.com/office/drawing/2014/main" id="{B8093178-B24D-4B0E-8E47-C6A8E3473642}"/>
+                </a:ext>
+              </a:extLst>
+            </p:cNvPr>
+            <p:cNvSpPr/>
+            <p:nvPr/>
+          </p:nvSpPr>
+          <p:spPr>
+            <a:xfrm>
+              <a:off x="11872686" y="2412866"/>
+              <a:ext cx="667658" cy="464457"/>
+            </a:xfrm>
+            <a:prstGeom prst="rect">
+              <a:avLst/>
+            </a:prstGeom>
+            <a:solidFill>
+              <a:schemeClr val="bg1"/>
+            </a:solidFill>
+            <a:ln>
+              <a:solidFill>
+                <a:schemeClr val="tx1"/>
+              </a:solidFill>
+            </a:ln>
+            <a:effectLst/>
+          </p:spPr>
+          <p:style>
+            <a:lnRef idx="1">
+              <a:schemeClr val="accent1"/>
+            </a:lnRef>
+            <a:fillRef idx="3">
+              <a:schemeClr val="accent1"/>
+            </a:fillRef>
+            <a:effectRef idx="2">
+              <a:schemeClr val="accent1"/>
+            </a:effectRef>
+            <a:fontRef idx="minor">
+              <a:schemeClr val="lt1"/>
+            </a:fontRef>
+          </p:style>
+          <p:txBody>
+            <a:bodyPr lIns="274320" tIns="182880" rIns="274320" bIns="182880" rtlCol="0" anchor="ctr"/>
+            <a:lstStyle/>
+            <a:p>
+              <a:pPr algn="ctr"/>
+              <a:r>
+                <a:rPr lang="en-US" dirty="0">
+                  <a:solidFill>
+                    <a:schemeClr val="tx1"/>
+                  </a:solidFill>
+                  <a:latin typeface="Proxima Nova" charset="0"/>
+                  <a:ea typeface="Proxima Nova" charset="0"/>
+                  <a:cs typeface="Proxima Nova" charset="0"/>
+                </a:rPr>
+                <a:t>4</a:t>
+              </a:r>
+            </a:p>
+          </p:txBody>
+        </p:sp>
+      </p:grpSp>
+      <p:grpSp>
+        <p:nvGrpSpPr>
+          <p:cNvPr id="21" name="Group 20">
+            <a:extLst>
+              <a:ext uri="{FF2B5EF4-FFF2-40B4-BE49-F238E27FC236}">
+                <a16:creationId xmlns:a16="http://schemas.microsoft.com/office/drawing/2014/main" id="{2D0FE084-6376-4A0D-A978-FE948449AAE7}"/>
+              </a:ext>
+            </a:extLst>
+          </p:cNvPr>
+          <p:cNvGrpSpPr/>
+          <p:nvPr/>
+        </p:nvGrpSpPr>
+        <p:grpSpPr>
+          <a:xfrm>
+            <a:off x="10384971" y="3970182"/>
+            <a:ext cx="1335316" cy="464457"/>
+            <a:chOff x="10181771" y="3653971"/>
+            <a:chExt cx="1335316" cy="464457"/>
+          </a:xfrm>
+        </p:grpSpPr>
+        <p:sp>
+          <p:nvSpPr>
+            <p:cNvPr id="14" name="Rectangle 13">
+              <a:extLst>
+                <a:ext uri="{FF2B5EF4-FFF2-40B4-BE49-F238E27FC236}">
+                  <a16:creationId xmlns:a16="http://schemas.microsoft.com/office/drawing/2014/main" id="{32FF1CF3-AA79-463A-BA9E-14A042D68D94}"/>
+                </a:ext>
+              </a:extLst>
+            </p:cNvPr>
+            <p:cNvSpPr/>
+            <p:nvPr/>
+          </p:nvSpPr>
+          <p:spPr>
+            <a:xfrm>
+              <a:off x="10181771" y="3653971"/>
+              <a:ext cx="667658" cy="464457"/>
+            </a:xfrm>
+            <a:prstGeom prst="rect">
+              <a:avLst/>
+            </a:prstGeom>
+            <a:solidFill>
+              <a:schemeClr val="bg1"/>
+            </a:solidFill>
+            <a:ln>
+              <a:solidFill>
+                <a:schemeClr val="tx1"/>
+              </a:solidFill>
+            </a:ln>
+            <a:effectLst/>
+          </p:spPr>
+          <p:style>
+            <a:lnRef idx="1">
+              <a:schemeClr val="accent1"/>
+            </a:lnRef>
+            <a:fillRef idx="3">
+              <a:schemeClr val="accent1"/>
+            </a:fillRef>
+            <a:effectRef idx="2">
+              <a:schemeClr val="accent1"/>
+            </a:effectRef>
+            <a:fontRef idx="minor">
+              <a:schemeClr val="lt1"/>
+            </a:fontRef>
+          </p:style>
+          <p:txBody>
+            <a:bodyPr lIns="274320" tIns="182880" rIns="274320" bIns="182880" rtlCol="0" anchor="ctr"/>
+            <a:lstStyle/>
+            <a:p>
+              <a:pPr algn="ctr"/>
+              <a:r>
+                <a:rPr lang="en-US" dirty="0">
+                  <a:solidFill>
+                    <a:schemeClr val="tx1"/>
+                  </a:solidFill>
+                  <a:latin typeface="Proxima Nova" charset="0"/>
+                  <a:ea typeface="Proxima Nova" charset="0"/>
+                  <a:cs typeface="Proxima Nova" charset="0"/>
+                </a:rPr>
+                <a:t>2</a:t>
+              </a:r>
+            </a:p>
+          </p:txBody>
+        </p:sp>
+        <p:sp>
+          <p:nvSpPr>
+            <p:cNvPr id="15" name="Rectangle 14">
+              <a:extLst>
+                <a:ext uri="{FF2B5EF4-FFF2-40B4-BE49-F238E27FC236}">
+                  <a16:creationId xmlns:a16="http://schemas.microsoft.com/office/drawing/2014/main" id="{8B0AA0FD-B865-4354-8C79-F8BB97EDB5B9}"/>
+                </a:ext>
+              </a:extLst>
+            </p:cNvPr>
+            <p:cNvSpPr/>
+            <p:nvPr/>
+          </p:nvSpPr>
+          <p:spPr>
+            <a:xfrm>
+              <a:off x="10849429" y="3653971"/>
+              <a:ext cx="667658" cy="464457"/>
+            </a:xfrm>
+            <a:prstGeom prst="rect">
+              <a:avLst/>
+            </a:prstGeom>
+            <a:solidFill>
+              <a:schemeClr val="bg1"/>
+            </a:solidFill>
+            <a:ln>
+              <a:solidFill>
+                <a:schemeClr val="tx1"/>
+              </a:solidFill>
+            </a:ln>
+            <a:effectLst/>
+          </p:spPr>
+          <p:style>
+            <a:lnRef idx="1">
+              <a:schemeClr val="accent1"/>
+            </a:lnRef>
+            <a:fillRef idx="3">
+              <a:schemeClr val="accent1"/>
+            </a:fillRef>
+            <a:effectRef idx="2">
+              <a:schemeClr val="accent1"/>
+            </a:effectRef>
+            <a:fontRef idx="minor">
+              <a:schemeClr val="lt1"/>
+            </a:fontRef>
+          </p:style>
+          <p:txBody>
+            <a:bodyPr lIns="274320" tIns="182880" rIns="274320" bIns="182880" rtlCol="0" anchor="ctr"/>
+            <a:lstStyle/>
+            <a:p>
+              <a:pPr algn="ctr"/>
+              <a:r>
+                <a:rPr lang="en-US" dirty="0">
+                  <a:solidFill>
+                    <a:schemeClr val="tx1"/>
+                  </a:solidFill>
+                  <a:latin typeface="Proxima Nova" charset="0"/>
+                  <a:ea typeface="Proxima Nova" charset="0"/>
+                  <a:cs typeface="Proxima Nova" charset="0"/>
+                </a:rPr>
+                <a:t>@</a:t>
+              </a:r>
+            </a:p>
+          </p:txBody>
+        </p:sp>
+      </p:grpSp>
+      <p:cxnSp>
+        <p:nvCxnSpPr>
+          <p:cNvPr id="18" name="Connector: Curved 17">
+            <a:extLst>
+              <a:ext uri="{FF2B5EF4-FFF2-40B4-BE49-F238E27FC236}">
+                <a16:creationId xmlns:a16="http://schemas.microsoft.com/office/drawing/2014/main" id="{28C433B0-8E9A-493C-922B-88F6BFAE9614}"/>
+              </a:ext>
+            </a:extLst>
+          </p:cNvPr>
+          <p:cNvCxnSpPr>
+            <a:stCxn id="5" idx="3"/>
+            <a:endCxn id="10" idx="1"/>
+          </p:cNvCxnSpPr>
+          <p:nvPr/>
+        </p:nvCxnSpPr>
+        <p:spPr>
+          <a:xfrm>
+            <a:off x="9622972" y="2561772"/>
+            <a:ext cx="1081314" cy="380866"/>
+          </a:xfrm>
+          <a:prstGeom prst="curvedConnector3">
+            <a:avLst/>
+          </a:prstGeom>
+          <a:ln>
+            <a:tailEnd type="triangle"/>
+          </a:ln>
+        </p:spPr>
+        <p:style>
+          <a:lnRef idx="2">
+            <a:schemeClr val="accent1"/>
+          </a:lnRef>
+          <a:fillRef idx="0">
+            <a:schemeClr val="accent1"/>
+          </a:fillRef>
+          <a:effectRef idx="1">
+            <a:schemeClr val="accent1"/>
+          </a:effectRef>
+          <a:fontRef idx="minor">
+            <a:schemeClr val="tx1"/>
+          </a:fontRef>
+        </p:style>
+      </p:cxnSp>
+      <p:cxnSp>
+        <p:nvCxnSpPr>
+          <p:cNvPr id="20" name="Connector: Curved 19">
+            <a:extLst>
+              <a:ext uri="{FF2B5EF4-FFF2-40B4-BE49-F238E27FC236}">
+                <a16:creationId xmlns:a16="http://schemas.microsoft.com/office/drawing/2014/main" id="{9BBE85EA-D346-4670-AAE8-B78F526D7C4B}"/>
+              </a:ext>
+            </a:extLst>
+          </p:cNvPr>
+          <p:cNvCxnSpPr>
+            <a:stCxn id="8" idx="3"/>
+            <a:endCxn id="14" idx="1"/>
+          </p:cNvCxnSpPr>
+          <p:nvPr/>
+        </p:nvCxnSpPr>
+        <p:spPr>
+          <a:xfrm>
+            <a:off x="9622972" y="3886200"/>
+            <a:ext cx="761999" cy="316211"/>
+          </a:xfrm>
+          <a:prstGeom prst="curvedConnector3">
+            <a:avLst/>
+          </a:prstGeom>
+          <a:ln>
+            <a:tailEnd type="triangle"/>
+          </a:ln>
+        </p:spPr>
+        <p:style>
+          <a:lnRef idx="2">
+            <a:schemeClr val="accent1"/>
+          </a:lnRef>
+          <a:fillRef idx="0">
+            <a:schemeClr val="accent1"/>
+          </a:fillRef>
+          <a:effectRef idx="1">
+            <a:schemeClr val="accent1"/>
+          </a:effectRef>
+          <a:fontRef idx="minor">
+            <a:schemeClr val="tx1"/>
+          </a:fontRef>
+        </p:style>
+      </p:cxnSp>
+      <p:grpSp>
+        <p:nvGrpSpPr>
+          <p:cNvPr id="24" name="Group 23">
+            <a:extLst>
+              <a:ext uri="{FF2B5EF4-FFF2-40B4-BE49-F238E27FC236}">
+                <a16:creationId xmlns:a16="http://schemas.microsoft.com/office/drawing/2014/main" id="{9DC89338-A058-4DDF-9885-BEA0E8B3BD88}"/>
+              </a:ext>
+            </a:extLst>
+          </p:cNvPr>
+          <p:cNvGrpSpPr/>
+          <p:nvPr/>
+        </p:nvGrpSpPr>
+        <p:grpSpPr>
+          <a:xfrm>
+            <a:off x="11727543" y="4934909"/>
+            <a:ext cx="1335316" cy="464457"/>
+            <a:chOff x="10181771" y="3653971"/>
+            <a:chExt cx="1335316" cy="464457"/>
+          </a:xfrm>
+        </p:grpSpPr>
+        <p:sp>
+          <p:nvSpPr>
+            <p:cNvPr id="25" name="Rectangle 24">
+              <a:extLst>
+                <a:ext uri="{FF2B5EF4-FFF2-40B4-BE49-F238E27FC236}">
+                  <a16:creationId xmlns:a16="http://schemas.microsoft.com/office/drawing/2014/main" id="{9CAE9D0B-036A-4F28-B891-00F106200D45}"/>
+                </a:ext>
+              </a:extLst>
+            </p:cNvPr>
+            <p:cNvSpPr/>
+            <p:nvPr/>
+          </p:nvSpPr>
+          <p:spPr>
+            <a:xfrm>
+              <a:off x="10181771" y="3653971"/>
+              <a:ext cx="667658" cy="464457"/>
+            </a:xfrm>
+            <a:prstGeom prst="rect">
+              <a:avLst/>
+            </a:prstGeom>
+            <a:solidFill>
+              <a:schemeClr val="bg1"/>
+            </a:solidFill>
+            <a:ln>
+              <a:solidFill>
+                <a:schemeClr val="tx1"/>
+              </a:solidFill>
+            </a:ln>
+            <a:effectLst/>
+          </p:spPr>
+          <p:style>
+            <a:lnRef idx="1">
+              <a:schemeClr val="accent1"/>
+            </a:lnRef>
+            <a:fillRef idx="3">
+              <a:schemeClr val="accent1"/>
+            </a:fillRef>
+            <a:effectRef idx="2">
+              <a:schemeClr val="accent1"/>
+            </a:effectRef>
+            <a:fontRef idx="minor">
+              <a:schemeClr val="lt1"/>
+            </a:fontRef>
+          </p:style>
+          <p:txBody>
+            <a:bodyPr lIns="274320" tIns="182880" rIns="274320" bIns="182880" rtlCol="0" anchor="ctr"/>
+            <a:lstStyle/>
+            <a:p>
+              <a:pPr algn="ctr"/>
+              <a:r>
+                <a:rPr lang="en-US" dirty="0">
+                  <a:solidFill>
+                    <a:schemeClr val="tx1"/>
+                  </a:solidFill>
+                  <a:latin typeface="Proxima Nova" charset="0"/>
+                  <a:ea typeface="Proxima Nova" charset="0"/>
+                  <a:cs typeface="Proxima Nova" charset="0"/>
+                </a:rPr>
+                <a:t>4</a:t>
+              </a:r>
+            </a:p>
+          </p:txBody>
+        </p:sp>
+        <p:sp>
+          <p:nvSpPr>
+            <p:cNvPr id="26" name="Rectangle 25">
+              <a:extLst>
+                <a:ext uri="{FF2B5EF4-FFF2-40B4-BE49-F238E27FC236}">
+                  <a16:creationId xmlns:a16="http://schemas.microsoft.com/office/drawing/2014/main" id="{D93A0E59-C5B7-4A27-AB99-035491ED8EE3}"/>
+                </a:ext>
+              </a:extLst>
+            </p:cNvPr>
+            <p:cNvSpPr/>
+            <p:nvPr/>
+          </p:nvSpPr>
+          <p:spPr>
+            <a:xfrm>
+              <a:off x="10849429" y="3653971"/>
+              <a:ext cx="667658" cy="464457"/>
+            </a:xfrm>
+            <a:prstGeom prst="rect">
+              <a:avLst/>
+            </a:prstGeom>
+            <a:solidFill>
+              <a:schemeClr val="bg1"/>
+            </a:solidFill>
+            <a:ln>
+              <a:solidFill>
+                <a:schemeClr val="tx1"/>
+              </a:solidFill>
+            </a:ln>
+            <a:effectLst/>
+          </p:spPr>
+          <p:style>
+            <a:lnRef idx="1">
+              <a:schemeClr val="accent1"/>
+            </a:lnRef>
+            <a:fillRef idx="3">
+              <a:schemeClr val="accent1"/>
+            </a:fillRef>
+            <a:effectRef idx="2">
+              <a:schemeClr val="accent1"/>
+            </a:effectRef>
+            <a:fontRef idx="minor">
+              <a:schemeClr val="lt1"/>
+            </a:fontRef>
+          </p:style>
+          <p:txBody>
+            <a:bodyPr lIns="274320" tIns="182880" rIns="274320" bIns="182880" rtlCol="0" anchor="ctr"/>
+            <a:lstStyle/>
+            <a:p>
+              <a:pPr algn="ctr"/>
+              <a:r>
+                <a:rPr lang="en-US" dirty="0">
+                  <a:solidFill>
+                    <a:schemeClr val="tx1"/>
+                  </a:solidFill>
+                  <a:latin typeface="Proxima Nova" charset="0"/>
+                  <a:ea typeface="Proxima Nova" charset="0"/>
+                  <a:cs typeface="Proxima Nova" charset="0"/>
+                </a:rPr>
+                <a:t>2</a:t>
+              </a:r>
+            </a:p>
+          </p:txBody>
+        </p:sp>
+      </p:grpSp>
+      <p:cxnSp>
+        <p:nvCxnSpPr>
+          <p:cNvPr id="27" name="Connector: Curved 26">
+            <a:extLst>
+              <a:ext uri="{FF2B5EF4-FFF2-40B4-BE49-F238E27FC236}">
+                <a16:creationId xmlns:a16="http://schemas.microsoft.com/office/drawing/2014/main" id="{BCADD73C-3D20-4150-992A-E9A7049CBE2B}"/>
+              </a:ext>
+            </a:extLst>
+          </p:cNvPr>
+          <p:cNvCxnSpPr>
+            <a:cxnSpLocks/>
+            <a:stCxn id="15" idx="2"/>
+            <a:endCxn id="25" idx="1"/>
+          </p:cNvCxnSpPr>
+          <p:nvPr/>
+        </p:nvCxnSpPr>
+        <p:spPr>
+          <a:xfrm rot="16200000" flipH="1">
+            <a:off x="11190751" y="4630345"/>
+            <a:ext cx="732499" cy="341085"/>
+          </a:xfrm>
+          <a:prstGeom prst="curvedConnector2">
+            <a:avLst/>
+          </a:prstGeom>
+          <a:ln>
+            <a:tailEnd type="triangle"/>
+          </a:ln>
+        </p:spPr>
+        <p:style>
+          <a:lnRef idx="2">
+            <a:schemeClr val="accent1"/>
+          </a:lnRef>
+          <a:fillRef idx="0">
+            <a:schemeClr val="accent1"/>
+          </a:fillRef>
+          <a:effectRef idx="1">
+            <a:schemeClr val="accent1"/>
+          </a:effectRef>
+          <a:fontRef idx="minor">
+            <a:schemeClr val="tx1"/>
+          </a:fontRef>
+        </p:style>
+      </p:cxnSp>
+    </p:spTree>
+    <p:extLst>
+      <p:ext uri="{BB962C8B-B14F-4D97-AF65-F5344CB8AC3E}">
+        <p14:creationId xmlns:p14="http://schemas.microsoft.com/office/powerpoint/2010/main" val="1921385023"/>
+      </p:ext>
+    </p:extLst>
+  </p:cSld>
+  <p:clrMapOvr>
+    <a:masterClrMapping/>
+  </p:clrMapOvr>
+  <mc:AlternateContent xmlns:mc="http://schemas.openxmlformats.org/markup-compatibility/2006" xmlns:p14="http://schemas.microsoft.com/office/powerpoint/2010/main">
+    <mc:Choice Requires="p14">
+      <p:transition p14:dur="300">
+        <p:fade/>
+      </p:transition>
+    </mc:Choice>
+    <mc:Fallback xmlns="">
+      <p:transition>
+        <p:fade/>
+      </p:transition>
+    </mc:Fallback>
+  </mc:AlternateContent>
+</p:sld>
+</file>
+
+<file path=ppt/slides/slide9.xml><?xml version="1.0" encoding="utf-8"?>
+<p:sld xmlns:a="http://schemas.openxmlformats.org/drawingml/2006/main" xmlns:r="http://schemas.openxmlformats.org/officeDocument/2006/relationships" xmlns:p="http://schemas.openxmlformats.org/presentationml/2006/main">
+  <p:cSld>
+    <p:spTree>
+      <p:nvGrpSpPr>
+        <p:cNvPr id="1" name=""/>
+        <p:cNvGrpSpPr/>
+        <p:nvPr/>
+      </p:nvGrpSpPr>
+      <p:grpSpPr>
+        <a:xfrm>
+          <a:off x="0" y="0"/>
+          <a:ext cx="0" cy="0"/>
+          <a:chOff x="0" y="0"/>
+          <a:chExt cx="0" cy="0"/>
+        </a:xfrm>
+      </p:grpSpPr>
+      <p:sp>
+        <p:nvSpPr>
+          <p:cNvPr id="2" name="Title 1">
+            <a:extLst>
+              <a:ext uri="{FF2B5EF4-FFF2-40B4-BE49-F238E27FC236}">
+                <a16:creationId xmlns:a16="http://schemas.microsoft.com/office/drawing/2014/main" id="{1F4D2937-771D-4059-81E2-0BE706203D2E}"/>
+              </a:ext>
+            </a:extLst>
+          </p:cNvPr>
+          <p:cNvSpPr>
+            <a:spLocks noGrp="1"/>
+          </p:cNvSpPr>
+          <p:nvPr>
+            <p:ph type="title"/>
+          </p:nvPr>
+        </p:nvSpPr>
+        <p:spPr/>
+        <p:txBody>
+          <a:bodyPr/>
+          <a:lstStyle/>
+          <a:p>
+            <a:r>
+              <a:rPr lang="en-US" dirty="0"/>
+              <a:t>Sneak Peak Solution </a:t>
+            </a:r>
+          </a:p>
+        </p:txBody>
+      </p:sp>
+      <p:sp>
+        <p:nvSpPr>
+          <p:cNvPr id="7" name="TextBox 6">
+            <a:extLst>
+              <a:ext uri="{FF2B5EF4-FFF2-40B4-BE49-F238E27FC236}">
+                <a16:creationId xmlns:a16="http://schemas.microsoft.com/office/drawing/2014/main" id="{1BB35B00-C6AE-467D-B8BF-31C76D741E56}"/>
+              </a:ext>
+            </a:extLst>
+          </p:cNvPr>
+          <p:cNvSpPr txBox="1"/>
+          <p:nvPr/>
+        </p:nvSpPr>
+        <p:spPr>
+          <a:xfrm>
+            <a:off x="275770" y="1432473"/>
+            <a:ext cx="13062857" cy="5632311"/>
+          </a:xfrm>
+          <a:prstGeom prst="rect">
+            <a:avLst/>
+          </a:prstGeom>
+          <a:solidFill>
+            <a:schemeClr val="tx1"/>
+          </a:solidFill>
+        </p:spPr>
+        <p:txBody>
+          <a:bodyPr wrap="square">
+            <a:spAutoFit/>
+          </a:bodyPr>
+          <a:lstStyle/>
+          <a:p>
+            <a:r>
+              <a:rPr lang="en-US" b="0" dirty="0">
+                <a:solidFill>
+                  <a:srgbClr val="569CD6"/>
+                </a:solidFill>
+                <a:effectLst/>
+                <a:latin typeface="Consolas" panose="020B0609020204030204" pitchFamily="49" charset="0"/>
+              </a:rPr>
+              <a:t>public</a:t>
+            </a:r>
+            <a:r>
+              <a:rPr lang="en-US" b="0" dirty="0">
+                <a:solidFill>
+                  <a:srgbClr val="D4D4D4"/>
+                </a:solidFill>
+                <a:effectLst/>
+                <a:latin typeface="Consolas" panose="020B0609020204030204" pitchFamily="49" charset="0"/>
+              </a:rPr>
+              <a:t> </a:t>
+            </a:r>
+            <a:r>
+              <a:rPr lang="en-US" b="0" dirty="0">
+                <a:solidFill>
+                  <a:srgbClr val="569CD6"/>
+                </a:solidFill>
+                <a:effectLst/>
+                <a:latin typeface="Consolas" panose="020B0609020204030204" pitchFamily="49" charset="0"/>
+              </a:rPr>
+              <a:t>class</a:t>
+            </a:r>
+            <a:r>
+              <a:rPr lang="en-US" b="0" dirty="0">
+                <a:solidFill>
+                  <a:srgbClr val="D4D4D4"/>
+                </a:solidFill>
+                <a:effectLst/>
+                <a:latin typeface="Consolas" panose="020B0609020204030204" pitchFamily="49" charset="0"/>
+              </a:rPr>
+              <a:t> </a:t>
+            </a:r>
+            <a:r>
+              <a:rPr lang="en-US" b="0" dirty="0" err="1">
+                <a:solidFill>
+                  <a:srgbClr val="4EC9B0"/>
+                </a:solidFill>
+                <a:effectLst/>
+                <a:latin typeface="Consolas" panose="020B0609020204030204" pitchFamily="49" charset="0"/>
+              </a:rPr>
+              <a:t>RecursionExample</a:t>
+            </a:r>
+            <a:r>
+              <a:rPr lang="en-US" b="0" dirty="0">
+                <a:solidFill>
+                  <a:srgbClr val="D4D4D4"/>
+                </a:solidFill>
+                <a:effectLst/>
+                <a:latin typeface="Consolas" panose="020B0609020204030204" pitchFamily="49" charset="0"/>
+              </a:rPr>
+              <a:t> {</a:t>
+            </a:r>
+          </a:p>
+          <a:p>
+            <a:br>
+              <a:rPr lang="en-US" b="0" dirty="0">
+                <a:solidFill>
+                  <a:srgbClr val="D4D4D4"/>
+                </a:solidFill>
+                <a:effectLst/>
+                <a:latin typeface="Consolas" panose="020B0609020204030204" pitchFamily="49" charset="0"/>
+              </a:rPr>
+            </a:br>
+            <a:r>
+              <a:rPr lang="en-US" b="0" dirty="0">
+                <a:solidFill>
+                  <a:srgbClr val="D4D4D4"/>
+                </a:solidFill>
+                <a:effectLst/>
+                <a:latin typeface="Consolas" panose="020B0609020204030204" pitchFamily="49" charset="0"/>
+              </a:rPr>
+              <a:t>    </a:t>
+            </a:r>
+            <a:r>
+              <a:rPr lang="en-US" b="0" dirty="0">
+                <a:solidFill>
+                  <a:srgbClr val="569CD6"/>
+                </a:solidFill>
+                <a:effectLst/>
+                <a:latin typeface="Consolas" panose="020B0609020204030204" pitchFamily="49" charset="0"/>
+              </a:rPr>
+              <a:t>public</a:t>
+            </a:r>
+            <a:r>
+              <a:rPr lang="en-US" b="0" dirty="0">
+                <a:solidFill>
+                  <a:srgbClr val="D4D4D4"/>
+                </a:solidFill>
+                <a:effectLst/>
+                <a:latin typeface="Consolas" panose="020B0609020204030204" pitchFamily="49" charset="0"/>
+              </a:rPr>
+              <a:t> </a:t>
+            </a:r>
+            <a:r>
+              <a:rPr lang="en-US" b="0" dirty="0">
+                <a:solidFill>
+                  <a:srgbClr val="569CD6"/>
+                </a:solidFill>
+                <a:effectLst/>
+                <a:latin typeface="Consolas" panose="020B0609020204030204" pitchFamily="49" charset="0"/>
+              </a:rPr>
+              <a:t>static</a:t>
+            </a:r>
+            <a:r>
+              <a:rPr lang="en-US" b="0" dirty="0">
+                <a:solidFill>
+                  <a:srgbClr val="D4D4D4"/>
+                </a:solidFill>
+                <a:effectLst/>
+                <a:latin typeface="Consolas" panose="020B0609020204030204" pitchFamily="49" charset="0"/>
+              </a:rPr>
+              <a:t> </a:t>
+            </a:r>
+            <a:r>
+              <a:rPr lang="en-US" b="0" dirty="0">
+                <a:solidFill>
+                  <a:srgbClr val="4EC9B0"/>
+                </a:solidFill>
+                <a:effectLst/>
+                <a:latin typeface="Consolas" panose="020B0609020204030204" pitchFamily="49" charset="0"/>
+              </a:rPr>
+              <a:t>int</a:t>
+            </a:r>
+            <a:r>
+              <a:rPr lang="en-US" b="0" dirty="0">
+                <a:solidFill>
+                  <a:srgbClr val="D4D4D4"/>
+                </a:solidFill>
+                <a:effectLst/>
+                <a:latin typeface="Consolas" panose="020B0609020204030204" pitchFamily="49" charset="0"/>
+              </a:rPr>
+              <a:t> </a:t>
+            </a:r>
+            <a:r>
+              <a:rPr lang="en-US" b="0" dirty="0">
+                <a:solidFill>
+                  <a:srgbClr val="DCDCAA"/>
+                </a:solidFill>
+                <a:effectLst/>
+                <a:latin typeface="Consolas" panose="020B0609020204030204" pitchFamily="49" charset="0"/>
+              </a:rPr>
+              <a:t>sum</a:t>
+            </a:r>
+            <a:r>
+              <a:rPr lang="en-US" b="0" dirty="0">
+                <a:solidFill>
+                  <a:srgbClr val="D4D4D4"/>
+                </a:solidFill>
+                <a:effectLst/>
+                <a:latin typeface="Consolas" panose="020B0609020204030204" pitchFamily="49" charset="0"/>
+              </a:rPr>
+              <a:t>(</a:t>
+            </a:r>
+            <a:r>
+              <a:rPr lang="en-US" b="0" dirty="0">
+                <a:solidFill>
+                  <a:srgbClr val="4EC9B0"/>
+                </a:solidFill>
+                <a:effectLst/>
+                <a:latin typeface="Consolas" panose="020B0609020204030204" pitchFamily="49" charset="0"/>
+              </a:rPr>
+              <a:t>Object</a:t>
+            </a:r>
+            <a:r>
+              <a:rPr lang="en-US" b="0" dirty="0">
+                <a:solidFill>
+                  <a:srgbClr val="D4D4D4"/>
+                </a:solidFill>
+                <a:effectLst/>
+                <a:latin typeface="Consolas" panose="020B0609020204030204" pitchFamily="49" charset="0"/>
+              </a:rPr>
+              <a:t>[] </a:t>
+            </a:r>
+            <a:r>
+              <a:rPr lang="en-US" b="0" dirty="0">
+                <a:solidFill>
+                  <a:srgbClr val="9CDCFE"/>
+                </a:solidFill>
+                <a:effectLst/>
+                <a:latin typeface="Consolas" panose="020B0609020204030204" pitchFamily="49" charset="0"/>
+              </a:rPr>
+              <a:t>values</a:t>
+            </a:r>
+            <a:r>
+              <a:rPr lang="en-US" b="0" dirty="0">
+                <a:solidFill>
+                  <a:srgbClr val="D4D4D4"/>
+                </a:solidFill>
+                <a:effectLst/>
+                <a:latin typeface="Consolas" panose="020B0609020204030204" pitchFamily="49" charset="0"/>
+              </a:rPr>
+              <a:t>) {</a:t>
+            </a:r>
+          </a:p>
+          <a:p>
+            <a:r>
+              <a:rPr lang="en-US" b="0" dirty="0">
+                <a:solidFill>
+                  <a:srgbClr val="D4D4D4"/>
+                </a:solidFill>
+                <a:effectLst/>
+                <a:latin typeface="Consolas" panose="020B0609020204030204" pitchFamily="49" charset="0"/>
+              </a:rPr>
+              <a:t>        </a:t>
+            </a:r>
+            <a:r>
+              <a:rPr lang="en-US" b="0" dirty="0">
+                <a:solidFill>
+                  <a:srgbClr val="C586C0"/>
+                </a:solidFill>
+                <a:effectLst/>
+                <a:latin typeface="Consolas" panose="020B0609020204030204" pitchFamily="49" charset="0"/>
+              </a:rPr>
+              <a:t>return</a:t>
+            </a:r>
+            <a:r>
+              <a:rPr lang="en-US" b="0" dirty="0">
+                <a:solidFill>
+                  <a:srgbClr val="D4D4D4"/>
+                </a:solidFill>
+                <a:effectLst/>
+                <a:latin typeface="Consolas" panose="020B0609020204030204" pitchFamily="49" charset="0"/>
+              </a:rPr>
+              <a:t> </a:t>
+            </a:r>
+            <a:r>
+              <a:rPr lang="en-US" b="0" dirty="0">
+                <a:solidFill>
+                  <a:srgbClr val="DCDCAA"/>
+                </a:solidFill>
+                <a:effectLst/>
+                <a:latin typeface="Consolas" panose="020B0609020204030204" pitchFamily="49" charset="0"/>
+              </a:rPr>
+              <a:t>sum</a:t>
+            </a:r>
+            <a:r>
+              <a:rPr lang="en-US" b="0" dirty="0">
+                <a:solidFill>
+                  <a:srgbClr val="D4D4D4"/>
+                </a:solidFill>
+                <a:effectLst/>
+                <a:latin typeface="Consolas" panose="020B0609020204030204" pitchFamily="49" charset="0"/>
+              </a:rPr>
+              <a:t>(</a:t>
+            </a:r>
+            <a:r>
+              <a:rPr lang="en-US" b="0" dirty="0">
+                <a:solidFill>
+                  <a:srgbClr val="9CDCFE"/>
+                </a:solidFill>
+                <a:effectLst/>
+                <a:latin typeface="Consolas" panose="020B0609020204030204" pitchFamily="49" charset="0"/>
+              </a:rPr>
+              <a:t>values</a:t>
+            </a:r>
+            <a:r>
+              <a:rPr lang="en-US" b="0" dirty="0">
+                <a:solidFill>
+                  <a:srgbClr val="D4D4D4"/>
+                </a:solidFill>
+                <a:effectLst/>
+                <a:latin typeface="Consolas" panose="020B0609020204030204" pitchFamily="49" charset="0"/>
+              </a:rPr>
+              <a:t>, </a:t>
+            </a:r>
+            <a:r>
+              <a:rPr lang="en-US" b="0" dirty="0">
+                <a:solidFill>
+                  <a:srgbClr val="B5CEA8"/>
+                </a:solidFill>
+                <a:effectLst/>
+                <a:latin typeface="Consolas" panose="020B0609020204030204" pitchFamily="49" charset="0"/>
+              </a:rPr>
+              <a:t>0</a:t>
+            </a:r>
+            <a:r>
+              <a:rPr lang="en-US" b="0" dirty="0">
+                <a:solidFill>
+                  <a:srgbClr val="D4D4D4"/>
+                </a:solidFill>
+                <a:effectLst/>
+                <a:latin typeface="Consolas" panose="020B0609020204030204" pitchFamily="49" charset="0"/>
+              </a:rPr>
+              <a:t>); </a:t>
+            </a:r>
+            <a:r>
+              <a:rPr lang="en-US" b="0" dirty="0">
+                <a:solidFill>
+                  <a:srgbClr val="6A9955"/>
+                </a:solidFill>
+                <a:effectLst/>
+                <a:latin typeface="Consolas" panose="020B0609020204030204" pitchFamily="49" charset="0"/>
+              </a:rPr>
+              <a:t>// overload, for easier initial call</a:t>
+            </a:r>
+            <a:endParaRPr lang="en-US" b="0" dirty="0">
+              <a:solidFill>
+                <a:srgbClr val="D4D4D4"/>
+              </a:solidFill>
+              <a:effectLst/>
+              <a:latin typeface="Consolas" panose="020B0609020204030204" pitchFamily="49" charset="0"/>
+            </a:endParaRPr>
+          </a:p>
+          <a:p>
+            <a:r>
+              <a:rPr lang="en-US" b="0" dirty="0">
+                <a:solidFill>
+                  <a:srgbClr val="D4D4D4"/>
+                </a:solidFill>
+                <a:effectLst/>
+                <a:latin typeface="Consolas" panose="020B0609020204030204" pitchFamily="49" charset="0"/>
+              </a:rPr>
+              <a:t>    }</a:t>
+            </a:r>
+          </a:p>
+          <a:p>
+            <a:r>
+              <a:rPr lang="en-US" b="0" dirty="0">
+                <a:solidFill>
+                  <a:srgbClr val="D4D4D4"/>
+                </a:solidFill>
+                <a:effectLst/>
+                <a:latin typeface="Consolas" panose="020B0609020204030204" pitchFamily="49" charset="0"/>
+              </a:rPr>
+              <a:t>    </a:t>
+            </a:r>
+            <a:r>
+              <a:rPr lang="en-US" b="0" dirty="0">
+                <a:solidFill>
+                  <a:srgbClr val="569CD6"/>
+                </a:solidFill>
+                <a:effectLst/>
+                <a:latin typeface="Consolas" panose="020B0609020204030204" pitchFamily="49" charset="0"/>
+              </a:rPr>
+              <a:t>public</a:t>
+            </a:r>
+            <a:r>
+              <a:rPr lang="en-US" b="0" dirty="0">
+                <a:solidFill>
+                  <a:srgbClr val="D4D4D4"/>
+                </a:solidFill>
+                <a:effectLst/>
+                <a:latin typeface="Consolas" panose="020B0609020204030204" pitchFamily="49" charset="0"/>
+              </a:rPr>
+              <a:t> </a:t>
+            </a:r>
+            <a:r>
+              <a:rPr lang="en-US" b="0" dirty="0">
+                <a:solidFill>
+                  <a:srgbClr val="569CD6"/>
+                </a:solidFill>
+                <a:effectLst/>
+                <a:latin typeface="Consolas" panose="020B0609020204030204" pitchFamily="49" charset="0"/>
+              </a:rPr>
+              <a:t>static</a:t>
+            </a:r>
+            <a:r>
+              <a:rPr lang="en-US" b="0" dirty="0">
+                <a:solidFill>
+                  <a:srgbClr val="D4D4D4"/>
+                </a:solidFill>
+                <a:effectLst/>
+                <a:latin typeface="Consolas" panose="020B0609020204030204" pitchFamily="49" charset="0"/>
+              </a:rPr>
+              <a:t> </a:t>
+            </a:r>
+            <a:r>
+              <a:rPr lang="en-US" b="0" dirty="0">
+                <a:solidFill>
+                  <a:srgbClr val="4EC9B0"/>
+                </a:solidFill>
+                <a:effectLst/>
+                <a:latin typeface="Consolas" panose="020B0609020204030204" pitchFamily="49" charset="0"/>
+              </a:rPr>
+              <a:t>int</a:t>
+            </a:r>
+            <a:r>
+              <a:rPr lang="en-US" b="0" dirty="0">
+                <a:solidFill>
+                  <a:srgbClr val="D4D4D4"/>
+                </a:solidFill>
+                <a:effectLst/>
+                <a:latin typeface="Consolas" panose="020B0609020204030204" pitchFamily="49" charset="0"/>
+              </a:rPr>
+              <a:t> </a:t>
+            </a:r>
+            <a:r>
+              <a:rPr lang="en-US" b="0" dirty="0">
+                <a:solidFill>
+                  <a:srgbClr val="DCDCAA"/>
+                </a:solidFill>
+                <a:effectLst/>
+                <a:latin typeface="Consolas" panose="020B0609020204030204" pitchFamily="49" charset="0"/>
+              </a:rPr>
+              <a:t>sum</a:t>
+            </a:r>
+            <a:r>
+              <a:rPr lang="en-US" b="0" dirty="0">
+                <a:solidFill>
+                  <a:srgbClr val="D4D4D4"/>
+                </a:solidFill>
+                <a:effectLst/>
+                <a:latin typeface="Consolas" panose="020B0609020204030204" pitchFamily="49" charset="0"/>
+              </a:rPr>
+              <a:t>(</a:t>
+            </a:r>
+            <a:r>
+              <a:rPr lang="en-US" b="0" dirty="0">
+                <a:solidFill>
+                  <a:srgbClr val="4EC9B0"/>
+                </a:solidFill>
+                <a:effectLst/>
+                <a:latin typeface="Consolas" panose="020B0609020204030204" pitchFamily="49" charset="0"/>
+              </a:rPr>
+              <a:t>Object</a:t>
+            </a:r>
+            <a:r>
+              <a:rPr lang="en-US" b="0" dirty="0">
+                <a:solidFill>
+                  <a:srgbClr val="D4D4D4"/>
+                </a:solidFill>
+                <a:effectLst/>
+                <a:latin typeface="Consolas" panose="020B0609020204030204" pitchFamily="49" charset="0"/>
+              </a:rPr>
+              <a:t>[] </a:t>
+            </a:r>
+            <a:r>
+              <a:rPr lang="en-US" b="0" dirty="0">
+                <a:solidFill>
+                  <a:srgbClr val="9CDCFE"/>
+                </a:solidFill>
+                <a:effectLst/>
+                <a:latin typeface="Consolas" panose="020B0609020204030204" pitchFamily="49" charset="0"/>
+              </a:rPr>
+              <a:t>values</a:t>
+            </a:r>
+            <a:r>
+              <a:rPr lang="en-US" b="0" dirty="0">
+                <a:solidFill>
+                  <a:srgbClr val="D4D4D4"/>
+                </a:solidFill>
+                <a:effectLst/>
+                <a:latin typeface="Consolas" panose="020B0609020204030204" pitchFamily="49" charset="0"/>
+              </a:rPr>
+              <a:t>, </a:t>
+            </a:r>
+            <a:r>
+              <a:rPr lang="en-US" b="0" dirty="0">
+                <a:solidFill>
+                  <a:srgbClr val="4EC9B0"/>
+                </a:solidFill>
+                <a:effectLst/>
+                <a:latin typeface="Consolas" panose="020B0609020204030204" pitchFamily="49" charset="0"/>
+              </a:rPr>
+              <a:t>int</a:t>
+            </a:r>
+            <a:r>
+              <a:rPr lang="en-US" b="0" dirty="0">
+                <a:solidFill>
+                  <a:srgbClr val="D4D4D4"/>
+                </a:solidFill>
+                <a:effectLst/>
+                <a:latin typeface="Consolas" panose="020B0609020204030204" pitchFamily="49" charset="0"/>
+              </a:rPr>
+              <a:t> </a:t>
+            </a:r>
+            <a:r>
+              <a:rPr lang="en-US" b="0" dirty="0">
+                <a:solidFill>
+                  <a:srgbClr val="9CDCFE"/>
+                </a:solidFill>
+                <a:effectLst/>
+                <a:latin typeface="Consolas" panose="020B0609020204030204" pitchFamily="49" charset="0"/>
+              </a:rPr>
+              <a:t>current</a:t>
+            </a:r>
+            <a:r>
+              <a:rPr lang="en-US" b="0" dirty="0">
+                <a:solidFill>
+                  <a:srgbClr val="D4D4D4"/>
+                </a:solidFill>
+                <a:effectLst/>
+                <a:latin typeface="Consolas" panose="020B0609020204030204" pitchFamily="49" charset="0"/>
+              </a:rPr>
+              <a:t>) {</a:t>
+            </a:r>
+          </a:p>
+          <a:p>
+            <a:r>
+              <a:rPr lang="en-US" b="0" dirty="0">
+                <a:solidFill>
+                  <a:srgbClr val="D4D4D4"/>
+                </a:solidFill>
+                <a:effectLst/>
+                <a:latin typeface="Consolas" panose="020B0609020204030204" pitchFamily="49" charset="0"/>
+              </a:rPr>
+              <a:t>        </a:t>
+            </a:r>
+            <a:r>
+              <a:rPr lang="en-US" b="0" dirty="0">
+                <a:solidFill>
+                  <a:srgbClr val="C586C0"/>
+                </a:solidFill>
+                <a:effectLst/>
+                <a:latin typeface="Consolas" panose="020B0609020204030204" pitchFamily="49" charset="0"/>
+              </a:rPr>
+              <a:t>if</a:t>
+            </a:r>
+            <a:r>
+              <a:rPr lang="en-US" b="0" dirty="0">
+                <a:solidFill>
+                  <a:srgbClr val="D4D4D4"/>
+                </a:solidFill>
+                <a:effectLst/>
+                <a:latin typeface="Consolas" panose="020B0609020204030204" pitchFamily="49" charset="0"/>
+              </a:rPr>
+              <a:t>(</a:t>
+            </a:r>
+            <a:r>
+              <a:rPr lang="en-US" b="0" dirty="0">
+                <a:solidFill>
+                  <a:srgbClr val="9CDCFE"/>
+                </a:solidFill>
+                <a:effectLst/>
+                <a:latin typeface="Consolas" panose="020B0609020204030204" pitchFamily="49" charset="0"/>
+              </a:rPr>
+              <a:t>current</a:t>
+            </a:r>
+            <a:r>
+              <a:rPr lang="en-US" b="0" dirty="0">
+                <a:solidFill>
+                  <a:srgbClr val="D4D4D4"/>
+                </a:solidFill>
+                <a:effectLst/>
+                <a:latin typeface="Consolas" panose="020B0609020204030204" pitchFamily="49" charset="0"/>
+              </a:rPr>
+              <a:t> &gt;= </a:t>
+            </a:r>
+            <a:r>
+              <a:rPr lang="en-US" b="0" dirty="0" err="1">
+                <a:solidFill>
+                  <a:srgbClr val="9CDCFE"/>
+                </a:solidFill>
+                <a:effectLst/>
+                <a:latin typeface="Consolas" panose="020B0609020204030204" pitchFamily="49" charset="0"/>
+              </a:rPr>
+              <a:t>values</a:t>
+            </a:r>
+            <a:r>
+              <a:rPr lang="en-US" b="0" dirty="0" err="1">
+                <a:solidFill>
+                  <a:srgbClr val="D4D4D4"/>
+                </a:solidFill>
+                <a:effectLst/>
+                <a:latin typeface="Consolas" panose="020B0609020204030204" pitchFamily="49" charset="0"/>
+              </a:rPr>
+              <a:t>.</a:t>
+            </a:r>
+            <a:r>
+              <a:rPr lang="en-US" b="0" dirty="0" err="1">
+                <a:solidFill>
+                  <a:srgbClr val="4FC1FF"/>
+                </a:solidFill>
+                <a:effectLst/>
+                <a:latin typeface="Consolas" panose="020B0609020204030204" pitchFamily="49" charset="0"/>
+              </a:rPr>
+              <a:t>length</a:t>
+            </a:r>
+            <a:r>
+              <a:rPr lang="en-US" b="0" dirty="0">
+                <a:solidFill>
+                  <a:srgbClr val="D4D4D4"/>
+                </a:solidFill>
+                <a:effectLst/>
+                <a:latin typeface="Consolas" panose="020B0609020204030204" pitchFamily="49" charset="0"/>
+              </a:rPr>
+              <a:t>) </a:t>
+            </a:r>
+            <a:r>
+              <a:rPr lang="en-US" b="0" dirty="0">
+                <a:solidFill>
+                  <a:srgbClr val="C586C0"/>
+                </a:solidFill>
+                <a:effectLst/>
+                <a:latin typeface="Consolas" panose="020B0609020204030204" pitchFamily="49" charset="0"/>
+              </a:rPr>
+              <a:t>return</a:t>
+            </a:r>
+            <a:r>
+              <a:rPr lang="en-US" b="0" dirty="0">
+                <a:solidFill>
+                  <a:srgbClr val="D4D4D4"/>
+                </a:solidFill>
+                <a:effectLst/>
+                <a:latin typeface="Consolas" panose="020B0609020204030204" pitchFamily="49" charset="0"/>
+              </a:rPr>
+              <a:t> </a:t>
+            </a:r>
+            <a:r>
+              <a:rPr lang="en-US" b="0" dirty="0">
+                <a:solidFill>
+                  <a:srgbClr val="B5CEA8"/>
+                </a:solidFill>
+                <a:effectLst/>
+                <a:latin typeface="Consolas" panose="020B0609020204030204" pitchFamily="49" charset="0"/>
+              </a:rPr>
+              <a:t>0</a:t>
+            </a:r>
+            <a:r>
+              <a:rPr lang="en-US" b="0" dirty="0">
+                <a:solidFill>
+                  <a:srgbClr val="D4D4D4"/>
+                </a:solidFill>
+                <a:effectLst/>
+                <a:latin typeface="Consolas" panose="020B0609020204030204" pitchFamily="49" charset="0"/>
+              </a:rPr>
+              <a:t>; </a:t>
+            </a:r>
+            <a:r>
+              <a:rPr lang="en-US" b="0" dirty="0">
+                <a:solidFill>
+                  <a:srgbClr val="6A9955"/>
+                </a:solidFill>
+                <a:effectLst/>
+                <a:latin typeface="Consolas" panose="020B0609020204030204" pitchFamily="49" charset="0"/>
+              </a:rPr>
+              <a:t>// past end of array, return 0</a:t>
+            </a:r>
+            <a:endParaRPr lang="en-US" b="0" dirty="0">
+              <a:solidFill>
+                <a:srgbClr val="D4D4D4"/>
+              </a:solidFill>
+              <a:effectLst/>
+              <a:latin typeface="Consolas" panose="020B0609020204030204" pitchFamily="49" charset="0"/>
+            </a:endParaRPr>
+          </a:p>
+          <a:p>
+            <a:r>
+              <a:rPr lang="en-US" b="0" dirty="0">
+                <a:solidFill>
+                  <a:srgbClr val="D4D4D4"/>
+                </a:solidFill>
+                <a:effectLst/>
+                <a:latin typeface="Consolas" panose="020B0609020204030204" pitchFamily="49" charset="0"/>
+              </a:rPr>
+              <a:t>        </a:t>
+            </a:r>
+            <a:r>
+              <a:rPr lang="en-US" b="0" dirty="0">
+                <a:solidFill>
+                  <a:srgbClr val="C586C0"/>
+                </a:solidFill>
+                <a:effectLst/>
+                <a:latin typeface="Consolas" panose="020B0609020204030204" pitchFamily="49" charset="0"/>
+              </a:rPr>
+              <a:t>if</a:t>
+            </a:r>
+            <a:r>
+              <a:rPr lang="en-US" b="0" dirty="0">
+                <a:solidFill>
+                  <a:srgbClr val="D4D4D4"/>
+                </a:solidFill>
+                <a:effectLst/>
+                <a:latin typeface="Consolas" panose="020B0609020204030204" pitchFamily="49" charset="0"/>
+              </a:rPr>
+              <a:t>(</a:t>
+            </a:r>
+            <a:r>
+              <a:rPr lang="en-US" b="0" dirty="0">
+                <a:solidFill>
+                  <a:srgbClr val="9CDCFE"/>
+                </a:solidFill>
+                <a:effectLst/>
+                <a:latin typeface="Consolas" panose="020B0609020204030204" pitchFamily="49" charset="0"/>
+              </a:rPr>
+              <a:t>values</a:t>
+            </a:r>
+            <a:r>
+              <a:rPr lang="en-US" b="0" dirty="0">
+                <a:solidFill>
+                  <a:srgbClr val="D4D4D4"/>
+                </a:solidFill>
+                <a:effectLst/>
+                <a:latin typeface="Consolas" panose="020B0609020204030204" pitchFamily="49" charset="0"/>
+              </a:rPr>
+              <a:t>[</a:t>
+            </a:r>
+            <a:r>
+              <a:rPr lang="en-US" b="0" dirty="0">
+                <a:solidFill>
+                  <a:srgbClr val="9CDCFE"/>
+                </a:solidFill>
+                <a:effectLst/>
+                <a:latin typeface="Consolas" panose="020B0609020204030204" pitchFamily="49" charset="0"/>
+              </a:rPr>
+              <a:t>current</a:t>
+            </a:r>
+            <a:r>
+              <a:rPr lang="en-US" b="0" dirty="0">
+                <a:solidFill>
+                  <a:srgbClr val="D4D4D4"/>
+                </a:solidFill>
+                <a:effectLst/>
+                <a:latin typeface="Consolas" panose="020B0609020204030204" pitchFamily="49" charset="0"/>
+              </a:rPr>
+              <a:t>] </a:t>
+            </a:r>
+            <a:r>
+              <a:rPr lang="en-US" b="0" dirty="0" err="1">
+                <a:solidFill>
+                  <a:srgbClr val="569CD6"/>
+                </a:solidFill>
+                <a:effectLst/>
+                <a:latin typeface="Consolas" panose="020B0609020204030204" pitchFamily="49" charset="0"/>
+              </a:rPr>
+              <a:t>instanceof</a:t>
+            </a:r>
+            <a:r>
+              <a:rPr lang="en-US" b="0" dirty="0">
+                <a:solidFill>
+                  <a:srgbClr val="D4D4D4"/>
+                </a:solidFill>
+                <a:effectLst/>
+                <a:latin typeface="Consolas" panose="020B0609020204030204" pitchFamily="49" charset="0"/>
+              </a:rPr>
+              <a:t> </a:t>
+            </a:r>
+            <a:r>
+              <a:rPr lang="en-US" b="0" dirty="0">
+                <a:solidFill>
+                  <a:srgbClr val="4EC9B0"/>
+                </a:solidFill>
+                <a:effectLst/>
+                <a:latin typeface="Consolas" panose="020B0609020204030204" pitchFamily="49" charset="0"/>
+              </a:rPr>
+              <a:t>Object</a:t>
+            </a:r>
+            <a:r>
+              <a:rPr lang="en-US" b="0" dirty="0">
+                <a:solidFill>
+                  <a:srgbClr val="D4D4D4"/>
+                </a:solidFill>
+                <a:effectLst/>
+                <a:latin typeface="Consolas" panose="020B0609020204030204" pitchFamily="49" charset="0"/>
+              </a:rPr>
+              <a:t>[]) </a:t>
+            </a:r>
+            <a:r>
+              <a:rPr lang="en-US" b="0" dirty="0">
+                <a:solidFill>
+                  <a:srgbClr val="6A9955"/>
+                </a:solidFill>
+                <a:effectLst/>
+                <a:latin typeface="Consolas" panose="020B0609020204030204" pitchFamily="49" charset="0"/>
+              </a:rPr>
+              <a:t>// another array!</a:t>
+            </a:r>
+            <a:endParaRPr lang="en-US" b="0" dirty="0">
+              <a:solidFill>
+                <a:srgbClr val="D4D4D4"/>
+              </a:solidFill>
+              <a:effectLst/>
+              <a:latin typeface="Consolas" panose="020B0609020204030204" pitchFamily="49" charset="0"/>
+            </a:endParaRPr>
+          </a:p>
+          <a:p>
+            <a:r>
+              <a:rPr lang="en-US" b="0" dirty="0">
+                <a:solidFill>
+                  <a:srgbClr val="D4D4D4"/>
+                </a:solidFill>
+                <a:effectLst/>
+                <a:latin typeface="Consolas" panose="020B0609020204030204" pitchFamily="49" charset="0"/>
+              </a:rPr>
+              <a:t>            </a:t>
+            </a:r>
+            <a:r>
+              <a:rPr lang="en-US" b="0" dirty="0">
+                <a:solidFill>
+                  <a:srgbClr val="C586C0"/>
+                </a:solidFill>
+                <a:effectLst/>
+                <a:latin typeface="Consolas" panose="020B0609020204030204" pitchFamily="49" charset="0"/>
+              </a:rPr>
+              <a:t>return</a:t>
+            </a:r>
+            <a:r>
+              <a:rPr lang="en-US" b="0" dirty="0">
+                <a:solidFill>
+                  <a:srgbClr val="D4D4D4"/>
+                </a:solidFill>
+                <a:effectLst/>
+                <a:latin typeface="Consolas" panose="020B0609020204030204" pitchFamily="49" charset="0"/>
+              </a:rPr>
+              <a:t> </a:t>
+            </a:r>
+            <a:r>
+              <a:rPr lang="en-US" b="0" dirty="0">
+                <a:solidFill>
+                  <a:srgbClr val="DCDCAA"/>
+                </a:solidFill>
+                <a:effectLst/>
+                <a:latin typeface="Consolas" panose="020B0609020204030204" pitchFamily="49" charset="0"/>
+              </a:rPr>
+              <a:t>sum</a:t>
+            </a:r>
+            <a:r>
+              <a:rPr lang="en-US" b="0" dirty="0">
+                <a:solidFill>
+                  <a:srgbClr val="D4D4D4"/>
+                </a:solidFill>
+                <a:effectLst/>
+                <a:latin typeface="Consolas" panose="020B0609020204030204" pitchFamily="49" charset="0"/>
+              </a:rPr>
+              <a:t>((</a:t>
+            </a:r>
+            <a:r>
+              <a:rPr lang="en-US" b="0" dirty="0">
+                <a:solidFill>
+                  <a:srgbClr val="4EC9B0"/>
+                </a:solidFill>
+                <a:effectLst/>
+                <a:latin typeface="Consolas" panose="020B0609020204030204" pitchFamily="49" charset="0"/>
+              </a:rPr>
+              <a:t>Object</a:t>
+            </a:r>
+            <a:r>
+              <a:rPr lang="en-US" b="0" dirty="0">
+                <a:solidFill>
+                  <a:srgbClr val="D4D4D4"/>
+                </a:solidFill>
+                <a:effectLst/>
+                <a:latin typeface="Consolas" panose="020B0609020204030204" pitchFamily="49" charset="0"/>
+              </a:rPr>
+              <a:t>[])</a:t>
+            </a:r>
+            <a:r>
+              <a:rPr lang="en-US" b="0" dirty="0">
+                <a:solidFill>
+                  <a:srgbClr val="9CDCFE"/>
+                </a:solidFill>
+                <a:effectLst/>
+                <a:latin typeface="Consolas" panose="020B0609020204030204" pitchFamily="49" charset="0"/>
+              </a:rPr>
+              <a:t>values</a:t>
+            </a:r>
+            <a:r>
+              <a:rPr lang="en-US" b="0" dirty="0">
+                <a:solidFill>
+                  <a:srgbClr val="D4D4D4"/>
+                </a:solidFill>
+                <a:effectLst/>
+                <a:latin typeface="Consolas" panose="020B0609020204030204" pitchFamily="49" charset="0"/>
+              </a:rPr>
+              <a:t>[</a:t>
+            </a:r>
+            <a:r>
+              <a:rPr lang="en-US" b="0" dirty="0">
+                <a:solidFill>
+                  <a:srgbClr val="9CDCFE"/>
+                </a:solidFill>
+                <a:effectLst/>
+                <a:latin typeface="Consolas" panose="020B0609020204030204" pitchFamily="49" charset="0"/>
+              </a:rPr>
+              <a:t>current</a:t>
+            </a:r>
+            <a:r>
+              <a:rPr lang="en-US" b="0" dirty="0">
+                <a:solidFill>
+                  <a:srgbClr val="D4D4D4"/>
+                </a:solidFill>
+                <a:effectLst/>
+                <a:latin typeface="Consolas" panose="020B0609020204030204" pitchFamily="49" charset="0"/>
+              </a:rPr>
+              <a:t>], </a:t>
+            </a:r>
+            <a:r>
+              <a:rPr lang="en-US" b="0" dirty="0">
+                <a:solidFill>
+                  <a:srgbClr val="B5CEA8"/>
+                </a:solidFill>
+                <a:effectLst/>
+                <a:latin typeface="Consolas" panose="020B0609020204030204" pitchFamily="49" charset="0"/>
+              </a:rPr>
+              <a:t>0</a:t>
+            </a:r>
+            <a:r>
+              <a:rPr lang="en-US" b="0" dirty="0">
+                <a:solidFill>
+                  <a:srgbClr val="D4D4D4"/>
+                </a:solidFill>
+                <a:effectLst/>
+                <a:latin typeface="Consolas" panose="020B0609020204030204" pitchFamily="49" charset="0"/>
+              </a:rPr>
+              <a:t>) + </a:t>
+            </a:r>
+            <a:r>
+              <a:rPr lang="en-US" b="0" dirty="0">
+                <a:solidFill>
+                  <a:srgbClr val="DCDCAA"/>
+                </a:solidFill>
+                <a:effectLst/>
+                <a:latin typeface="Consolas" panose="020B0609020204030204" pitchFamily="49" charset="0"/>
+              </a:rPr>
+              <a:t>sum</a:t>
+            </a:r>
+            <a:r>
+              <a:rPr lang="en-US" b="0" dirty="0">
+                <a:solidFill>
+                  <a:srgbClr val="D4D4D4"/>
+                </a:solidFill>
+                <a:effectLst/>
+                <a:latin typeface="Consolas" panose="020B0609020204030204" pitchFamily="49" charset="0"/>
+              </a:rPr>
+              <a:t>(</a:t>
+            </a:r>
+            <a:r>
+              <a:rPr lang="en-US" b="0" dirty="0">
+                <a:solidFill>
+                  <a:srgbClr val="9CDCFE"/>
+                </a:solidFill>
+                <a:effectLst/>
+                <a:latin typeface="Consolas" panose="020B0609020204030204" pitchFamily="49" charset="0"/>
+              </a:rPr>
+              <a:t>values</a:t>
+            </a:r>
+            <a:r>
+              <a:rPr lang="en-US" b="0" dirty="0">
+                <a:solidFill>
+                  <a:srgbClr val="D4D4D4"/>
+                </a:solidFill>
+                <a:effectLst/>
+                <a:latin typeface="Consolas" panose="020B0609020204030204" pitchFamily="49" charset="0"/>
+              </a:rPr>
+              <a:t>, </a:t>
+            </a:r>
+            <a:r>
+              <a:rPr lang="en-US" b="0" dirty="0">
+                <a:solidFill>
+                  <a:srgbClr val="9CDCFE"/>
+                </a:solidFill>
+                <a:effectLst/>
+                <a:latin typeface="Consolas" panose="020B0609020204030204" pitchFamily="49" charset="0"/>
+              </a:rPr>
+              <a:t>current</a:t>
+            </a:r>
+            <a:r>
+              <a:rPr lang="en-US" b="0" dirty="0">
+                <a:solidFill>
+                  <a:srgbClr val="D4D4D4"/>
+                </a:solidFill>
+                <a:effectLst/>
+                <a:latin typeface="Consolas" panose="020B0609020204030204" pitchFamily="49" charset="0"/>
+              </a:rPr>
+              <a:t>+</a:t>
+            </a:r>
+            <a:r>
+              <a:rPr lang="en-US" b="0" dirty="0">
+                <a:solidFill>
+                  <a:srgbClr val="B5CEA8"/>
+                </a:solidFill>
+                <a:effectLst/>
+                <a:latin typeface="Consolas" panose="020B0609020204030204" pitchFamily="49" charset="0"/>
+              </a:rPr>
+              <a:t>1</a:t>
+            </a:r>
+            <a:r>
+              <a:rPr lang="en-US" b="0" dirty="0">
+                <a:solidFill>
+                  <a:srgbClr val="D4D4D4"/>
+                </a:solidFill>
+                <a:effectLst/>
+                <a:latin typeface="Consolas" panose="020B0609020204030204" pitchFamily="49" charset="0"/>
+              </a:rPr>
+              <a:t>);</a:t>
+            </a:r>
+          </a:p>
+          <a:p>
+            <a:r>
+              <a:rPr lang="en-US" b="0" dirty="0">
+                <a:solidFill>
+                  <a:srgbClr val="D4D4D4"/>
+                </a:solidFill>
+                <a:effectLst/>
+                <a:latin typeface="Consolas" panose="020B0609020204030204" pitchFamily="49" charset="0"/>
+              </a:rPr>
+              <a:t>        </a:t>
+            </a:r>
+            <a:r>
+              <a:rPr lang="en-US" b="0" dirty="0">
+                <a:solidFill>
+                  <a:srgbClr val="C586C0"/>
+                </a:solidFill>
+                <a:effectLst/>
+                <a:latin typeface="Consolas" panose="020B0609020204030204" pitchFamily="49" charset="0"/>
+              </a:rPr>
+              <a:t>return</a:t>
+            </a:r>
+            <a:r>
+              <a:rPr lang="en-US" b="0" dirty="0">
+                <a:solidFill>
+                  <a:srgbClr val="D4D4D4"/>
+                </a:solidFill>
+                <a:effectLst/>
+                <a:latin typeface="Consolas" panose="020B0609020204030204" pitchFamily="49" charset="0"/>
+              </a:rPr>
+              <a:t> (</a:t>
+            </a:r>
+            <a:r>
+              <a:rPr lang="en-US" b="0" dirty="0">
+                <a:solidFill>
+                  <a:srgbClr val="4EC9B0"/>
+                </a:solidFill>
+                <a:effectLst/>
+                <a:latin typeface="Consolas" panose="020B0609020204030204" pitchFamily="49" charset="0"/>
+              </a:rPr>
+              <a:t>Integer</a:t>
+            </a:r>
+            <a:r>
+              <a:rPr lang="en-US" b="0" dirty="0">
+                <a:solidFill>
+                  <a:srgbClr val="D4D4D4"/>
+                </a:solidFill>
+                <a:effectLst/>
+                <a:latin typeface="Consolas" panose="020B0609020204030204" pitchFamily="49" charset="0"/>
+              </a:rPr>
+              <a:t>)</a:t>
+            </a:r>
+            <a:r>
+              <a:rPr lang="en-US" b="0" dirty="0">
+                <a:solidFill>
+                  <a:srgbClr val="9CDCFE"/>
+                </a:solidFill>
+                <a:effectLst/>
+                <a:latin typeface="Consolas" panose="020B0609020204030204" pitchFamily="49" charset="0"/>
+              </a:rPr>
+              <a:t>values</a:t>
+            </a:r>
+            <a:r>
+              <a:rPr lang="en-US" b="0" dirty="0">
+                <a:solidFill>
+                  <a:srgbClr val="D4D4D4"/>
+                </a:solidFill>
+                <a:effectLst/>
+                <a:latin typeface="Consolas" panose="020B0609020204030204" pitchFamily="49" charset="0"/>
+              </a:rPr>
+              <a:t>[</a:t>
+            </a:r>
+            <a:r>
+              <a:rPr lang="en-US" b="0" dirty="0">
+                <a:solidFill>
+                  <a:srgbClr val="9CDCFE"/>
+                </a:solidFill>
+                <a:effectLst/>
+                <a:latin typeface="Consolas" panose="020B0609020204030204" pitchFamily="49" charset="0"/>
+              </a:rPr>
+              <a:t>current</a:t>
+            </a:r>
+            <a:r>
+              <a:rPr lang="en-US" b="0" dirty="0">
+                <a:solidFill>
+                  <a:srgbClr val="D4D4D4"/>
+                </a:solidFill>
+                <a:effectLst/>
+                <a:latin typeface="Consolas" panose="020B0609020204030204" pitchFamily="49" charset="0"/>
+              </a:rPr>
+              <a:t>] + </a:t>
+            </a:r>
+            <a:r>
+              <a:rPr lang="en-US" b="0" dirty="0">
+                <a:solidFill>
+                  <a:srgbClr val="DCDCAA"/>
+                </a:solidFill>
+                <a:effectLst/>
+                <a:latin typeface="Consolas" panose="020B0609020204030204" pitchFamily="49" charset="0"/>
+              </a:rPr>
+              <a:t>sum</a:t>
+            </a:r>
+            <a:r>
+              <a:rPr lang="en-US" b="0" dirty="0">
+                <a:solidFill>
+                  <a:srgbClr val="D4D4D4"/>
+                </a:solidFill>
+                <a:effectLst/>
+                <a:latin typeface="Consolas" panose="020B0609020204030204" pitchFamily="49" charset="0"/>
+              </a:rPr>
+              <a:t>(</a:t>
+            </a:r>
+            <a:r>
+              <a:rPr lang="en-US" b="0" dirty="0">
+                <a:solidFill>
+                  <a:srgbClr val="9CDCFE"/>
+                </a:solidFill>
+                <a:effectLst/>
+                <a:latin typeface="Consolas" panose="020B0609020204030204" pitchFamily="49" charset="0"/>
+              </a:rPr>
+              <a:t>values</a:t>
+            </a:r>
+            <a:r>
+              <a:rPr lang="en-US" b="0" dirty="0">
+                <a:solidFill>
+                  <a:srgbClr val="D4D4D4"/>
+                </a:solidFill>
+                <a:effectLst/>
+                <a:latin typeface="Consolas" panose="020B0609020204030204" pitchFamily="49" charset="0"/>
+              </a:rPr>
+              <a:t>, </a:t>
+            </a:r>
+            <a:r>
+              <a:rPr lang="en-US" b="0" dirty="0">
+                <a:solidFill>
+                  <a:srgbClr val="9CDCFE"/>
+                </a:solidFill>
+                <a:effectLst/>
+                <a:latin typeface="Consolas" panose="020B0609020204030204" pitchFamily="49" charset="0"/>
+              </a:rPr>
+              <a:t>current</a:t>
+            </a:r>
+            <a:r>
+              <a:rPr lang="en-US" b="0" dirty="0">
+                <a:solidFill>
+                  <a:srgbClr val="D4D4D4"/>
+                </a:solidFill>
+                <a:effectLst/>
+                <a:latin typeface="Consolas" panose="020B0609020204030204" pitchFamily="49" charset="0"/>
+              </a:rPr>
+              <a:t>+</a:t>
+            </a:r>
+            <a:r>
+              <a:rPr lang="en-US" b="0" dirty="0">
+                <a:solidFill>
+                  <a:srgbClr val="B5CEA8"/>
+                </a:solidFill>
+                <a:effectLst/>
+                <a:latin typeface="Consolas" panose="020B0609020204030204" pitchFamily="49" charset="0"/>
+              </a:rPr>
+              <a:t>1</a:t>
+            </a:r>
+            <a:r>
+              <a:rPr lang="en-US" b="0" dirty="0">
+                <a:solidFill>
+                  <a:srgbClr val="D4D4D4"/>
+                </a:solidFill>
+                <a:effectLst/>
+                <a:latin typeface="Consolas" panose="020B0609020204030204" pitchFamily="49" charset="0"/>
+              </a:rPr>
+              <a:t>); </a:t>
+            </a:r>
+            <a:r>
+              <a:rPr lang="en-US" b="0" dirty="0">
+                <a:solidFill>
+                  <a:srgbClr val="6A9955"/>
+                </a:solidFill>
+                <a:effectLst/>
+                <a:latin typeface="Consolas" panose="020B0609020204030204" pitchFamily="49" charset="0"/>
+              </a:rPr>
+              <a:t>// number plus something</a:t>
+            </a:r>
+            <a:endParaRPr lang="en-US" b="0" dirty="0">
+              <a:solidFill>
+                <a:srgbClr val="D4D4D4"/>
+              </a:solidFill>
+              <a:effectLst/>
+              <a:latin typeface="Consolas" panose="020B0609020204030204" pitchFamily="49" charset="0"/>
+            </a:endParaRPr>
+          </a:p>
+          <a:p>
+            <a:r>
+              <a:rPr lang="en-US" b="0" dirty="0">
+                <a:solidFill>
+                  <a:srgbClr val="D4D4D4"/>
+                </a:solidFill>
+                <a:effectLst/>
+                <a:latin typeface="Consolas" panose="020B0609020204030204" pitchFamily="49" charset="0"/>
+              </a:rPr>
+              <a:t>    }</a:t>
+            </a:r>
+          </a:p>
+          <a:p>
+            <a:r>
+              <a:rPr lang="en-US" b="0" dirty="0">
+                <a:solidFill>
+                  <a:srgbClr val="D4D4D4"/>
+                </a:solidFill>
+                <a:effectLst/>
+                <a:latin typeface="Consolas" panose="020B0609020204030204" pitchFamily="49" charset="0"/>
+              </a:rPr>
+              <a:t>    </a:t>
+            </a:r>
+            <a:r>
+              <a:rPr lang="en-US" b="0" dirty="0">
+                <a:solidFill>
+                  <a:srgbClr val="569CD6"/>
+                </a:solidFill>
+                <a:effectLst/>
+                <a:latin typeface="Consolas" panose="020B0609020204030204" pitchFamily="49" charset="0"/>
+              </a:rPr>
+              <a:t>public</a:t>
+            </a:r>
+            <a:r>
+              <a:rPr lang="en-US" b="0" dirty="0">
+                <a:solidFill>
+                  <a:srgbClr val="D4D4D4"/>
+                </a:solidFill>
+                <a:effectLst/>
+                <a:latin typeface="Consolas" panose="020B0609020204030204" pitchFamily="49" charset="0"/>
+              </a:rPr>
+              <a:t> </a:t>
+            </a:r>
+            <a:r>
+              <a:rPr lang="en-US" b="0" dirty="0">
+                <a:solidFill>
+                  <a:srgbClr val="569CD6"/>
+                </a:solidFill>
+                <a:effectLst/>
+                <a:latin typeface="Consolas" panose="020B0609020204030204" pitchFamily="49" charset="0"/>
+              </a:rPr>
+              <a:t>static</a:t>
+            </a:r>
+            <a:r>
+              <a:rPr lang="en-US" b="0" dirty="0">
+                <a:solidFill>
+                  <a:srgbClr val="D4D4D4"/>
+                </a:solidFill>
+                <a:effectLst/>
+                <a:latin typeface="Consolas" panose="020B0609020204030204" pitchFamily="49" charset="0"/>
+              </a:rPr>
+              <a:t> </a:t>
+            </a:r>
+            <a:r>
+              <a:rPr lang="en-US" b="0" dirty="0">
+                <a:solidFill>
+                  <a:srgbClr val="4EC9B0"/>
+                </a:solidFill>
+                <a:effectLst/>
+                <a:latin typeface="Consolas" panose="020B0609020204030204" pitchFamily="49" charset="0"/>
+              </a:rPr>
+              <a:t>void</a:t>
+            </a:r>
+            <a:r>
+              <a:rPr lang="en-US" b="0" dirty="0">
+                <a:solidFill>
+                  <a:srgbClr val="D4D4D4"/>
+                </a:solidFill>
+                <a:effectLst/>
+                <a:latin typeface="Consolas" panose="020B0609020204030204" pitchFamily="49" charset="0"/>
+              </a:rPr>
+              <a:t> </a:t>
+            </a:r>
+            <a:r>
+              <a:rPr lang="en-US" b="0" dirty="0">
+                <a:solidFill>
+                  <a:srgbClr val="DCDCAA"/>
+                </a:solidFill>
+                <a:effectLst/>
+                <a:latin typeface="Consolas" panose="020B0609020204030204" pitchFamily="49" charset="0"/>
+              </a:rPr>
+              <a:t>main</a:t>
+            </a:r>
+            <a:r>
+              <a:rPr lang="en-US" b="0" dirty="0">
+                <a:solidFill>
+                  <a:srgbClr val="D4D4D4"/>
+                </a:solidFill>
+                <a:effectLst/>
+                <a:latin typeface="Consolas" panose="020B0609020204030204" pitchFamily="49" charset="0"/>
+              </a:rPr>
+              <a:t>(</a:t>
+            </a:r>
+            <a:r>
+              <a:rPr lang="en-US" b="0" dirty="0">
+                <a:solidFill>
+                  <a:srgbClr val="4EC9B0"/>
+                </a:solidFill>
+                <a:effectLst/>
+                <a:latin typeface="Consolas" panose="020B0609020204030204" pitchFamily="49" charset="0"/>
+              </a:rPr>
+              <a:t>String</a:t>
+            </a:r>
+            <a:r>
+              <a:rPr lang="en-US" b="0" dirty="0">
+                <a:solidFill>
+                  <a:srgbClr val="D4D4D4"/>
+                </a:solidFill>
+                <a:effectLst/>
+                <a:latin typeface="Consolas" panose="020B0609020204030204" pitchFamily="49" charset="0"/>
+              </a:rPr>
+              <a:t>[] </a:t>
+            </a:r>
+            <a:r>
+              <a:rPr lang="en-US" b="0" dirty="0" err="1">
+                <a:solidFill>
+                  <a:srgbClr val="9CDCFE"/>
+                </a:solidFill>
+                <a:effectLst/>
+                <a:latin typeface="Consolas" panose="020B0609020204030204" pitchFamily="49" charset="0"/>
+              </a:rPr>
+              <a:t>args</a:t>
+            </a:r>
+            <a:r>
+              <a:rPr lang="en-US" b="0" dirty="0">
+                <a:solidFill>
+                  <a:srgbClr val="D4D4D4"/>
+                </a:solidFill>
+                <a:effectLst/>
+                <a:latin typeface="Consolas" panose="020B0609020204030204" pitchFamily="49" charset="0"/>
+              </a:rPr>
+              <a:t>) {</a:t>
+            </a:r>
+          </a:p>
+          <a:p>
+            <a:r>
+              <a:rPr lang="en-US" b="0" dirty="0">
+                <a:solidFill>
+                  <a:srgbClr val="D4D4D4"/>
+                </a:solidFill>
+                <a:effectLst/>
+                <a:latin typeface="Consolas" panose="020B0609020204030204" pitchFamily="49" charset="0"/>
+              </a:rPr>
+              <a:t>        </a:t>
+            </a:r>
+            <a:r>
+              <a:rPr lang="en-US" b="0" dirty="0">
+                <a:solidFill>
+                  <a:srgbClr val="4EC9B0"/>
+                </a:solidFill>
+                <a:effectLst/>
+                <a:latin typeface="Consolas" panose="020B0609020204030204" pitchFamily="49" charset="0"/>
+              </a:rPr>
+              <a:t>Object</a:t>
+            </a:r>
+            <a:r>
+              <a:rPr lang="en-US" b="0" dirty="0">
+                <a:solidFill>
+                  <a:srgbClr val="D4D4D4"/>
+                </a:solidFill>
+                <a:effectLst/>
+                <a:latin typeface="Consolas" panose="020B0609020204030204" pitchFamily="49" charset="0"/>
+              </a:rPr>
+              <a:t>[] </a:t>
+            </a:r>
+            <a:r>
+              <a:rPr lang="en-US" b="0" dirty="0">
+                <a:solidFill>
+                  <a:srgbClr val="9CDCFE"/>
+                </a:solidFill>
+                <a:effectLst/>
+                <a:latin typeface="Consolas" panose="020B0609020204030204" pitchFamily="49" charset="0"/>
+              </a:rPr>
+              <a:t>values</a:t>
+            </a:r>
+            <a:r>
+              <a:rPr lang="en-US" b="0" dirty="0">
+                <a:solidFill>
+                  <a:srgbClr val="D4D4D4"/>
+                </a:solidFill>
+                <a:effectLst/>
+                <a:latin typeface="Consolas" panose="020B0609020204030204" pitchFamily="49" charset="0"/>
+              </a:rPr>
+              <a:t> = </a:t>
+            </a:r>
+            <a:r>
+              <a:rPr lang="en-US" b="0" dirty="0">
+                <a:solidFill>
+                  <a:srgbClr val="C586C0"/>
+                </a:solidFill>
+                <a:effectLst/>
+                <a:latin typeface="Consolas" panose="020B0609020204030204" pitchFamily="49" charset="0"/>
+              </a:rPr>
+              <a:t>new</a:t>
+            </a:r>
+            <a:r>
+              <a:rPr lang="en-US" b="0" dirty="0">
+                <a:solidFill>
+                  <a:srgbClr val="D4D4D4"/>
+                </a:solidFill>
+                <a:effectLst/>
+                <a:latin typeface="Consolas" panose="020B0609020204030204" pitchFamily="49" charset="0"/>
+              </a:rPr>
+              <a:t> </a:t>
+            </a:r>
+            <a:r>
+              <a:rPr lang="en-US" b="0" dirty="0">
+                <a:solidFill>
+                  <a:srgbClr val="4EC9B0"/>
+                </a:solidFill>
+                <a:effectLst/>
+                <a:latin typeface="Consolas" panose="020B0609020204030204" pitchFamily="49" charset="0"/>
+              </a:rPr>
+              <a:t>Object</a:t>
+            </a:r>
+            <a:r>
+              <a:rPr lang="en-US" b="0" dirty="0">
+                <a:solidFill>
+                  <a:srgbClr val="D4D4D4"/>
+                </a:solidFill>
+                <a:effectLst/>
+                <a:latin typeface="Consolas" panose="020B0609020204030204" pitchFamily="49" charset="0"/>
+              </a:rPr>
+              <a:t>[]{</a:t>
+            </a:r>
+            <a:r>
+              <a:rPr lang="en-US" b="0" dirty="0">
+                <a:solidFill>
+                  <a:srgbClr val="B5CEA8"/>
+                </a:solidFill>
+                <a:effectLst/>
+                <a:latin typeface="Consolas" panose="020B0609020204030204" pitchFamily="49" charset="0"/>
+              </a:rPr>
+              <a:t>1</a:t>
+            </a:r>
+            <a:r>
+              <a:rPr lang="en-US" b="0" dirty="0">
+                <a:solidFill>
+                  <a:srgbClr val="D4D4D4"/>
+                </a:solidFill>
+                <a:effectLst/>
+                <a:latin typeface="Consolas" panose="020B0609020204030204" pitchFamily="49" charset="0"/>
+              </a:rPr>
+              <a:t>, </a:t>
+            </a:r>
+            <a:r>
+              <a:rPr lang="en-US" b="0" dirty="0">
+                <a:solidFill>
+                  <a:srgbClr val="B5CEA8"/>
+                </a:solidFill>
+                <a:effectLst/>
+                <a:latin typeface="Consolas" panose="020B0609020204030204" pitchFamily="49" charset="0"/>
+              </a:rPr>
+              <a:t>2</a:t>
+            </a:r>
+            <a:r>
+              <a:rPr lang="en-US" b="0" dirty="0">
+                <a:solidFill>
+                  <a:srgbClr val="D4D4D4"/>
+                </a:solidFill>
+                <a:effectLst/>
+                <a:latin typeface="Consolas" panose="020B0609020204030204" pitchFamily="49" charset="0"/>
+              </a:rPr>
+              <a:t>, </a:t>
+            </a:r>
+            <a:r>
+              <a:rPr lang="en-US" b="0" dirty="0">
+                <a:solidFill>
+                  <a:srgbClr val="B5CEA8"/>
+                </a:solidFill>
+                <a:effectLst/>
+                <a:latin typeface="Consolas" panose="020B0609020204030204" pitchFamily="49" charset="0"/>
+              </a:rPr>
+              <a:t>3</a:t>
+            </a:r>
+            <a:r>
+              <a:rPr lang="en-US" b="0" dirty="0">
+                <a:solidFill>
+                  <a:srgbClr val="D4D4D4"/>
+                </a:solidFill>
+                <a:effectLst/>
+                <a:latin typeface="Consolas" panose="020B0609020204030204" pitchFamily="49" charset="0"/>
+              </a:rPr>
+              <a:t>, </a:t>
+            </a:r>
+          </a:p>
+          <a:p>
+            <a:r>
+              <a:rPr lang="en-US" b="0" dirty="0">
+                <a:solidFill>
+                  <a:srgbClr val="D4D4D4"/>
+                </a:solidFill>
+                <a:effectLst/>
+                <a:latin typeface="Consolas" panose="020B0609020204030204" pitchFamily="49" charset="0"/>
+              </a:rPr>
+              <a:t>            </a:t>
+            </a:r>
+            <a:r>
+              <a:rPr lang="en-US" b="0" dirty="0">
+                <a:solidFill>
+                  <a:srgbClr val="C586C0"/>
+                </a:solidFill>
+                <a:effectLst/>
+                <a:latin typeface="Consolas" panose="020B0609020204030204" pitchFamily="49" charset="0"/>
+              </a:rPr>
+              <a:t>new</a:t>
+            </a:r>
+            <a:r>
+              <a:rPr lang="en-US" b="0" dirty="0">
+                <a:solidFill>
+                  <a:srgbClr val="D4D4D4"/>
+                </a:solidFill>
+                <a:effectLst/>
+                <a:latin typeface="Consolas" panose="020B0609020204030204" pitchFamily="49" charset="0"/>
+              </a:rPr>
+              <a:t> </a:t>
+            </a:r>
+            <a:r>
+              <a:rPr lang="en-US" b="0" dirty="0">
+                <a:solidFill>
+                  <a:srgbClr val="4EC9B0"/>
+                </a:solidFill>
+                <a:effectLst/>
+                <a:latin typeface="Consolas" panose="020B0609020204030204" pitchFamily="49" charset="0"/>
+              </a:rPr>
+              <a:t>Object</a:t>
+            </a:r>
+            <a:r>
+              <a:rPr lang="en-US" b="0" dirty="0">
+                <a:solidFill>
+                  <a:srgbClr val="D4D4D4"/>
+                </a:solidFill>
+                <a:effectLst/>
+                <a:latin typeface="Consolas" panose="020B0609020204030204" pitchFamily="49" charset="0"/>
+              </a:rPr>
+              <a:t>[]{</a:t>
+            </a:r>
+            <a:r>
+              <a:rPr lang="en-US" b="0" dirty="0">
+                <a:solidFill>
+                  <a:srgbClr val="B5CEA8"/>
+                </a:solidFill>
+                <a:effectLst/>
+                <a:latin typeface="Consolas" panose="020B0609020204030204" pitchFamily="49" charset="0"/>
+              </a:rPr>
+              <a:t>4</a:t>
+            </a:r>
+            <a:r>
+              <a:rPr lang="en-US" b="0" dirty="0">
+                <a:solidFill>
+                  <a:srgbClr val="D4D4D4"/>
+                </a:solidFill>
+                <a:effectLst/>
+                <a:latin typeface="Consolas" panose="020B0609020204030204" pitchFamily="49" charset="0"/>
+              </a:rPr>
+              <a:t>, </a:t>
+            </a:r>
+            <a:r>
+              <a:rPr lang="en-US" b="0" dirty="0">
+                <a:solidFill>
+                  <a:srgbClr val="B5CEA8"/>
+                </a:solidFill>
+                <a:effectLst/>
+                <a:latin typeface="Consolas" panose="020B0609020204030204" pitchFamily="49" charset="0"/>
+              </a:rPr>
+              <a:t>5</a:t>
+            </a:r>
+            <a:r>
+              <a:rPr lang="en-US" b="0" dirty="0">
+                <a:solidFill>
+                  <a:srgbClr val="D4D4D4"/>
+                </a:solidFill>
+                <a:effectLst/>
+                <a:latin typeface="Consolas" panose="020B0609020204030204" pitchFamily="49" charset="0"/>
+              </a:rPr>
+              <a:t>, </a:t>
+            </a:r>
+            <a:r>
+              <a:rPr lang="en-US" b="0" dirty="0">
+                <a:solidFill>
+                  <a:srgbClr val="C586C0"/>
+                </a:solidFill>
+                <a:effectLst/>
+                <a:latin typeface="Consolas" panose="020B0609020204030204" pitchFamily="49" charset="0"/>
+              </a:rPr>
+              <a:t>new</a:t>
+            </a:r>
+            <a:r>
+              <a:rPr lang="en-US" b="0" dirty="0">
+                <a:solidFill>
+                  <a:srgbClr val="D4D4D4"/>
+                </a:solidFill>
+                <a:effectLst/>
+                <a:latin typeface="Consolas" panose="020B0609020204030204" pitchFamily="49" charset="0"/>
+              </a:rPr>
+              <a:t> </a:t>
+            </a:r>
+            <a:r>
+              <a:rPr lang="en-US" b="0" dirty="0">
+                <a:solidFill>
+                  <a:srgbClr val="4EC9B0"/>
+                </a:solidFill>
+                <a:effectLst/>
+                <a:latin typeface="Consolas" panose="020B0609020204030204" pitchFamily="49" charset="0"/>
+              </a:rPr>
+              <a:t>Object</a:t>
+            </a:r>
+            <a:r>
+              <a:rPr lang="en-US" b="0" dirty="0">
+                <a:solidFill>
+                  <a:srgbClr val="D4D4D4"/>
+                </a:solidFill>
+                <a:effectLst/>
+                <a:latin typeface="Consolas" panose="020B0609020204030204" pitchFamily="49" charset="0"/>
+              </a:rPr>
+              <a:t>[]{</a:t>
+            </a:r>
+            <a:r>
+              <a:rPr lang="en-US" b="0" dirty="0">
+                <a:solidFill>
+                  <a:srgbClr val="B5CEA8"/>
+                </a:solidFill>
+                <a:effectLst/>
+                <a:latin typeface="Consolas" panose="020B0609020204030204" pitchFamily="49" charset="0"/>
+              </a:rPr>
+              <a:t>1</a:t>
+            </a:r>
+            <a:r>
+              <a:rPr lang="en-US" b="0" dirty="0">
+                <a:solidFill>
+                  <a:srgbClr val="D4D4D4"/>
+                </a:solidFill>
+                <a:effectLst/>
+                <a:latin typeface="Consolas" panose="020B0609020204030204" pitchFamily="49" charset="0"/>
+              </a:rPr>
+              <a:t>,</a:t>
+            </a:r>
+            <a:r>
+              <a:rPr lang="en-US" b="0" dirty="0">
+                <a:solidFill>
+                  <a:srgbClr val="B5CEA8"/>
+                </a:solidFill>
+                <a:effectLst/>
+                <a:latin typeface="Consolas" panose="020B0609020204030204" pitchFamily="49" charset="0"/>
+              </a:rPr>
+              <a:t>1</a:t>
+            </a:r>
+            <a:r>
+              <a:rPr lang="en-US" b="0" dirty="0">
+                <a:solidFill>
+                  <a:srgbClr val="D4D4D4"/>
+                </a:solidFill>
+                <a:effectLst/>
+                <a:latin typeface="Consolas" panose="020B0609020204030204" pitchFamily="49" charset="0"/>
+              </a:rPr>
+              <a:t>}},</a:t>
+            </a:r>
+          </a:p>
+          <a:p>
+            <a:r>
+              <a:rPr lang="en-US" b="0" dirty="0">
+                <a:solidFill>
+                  <a:srgbClr val="D4D4D4"/>
+                </a:solidFill>
+                <a:effectLst/>
+                <a:latin typeface="Consolas" panose="020B0609020204030204" pitchFamily="49" charset="0"/>
+              </a:rPr>
+              <a:t>            </a:t>
+            </a:r>
+            <a:r>
+              <a:rPr lang="en-US" b="0" dirty="0">
+                <a:solidFill>
+                  <a:srgbClr val="B5CEA8"/>
+                </a:solidFill>
+                <a:effectLst/>
+                <a:latin typeface="Consolas" panose="020B0609020204030204" pitchFamily="49" charset="0"/>
+              </a:rPr>
+              <a:t>10</a:t>
+            </a:r>
+            <a:r>
+              <a:rPr lang="en-US" b="0" dirty="0">
+                <a:solidFill>
+                  <a:srgbClr val="D4D4D4"/>
+                </a:solidFill>
+                <a:effectLst/>
+                <a:latin typeface="Consolas" panose="020B0609020204030204" pitchFamily="49" charset="0"/>
+              </a:rPr>
+              <a:t>, </a:t>
+            </a:r>
+            <a:r>
+              <a:rPr lang="en-US" b="0" dirty="0">
+                <a:solidFill>
+                  <a:srgbClr val="C586C0"/>
+                </a:solidFill>
+                <a:effectLst/>
+                <a:latin typeface="Consolas" panose="020B0609020204030204" pitchFamily="49" charset="0"/>
+              </a:rPr>
+              <a:t>new</a:t>
+            </a:r>
+            <a:r>
+              <a:rPr lang="en-US" b="0" dirty="0">
+                <a:solidFill>
+                  <a:srgbClr val="D4D4D4"/>
+                </a:solidFill>
+                <a:effectLst/>
+                <a:latin typeface="Consolas" panose="020B0609020204030204" pitchFamily="49" charset="0"/>
+              </a:rPr>
+              <a:t> </a:t>
+            </a:r>
+            <a:r>
+              <a:rPr lang="en-US" b="0" dirty="0">
+                <a:solidFill>
+                  <a:srgbClr val="4EC9B0"/>
+                </a:solidFill>
+                <a:effectLst/>
+                <a:latin typeface="Consolas" panose="020B0609020204030204" pitchFamily="49" charset="0"/>
+              </a:rPr>
+              <a:t>Integer</a:t>
+            </a:r>
+            <a:r>
+              <a:rPr lang="en-US" b="0" dirty="0">
+                <a:solidFill>
+                  <a:srgbClr val="D4D4D4"/>
+                </a:solidFill>
+                <a:effectLst/>
+                <a:latin typeface="Consolas" panose="020B0609020204030204" pitchFamily="49" charset="0"/>
+              </a:rPr>
+              <a:t>[]{</a:t>
+            </a:r>
+            <a:r>
+              <a:rPr lang="en-US" b="0" dirty="0">
+                <a:solidFill>
+                  <a:srgbClr val="B5CEA8"/>
+                </a:solidFill>
+                <a:effectLst/>
+                <a:latin typeface="Consolas" panose="020B0609020204030204" pitchFamily="49" charset="0"/>
+              </a:rPr>
+              <a:t>2</a:t>
+            </a:r>
+            <a:r>
+              <a:rPr lang="en-US" b="0" dirty="0">
+                <a:solidFill>
+                  <a:srgbClr val="D4D4D4"/>
+                </a:solidFill>
+                <a:effectLst/>
+                <a:latin typeface="Consolas" panose="020B0609020204030204" pitchFamily="49" charset="0"/>
+              </a:rPr>
+              <a:t>,</a:t>
+            </a:r>
+            <a:r>
+              <a:rPr lang="en-US" b="0" dirty="0">
+                <a:solidFill>
+                  <a:srgbClr val="B5CEA8"/>
+                </a:solidFill>
+                <a:effectLst/>
+                <a:latin typeface="Consolas" panose="020B0609020204030204" pitchFamily="49" charset="0"/>
+              </a:rPr>
+              <a:t>2</a:t>
+            </a:r>
+            <a:r>
+              <a:rPr lang="en-US" b="0" dirty="0">
+                <a:solidFill>
+                  <a:srgbClr val="D4D4D4"/>
+                </a:solidFill>
+                <a:effectLst/>
+                <a:latin typeface="Consolas" panose="020B0609020204030204" pitchFamily="49" charset="0"/>
+              </a:rPr>
+              <a:t>}, </a:t>
+            </a:r>
+            <a:r>
+              <a:rPr lang="en-US" b="0" dirty="0">
+                <a:solidFill>
+                  <a:srgbClr val="B5CEA8"/>
+                </a:solidFill>
+                <a:effectLst/>
+                <a:latin typeface="Consolas" panose="020B0609020204030204" pitchFamily="49" charset="0"/>
+              </a:rPr>
+              <a:t>1</a:t>
+            </a:r>
+            <a:r>
+              <a:rPr lang="en-US" b="0" dirty="0">
+                <a:solidFill>
+                  <a:srgbClr val="D4D4D4"/>
+                </a:solidFill>
+                <a:effectLst/>
+                <a:latin typeface="Consolas" panose="020B0609020204030204" pitchFamily="49" charset="0"/>
+              </a:rPr>
+              <a:t>, </a:t>
+            </a:r>
+            <a:r>
+              <a:rPr lang="en-US" b="0" dirty="0">
+                <a:solidFill>
+                  <a:srgbClr val="B5CEA8"/>
+                </a:solidFill>
+                <a:effectLst/>
+                <a:latin typeface="Consolas" panose="020B0609020204030204" pitchFamily="49" charset="0"/>
+              </a:rPr>
+              <a:t>10</a:t>
+            </a:r>
+            <a:r>
+              <a:rPr lang="en-US" b="0" dirty="0">
+                <a:solidFill>
+                  <a:srgbClr val="D4D4D4"/>
+                </a:solidFill>
+                <a:effectLst/>
+                <a:latin typeface="Consolas" panose="020B0609020204030204" pitchFamily="49" charset="0"/>
+              </a:rPr>
+              <a:t>};</a:t>
+            </a:r>
+          </a:p>
+          <a:p>
+            <a:r>
+              <a:rPr lang="en-US" b="0" dirty="0">
+                <a:solidFill>
+                  <a:srgbClr val="D4D4D4"/>
+                </a:solidFill>
+                <a:effectLst/>
+                <a:latin typeface="Consolas" panose="020B0609020204030204" pitchFamily="49" charset="0"/>
+              </a:rPr>
+              <a:t>        </a:t>
+            </a:r>
+            <a:r>
+              <a:rPr lang="en-US" b="0" dirty="0" err="1">
+                <a:solidFill>
+                  <a:srgbClr val="4EC9B0"/>
+                </a:solidFill>
+                <a:effectLst/>
+                <a:latin typeface="Consolas" panose="020B0609020204030204" pitchFamily="49" charset="0"/>
+              </a:rPr>
+              <a:t>System</a:t>
+            </a:r>
+            <a:r>
+              <a:rPr lang="en-US" b="0" dirty="0" err="1">
+                <a:solidFill>
+                  <a:srgbClr val="D4D4D4"/>
+                </a:solidFill>
+                <a:effectLst/>
+                <a:latin typeface="Consolas" panose="020B0609020204030204" pitchFamily="49" charset="0"/>
+              </a:rPr>
+              <a:t>.</a:t>
+            </a:r>
+            <a:r>
+              <a:rPr lang="en-US" b="0" dirty="0" err="1">
+                <a:solidFill>
+                  <a:srgbClr val="4FC1FF"/>
+                </a:solidFill>
+                <a:effectLst/>
+                <a:latin typeface="Consolas" panose="020B0609020204030204" pitchFamily="49" charset="0"/>
+              </a:rPr>
+              <a:t>out</a:t>
+            </a:r>
+            <a:r>
+              <a:rPr lang="en-US" b="0" dirty="0" err="1">
+                <a:solidFill>
+                  <a:srgbClr val="D4D4D4"/>
+                </a:solidFill>
+                <a:effectLst/>
+                <a:latin typeface="Consolas" panose="020B0609020204030204" pitchFamily="49" charset="0"/>
+              </a:rPr>
+              <a:t>.</a:t>
+            </a:r>
+            <a:r>
+              <a:rPr lang="en-US" b="0" dirty="0" err="1">
+                <a:solidFill>
+                  <a:srgbClr val="DCDCAA"/>
+                </a:solidFill>
+                <a:effectLst/>
+                <a:latin typeface="Consolas" panose="020B0609020204030204" pitchFamily="49" charset="0"/>
+              </a:rPr>
+              <a:t>println</a:t>
+            </a:r>
+            <a:r>
+              <a:rPr lang="en-US" b="0" dirty="0">
+                <a:solidFill>
+                  <a:srgbClr val="D4D4D4"/>
+                </a:solidFill>
+                <a:effectLst/>
+                <a:latin typeface="Consolas" panose="020B0609020204030204" pitchFamily="49" charset="0"/>
+              </a:rPr>
+              <a:t>(</a:t>
+            </a:r>
+            <a:r>
+              <a:rPr lang="en-US" b="0" dirty="0">
+                <a:solidFill>
+                  <a:srgbClr val="DCDCAA"/>
+                </a:solidFill>
+                <a:effectLst/>
+                <a:latin typeface="Consolas" panose="020B0609020204030204" pitchFamily="49" charset="0"/>
+              </a:rPr>
+              <a:t>sum</a:t>
+            </a:r>
+            <a:r>
+              <a:rPr lang="en-US" b="0" dirty="0">
+                <a:solidFill>
+                  <a:srgbClr val="D4D4D4"/>
+                </a:solidFill>
+                <a:effectLst/>
+                <a:latin typeface="Consolas" panose="020B0609020204030204" pitchFamily="49" charset="0"/>
+              </a:rPr>
+              <a:t>(</a:t>
+            </a:r>
+            <a:r>
+              <a:rPr lang="en-US" b="0" dirty="0">
+                <a:solidFill>
+                  <a:srgbClr val="9CDCFE"/>
+                </a:solidFill>
+                <a:effectLst/>
+                <a:latin typeface="Consolas" panose="020B0609020204030204" pitchFamily="49" charset="0"/>
+              </a:rPr>
+              <a:t>values</a:t>
+            </a:r>
+            <a:r>
+              <a:rPr lang="en-US" b="0" dirty="0">
+                <a:solidFill>
+                  <a:srgbClr val="D4D4D4"/>
+                </a:solidFill>
+                <a:effectLst/>
+                <a:latin typeface="Consolas" panose="020B0609020204030204" pitchFamily="49" charset="0"/>
+              </a:rPr>
+              <a:t>));                              </a:t>
+            </a:r>
+          </a:p>
+          <a:p>
+            <a:r>
+              <a:rPr lang="en-US" b="0" dirty="0">
+                <a:solidFill>
+                  <a:srgbClr val="D4D4D4"/>
+                </a:solidFill>
+                <a:effectLst/>
+                <a:latin typeface="Consolas" panose="020B0609020204030204" pitchFamily="49" charset="0"/>
+              </a:rPr>
+              <a:t>    }</a:t>
+            </a:r>
+          </a:p>
+          <a:p>
+            <a:r>
+              <a:rPr lang="en-US" b="0" dirty="0">
+                <a:solidFill>
+                  <a:srgbClr val="D4D4D4"/>
+                </a:solidFill>
+                <a:effectLst/>
+                <a:latin typeface="Consolas" panose="020B0609020204030204" pitchFamily="49" charset="0"/>
+              </a:rPr>
+              <a:t>} </a:t>
+            </a:r>
+          </a:p>
+        </p:txBody>
+      </p:sp>
+      <p:sp>
+        <p:nvSpPr>
+          <p:cNvPr id="8" name="TextBox 7">
+            <a:extLst>
+              <a:ext uri="{FF2B5EF4-FFF2-40B4-BE49-F238E27FC236}">
+                <a16:creationId xmlns:a16="http://schemas.microsoft.com/office/drawing/2014/main" id="{C0D60C2F-F5DD-43A5-9A93-26861644E962}"/>
+              </a:ext>
+            </a:extLst>
+          </p:cNvPr>
+          <p:cNvSpPr txBox="1"/>
+          <p:nvPr/>
+        </p:nvSpPr>
+        <p:spPr>
+          <a:xfrm>
+            <a:off x="9768114" y="6664674"/>
+            <a:ext cx="4412341" cy="400110"/>
+          </a:xfrm>
+          <a:prstGeom prst="rect">
+            <a:avLst/>
+          </a:prstGeom>
+          <a:noFill/>
+        </p:spPr>
+        <p:txBody>
+          <a:bodyPr wrap="square" rtlCol="0">
+            <a:spAutoFit/>
+          </a:bodyPr>
+          <a:lstStyle/>
+          <a:p>
+            <a:r>
+              <a:rPr lang="en-US" dirty="0">
+                <a:solidFill>
+                  <a:schemeClr val="bg1"/>
+                </a:solidFill>
+              </a:rPr>
+              <a:t>Add values for the answer…</a:t>
+            </a:r>
+          </a:p>
+        </p:txBody>
+      </p:sp>
+    </p:spTree>
+    <p:extLst>
+      <p:ext uri="{BB962C8B-B14F-4D97-AF65-F5344CB8AC3E}">
+        <p14:creationId xmlns:p14="http://schemas.microsoft.com/office/powerpoint/2010/main" val="3830479077"/>
       </p:ext>
     </p:extLst>
   </p:cSld>

--- a/slides/On-Campus/10_03_IntrotoRecursion.pptx
+++ b/slides/On-Campus/10_03_IntrotoRecursion.pptx
@@ -17996,7 +17996,15 @@
           <a:p>
             <a:r>
               <a:rPr lang="en-US" dirty="0"/>
-              <a:t>Solution  - Recursion! </a:t>
+              <a:t>Solution  - </a:t>
+            </a:r>
+            <a:r>
+              <a:rPr lang="en-US" b="1" dirty="0"/>
+              <a:t>Recursion</a:t>
+            </a:r>
+            <a:r>
+              <a:rPr lang="en-US" dirty="0"/>
+              <a:t>! </a:t>
             </a:r>
           </a:p>
         </p:txBody>
